--- a/Boston Sightseeing.pptx
+++ b/Boston Sightseeing.pptx
@@ -10,7 +10,7 @@
     <p:sldId id="268" r:id="rId4"/>
     <p:sldId id="275" r:id="rId5"/>
     <p:sldId id="276" r:id="rId6"/>
-    <p:sldId id="272" r:id="rId7"/>
+    <p:sldId id="283" r:id="rId7"/>
     <p:sldId id="258" r:id="rId8"/>
     <p:sldId id="271" r:id="rId9"/>
     <p:sldId id="264" r:id="rId10"/>
@@ -20,11 +20,17 @@
     <p:sldId id="269" r:id="rId14"/>
     <p:sldId id="267" r:id="rId15"/>
     <p:sldId id="262" r:id="rId16"/>
-    <p:sldId id="263" r:id="rId17"/>
-    <p:sldId id="273" r:id="rId18"/>
-    <p:sldId id="260" r:id="rId19"/>
-    <p:sldId id="265" r:id="rId20"/>
-    <p:sldId id="261" r:id="rId21"/>
+    <p:sldId id="282" r:id="rId17"/>
+    <p:sldId id="280" r:id="rId18"/>
+    <p:sldId id="281" r:id="rId19"/>
+    <p:sldId id="263" r:id="rId20"/>
+    <p:sldId id="273" r:id="rId21"/>
+    <p:sldId id="260" r:id="rId22"/>
+    <p:sldId id="265" r:id="rId23"/>
+    <p:sldId id="279" r:id="rId24"/>
+    <p:sldId id="277" r:id="rId25"/>
+    <p:sldId id="278" r:id="rId26"/>
+    <p:sldId id="261" r:id="rId27"/>
   </p:sldIdLst>
   <p:sldSz cx="12192000" cy="6858000"/>
   <p:notesSz cx="6858000" cy="9144000"/>
@@ -126,7 +132,7 @@
   <p:extLst>
     <p:ext uri="{EFAFB233-063F-42B5-8137-9DF3F51BA10A}">
       <p15:sldGuideLst xmlns:p15="http://schemas.microsoft.com/office/powerpoint/2012/main">
-        <p15:guide id="1" orient="horz" pos="1128" userDrawn="1">
+        <p15:guide id="1" orient="horz" pos="1152" userDrawn="1">
           <p15:clr>
             <a:srgbClr val="A4A3A4"/>
           </p15:clr>
@@ -152,6 +158,21 @@
           </p15:clr>
         </p15:guide>
         <p15:guide id="6" pos="432" userDrawn="1">
+          <p15:clr>
+            <a:srgbClr val="A4A3A4"/>
+          </p15:clr>
+        </p15:guide>
+        <p15:guide id="7" orient="horz" pos="768" userDrawn="1">
+          <p15:clr>
+            <a:srgbClr val="A4A3A4"/>
+          </p15:clr>
+        </p15:guide>
+        <p15:guide id="8" orient="horz" pos="528" userDrawn="1">
+          <p15:clr>
+            <a:srgbClr val="A4A3A4"/>
+          </p15:clr>
+        </p15:guide>
+        <p15:guide id="9" pos="600" userDrawn="1">
           <p15:clr>
             <a:srgbClr val="A4A3A4"/>
           </p15:clr>
@@ -3178,7 +3199,7 @@
           <a:p>
             <a:r>
               <a:rPr lang="en-IN" dirty="0"/>
-              <a:t>OBJECTIVE FUNCTION</a:t>
+              <a:t>Objective Function</a:t>
             </a:r>
           </a:p>
         </p:txBody>
@@ -3195,7 +3216,7 @@
                 <p:ph idx="1"/>
                 <p:extLst>
                   <p:ext uri="{D42A27DB-BD31-4B8C-83A1-F6EECF244321}">
-                    <p14:modId xmlns:p14="http://schemas.microsoft.com/office/powerpoint/2010/main" val="1164323852"/>
+                    <p14:modId xmlns:p14="http://schemas.microsoft.com/office/powerpoint/2010/main" val="3953146750"/>
                   </p:ext>
                 </p:extLst>
               </p:nvPr>
@@ -3329,7 +3350,7 @@
                         <a:p>
                           <a:pPr algn="l"/>
                           <a:r>
-                            <a:rPr lang="en-US" sz="1600" b="1" dirty="0">
+                            <a:rPr lang="en-US" sz="1400" b="1" dirty="0">
                               <a:solidFill>
                                 <a:srgbClr val="7F0055"/>
                               </a:solidFill>
@@ -3338,7 +3359,7 @@
                             <a:t>maximize </a:t>
                           </a:r>
                           <a:r>
-                            <a:rPr lang="en-US" sz="1600" b="0" dirty="0" err="1">
+                            <a:rPr lang="en-US" sz="1400" b="0" dirty="0" err="1">
                               <a:solidFill>
                                 <a:srgbClr val="000000"/>
                               </a:solidFill>
@@ -3347,7 +3368,7 @@
                             <a:t>TotalVisits</a:t>
                           </a:r>
                           <a:r>
-                            <a:rPr lang="en-US" sz="1600" b="1" dirty="0">
+                            <a:rPr lang="en-US" sz="1400" b="1" dirty="0">
                               <a:solidFill>
                                 <a:srgbClr val="000000"/>
                               </a:solidFill>
@@ -3359,7 +3380,7 @@
                         <a:p>
                           <a:pPr algn="l"/>
                           <a:r>
-                            <a:rPr lang="en-US" sz="1600" b="1" dirty="0">
+                            <a:rPr lang="en-US" sz="1400" b="1" dirty="0">
                               <a:solidFill>
                                 <a:srgbClr val="7F0055"/>
                               </a:solidFill>
@@ -3368,7 +3389,7 @@
                             <a:t>sum </a:t>
                           </a:r>
                           <a:r>
-                            <a:rPr lang="en-US" sz="1600" b="0" dirty="0">
+                            <a:rPr lang="en-US" sz="1400" b="0" dirty="0">
                               <a:solidFill>
                                 <a:srgbClr val="000000"/>
                               </a:solidFill>
@@ -3380,7 +3401,7 @@
                         <a:p>
                           <a:pPr algn="l"/>
                           <a:r>
-                            <a:rPr lang="en-US" sz="1600" b="0" dirty="0">
+                            <a:rPr lang="en-US" sz="1400" b="0" dirty="0">
                               <a:solidFill>
                                 <a:srgbClr val="000000"/>
                               </a:solidFill>
@@ -3389,7 +3410,7 @@
                             <a:t>(</a:t>
                           </a:r>
                           <a:r>
-                            <a:rPr lang="en-US" sz="1600" b="0" dirty="0" err="1">
+                            <a:rPr lang="en-US" sz="1400" b="0" dirty="0" err="1">
                               <a:solidFill>
                                 <a:srgbClr val="000000"/>
                               </a:solidFill>
@@ -3398,7 +3419,7 @@
                             <a:t>src,dst</a:t>
                           </a:r>
                           <a:r>
-                            <a:rPr lang="en-US" sz="1600" b="0" dirty="0">
+                            <a:rPr lang="en-US" sz="1400" b="0" dirty="0">
                               <a:solidFill>
                                 <a:srgbClr val="000000"/>
                               </a:solidFill>
@@ -3407,7 +3428,7 @@
                             <a:t>) </a:t>
                           </a:r>
                           <a:r>
-                            <a:rPr lang="en-US" sz="1600" b="1" dirty="0">
+                            <a:rPr lang="en-US" sz="1400" b="1" dirty="0">
                               <a:solidFill>
                                 <a:srgbClr val="7F0055"/>
                               </a:solidFill>
@@ -3419,7 +3440,7 @@
                         <a:p>
                           <a:pPr algn="l"/>
                           <a:r>
-                            <a:rPr lang="en-US" sz="1600" b="0" dirty="0">
+                            <a:rPr lang="en-US" sz="1400" b="0" dirty="0">
                               <a:solidFill>
                                 <a:srgbClr val="000000"/>
                               </a:solidFill>
@@ -3428,7 +3449,7 @@
                             <a:t> (TRAVEL_PLACES</a:t>
                           </a:r>
                           <a:r>
-                            <a:rPr lang="en-US" sz="1600" b="1" dirty="0">
+                            <a:rPr lang="en-US" sz="1400" b="1" dirty="0">
                               <a:solidFill>
                                 <a:srgbClr val="000000"/>
                               </a:solidFill>
@@ -3437,7 +3458,7 @@
                             <a:t> </a:t>
                           </a:r>
                           <a:r>
-                            <a:rPr lang="en-US" sz="1600" b="1" dirty="0">
+                            <a:rPr lang="en-US" sz="1400" b="1" dirty="0">
                               <a:solidFill>
                                 <a:srgbClr val="7F0055"/>
                               </a:solidFill>
@@ -3449,7 +3470,7 @@
                         <a:p>
                           <a:pPr algn="l"/>
                           <a:r>
-                            <a:rPr lang="en-US" sz="1600" dirty="0">
+                            <a:rPr lang="en-US" sz="1400" dirty="0">
                               <a:solidFill>
                                 <a:srgbClr val="000000"/>
                               </a:solidFill>
@@ -3458,7 +3479,7 @@
                             <a:t>   (TRAVEL_PLACES </a:t>
                           </a:r>
                           <a:r>
-                            <a:rPr lang="en-US" sz="1600" b="1" dirty="0">
+                            <a:rPr lang="en-US" sz="1400" b="1" dirty="0">
                               <a:solidFill>
                                 <a:srgbClr val="7F0055"/>
                               </a:solidFill>
@@ -3467,7 +3488,7 @@
                             <a:t>union </a:t>
                           </a:r>
                           <a:r>
-                            <a:rPr lang="en-US" sz="1600" b="0" dirty="0">
+                            <a:rPr lang="en-US" sz="1400" b="0" dirty="0">
                               <a:solidFill>
                                 <a:srgbClr val="000000"/>
                               </a:solidFill>
@@ -3479,7 +3500,7 @@
                         <a:p>
                           <a:pPr algn="l"/>
                           <a:r>
-                            <a:rPr lang="en-US" sz="1600" b="0" dirty="0">
+                            <a:rPr lang="en-US" sz="1400" b="0" dirty="0">
                               <a:solidFill>
                                 <a:srgbClr val="000000"/>
                               </a:solidFill>
@@ -3491,7 +3512,7 @@
                         <a:p>
                           <a:pPr algn="l"/>
                           <a:r>
-                            <a:rPr lang="en-US" sz="1600" b="0" dirty="0">
+                            <a:rPr lang="en-US" sz="1400" b="0" dirty="0">
                               <a:solidFill>
                                 <a:srgbClr val="000000"/>
                               </a:solidFill>
@@ -3500,7 +3521,7 @@
                             <a:t> </a:t>
                           </a:r>
                           <a:r>
-                            <a:rPr lang="en-US" sz="1600" dirty="0">
+                            <a:rPr lang="en-US" sz="1400" dirty="0">
                               <a:solidFill>
                                 <a:srgbClr val="000000"/>
                               </a:solidFill>
@@ -3509,7 +3530,7 @@
                             <a:t>day </a:t>
                           </a:r>
                           <a:r>
-                            <a:rPr lang="en-US" sz="1600" b="1" dirty="0">
+                            <a:rPr lang="en-US" sz="1400" b="1" dirty="0">
                               <a:solidFill>
                                 <a:srgbClr val="7F0055"/>
                               </a:solidFill>
@@ -3518,7 +3539,7 @@
                             <a:t>in </a:t>
                           </a:r>
                           <a:r>
-                            <a:rPr lang="en-US" sz="1600" b="0" dirty="0">
+                            <a:rPr lang="en-US" sz="1400" b="0" dirty="0">
                               <a:solidFill>
                                 <a:srgbClr val="000000"/>
                               </a:solidFill>
@@ -3530,7 +3551,7 @@
                         <a:p>
                           <a:pPr algn="l"/>
                           <a:r>
-                            <a:rPr lang="en-US" sz="1600" dirty="0">
+                            <a:rPr lang="en-US" sz="1400" dirty="0">
                               <a:solidFill>
                                 <a:srgbClr val="000000"/>
                               </a:solidFill>
@@ -3539,7 +3560,7 @@
                             <a:t>travel[</a:t>
                           </a:r>
                           <a:r>
-                            <a:rPr lang="en-US" sz="1600" dirty="0" err="1">
+                            <a:rPr lang="en-US" sz="1400" dirty="0" err="1">
                               <a:solidFill>
                                 <a:srgbClr val="000000"/>
                               </a:solidFill>
@@ -3548,7 +3569,7 @@
                             <a:t>src</a:t>
                           </a:r>
                           <a:r>
-                            <a:rPr lang="en-US" sz="1600" dirty="0">
+                            <a:rPr lang="en-US" sz="1400" dirty="0">
                               <a:solidFill>
                                 <a:srgbClr val="000000"/>
                               </a:solidFill>
@@ -3557,7 +3578,7 @@
                             <a:t>, </a:t>
                           </a:r>
                           <a:r>
-                            <a:rPr lang="en-US" sz="1600" dirty="0" err="1">
+                            <a:rPr lang="en-US" sz="1400" dirty="0" err="1">
                               <a:solidFill>
                                 <a:srgbClr val="000000"/>
                               </a:solidFill>
@@ -3566,7 +3587,7 @@
                             <a:t>dst</a:t>
                           </a:r>
                           <a:r>
-                            <a:rPr lang="en-US" sz="1600" dirty="0">
+                            <a:rPr lang="en-US" sz="1400" dirty="0">
                               <a:solidFill>
                                 <a:srgbClr val="000000"/>
                               </a:solidFill>
@@ -3578,7 +3599,7 @@
                         <a:p>
                           <a:pPr algn="l"/>
                           <a:r>
-                            <a:rPr lang="en-US" sz="1600" dirty="0">
+                            <a:rPr lang="en-US" sz="1400" dirty="0">
                               <a:solidFill>
                                 <a:srgbClr val="000000"/>
                               </a:solidFill>
@@ -3880,7 +3901,7 @@
                 <p:ph idx="1"/>
                 <p:extLst>
                   <p:ext uri="{D42A27DB-BD31-4B8C-83A1-F6EECF244321}">
-                    <p14:modId xmlns:p14="http://schemas.microsoft.com/office/powerpoint/2010/main" val="1164323852"/>
+                    <p14:modId xmlns:p14="http://schemas.microsoft.com/office/powerpoint/2010/main" val="3953146750"/>
                   </p:ext>
                 </p:extLst>
               </p:nvPr>
@@ -4014,7 +4035,7 @@
                         <a:p>
                           <a:pPr algn="l"/>
                           <a:r>
-                            <a:rPr lang="en-US" sz="1600" b="1" dirty="0">
+                            <a:rPr lang="en-US" sz="1400" b="1" dirty="0">
                               <a:solidFill>
                                 <a:srgbClr val="7F0055"/>
                               </a:solidFill>
@@ -4023,7 +4044,7 @@
                             <a:t>maximize </a:t>
                           </a:r>
                           <a:r>
-                            <a:rPr lang="en-US" sz="1600" b="0" dirty="0" err="1">
+                            <a:rPr lang="en-US" sz="1400" b="0" dirty="0" err="1">
                               <a:solidFill>
                                 <a:srgbClr val="000000"/>
                               </a:solidFill>
@@ -4032,7 +4053,7 @@
                             <a:t>TotalVisits</a:t>
                           </a:r>
                           <a:r>
-                            <a:rPr lang="en-US" sz="1600" b="1" dirty="0">
+                            <a:rPr lang="en-US" sz="1400" b="1" dirty="0">
                               <a:solidFill>
                                 <a:srgbClr val="000000"/>
                               </a:solidFill>
@@ -4044,7 +4065,7 @@
                         <a:p>
                           <a:pPr algn="l"/>
                           <a:r>
-                            <a:rPr lang="en-US" sz="1600" b="1" dirty="0">
+                            <a:rPr lang="en-US" sz="1400" b="1" dirty="0">
                               <a:solidFill>
                                 <a:srgbClr val="7F0055"/>
                               </a:solidFill>
@@ -4053,7 +4074,7 @@
                             <a:t>sum </a:t>
                           </a:r>
                           <a:r>
-                            <a:rPr lang="en-US" sz="1600" b="0" dirty="0">
+                            <a:rPr lang="en-US" sz="1400" b="0" dirty="0">
                               <a:solidFill>
                                 <a:srgbClr val="000000"/>
                               </a:solidFill>
@@ -4065,7 +4086,7 @@
                         <a:p>
                           <a:pPr algn="l"/>
                           <a:r>
-                            <a:rPr lang="en-US" sz="1600" b="0" dirty="0">
+                            <a:rPr lang="en-US" sz="1400" b="0" dirty="0">
                               <a:solidFill>
                                 <a:srgbClr val="000000"/>
                               </a:solidFill>
@@ -4074,7 +4095,7 @@
                             <a:t>(</a:t>
                           </a:r>
                           <a:r>
-                            <a:rPr lang="en-US" sz="1600" b="0" dirty="0" err="1">
+                            <a:rPr lang="en-US" sz="1400" b="0" dirty="0" err="1">
                               <a:solidFill>
                                 <a:srgbClr val="000000"/>
                               </a:solidFill>
@@ -4083,7 +4104,7 @@
                             <a:t>src,dst</a:t>
                           </a:r>
                           <a:r>
-                            <a:rPr lang="en-US" sz="1600" b="0" dirty="0">
+                            <a:rPr lang="en-US" sz="1400" b="0" dirty="0">
                               <a:solidFill>
                                 <a:srgbClr val="000000"/>
                               </a:solidFill>
@@ -4092,7 +4113,7 @@
                             <a:t>) </a:t>
                           </a:r>
                           <a:r>
-                            <a:rPr lang="en-US" sz="1600" b="1" dirty="0">
+                            <a:rPr lang="en-US" sz="1400" b="1" dirty="0">
                               <a:solidFill>
                                 <a:srgbClr val="7F0055"/>
                               </a:solidFill>
@@ -4104,7 +4125,7 @@
                         <a:p>
                           <a:pPr algn="l"/>
                           <a:r>
-                            <a:rPr lang="en-US" sz="1600" b="0" dirty="0">
+                            <a:rPr lang="en-US" sz="1400" b="0" dirty="0">
                               <a:solidFill>
                                 <a:srgbClr val="000000"/>
                               </a:solidFill>
@@ -4113,7 +4134,7 @@
                             <a:t> (TRAVEL_PLACES</a:t>
                           </a:r>
                           <a:r>
-                            <a:rPr lang="en-US" sz="1600" b="1" dirty="0">
+                            <a:rPr lang="en-US" sz="1400" b="1" dirty="0">
                               <a:solidFill>
                                 <a:srgbClr val="000000"/>
                               </a:solidFill>
@@ -4122,7 +4143,7 @@
                             <a:t> </a:t>
                           </a:r>
                           <a:r>
-                            <a:rPr lang="en-US" sz="1600" b="1" dirty="0">
+                            <a:rPr lang="en-US" sz="1400" b="1" dirty="0">
                               <a:solidFill>
                                 <a:srgbClr val="7F0055"/>
                               </a:solidFill>
@@ -4134,7 +4155,7 @@
                         <a:p>
                           <a:pPr algn="l"/>
                           <a:r>
-                            <a:rPr lang="en-US" sz="1600" dirty="0">
+                            <a:rPr lang="en-US" sz="1400" dirty="0">
                               <a:solidFill>
                                 <a:srgbClr val="000000"/>
                               </a:solidFill>
@@ -4143,7 +4164,7 @@
                             <a:t>   (TRAVEL_PLACES </a:t>
                           </a:r>
                           <a:r>
-                            <a:rPr lang="en-US" sz="1600" b="1" dirty="0">
+                            <a:rPr lang="en-US" sz="1400" b="1" dirty="0">
                               <a:solidFill>
                                 <a:srgbClr val="7F0055"/>
                               </a:solidFill>
@@ -4152,7 +4173,7 @@
                             <a:t>union </a:t>
                           </a:r>
                           <a:r>
-                            <a:rPr lang="en-US" sz="1600" b="0" dirty="0">
+                            <a:rPr lang="en-US" sz="1400" b="0" dirty="0">
                               <a:solidFill>
                                 <a:srgbClr val="000000"/>
                               </a:solidFill>
@@ -4164,7 +4185,7 @@
                         <a:p>
                           <a:pPr algn="l"/>
                           <a:r>
-                            <a:rPr lang="en-US" sz="1600" b="0" dirty="0">
+                            <a:rPr lang="en-US" sz="1400" b="0" dirty="0">
                               <a:solidFill>
                                 <a:srgbClr val="000000"/>
                               </a:solidFill>
@@ -4176,7 +4197,7 @@
                         <a:p>
                           <a:pPr algn="l"/>
                           <a:r>
-                            <a:rPr lang="en-US" sz="1600" b="0" dirty="0">
+                            <a:rPr lang="en-US" sz="1400" b="0" dirty="0">
                               <a:solidFill>
                                 <a:srgbClr val="000000"/>
                               </a:solidFill>
@@ -4185,7 +4206,7 @@
                             <a:t> </a:t>
                           </a:r>
                           <a:r>
-                            <a:rPr lang="en-US" sz="1600" dirty="0">
+                            <a:rPr lang="en-US" sz="1400" dirty="0">
                               <a:solidFill>
                                 <a:srgbClr val="000000"/>
                               </a:solidFill>
@@ -4194,7 +4215,7 @@
                             <a:t>day </a:t>
                           </a:r>
                           <a:r>
-                            <a:rPr lang="en-US" sz="1600" b="1" dirty="0">
+                            <a:rPr lang="en-US" sz="1400" b="1" dirty="0">
                               <a:solidFill>
                                 <a:srgbClr val="7F0055"/>
                               </a:solidFill>
@@ -4203,7 +4224,7 @@
                             <a:t>in </a:t>
                           </a:r>
                           <a:r>
-                            <a:rPr lang="en-US" sz="1600" b="0" dirty="0">
+                            <a:rPr lang="en-US" sz="1400" b="0" dirty="0">
                               <a:solidFill>
                                 <a:srgbClr val="000000"/>
                               </a:solidFill>
@@ -4215,7 +4236,7 @@
                         <a:p>
                           <a:pPr algn="l"/>
                           <a:r>
-                            <a:rPr lang="en-US" sz="1600" dirty="0">
+                            <a:rPr lang="en-US" sz="1400" dirty="0">
                               <a:solidFill>
                                 <a:srgbClr val="000000"/>
                               </a:solidFill>
@@ -4224,7 +4245,7 @@
                             <a:t>travel[</a:t>
                           </a:r>
                           <a:r>
-                            <a:rPr lang="en-US" sz="1600" dirty="0" err="1">
+                            <a:rPr lang="en-US" sz="1400" dirty="0" err="1">
                               <a:solidFill>
                                 <a:srgbClr val="000000"/>
                               </a:solidFill>
@@ -4233,7 +4254,7 @@
                             <a:t>src</a:t>
                           </a:r>
                           <a:r>
-                            <a:rPr lang="en-US" sz="1600" dirty="0">
+                            <a:rPr lang="en-US" sz="1400" dirty="0">
                               <a:solidFill>
                                 <a:srgbClr val="000000"/>
                               </a:solidFill>
@@ -4242,7 +4263,7 @@
                             <a:t>, </a:t>
                           </a:r>
                           <a:r>
-                            <a:rPr lang="en-US" sz="1600" dirty="0" err="1">
+                            <a:rPr lang="en-US" sz="1400" dirty="0" err="1">
                               <a:solidFill>
                                 <a:srgbClr val="000000"/>
                               </a:solidFill>
@@ -4251,7 +4272,7 @@
                             <a:t>dst</a:t>
                           </a:r>
                           <a:r>
-                            <a:rPr lang="en-US" sz="1600" dirty="0">
+                            <a:rPr lang="en-US" sz="1400" dirty="0">
                               <a:solidFill>
                                 <a:srgbClr val="000000"/>
                               </a:solidFill>
@@ -4263,7 +4284,7 @@
                         <a:p>
                           <a:pPr algn="l"/>
                           <a:r>
-                            <a:rPr lang="en-US" sz="1600" dirty="0">
+                            <a:rPr lang="en-US" sz="1400" dirty="0">
                               <a:solidFill>
                                 <a:srgbClr val="000000"/>
                               </a:solidFill>
@@ -4339,35 +4360,6 @@
           <a:chExt cx="0" cy="0"/>
         </a:xfrm>
       </p:grpSpPr>
-      <p:sp>
-        <p:nvSpPr>
-          <p:cNvPr id="2" name="Title 1"/>
-          <p:cNvSpPr>
-            <a:spLocks noGrp="1"/>
-          </p:cNvSpPr>
-          <p:nvPr>
-            <p:ph type="title"/>
-          </p:nvPr>
-        </p:nvSpPr>
-        <p:spPr>
-          <a:xfrm>
-            <a:off x="419100" y="200025"/>
-            <a:ext cx="10452100" cy="765175"/>
-          </a:xfrm>
-        </p:spPr>
-        <p:txBody>
-          <a:bodyPr>
-            <a:normAutofit/>
-          </a:bodyPr>
-          <a:lstStyle/>
-          <a:p>
-            <a:r>
-              <a:rPr lang="en-IN" dirty="0"/>
-              <a:t>TRAVEL CONSTRAINTS</a:t>
-            </a:r>
-          </a:p>
-        </p:txBody>
-      </p:sp>
       <mc:AlternateContent xmlns:mc="http://schemas.openxmlformats.org/markup-compatibility/2006">
         <mc:Choice xmlns:a14="http://schemas.microsoft.com/office/drawing/2010/main" Requires="a14">
           <p:graphicFrame>
@@ -4380,7 +4372,7 @@
                 <p:ph idx="1"/>
                 <p:extLst>
                   <p:ext uri="{D42A27DB-BD31-4B8C-83A1-F6EECF244321}">
-                    <p14:modId xmlns:p14="http://schemas.microsoft.com/office/powerpoint/2010/main" val="2028554051"/>
+                    <p14:modId xmlns:p14="http://schemas.microsoft.com/office/powerpoint/2010/main" val="3575518909"/>
                   </p:ext>
                 </p:extLst>
               </p:nvPr>
@@ -4493,75 +4485,104 @@
                         <a:bodyPr/>
                         <a:lstStyle/>
                         <a:p>
-                          <a:r>
-                            <a:rPr lang="en-US" sz="1600" kern="1200" dirty="0" err="1">
-                              <a:solidFill>
-                                <a:schemeClr val="dk1"/>
-                              </a:solidFill>
-                              <a:latin typeface="+mn-lt"/>
-                              <a:ea typeface="+mn-ea"/>
-                              <a:cs typeface="+mn-cs"/>
+                          <a:pPr algn="l"/>
+                          <a:r>
+                            <a:rPr lang="en-US" sz="1200" b="1" dirty="0" err="1">
+                              <a:solidFill>
+                                <a:srgbClr val="7F0055"/>
+                              </a:solidFill>
+                              <a:latin typeface="Consolas" panose="020B0609020204030204" pitchFamily="49" charset="0"/>
                             </a:rPr>
                             <a:t>s.t.</a:t>
                           </a:r>
                           <a:r>
-                            <a:rPr lang="en-US" sz="1600" kern="1200" dirty="0">
-                              <a:solidFill>
-                                <a:schemeClr val="dk1"/>
-                              </a:solidFill>
-                              <a:latin typeface="+mn-lt"/>
-                              <a:ea typeface="+mn-ea"/>
-                              <a:cs typeface="+mn-cs"/>
+                            <a:rPr lang="en-US" sz="1200" b="1" dirty="0">
+                              <a:solidFill>
+                                <a:srgbClr val="7F0055"/>
+                              </a:solidFill>
+                              <a:latin typeface="Consolas" panose="020B0609020204030204" pitchFamily="49" charset="0"/>
                             </a:rPr>
                             <a:t> </a:t>
                           </a:r>
                           <a:r>
-                            <a:rPr lang="en-US" sz="1600" kern="1200" dirty="0" err="1">
-                              <a:solidFill>
-                                <a:schemeClr val="dk1"/>
-                              </a:solidFill>
-                              <a:latin typeface="+mn-lt"/>
-                              <a:ea typeface="+mn-ea"/>
-                              <a:cs typeface="+mn-cs"/>
+                            <a:rPr lang="en-US" sz="1200" b="1" dirty="0" err="1">
+                              <a:solidFill>
+                                <a:srgbClr val="000000"/>
+                              </a:solidFill>
+                              <a:latin typeface="Consolas" panose="020B0609020204030204" pitchFamily="49" charset="0"/>
                             </a:rPr>
                             <a:t>NoSelfLoop</a:t>
                           </a:r>
                           <a:r>
-                            <a:rPr lang="en-US" sz="1600" kern="1200" dirty="0">
-                              <a:solidFill>
-                                <a:schemeClr val="dk1"/>
-                              </a:solidFill>
-                              <a:latin typeface="+mn-lt"/>
-                              <a:ea typeface="+mn-ea"/>
-                              <a:cs typeface="+mn-cs"/>
+                            <a:rPr lang="en-US" sz="1200" b="1" dirty="0">
+                              <a:solidFill>
+                                <a:srgbClr val="000000"/>
+                              </a:solidFill>
+                              <a:latin typeface="Consolas" panose="020B0609020204030204" pitchFamily="49" charset="0"/>
                             </a:rPr>
                             <a:t> {place </a:t>
                           </a:r>
                           <a:r>
-                            <a:rPr lang="en-US" sz="1600" b="1" kern="1200" dirty="0">
-                              <a:solidFill>
-                                <a:schemeClr val="dk1"/>
-                              </a:solidFill>
-                              <a:latin typeface="+mn-lt"/>
-                              <a:ea typeface="+mn-ea"/>
-                              <a:cs typeface="+mn-cs"/>
-                            </a:rPr>
-                            <a:t>in ALL_PLACES, day in DAYS}:</a:t>
-                          </a:r>
-                        </a:p>
-                        <a:p>
-                          <a:r>
-                            <a:rPr lang="en-IN" sz="1600" kern="1200" dirty="0">
-                              <a:solidFill>
-                                <a:schemeClr val="dk1"/>
-                              </a:solidFill>
-                              <a:latin typeface="+mn-lt"/>
-                              <a:ea typeface="+mn-ea"/>
-                              <a:cs typeface="+mn-cs"/>
+                            <a:rPr lang="en-US" sz="1200" b="1" dirty="0">
+                              <a:solidFill>
+                                <a:srgbClr val="7F0055"/>
+                              </a:solidFill>
+                              <a:latin typeface="Consolas" panose="020B0609020204030204" pitchFamily="49" charset="0"/>
+                            </a:rPr>
+                            <a:t>in </a:t>
+                          </a:r>
+                          <a:r>
+                            <a:rPr lang="en-US" sz="1200" b="1" dirty="0">
+                              <a:solidFill>
+                                <a:srgbClr val="000000"/>
+                              </a:solidFill>
+                              <a:latin typeface="Consolas" panose="020B0609020204030204" pitchFamily="49" charset="0"/>
+                            </a:rPr>
+                            <a:t>ALL_PLACES, </a:t>
+                          </a:r>
+                        </a:p>
+                        <a:p>
+                          <a:pPr algn="l"/>
+                          <a:r>
+                            <a:rPr lang="en-US" sz="1200" b="1" dirty="0">
+                              <a:solidFill>
+                                <a:srgbClr val="000000"/>
+                              </a:solidFill>
+                              <a:latin typeface="Consolas" panose="020B0609020204030204" pitchFamily="49" charset="0"/>
+                            </a:rPr>
+                            <a:t>day </a:t>
+                          </a:r>
+                          <a:r>
+                            <a:rPr lang="en-US" sz="1200" b="1" dirty="0">
+                              <a:solidFill>
+                                <a:srgbClr val="7F0055"/>
+                              </a:solidFill>
+                              <a:latin typeface="Consolas" panose="020B0609020204030204" pitchFamily="49" charset="0"/>
+                            </a:rPr>
+                            <a:t>in </a:t>
+                          </a:r>
+                          <a:r>
+                            <a:rPr lang="en-US" sz="1200" b="1" dirty="0">
+                              <a:solidFill>
+                                <a:srgbClr val="000000"/>
+                              </a:solidFill>
+                              <a:latin typeface="Consolas" panose="020B0609020204030204" pitchFamily="49" charset="0"/>
+                            </a:rPr>
+                            <a:t>DAYS}:</a:t>
+                          </a:r>
+                        </a:p>
+                        <a:p>
+                          <a:pPr algn="l"/>
+                          <a:r>
+                            <a:rPr lang="en-US" sz="1200" dirty="0">
+                              <a:solidFill>
+                                <a:srgbClr val="000000"/>
+                              </a:solidFill>
+                              <a:latin typeface="Consolas" panose="020B0609020204030204" pitchFamily="49" charset="0"/>
                             </a:rPr>
                             <a:t>travel[place, place, day] = 0;</a:t>
                           </a:r>
-                          <a:endParaRPr lang="en-IN" sz="1600" dirty="0"/>
+                          <a:endParaRPr lang="en-IN" sz="1200" dirty="0"/>
                         </a:p>
                       </a:txBody>
                       <a:tcPr anchor="ctr"/>
@@ -4743,7 +4764,56 @@
                                     <a:ea typeface="+mn-ea"/>
                                     <a:cs typeface="+mn-cs"/>
                                   </a:rPr>
-                                  <m:t>  ∀</m:t>
+                                  <m:t> </m:t>
+                                </m:r>
+                              </m:oMath>
+                            </m:oMathPara>
+                          </a14:m>
+                          <a:endParaRPr lang="en-US" sz="1600" i="1" kern="1200" dirty="0">
+                            <a:solidFill>
+                              <a:schemeClr val="dk1"/>
+                            </a:solidFill>
+                            <a:effectLst/>
+                            <a:latin typeface="Cambria Math" panose="02040503050406030204" pitchFamily="18" charset="0"/>
+                            <a:ea typeface="+mn-ea"/>
+                            <a:cs typeface="+mn-cs"/>
+                          </a:endParaRPr>
+                        </a:p>
+                        <a:p>
+                          <a:pPr marL="0" marR="0" indent="0" algn="l" defTabSz="914400" rtl="0" eaLnBrk="1" fontAlgn="auto" latinLnBrk="0" hangingPunct="1">
+                            <a:lnSpc>
+                              <a:spcPct val="100000"/>
+                            </a:lnSpc>
+                            <a:spcBef>
+                              <a:spcPts val="0"/>
+                            </a:spcBef>
+                            <a:spcAft>
+                              <a:spcPts val="0"/>
+                            </a:spcAft>
+                            <a:buClrTx/>
+                            <a:buSzTx/>
+                            <a:buFontTx/>
+                            <a:buNone/>
+                            <a:tabLst/>
+                            <a:defRPr/>
+                          </a:pPr>
+                          <a14:m>
+                            <m:oMathPara xmlns:m="http://schemas.openxmlformats.org/officeDocument/2006/math">
+                              <m:oMathParaPr>
+                                <m:jc m:val="centerGroup"/>
+                              </m:oMathParaPr>
+                              <m:oMath xmlns:m="http://schemas.openxmlformats.org/officeDocument/2006/math">
+                                <m:r>
+                                  <a:rPr lang="en-US" sz="1600" i="1" kern="1200">
+                                    <a:solidFill>
+                                      <a:schemeClr val="dk1"/>
+                                    </a:solidFill>
+                                    <a:effectLst/>
+                                    <a:latin typeface="Cambria Math" panose="02040503050406030204" pitchFamily="18" charset="0"/>
+                                    <a:ea typeface="+mn-ea"/>
+                                    <a:cs typeface="+mn-cs"/>
+                                  </a:rPr>
+                                  <m:t> ∀</m:t>
                                 </m:r>
                                 <m:r>
                                   <a:rPr lang="en-US" sz="1600" i="1" kern="1200">
@@ -4855,6 +4925,71 @@
                                   </a:rPr>
                                   <m:t>,</m:t>
                                 </m:r>
+                              </m:oMath>
+                            </m:oMathPara>
+                          </a14:m>
+                          <a:endParaRPr lang="en-US" sz="1600" i="1" kern="1200" dirty="0">
+                            <a:solidFill>
+                              <a:schemeClr val="dk1"/>
+                            </a:solidFill>
+                            <a:effectLst/>
+                            <a:latin typeface="Cambria Math" panose="02040503050406030204" pitchFamily="18" charset="0"/>
+                            <a:ea typeface="+mn-ea"/>
+                            <a:cs typeface="+mn-cs"/>
+                          </a:endParaRPr>
+                        </a:p>
+                        <a:p>
+                          <a:pPr marL="0" marR="0" indent="0" algn="l" defTabSz="914400" rtl="0" eaLnBrk="1" fontAlgn="auto" latinLnBrk="0" hangingPunct="1">
+                            <a:lnSpc>
+                              <a:spcPct val="100000"/>
+                            </a:lnSpc>
+                            <a:spcBef>
+                              <a:spcPts val="0"/>
+                            </a:spcBef>
+                            <a:spcAft>
+                              <a:spcPts val="0"/>
+                            </a:spcAft>
+                            <a:buClrTx/>
+                            <a:buSzTx/>
+                            <a:buFontTx/>
+                            <a:buNone/>
+                            <a:tabLst/>
+                            <a:defRPr/>
+                          </a:pPr>
+                          <a:endParaRPr lang="en-IN" sz="1600" i="1" kern="1200" dirty="0">
+                            <a:solidFill>
+                              <a:schemeClr val="dk1"/>
+                            </a:solidFill>
+                            <a:effectLst/>
+                            <a:latin typeface="Cambria Math" panose="02040503050406030204" pitchFamily="18" charset="0"/>
+                            <a:ea typeface="+mn-ea"/>
+                            <a:cs typeface="+mn-cs"/>
+                          </a:endParaRPr>
+                        </a:p>
+                        <a:p>
+                          <a:pPr marL="0" marR="0" indent="0" algn="l" defTabSz="914400" rtl="0" eaLnBrk="1" fontAlgn="auto" latinLnBrk="0" hangingPunct="1">
+                            <a:lnSpc>
+                              <a:spcPct val="100000"/>
+                            </a:lnSpc>
+                            <a:spcBef>
+                              <a:spcPts val="0"/>
+                            </a:spcBef>
+                            <a:spcAft>
+                              <a:spcPts val="0"/>
+                            </a:spcAft>
+                            <a:buClrTx/>
+                            <a:buSzTx/>
+                            <a:buFontTx/>
+                            <a:buNone/>
+                            <a:tabLst/>
+                            <a:defRPr/>
+                          </a:pPr>
+                          <a14:m>
+                            <m:oMathPara xmlns:m="http://schemas.openxmlformats.org/officeDocument/2006/math">
+                              <m:oMathParaPr>
+                                <m:jc m:val="centerGroup"/>
+                              </m:oMathParaPr>
+                              <m:oMath xmlns:m="http://schemas.openxmlformats.org/officeDocument/2006/math">
                                 <m:sSub>
                                   <m:sSubPr>
                                     <m:ctrlPr>
@@ -5023,216 +5158,306 @@
                         <a:bodyPr/>
                         <a:lstStyle/>
                         <a:p>
-                          <a:r>
-                            <a:rPr lang="en-US" sz="1600" b="1" kern="1200" dirty="0" err="1">
-                              <a:solidFill>
-                                <a:schemeClr val="dk1"/>
-                              </a:solidFill>
-                              <a:latin typeface="+mn-lt"/>
-                              <a:ea typeface="+mn-ea"/>
-                              <a:cs typeface="+mn-cs"/>
+                          <a:pPr algn="l"/>
+                          <a:r>
+                            <a:rPr lang="en-US" sz="1200" b="1" dirty="0" err="1">
+                              <a:solidFill>
+                                <a:srgbClr val="7F0055"/>
+                              </a:solidFill>
+                              <a:latin typeface="Consolas" panose="020B0609020204030204" pitchFamily="49" charset="0"/>
                             </a:rPr>
                             <a:t>s.t.</a:t>
                           </a:r>
                           <a:r>
-                            <a:rPr lang="en-US" sz="1600" b="1" kern="1200" dirty="0">
-                              <a:solidFill>
-                                <a:schemeClr val="dk1"/>
-                              </a:solidFill>
-                              <a:latin typeface="+mn-lt"/>
-                              <a:ea typeface="+mn-ea"/>
-                              <a:cs typeface="+mn-cs"/>
-                            </a:rPr>
-                            <a:t> sum {</a:t>
-                          </a:r>
-                          <a:r>
-                            <a:rPr lang="en-US" sz="1600" b="1" kern="1200" dirty="0" err="1">
-                              <a:solidFill>
-                                <a:schemeClr val="dk1"/>
-                              </a:solidFill>
-                              <a:latin typeface="+mn-lt"/>
-                              <a:ea typeface="+mn-ea"/>
-                              <a:cs typeface="+mn-cs"/>
+                            <a:rPr lang="en-US" sz="1200" b="1" dirty="0">
+                              <a:solidFill>
+                                <a:srgbClr val="7F0055"/>
+                              </a:solidFill>
+                              <a:latin typeface="Consolas" panose="020B0609020204030204" pitchFamily="49" charset="0"/>
+                            </a:rPr>
+                            <a:t> </a:t>
+                          </a:r>
+                          <a:r>
+                            <a:rPr lang="en-US" sz="1200" b="1" dirty="0" err="1">
+                              <a:solidFill>
+                                <a:srgbClr val="000000"/>
+                              </a:solidFill>
+                              <a:latin typeface="Consolas" panose="020B0609020204030204" pitchFamily="49" charset="0"/>
+                            </a:rPr>
+                            <a:t>TotalCost</a:t>
+                          </a:r>
+                          <a:r>
+                            <a:rPr lang="en-US" sz="1200" b="1" dirty="0">
+                              <a:solidFill>
+                                <a:srgbClr val="000000"/>
+                              </a:solidFill>
+                              <a:latin typeface="Consolas" panose="020B0609020204030204" pitchFamily="49" charset="0"/>
+                            </a:rPr>
+                            <a:t> : </a:t>
+                          </a:r>
+                        </a:p>
+                        <a:p>
+                          <a:pPr algn="l"/>
+                          <a:r>
+                            <a:rPr lang="en-US" sz="1200" dirty="0">
+                              <a:latin typeface="Consolas" panose="020B0609020204030204" pitchFamily="49" charset="0"/>
+                            </a:rPr>
+                            <a:t>  </a:t>
+                          </a:r>
+                          <a:r>
+                            <a:rPr lang="en-US" sz="1200" b="1" dirty="0">
+                              <a:solidFill>
+                                <a:srgbClr val="7F0055"/>
+                              </a:solidFill>
+                              <a:latin typeface="Consolas" panose="020B0609020204030204" pitchFamily="49" charset="0"/>
+                            </a:rPr>
+                            <a:t>sum </a:t>
+                          </a:r>
+                          <a:r>
+                            <a:rPr lang="en-US" sz="1200" b="1" dirty="0">
+                              <a:solidFill>
+                                <a:srgbClr val="000000"/>
+                              </a:solidFill>
+                              <a:latin typeface="Consolas" panose="020B0609020204030204" pitchFamily="49" charset="0"/>
+                            </a:rPr>
+                            <a:t>{</a:t>
+                          </a:r>
+                          <a:r>
+                            <a:rPr lang="en-US" sz="1200" b="1" dirty="0" err="1">
+                              <a:solidFill>
+                                <a:srgbClr val="000000"/>
+                              </a:solidFill>
+                              <a:latin typeface="Consolas" panose="020B0609020204030204" pitchFamily="49" charset="0"/>
                             </a:rPr>
                             <a:t>src</a:t>
                           </a:r>
                           <a:r>
-                            <a:rPr lang="en-US" sz="1600" b="1" kern="1200" dirty="0">
-                              <a:solidFill>
-                                <a:schemeClr val="dk1"/>
-                              </a:solidFill>
-                              <a:latin typeface="+mn-lt"/>
-                              <a:ea typeface="+mn-ea"/>
-                              <a:cs typeface="+mn-cs"/>
-                            </a:rPr>
-                            <a:t> in ALL_PLACES, </a:t>
-                          </a:r>
-                          <a:r>
-                            <a:rPr lang="en-US" sz="1600" b="1" kern="1200" dirty="0" err="1">
-                              <a:solidFill>
-                                <a:schemeClr val="dk1"/>
-                              </a:solidFill>
-                              <a:latin typeface="+mn-lt"/>
-                              <a:ea typeface="+mn-ea"/>
-                              <a:cs typeface="+mn-cs"/>
+                            <a:rPr lang="en-US" sz="1200" b="1" dirty="0">
+                              <a:solidFill>
+                                <a:srgbClr val="000000"/>
+                              </a:solidFill>
+                              <a:latin typeface="Consolas" panose="020B0609020204030204" pitchFamily="49" charset="0"/>
+                            </a:rPr>
+                            <a:t> </a:t>
+                          </a:r>
+                          <a:r>
+                            <a:rPr lang="en-US" sz="1200" b="1" dirty="0">
+                              <a:solidFill>
+                                <a:srgbClr val="7F0055"/>
+                              </a:solidFill>
+                              <a:latin typeface="Consolas" panose="020B0609020204030204" pitchFamily="49" charset="0"/>
+                            </a:rPr>
+                            <a:t>in </a:t>
+                          </a:r>
+                          <a:r>
+                            <a:rPr lang="en-US" sz="1200" b="1" dirty="0">
+                              <a:solidFill>
+                                <a:srgbClr val="000000"/>
+                              </a:solidFill>
+                              <a:latin typeface="Consolas" panose="020B0609020204030204" pitchFamily="49" charset="0"/>
+                            </a:rPr>
+                            <a:t>ALL_PLACES, </a:t>
+                          </a:r>
+                        </a:p>
+                        <a:p>
+                          <a:pPr algn="l"/>
+                          <a:r>
+                            <a:rPr lang="en-US" sz="1200" b="1" dirty="0" err="1">
+                              <a:solidFill>
+                                <a:srgbClr val="000000"/>
+                              </a:solidFill>
+                              <a:latin typeface="Consolas" panose="020B0609020204030204" pitchFamily="49" charset="0"/>
                             </a:rPr>
                             <a:t>dst</a:t>
                           </a:r>
                           <a:r>
-                            <a:rPr lang="en-US" sz="1600" b="1" kern="1200" dirty="0">
-                              <a:solidFill>
-                                <a:schemeClr val="dk1"/>
-                              </a:solidFill>
-                              <a:latin typeface="+mn-lt"/>
-                              <a:ea typeface="+mn-ea"/>
-                              <a:cs typeface="+mn-cs"/>
-                            </a:rPr>
-                            <a:t> in ALL_PLACES, day in DAYS}</a:t>
-                          </a:r>
-                        </a:p>
-                        <a:p>
-                          <a:r>
-                            <a:rPr lang="en-US" sz="1600" kern="1200" dirty="0">
-                              <a:solidFill>
-                                <a:schemeClr val="dk1"/>
-                              </a:solidFill>
-                              <a:latin typeface="+mn-lt"/>
-                              <a:ea typeface="+mn-ea"/>
-                              <a:cs typeface="+mn-cs"/>
-                            </a:rPr>
-                            <a:t>      (Cost[</a:t>
-                          </a:r>
-                          <a:r>
-                            <a:rPr lang="en-US" sz="1600" kern="1200" dirty="0" err="1">
-                              <a:solidFill>
-                                <a:schemeClr val="dk1"/>
-                              </a:solidFill>
-                              <a:latin typeface="+mn-lt"/>
-                              <a:ea typeface="+mn-ea"/>
-                              <a:cs typeface="+mn-cs"/>
+                            <a:rPr lang="en-US" sz="1200" b="1" dirty="0">
+                              <a:solidFill>
+                                <a:srgbClr val="000000"/>
+                              </a:solidFill>
+                              <a:latin typeface="Consolas" panose="020B0609020204030204" pitchFamily="49" charset="0"/>
+                            </a:rPr>
+                            <a:t> </a:t>
+                          </a:r>
+                          <a:r>
+                            <a:rPr lang="en-US" sz="1200" b="1" dirty="0">
+                              <a:solidFill>
+                                <a:srgbClr val="7F0055"/>
+                              </a:solidFill>
+                              <a:latin typeface="Consolas" panose="020B0609020204030204" pitchFamily="49" charset="0"/>
+                            </a:rPr>
+                            <a:t>in </a:t>
+                          </a:r>
+                          <a:r>
+                            <a:rPr lang="en-US" sz="1200" b="1" dirty="0">
+                              <a:solidFill>
+                                <a:srgbClr val="000000"/>
+                              </a:solidFill>
+                              <a:latin typeface="Consolas" panose="020B0609020204030204" pitchFamily="49" charset="0"/>
+                            </a:rPr>
+                            <a:t>ALL_PLACES, day </a:t>
+                          </a:r>
+                          <a:r>
+                            <a:rPr lang="en-US" sz="1200" b="1" dirty="0">
+                              <a:solidFill>
+                                <a:srgbClr val="7F0055"/>
+                              </a:solidFill>
+                              <a:latin typeface="Consolas" panose="020B0609020204030204" pitchFamily="49" charset="0"/>
+                            </a:rPr>
+                            <a:t>in </a:t>
+                          </a:r>
+                          <a:r>
+                            <a:rPr lang="en-US" sz="1200" b="1" dirty="0">
+                              <a:solidFill>
+                                <a:srgbClr val="000000"/>
+                              </a:solidFill>
+                              <a:latin typeface="Consolas" panose="020B0609020204030204" pitchFamily="49" charset="0"/>
+                            </a:rPr>
+                            <a:t>DAYS}</a:t>
+                          </a:r>
+                        </a:p>
+                        <a:p>
+                          <a:pPr algn="l"/>
+                          <a:r>
+                            <a:rPr lang="en-US" sz="1200" dirty="0">
+                              <a:solidFill>
+                                <a:srgbClr val="000000"/>
+                              </a:solidFill>
+                              <a:latin typeface="Consolas" panose="020B0609020204030204" pitchFamily="49" charset="0"/>
+                            </a:rPr>
+                            <a:t>(Cost[</a:t>
+                          </a:r>
+                          <a:r>
+                            <a:rPr lang="en-US" sz="1200" dirty="0" err="1">
+                              <a:solidFill>
+                                <a:srgbClr val="000000"/>
+                              </a:solidFill>
+                              <a:latin typeface="Consolas" panose="020B0609020204030204" pitchFamily="49" charset="0"/>
                             </a:rPr>
                             <a:t>src</a:t>
                           </a:r>
                           <a:r>
-                            <a:rPr lang="en-US" sz="1600" kern="1200" dirty="0">
-                              <a:solidFill>
-                                <a:schemeClr val="dk1"/>
-                              </a:solidFill>
-                              <a:latin typeface="+mn-lt"/>
-                              <a:ea typeface="+mn-ea"/>
-                              <a:cs typeface="+mn-cs"/>
+                            <a:rPr lang="en-US" sz="1200" dirty="0">
+                              <a:solidFill>
+                                <a:srgbClr val="000000"/>
+                              </a:solidFill>
+                              <a:latin typeface="Consolas" panose="020B0609020204030204" pitchFamily="49" charset="0"/>
                             </a:rPr>
                             <a:t>] + </a:t>
                           </a:r>
                           <a:r>
-                            <a:rPr lang="en-US" sz="1600" kern="1200" dirty="0" err="1">
-                              <a:solidFill>
-                                <a:schemeClr val="dk1"/>
-                              </a:solidFill>
-                              <a:latin typeface="+mn-lt"/>
-                              <a:ea typeface="+mn-ea"/>
-                              <a:cs typeface="+mn-cs"/>
+                            <a:rPr lang="en-US" sz="1200" dirty="0" err="1">
+                              <a:solidFill>
+                                <a:srgbClr val="000000"/>
+                              </a:solidFill>
+                              <a:latin typeface="Consolas" panose="020B0609020204030204" pitchFamily="49" charset="0"/>
                             </a:rPr>
                             <a:t>costFactor</a:t>
                           </a:r>
                           <a:r>
-                            <a:rPr lang="en-US" sz="1600" kern="1200" dirty="0">
-                              <a:solidFill>
-                                <a:schemeClr val="dk1"/>
-                              </a:solidFill>
-                              <a:latin typeface="+mn-lt"/>
-                              <a:ea typeface="+mn-ea"/>
-                              <a:cs typeface="+mn-cs"/>
+                            <a:rPr lang="en-US" sz="1200" dirty="0">
+                              <a:solidFill>
+                                <a:srgbClr val="000000"/>
+                              </a:solidFill>
+                              <a:latin typeface="Consolas" panose="020B0609020204030204" pitchFamily="49" charset="0"/>
                             </a:rPr>
                             <a:t>*</a:t>
                           </a:r>
                           <a:r>
-                            <a:rPr lang="en-US" sz="1600" kern="1200" dirty="0" err="1">
-                              <a:solidFill>
-                                <a:schemeClr val="dk1"/>
-                              </a:solidFill>
-                              <a:latin typeface="+mn-lt"/>
-                              <a:ea typeface="+mn-ea"/>
-                              <a:cs typeface="+mn-cs"/>
+                            <a:rPr lang="en-US" sz="1200" dirty="0" err="1">
+                              <a:solidFill>
+                                <a:srgbClr val="000000"/>
+                              </a:solidFill>
+                              <a:latin typeface="Consolas" panose="020B0609020204030204" pitchFamily="49" charset="0"/>
                             </a:rPr>
                             <a:t>timeFactor</a:t>
                           </a:r>
                           <a:r>
-                            <a:rPr lang="en-US" sz="1600" kern="1200" dirty="0">
-                              <a:solidFill>
-                                <a:schemeClr val="dk1"/>
-                              </a:solidFill>
-                              <a:latin typeface="+mn-lt"/>
-                              <a:ea typeface="+mn-ea"/>
-                              <a:cs typeface="+mn-cs"/>
-                            </a:rPr>
-                            <a:t>*Distance[</a:t>
-                          </a:r>
-                          <a:r>
-                            <a:rPr lang="en-US" sz="1600" kern="1200" dirty="0" err="1">
-                              <a:solidFill>
-                                <a:schemeClr val="dk1"/>
-                              </a:solidFill>
-                              <a:latin typeface="+mn-lt"/>
-                              <a:ea typeface="+mn-ea"/>
-                              <a:cs typeface="+mn-cs"/>
+                            <a:rPr lang="en-US" sz="1200" dirty="0">
+                              <a:solidFill>
+                                <a:srgbClr val="000000"/>
+                              </a:solidFill>
+                              <a:latin typeface="Consolas" panose="020B0609020204030204" pitchFamily="49" charset="0"/>
+                            </a:rPr>
+                            <a:t>*</a:t>
+                          </a:r>
+                        </a:p>
+                        <a:p>
+                          <a:pPr algn="l"/>
+                          <a:r>
+                            <a:rPr lang="en-US" sz="1200" dirty="0">
+                              <a:solidFill>
+                                <a:srgbClr val="000000"/>
+                              </a:solidFill>
+                              <a:latin typeface="Consolas" panose="020B0609020204030204" pitchFamily="49" charset="0"/>
+                            </a:rPr>
+                            <a:t>Distance[</a:t>
+                          </a:r>
+                          <a:r>
+                            <a:rPr lang="en-US" sz="1200" dirty="0" err="1">
+                              <a:solidFill>
+                                <a:srgbClr val="000000"/>
+                              </a:solidFill>
+                              <a:latin typeface="Consolas" panose="020B0609020204030204" pitchFamily="49" charset="0"/>
                             </a:rPr>
                             <a:t>src</a:t>
                           </a:r>
                           <a:r>
-                            <a:rPr lang="en-US" sz="1600" kern="1200" dirty="0">
-                              <a:solidFill>
-                                <a:schemeClr val="dk1"/>
-                              </a:solidFill>
-                              <a:latin typeface="+mn-lt"/>
-                              <a:ea typeface="+mn-ea"/>
-                              <a:cs typeface="+mn-cs"/>
+                            <a:rPr lang="en-US" sz="1200" dirty="0">
+                              <a:solidFill>
+                                <a:srgbClr val="000000"/>
+                              </a:solidFill>
+                              <a:latin typeface="Consolas" panose="020B0609020204030204" pitchFamily="49" charset="0"/>
                             </a:rPr>
                             <a:t>, </a:t>
                           </a:r>
                           <a:r>
-                            <a:rPr lang="en-US" sz="1600" kern="1200" dirty="0" err="1">
-                              <a:solidFill>
-                                <a:schemeClr val="dk1"/>
-                              </a:solidFill>
-                              <a:latin typeface="+mn-lt"/>
-                              <a:ea typeface="+mn-ea"/>
-                              <a:cs typeface="+mn-cs"/>
+                            <a:rPr lang="en-US" sz="1200" dirty="0" err="1">
+                              <a:solidFill>
+                                <a:srgbClr val="000000"/>
+                              </a:solidFill>
+                              <a:latin typeface="Consolas" panose="020B0609020204030204" pitchFamily="49" charset="0"/>
                             </a:rPr>
                             <a:t>dst</a:t>
                           </a:r>
                           <a:r>
-                            <a:rPr lang="en-US" sz="1600" kern="1200" dirty="0">
-                              <a:solidFill>
-                                <a:schemeClr val="dk1"/>
-                              </a:solidFill>
-                              <a:latin typeface="+mn-lt"/>
-                              <a:ea typeface="+mn-ea"/>
-                              <a:cs typeface="+mn-cs"/>
+                            <a:rPr lang="en-US" sz="1200" dirty="0">
+                              <a:solidFill>
+                                <a:srgbClr val="000000"/>
+                              </a:solidFill>
+                              <a:latin typeface="Consolas" panose="020B0609020204030204" pitchFamily="49" charset="0"/>
                             </a:rPr>
                             <a:t>]) * travel[</a:t>
                           </a:r>
                           <a:r>
-                            <a:rPr lang="en-US" sz="1600" kern="1200" dirty="0" err="1">
-                              <a:solidFill>
-                                <a:schemeClr val="dk1"/>
-                              </a:solidFill>
-                              <a:latin typeface="+mn-lt"/>
-                              <a:ea typeface="+mn-ea"/>
-                              <a:cs typeface="+mn-cs"/>
+                            <a:rPr lang="en-US" sz="1200" dirty="0" err="1">
+                              <a:solidFill>
+                                <a:srgbClr val="000000"/>
+                              </a:solidFill>
+                              <a:latin typeface="Consolas" panose="020B0609020204030204" pitchFamily="49" charset="0"/>
                             </a:rPr>
                             <a:t>src,dst</a:t>
                           </a:r>
                           <a:r>
-                            <a:rPr lang="en-US" sz="1600" kern="1200" dirty="0">
-                              <a:solidFill>
-                                <a:schemeClr val="dk1"/>
-                              </a:solidFill>
-                              <a:latin typeface="+mn-lt"/>
-                              <a:ea typeface="+mn-ea"/>
-                              <a:cs typeface="+mn-cs"/>
-                            </a:rPr>
-                            <a:t>, day] &lt;= Budget;</a:t>
+                            <a:rPr lang="en-US" sz="1200" dirty="0">
+                              <a:solidFill>
+                                <a:srgbClr val="000000"/>
+                              </a:solidFill>
+                              <a:latin typeface="Consolas" panose="020B0609020204030204" pitchFamily="49" charset="0"/>
+                            </a:rPr>
+                            <a:t>, day]</a:t>
+                          </a:r>
+                        </a:p>
+                        <a:p>
+                          <a:pPr algn="l"/>
+                          <a:r>
+                            <a:rPr lang="en-US" sz="1200" dirty="0">
+                              <a:solidFill>
+                                <a:srgbClr val="000000"/>
+                              </a:solidFill>
+                              <a:latin typeface="Consolas" panose="020B0609020204030204" pitchFamily="49" charset="0"/>
+                            </a:rPr>
+                            <a:t> &lt;= Budget;</a:t>
                           </a:r>
                         </a:p>
                       </a:txBody>
@@ -5893,6 +6118,71 @@
                                     </m:nary>
                                   </m:e>
                                 </m:nary>
+                              </m:oMath>
+                            </m:oMathPara>
+                          </a14:m>
+                          <a:endParaRPr lang="en-US" sz="1600" i="1" kern="1200" dirty="0">
+                            <a:solidFill>
+                              <a:schemeClr val="dk1"/>
+                            </a:solidFill>
+                            <a:effectLst/>
+                            <a:latin typeface="Cambria Math" panose="02040503050406030204" pitchFamily="18" charset="0"/>
+                            <a:ea typeface="+mn-ea"/>
+                            <a:cs typeface="+mn-cs"/>
+                          </a:endParaRPr>
+                        </a:p>
+                        <a:p>
+                          <a:pPr marL="0" marR="0" indent="0" algn="l" defTabSz="914400" rtl="0" eaLnBrk="1" fontAlgn="auto" latinLnBrk="0" hangingPunct="1">
+                            <a:lnSpc>
+                              <a:spcPct val="100000"/>
+                            </a:lnSpc>
+                            <a:spcBef>
+                              <a:spcPts val="0"/>
+                            </a:spcBef>
+                            <a:spcAft>
+                              <a:spcPts val="0"/>
+                            </a:spcAft>
+                            <a:buClrTx/>
+                            <a:buSzTx/>
+                            <a:buFontTx/>
+                            <a:buNone/>
+                            <a:tabLst/>
+                            <a:defRPr/>
+                          </a:pPr>
+                          <a:endParaRPr lang="en-US" sz="1600" i="1" kern="1200" dirty="0">
+                            <a:solidFill>
+                              <a:schemeClr val="dk1"/>
+                            </a:solidFill>
+                            <a:effectLst/>
+                            <a:latin typeface="Cambria Math" panose="02040503050406030204" pitchFamily="18" charset="0"/>
+                            <a:ea typeface="+mn-ea"/>
+                            <a:cs typeface="+mn-cs"/>
+                          </a:endParaRPr>
+                        </a:p>
+                        <a:p>
+                          <a:pPr marL="0" marR="0" indent="0" algn="l" defTabSz="914400" rtl="0" eaLnBrk="1" fontAlgn="auto" latinLnBrk="0" hangingPunct="1">
+                            <a:lnSpc>
+                              <a:spcPct val="100000"/>
+                            </a:lnSpc>
+                            <a:spcBef>
+                              <a:spcPts val="0"/>
+                            </a:spcBef>
+                            <a:spcAft>
+                              <a:spcPts val="0"/>
+                            </a:spcAft>
+                            <a:buClrTx/>
+                            <a:buSzTx/>
+                            <a:buFontTx/>
+                            <a:buNone/>
+                            <a:tabLst/>
+                            <a:defRPr/>
+                          </a:pPr>
+                          <a14:m>
+                            <m:oMathPara xmlns:m="http://schemas.openxmlformats.org/officeDocument/2006/math">
+                              <m:oMathParaPr>
+                                <m:jc m:val="centerGroup"/>
+                              </m:oMathParaPr>
+                              <m:oMath xmlns:m="http://schemas.openxmlformats.org/officeDocument/2006/math">
                                 <m:r>
                                   <a:rPr lang="en-US" sz="1600" i="1" kern="1200">
                                     <a:solidFill>
@@ -5955,7 +6245,7 @@
                 <p:ph idx="1"/>
                 <p:extLst>
                   <p:ext uri="{D42A27DB-BD31-4B8C-83A1-F6EECF244321}">
-                    <p14:modId xmlns:p14="http://schemas.microsoft.com/office/powerpoint/2010/main" val="2028554051"/>
+                    <p14:modId xmlns:p14="http://schemas.microsoft.com/office/powerpoint/2010/main" val="3575518909"/>
                   </p:ext>
                 </p:extLst>
               </p:nvPr>
@@ -6068,75 +6358,104 @@
                         <a:bodyPr/>
                         <a:lstStyle/>
                         <a:p>
-                          <a:r>
-                            <a:rPr lang="en-US" sz="1600" kern="1200" dirty="0" err="1">
-                              <a:solidFill>
-                                <a:schemeClr val="dk1"/>
-                              </a:solidFill>
-                              <a:latin typeface="+mn-lt"/>
-                              <a:ea typeface="+mn-ea"/>
-                              <a:cs typeface="+mn-cs"/>
+                          <a:pPr algn="l"/>
+                          <a:r>
+                            <a:rPr lang="en-US" sz="1200" b="1" dirty="0" err="1">
+                              <a:solidFill>
+                                <a:srgbClr val="7F0055"/>
+                              </a:solidFill>
+                              <a:latin typeface="Consolas" panose="020B0609020204030204" pitchFamily="49" charset="0"/>
                             </a:rPr>
                             <a:t>s.t.</a:t>
                           </a:r>
                           <a:r>
-                            <a:rPr lang="en-US" sz="1600" kern="1200" dirty="0">
-                              <a:solidFill>
-                                <a:schemeClr val="dk1"/>
-                              </a:solidFill>
-                              <a:latin typeface="+mn-lt"/>
-                              <a:ea typeface="+mn-ea"/>
-                              <a:cs typeface="+mn-cs"/>
+                            <a:rPr lang="en-US" sz="1200" b="1" dirty="0">
+                              <a:solidFill>
+                                <a:srgbClr val="7F0055"/>
+                              </a:solidFill>
+                              <a:latin typeface="Consolas" panose="020B0609020204030204" pitchFamily="49" charset="0"/>
                             </a:rPr>
                             <a:t> </a:t>
                           </a:r>
                           <a:r>
-                            <a:rPr lang="en-US" sz="1600" kern="1200" dirty="0" err="1">
-                              <a:solidFill>
-                                <a:schemeClr val="dk1"/>
-                              </a:solidFill>
-                              <a:latin typeface="+mn-lt"/>
-                              <a:ea typeface="+mn-ea"/>
-                              <a:cs typeface="+mn-cs"/>
+                            <a:rPr lang="en-US" sz="1200" b="1" dirty="0" err="1">
+                              <a:solidFill>
+                                <a:srgbClr val="000000"/>
+                              </a:solidFill>
+                              <a:latin typeface="Consolas" panose="020B0609020204030204" pitchFamily="49" charset="0"/>
                             </a:rPr>
                             <a:t>NoSelfLoop</a:t>
                           </a:r>
                           <a:r>
-                            <a:rPr lang="en-US" sz="1600" kern="1200" dirty="0">
-                              <a:solidFill>
-                                <a:schemeClr val="dk1"/>
-                              </a:solidFill>
-                              <a:latin typeface="+mn-lt"/>
-                              <a:ea typeface="+mn-ea"/>
-                              <a:cs typeface="+mn-cs"/>
+                            <a:rPr lang="en-US" sz="1200" b="1" dirty="0">
+                              <a:solidFill>
+                                <a:srgbClr val="000000"/>
+                              </a:solidFill>
+                              <a:latin typeface="Consolas" panose="020B0609020204030204" pitchFamily="49" charset="0"/>
                             </a:rPr>
                             <a:t> {place </a:t>
                           </a:r>
                           <a:r>
-                            <a:rPr lang="en-US" sz="1600" b="1" kern="1200" dirty="0">
-                              <a:solidFill>
-                                <a:schemeClr val="dk1"/>
-                              </a:solidFill>
-                              <a:latin typeface="+mn-lt"/>
-                              <a:ea typeface="+mn-ea"/>
-                              <a:cs typeface="+mn-cs"/>
-                            </a:rPr>
-                            <a:t>in ALL_PLACES, day in DAYS}:</a:t>
-                          </a:r>
-                        </a:p>
-                        <a:p>
-                          <a:r>
-                            <a:rPr lang="en-IN" sz="1600" kern="1200" dirty="0">
-                              <a:solidFill>
-                                <a:schemeClr val="dk1"/>
-                              </a:solidFill>
-                              <a:latin typeface="+mn-lt"/>
-                              <a:ea typeface="+mn-ea"/>
-                              <a:cs typeface="+mn-cs"/>
+                            <a:rPr lang="en-US" sz="1200" b="1" dirty="0">
+                              <a:solidFill>
+                                <a:srgbClr val="7F0055"/>
+                              </a:solidFill>
+                              <a:latin typeface="Consolas" panose="020B0609020204030204" pitchFamily="49" charset="0"/>
+                            </a:rPr>
+                            <a:t>in </a:t>
+                          </a:r>
+                          <a:r>
+                            <a:rPr lang="en-US" sz="1200" b="1" dirty="0">
+                              <a:solidFill>
+                                <a:srgbClr val="000000"/>
+                              </a:solidFill>
+                              <a:latin typeface="Consolas" panose="020B0609020204030204" pitchFamily="49" charset="0"/>
+                            </a:rPr>
+                            <a:t>ALL_PLACES, </a:t>
+                          </a:r>
+                        </a:p>
+                        <a:p>
+                          <a:pPr algn="l"/>
+                          <a:r>
+                            <a:rPr lang="en-US" sz="1200" b="1" dirty="0">
+                              <a:solidFill>
+                                <a:srgbClr val="000000"/>
+                              </a:solidFill>
+                              <a:latin typeface="Consolas" panose="020B0609020204030204" pitchFamily="49" charset="0"/>
+                            </a:rPr>
+                            <a:t>day </a:t>
+                          </a:r>
+                          <a:r>
+                            <a:rPr lang="en-US" sz="1200" b="1" dirty="0">
+                              <a:solidFill>
+                                <a:srgbClr val="7F0055"/>
+                              </a:solidFill>
+                              <a:latin typeface="Consolas" panose="020B0609020204030204" pitchFamily="49" charset="0"/>
+                            </a:rPr>
+                            <a:t>in </a:t>
+                          </a:r>
+                          <a:r>
+                            <a:rPr lang="en-US" sz="1200" b="1" dirty="0">
+                              <a:solidFill>
+                                <a:srgbClr val="000000"/>
+                              </a:solidFill>
+                              <a:latin typeface="Consolas" panose="020B0609020204030204" pitchFamily="49" charset="0"/>
+                            </a:rPr>
+                            <a:t>DAYS}:</a:t>
+                          </a:r>
+                        </a:p>
+                        <a:p>
+                          <a:pPr algn="l"/>
+                          <a:r>
+                            <a:rPr lang="en-US" sz="1200" dirty="0">
+                              <a:solidFill>
+                                <a:srgbClr val="000000"/>
+                              </a:solidFill>
+                              <a:latin typeface="Consolas" panose="020B0609020204030204" pitchFamily="49" charset="0"/>
                             </a:rPr>
                             <a:t>travel[place, place, day] = 0;</a:t>
                           </a:r>
-                          <a:endParaRPr lang="en-IN" sz="1600" dirty="0"/>
+                          <a:endParaRPr lang="en-IN" sz="1200" dirty="0"/>
                         </a:p>
                       </a:txBody>
                       <a:tcPr anchor="ctr"/>
@@ -6183,216 +6502,306 @@
                         <a:bodyPr/>
                         <a:lstStyle/>
                         <a:p>
-                          <a:r>
-                            <a:rPr lang="en-US" sz="1600" b="1" kern="1200" dirty="0" err="1">
-                              <a:solidFill>
-                                <a:schemeClr val="dk1"/>
-                              </a:solidFill>
-                              <a:latin typeface="+mn-lt"/>
-                              <a:ea typeface="+mn-ea"/>
-                              <a:cs typeface="+mn-cs"/>
+                          <a:pPr algn="l"/>
+                          <a:r>
+                            <a:rPr lang="en-US" sz="1200" b="1" dirty="0" err="1">
+                              <a:solidFill>
+                                <a:srgbClr val="7F0055"/>
+                              </a:solidFill>
+                              <a:latin typeface="Consolas" panose="020B0609020204030204" pitchFamily="49" charset="0"/>
                             </a:rPr>
                             <a:t>s.t.</a:t>
                           </a:r>
                           <a:r>
-                            <a:rPr lang="en-US" sz="1600" b="1" kern="1200" dirty="0">
-                              <a:solidFill>
-                                <a:schemeClr val="dk1"/>
-                              </a:solidFill>
-                              <a:latin typeface="+mn-lt"/>
-                              <a:ea typeface="+mn-ea"/>
-                              <a:cs typeface="+mn-cs"/>
-                            </a:rPr>
-                            <a:t> sum {</a:t>
-                          </a:r>
-                          <a:r>
-                            <a:rPr lang="en-US" sz="1600" b="1" kern="1200" dirty="0" err="1">
-                              <a:solidFill>
-                                <a:schemeClr val="dk1"/>
-                              </a:solidFill>
-                              <a:latin typeface="+mn-lt"/>
-                              <a:ea typeface="+mn-ea"/>
-                              <a:cs typeface="+mn-cs"/>
+                            <a:rPr lang="en-US" sz="1200" b="1" dirty="0">
+                              <a:solidFill>
+                                <a:srgbClr val="7F0055"/>
+                              </a:solidFill>
+                              <a:latin typeface="Consolas" panose="020B0609020204030204" pitchFamily="49" charset="0"/>
+                            </a:rPr>
+                            <a:t> </a:t>
+                          </a:r>
+                          <a:r>
+                            <a:rPr lang="en-US" sz="1200" b="1" dirty="0" err="1">
+                              <a:solidFill>
+                                <a:srgbClr val="000000"/>
+                              </a:solidFill>
+                              <a:latin typeface="Consolas" panose="020B0609020204030204" pitchFamily="49" charset="0"/>
+                            </a:rPr>
+                            <a:t>TotalCost</a:t>
+                          </a:r>
+                          <a:r>
+                            <a:rPr lang="en-US" sz="1200" b="1" dirty="0">
+                              <a:solidFill>
+                                <a:srgbClr val="000000"/>
+                              </a:solidFill>
+                              <a:latin typeface="Consolas" panose="020B0609020204030204" pitchFamily="49" charset="0"/>
+                            </a:rPr>
+                            <a:t> : </a:t>
+                          </a:r>
+                        </a:p>
+                        <a:p>
+                          <a:pPr algn="l"/>
+                          <a:r>
+                            <a:rPr lang="en-US" sz="1200" dirty="0">
+                              <a:latin typeface="Consolas" panose="020B0609020204030204" pitchFamily="49" charset="0"/>
+                            </a:rPr>
+                            <a:t>  </a:t>
+                          </a:r>
+                          <a:r>
+                            <a:rPr lang="en-US" sz="1200" b="1" dirty="0">
+                              <a:solidFill>
+                                <a:srgbClr val="7F0055"/>
+                              </a:solidFill>
+                              <a:latin typeface="Consolas" panose="020B0609020204030204" pitchFamily="49" charset="0"/>
+                            </a:rPr>
+                            <a:t>sum </a:t>
+                          </a:r>
+                          <a:r>
+                            <a:rPr lang="en-US" sz="1200" b="1" dirty="0">
+                              <a:solidFill>
+                                <a:srgbClr val="000000"/>
+                              </a:solidFill>
+                              <a:latin typeface="Consolas" panose="020B0609020204030204" pitchFamily="49" charset="0"/>
+                            </a:rPr>
+                            <a:t>{</a:t>
+                          </a:r>
+                          <a:r>
+                            <a:rPr lang="en-US" sz="1200" b="1" dirty="0" err="1">
+                              <a:solidFill>
+                                <a:srgbClr val="000000"/>
+                              </a:solidFill>
+                              <a:latin typeface="Consolas" panose="020B0609020204030204" pitchFamily="49" charset="0"/>
                             </a:rPr>
                             <a:t>src</a:t>
                           </a:r>
                           <a:r>
-                            <a:rPr lang="en-US" sz="1600" b="1" kern="1200" dirty="0">
-                              <a:solidFill>
-                                <a:schemeClr val="dk1"/>
-                              </a:solidFill>
-                              <a:latin typeface="+mn-lt"/>
-                              <a:ea typeface="+mn-ea"/>
-                              <a:cs typeface="+mn-cs"/>
-                            </a:rPr>
-                            <a:t> in ALL_PLACES, </a:t>
-                          </a:r>
-                          <a:r>
-                            <a:rPr lang="en-US" sz="1600" b="1" kern="1200" dirty="0" err="1">
-                              <a:solidFill>
-                                <a:schemeClr val="dk1"/>
-                              </a:solidFill>
-                              <a:latin typeface="+mn-lt"/>
-                              <a:ea typeface="+mn-ea"/>
-                              <a:cs typeface="+mn-cs"/>
+                            <a:rPr lang="en-US" sz="1200" b="1" dirty="0">
+                              <a:solidFill>
+                                <a:srgbClr val="000000"/>
+                              </a:solidFill>
+                              <a:latin typeface="Consolas" panose="020B0609020204030204" pitchFamily="49" charset="0"/>
+                            </a:rPr>
+                            <a:t> </a:t>
+                          </a:r>
+                          <a:r>
+                            <a:rPr lang="en-US" sz="1200" b="1" dirty="0">
+                              <a:solidFill>
+                                <a:srgbClr val="7F0055"/>
+                              </a:solidFill>
+                              <a:latin typeface="Consolas" panose="020B0609020204030204" pitchFamily="49" charset="0"/>
+                            </a:rPr>
+                            <a:t>in </a:t>
+                          </a:r>
+                          <a:r>
+                            <a:rPr lang="en-US" sz="1200" b="1" dirty="0">
+                              <a:solidFill>
+                                <a:srgbClr val="000000"/>
+                              </a:solidFill>
+                              <a:latin typeface="Consolas" panose="020B0609020204030204" pitchFamily="49" charset="0"/>
+                            </a:rPr>
+                            <a:t>ALL_PLACES, </a:t>
+                          </a:r>
+                        </a:p>
+                        <a:p>
+                          <a:pPr algn="l"/>
+                          <a:r>
+                            <a:rPr lang="en-US" sz="1200" b="1" dirty="0" err="1">
+                              <a:solidFill>
+                                <a:srgbClr val="000000"/>
+                              </a:solidFill>
+                              <a:latin typeface="Consolas" panose="020B0609020204030204" pitchFamily="49" charset="0"/>
                             </a:rPr>
                             <a:t>dst</a:t>
                           </a:r>
                           <a:r>
-                            <a:rPr lang="en-US" sz="1600" b="1" kern="1200" dirty="0">
-                              <a:solidFill>
-                                <a:schemeClr val="dk1"/>
-                              </a:solidFill>
-                              <a:latin typeface="+mn-lt"/>
-                              <a:ea typeface="+mn-ea"/>
-                              <a:cs typeface="+mn-cs"/>
-                            </a:rPr>
-                            <a:t> in ALL_PLACES, day in DAYS}</a:t>
-                          </a:r>
-                        </a:p>
-                        <a:p>
-                          <a:r>
-                            <a:rPr lang="en-US" sz="1600" kern="1200" dirty="0">
-                              <a:solidFill>
-                                <a:schemeClr val="dk1"/>
-                              </a:solidFill>
-                              <a:latin typeface="+mn-lt"/>
-                              <a:ea typeface="+mn-ea"/>
-                              <a:cs typeface="+mn-cs"/>
-                            </a:rPr>
-                            <a:t>      (Cost[</a:t>
-                          </a:r>
-                          <a:r>
-                            <a:rPr lang="en-US" sz="1600" kern="1200" dirty="0" err="1">
-                              <a:solidFill>
-                                <a:schemeClr val="dk1"/>
-                              </a:solidFill>
-                              <a:latin typeface="+mn-lt"/>
-                              <a:ea typeface="+mn-ea"/>
-                              <a:cs typeface="+mn-cs"/>
+                            <a:rPr lang="en-US" sz="1200" b="1" dirty="0">
+                              <a:solidFill>
+                                <a:srgbClr val="000000"/>
+                              </a:solidFill>
+                              <a:latin typeface="Consolas" panose="020B0609020204030204" pitchFamily="49" charset="0"/>
+                            </a:rPr>
+                            <a:t> </a:t>
+                          </a:r>
+                          <a:r>
+                            <a:rPr lang="en-US" sz="1200" b="1" dirty="0">
+                              <a:solidFill>
+                                <a:srgbClr val="7F0055"/>
+                              </a:solidFill>
+                              <a:latin typeface="Consolas" panose="020B0609020204030204" pitchFamily="49" charset="0"/>
+                            </a:rPr>
+                            <a:t>in </a:t>
+                          </a:r>
+                          <a:r>
+                            <a:rPr lang="en-US" sz="1200" b="1" dirty="0">
+                              <a:solidFill>
+                                <a:srgbClr val="000000"/>
+                              </a:solidFill>
+                              <a:latin typeface="Consolas" panose="020B0609020204030204" pitchFamily="49" charset="0"/>
+                            </a:rPr>
+                            <a:t>ALL_PLACES, day </a:t>
+                          </a:r>
+                          <a:r>
+                            <a:rPr lang="en-US" sz="1200" b="1" dirty="0">
+                              <a:solidFill>
+                                <a:srgbClr val="7F0055"/>
+                              </a:solidFill>
+                              <a:latin typeface="Consolas" panose="020B0609020204030204" pitchFamily="49" charset="0"/>
+                            </a:rPr>
+                            <a:t>in </a:t>
+                          </a:r>
+                          <a:r>
+                            <a:rPr lang="en-US" sz="1200" b="1" dirty="0">
+                              <a:solidFill>
+                                <a:srgbClr val="000000"/>
+                              </a:solidFill>
+                              <a:latin typeface="Consolas" panose="020B0609020204030204" pitchFamily="49" charset="0"/>
+                            </a:rPr>
+                            <a:t>DAYS}</a:t>
+                          </a:r>
+                        </a:p>
+                        <a:p>
+                          <a:pPr algn="l"/>
+                          <a:r>
+                            <a:rPr lang="en-US" sz="1200" dirty="0">
+                              <a:solidFill>
+                                <a:srgbClr val="000000"/>
+                              </a:solidFill>
+                              <a:latin typeface="Consolas" panose="020B0609020204030204" pitchFamily="49" charset="0"/>
+                            </a:rPr>
+                            <a:t>(Cost[</a:t>
+                          </a:r>
+                          <a:r>
+                            <a:rPr lang="en-US" sz="1200" dirty="0" err="1">
+                              <a:solidFill>
+                                <a:srgbClr val="000000"/>
+                              </a:solidFill>
+                              <a:latin typeface="Consolas" panose="020B0609020204030204" pitchFamily="49" charset="0"/>
                             </a:rPr>
                             <a:t>src</a:t>
                           </a:r>
                           <a:r>
-                            <a:rPr lang="en-US" sz="1600" kern="1200" dirty="0">
-                              <a:solidFill>
-                                <a:schemeClr val="dk1"/>
-                              </a:solidFill>
-                              <a:latin typeface="+mn-lt"/>
-                              <a:ea typeface="+mn-ea"/>
-                              <a:cs typeface="+mn-cs"/>
+                            <a:rPr lang="en-US" sz="1200" dirty="0">
+                              <a:solidFill>
+                                <a:srgbClr val="000000"/>
+                              </a:solidFill>
+                              <a:latin typeface="Consolas" panose="020B0609020204030204" pitchFamily="49" charset="0"/>
                             </a:rPr>
                             <a:t>] + </a:t>
                           </a:r>
                           <a:r>
-                            <a:rPr lang="en-US" sz="1600" kern="1200" dirty="0" err="1">
-                              <a:solidFill>
-                                <a:schemeClr val="dk1"/>
-                              </a:solidFill>
-                              <a:latin typeface="+mn-lt"/>
-                              <a:ea typeface="+mn-ea"/>
-                              <a:cs typeface="+mn-cs"/>
+                            <a:rPr lang="en-US" sz="1200" dirty="0" err="1">
+                              <a:solidFill>
+                                <a:srgbClr val="000000"/>
+                              </a:solidFill>
+                              <a:latin typeface="Consolas" panose="020B0609020204030204" pitchFamily="49" charset="0"/>
                             </a:rPr>
                             <a:t>costFactor</a:t>
                           </a:r>
                           <a:r>
-                            <a:rPr lang="en-US" sz="1600" kern="1200" dirty="0">
-                              <a:solidFill>
-                                <a:schemeClr val="dk1"/>
-                              </a:solidFill>
-                              <a:latin typeface="+mn-lt"/>
-                              <a:ea typeface="+mn-ea"/>
-                              <a:cs typeface="+mn-cs"/>
+                            <a:rPr lang="en-US" sz="1200" dirty="0">
+                              <a:solidFill>
+                                <a:srgbClr val="000000"/>
+                              </a:solidFill>
+                              <a:latin typeface="Consolas" panose="020B0609020204030204" pitchFamily="49" charset="0"/>
                             </a:rPr>
                             <a:t>*</a:t>
                           </a:r>
                           <a:r>
-                            <a:rPr lang="en-US" sz="1600" kern="1200" dirty="0" err="1">
-                              <a:solidFill>
-                                <a:schemeClr val="dk1"/>
-                              </a:solidFill>
-                              <a:latin typeface="+mn-lt"/>
-                              <a:ea typeface="+mn-ea"/>
-                              <a:cs typeface="+mn-cs"/>
+                            <a:rPr lang="en-US" sz="1200" dirty="0" err="1">
+                              <a:solidFill>
+                                <a:srgbClr val="000000"/>
+                              </a:solidFill>
+                              <a:latin typeface="Consolas" panose="020B0609020204030204" pitchFamily="49" charset="0"/>
                             </a:rPr>
                             <a:t>timeFactor</a:t>
                           </a:r>
                           <a:r>
-                            <a:rPr lang="en-US" sz="1600" kern="1200" dirty="0">
-                              <a:solidFill>
-                                <a:schemeClr val="dk1"/>
-                              </a:solidFill>
-                              <a:latin typeface="+mn-lt"/>
-                              <a:ea typeface="+mn-ea"/>
-                              <a:cs typeface="+mn-cs"/>
-                            </a:rPr>
-                            <a:t>*Distance[</a:t>
-                          </a:r>
-                          <a:r>
-                            <a:rPr lang="en-US" sz="1600" kern="1200" dirty="0" err="1">
-                              <a:solidFill>
-                                <a:schemeClr val="dk1"/>
-                              </a:solidFill>
-                              <a:latin typeface="+mn-lt"/>
-                              <a:ea typeface="+mn-ea"/>
-                              <a:cs typeface="+mn-cs"/>
+                            <a:rPr lang="en-US" sz="1200" dirty="0">
+                              <a:solidFill>
+                                <a:srgbClr val="000000"/>
+                              </a:solidFill>
+                              <a:latin typeface="Consolas" panose="020B0609020204030204" pitchFamily="49" charset="0"/>
+                            </a:rPr>
+                            <a:t>*</a:t>
+                          </a:r>
+                        </a:p>
+                        <a:p>
+                          <a:pPr algn="l"/>
+                          <a:r>
+                            <a:rPr lang="en-US" sz="1200" dirty="0">
+                              <a:solidFill>
+                                <a:srgbClr val="000000"/>
+                              </a:solidFill>
+                              <a:latin typeface="Consolas" panose="020B0609020204030204" pitchFamily="49" charset="0"/>
+                            </a:rPr>
+                            <a:t>Distance[</a:t>
+                          </a:r>
+                          <a:r>
+                            <a:rPr lang="en-US" sz="1200" dirty="0" err="1">
+                              <a:solidFill>
+                                <a:srgbClr val="000000"/>
+                              </a:solidFill>
+                              <a:latin typeface="Consolas" panose="020B0609020204030204" pitchFamily="49" charset="0"/>
                             </a:rPr>
                             <a:t>src</a:t>
                           </a:r>
                           <a:r>
-                            <a:rPr lang="en-US" sz="1600" kern="1200" dirty="0">
-                              <a:solidFill>
-                                <a:schemeClr val="dk1"/>
-                              </a:solidFill>
-                              <a:latin typeface="+mn-lt"/>
-                              <a:ea typeface="+mn-ea"/>
-                              <a:cs typeface="+mn-cs"/>
+                            <a:rPr lang="en-US" sz="1200" dirty="0">
+                              <a:solidFill>
+                                <a:srgbClr val="000000"/>
+                              </a:solidFill>
+                              <a:latin typeface="Consolas" panose="020B0609020204030204" pitchFamily="49" charset="0"/>
                             </a:rPr>
                             <a:t>, </a:t>
                           </a:r>
                           <a:r>
-                            <a:rPr lang="en-US" sz="1600" kern="1200" dirty="0" err="1">
-                              <a:solidFill>
-                                <a:schemeClr val="dk1"/>
-                              </a:solidFill>
-                              <a:latin typeface="+mn-lt"/>
-                              <a:ea typeface="+mn-ea"/>
-                              <a:cs typeface="+mn-cs"/>
+                            <a:rPr lang="en-US" sz="1200" dirty="0" err="1">
+                              <a:solidFill>
+                                <a:srgbClr val="000000"/>
+                              </a:solidFill>
+                              <a:latin typeface="Consolas" panose="020B0609020204030204" pitchFamily="49" charset="0"/>
                             </a:rPr>
                             <a:t>dst</a:t>
                           </a:r>
                           <a:r>
-                            <a:rPr lang="en-US" sz="1600" kern="1200" dirty="0">
-                              <a:solidFill>
-                                <a:schemeClr val="dk1"/>
-                              </a:solidFill>
-                              <a:latin typeface="+mn-lt"/>
-                              <a:ea typeface="+mn-ea"/>
-                              <a:cs typeface="+mn-cs"/>
+                            <a:rPr lang="en-US" sz="1200" dirty="0">
+                              <a:solidFill>
+                                <a:srgbClr val="000000"/>
+                              </a:solidFill>
+                              <a:latin typeface="Consolas" panose="020B0609020204030204" pitchFamily="49" charset="0"/>
                             </a:rPr>
                             <a:t>]) * travel[</a:t>
                           </a:r>
                           <a:r>
-                            <a:rPr lang="en-US" sz="1600" kern="1200" dirty="0" err="1">
-                              <a:solidFill>
-                                <a:schemeClr val="dk1"/>
-                              </a:solidFill>
-                              <a:latin typeface="+mn-lt"/>
-                              <a:ea typeface="+mn-ea"/>
-                              <a:cs typeface="+mn-cs"/>
+                            <a:rPr lang="en-US" sz="1200" dirty="0" err="1">
+                              <a:solidFill>
+                                <a:srgbClr val="000000"/>
+                              </a:solidFill>
+                              <a:latin typeface="Consolas" panose="020B0609020204030204" pitchFamily="49" charset="0"/>
                             </a:rPr>
                             <a:t>src,dst</a:t>
                           </a:r>
                           <a:r>
-                            <a:rPr lang="en-US" sz="1600" kern="1200" dirty="0">
-                              <a:solidFill>
-                                <a:schemeClr val="dk1"/>
-                              </a:solidFill>
-                              <a:latin typeface="+mn-lt"/>
-                              <a:ea typeface="+mn-ea"/>
-                              <a:cs typeface="+mn-cs"/>
-                            </a:rPr>
-                            <a:t>, day] &lt;= Budget;</a:t>
+                            <a:rPr lang="en-US" sz="1200" dirty="0">
+                              <a:solidFill>
+                                <a:srgbClr val="000000"/>
+                              </a:solidFill>
+                              <a:latin typeface="Consolas" panose="020B0609020204030204" pitchFamily="49" charset="0"/>
+                            </a:rPr>
+                            <a:t>, day]</a:t>
+                          </a:r>
+                        </a:p>
+                        <a:p>
+                          <a:pPr algn="l"/>
+                          <a:r>
+                            <a:rPr lang="en-US" sz="1200" dirty="0">
+                              <a:solidFill>
+                                <a:srgbClr val="000000"/>
+                              </a:solidFill>
+                              <a:latin typeface="Consolas" panose="020B0609020204030204" pitchFamily="49" charset="0"/>
+                            </a:rPr>
+                            <a:t> &lt;= Budget;</a:t>
                           </a:r>
                         </a:p>
                       </a:txBody>
@@ -6427,6 +6836,34 @@
           </p:graphicFrame>
         </mc:Fallback>
       </mc:AlternateContent>
+      <p:sp>
+        <p:nvSpPr>
+          <p:cNvPr id="5" name="Title 4">
+            <a:extLst>
+              <a:ext uri="{FF2B5EF4-FFF2-40B4-BE49-F238E27FC236}">
+                <a16:creationId xmlns:a16="http://schemas.microsoft.com/office/drawing/2014/main" id="{500268B0-C8FA-475D-94FD-983275CBBCCC}"/>
+              </a:ext>
+            </a:extLst>
+          </p:cNvPr>
+          <p:cNvSpPr>
+            <a:spLocks noGrp="1"/>
+          </p:cNvSpPr>
+          <p:nvPr>
+            <p:ph type="title"/>
+          </p:nvPr>
+        </p:nvSpPr>
+        <p:spPr/>
+        <p:txBody>
+          <a:bodyPr/>
+          <a:lstStyle/>
+          <a:p>
+            <a:r>
+              <a:rPr lang="en-US" dirty="0"/>
+              <a:t>Travel Constraints</a:t>
+            </a:r>
+          </a:p>
+        </p:txBody>
+      </p:sp>
     </p:spTree>
     <p:extLst>
       <p:ext uri="{BB962C8B-B14F-4D97-AF65-F5344CB8AC3E}">
@@ -6457,35 +6894,6 @@
           <a:chExt cx="0" cy="0"/>
         </a:xfrm>
       </p:grpSpPr>
-      <p:sp>
-        <p:nvSpPr>
-          <p:cNvPr id="2" name="Title 1"/>
-          <p:cNvSpPr>
-            <a:spLocks noGrp="1"/>
-          </p:cNvSpPr>
-          <p:nvPr>
-            <p:ph type="title"/>
-          </p:nvPr>
-        </p:nvSpPr>
-        <p:spPr>
-          <a:xfrm>
-            <a:off x="419100" y="200025"/>
-            <a:ext cx="10452100" cy="765175"/>
-          </a:xfrm>
-        </p:spPr>
-        <p:txBody>
-          <a:bodyPr>
-            <a:normAutofit/>
-          </a:bodyPr>
-          <a:lstStyle/>
-          <a:p>
-            <a:r>
-              <a:rPr lang="en-IN" dirty="0"/>
-              <a:t>TRAVEL CONSTRAINTS</a:t>
-            </a:r>
-          </a:p>
-        </p:txBody>
-      </p:sp>
       <mc:AlternateContent xmlns:mc="http://schemas.openxmlformats.org/markup-compatibility/2006">
         <mc:Choice xmlns:a14="http://schemas.microsoft.com/office/drawing/2010/main" Requires="a14">
           <p:graphicFrame>
@@ -6498,7 +6906,7 @@
                 <p:ph idx="1"/>
                 <p:extLst>
                   <p:ext uri="{D42A27DB-BD31-4B8C-83A1-F6EECF244321}">
-                    <p14:modId xmlns:p14="http://schemas.microsoft.com/office/powerpoint/2010/main" val="3504503041"/>
+                    <p14:modId xmlns:p14="http://schemas.microsoft.com/office/powerpoint/2010/main" val="3278258053"/>
                   </p:ext>
                 </p:extLst>
               </p:nvPr>
@@ -6611,8 +7019,9 @@
                         <a:bodyPr/>
                         <a:lstStyle/>
                         <a:p>
-                          <a:r>
-                            <a:rPr lang="en-US" sz="1600" kern="1200" dirty="0">
+                          <a:pPr algn="l"/>
+                          <a:r>
+                            <a:rPr lang="en-US" sz="1200" kern="1200" dirty="0">
                               <a:solidFill>
                                 <a:schemeClr val="dk1"/>
                               </a:solidFill>
@@ -6623,164 +7032,227 @@
                             <a:t> </a:t>
                           </a:r>
                           <a:r>
-                            <a:rPr lang="en-US" sz="1600" kern="1200" dirty="0" err="1">
-                              <a:solidFill>
-                                <a:schemeClr val="dk1"/>
-                              </a:solidFill>
-                              <a:latin typeface="+mn-lt"/>
-                              <a:ea typeface="+mn-ea"/>
-                              <a:cs typeface="+mn-cs"/>
+                            <a:rPr lang="en-US" sz="1200" b="1" dirty="0" err="1">
+                              <a:solidFill>
+                                <a:srgbClr val="7F0055"/>
+                              </a:solidFill>
+                              <a:latin typeface="Consolas" panose="020B0609020204030204" pitchFamily="49" charset="0"/>
                             </a:rPr>
                             <a:t>s.t.</a:t>
                           </a:r>
                           <a:r>
-                            <a:rPr lang="en-US" sz="1600" kern="1200" dirty="0">
-                              <a:solidFill>
-                                <a:schemeClr val="dk1"/>
-                              </a:solidFill>
-                              <a:latin typeface="+mn-lt"/>
-                              <a:ea typeface="+mn-ea"/>
-                              <a:cs typeface="+mn-cs"/>
+                            <a:rPr lang="en-US" sz="1200" b="1" dirty="0">
+                              <a:solidFill>
+                                <a:srgbClr val="7F0055"/>
+                              </a:solidFill>
+                              <a:latin typeface="Consolas" panose="020B0609020204030204" pitchFamily="49" charset="0"/>
                             </a:rPr>
                             <a:t> </a:t>
                           </a:r>
                           <a:r>
-                            <a:rPr lang="en-US" sz="1600" kern="1200" dirty="0" err="1">
-                              <a:solidFill>
-                                <a:schemeClr val="dk1"/>
-                              </a:solidFill>
-                              <a:latin typeface="+mn-lt"/>
-                              <a:ea typeface="+mn-ea"/>
-                              <a:cs typeface="+mn-cs"/>
+                            <a:rPr lang="en-US" sz="1200" b="1" dirty="0" err="1">
+                              <a:solidFill>
+                                <a:srgbClr val="000000"/>
+                              </a:solidFill>
+                              <a:latin typeface="Consolas" panose="020B0609020204030204" pitchFamily="49" charset="0"/>
                             </a:rPr>
                             <a:t>InDegreeOutDegreeMatch</a:t>
                           </a:r>
                           <a:r>
-                            <a:rPr lang="en-US" sz="1600" kern="1200" dirty="0">
-                              <a:solidFill>
-                                <a:schemeClr val="dk1"/>
-                              </a:solidFill>
-                              <a:latin typeface="+mn-lt"/>
-                              <a:ea typeface="+mn-ea"/>
-                              <a:cs typeface="+mn-cs"/>
+                            <a:rPr lang="en-US" sz="1200" b="1" dirty="0">
+                              <a:solidFill>
+                                <a:srgbClr val="000000"/>
+                              </a:solidFill>
+                              <a:latin typeface="Consolas" panose="020B0609020204030204" pitchFamily="49" charset="0"/>
                             </a:rPr>
                             <a:t> {place </a:t>
                           </a:r>
                           <a:r>
-                            <a:rPr lang="en-US" sz="1600" b="1" kern="1200" dirty="0">
-                              <a:solidFill>
-                                <a:schemeClr val="dk1"/>
-                              </a:solidFill>
-                              <a:latin typeface="+mn-lt"/>
-                              <a:ea typeface="+mn-ea"/>
-                              <a:cs typeface="+mn-cs"/>
-                            </a:rPr>
-                            <a:t>in TRAVEL_PLACES, day in DAYS}:</a:t>
-                          </a:r>
-                        </a:p>
-                        <a:p>
-                          <a:r>
-                            <a:rPr lang="en-US" sz="1600" b="1" kern="1200" dirty="0">
-                              <a:solidFill>
-                                <a:schemeClr val="dk1"/>
-                              </a:solidFill>
-                              <a:latin typeface="+mn-lt"/>
-                              <a:ea typeface="+mn-ea"/>
-                              <a:cs typeface="+mn-cs"/>
-                            </a:rPr>
-                            <a:t>sum {</a:t>
-                          </a:r>
-                          <a:r>
-                            <a:rPr lang="en-US" sz="1600" b="1" kern="1200" dirty="0" err="1">
-                              <a:solidFill>
-                                <a:schemeClr val="dk1"/>
-                              </a:solidFill>
-                              <a:latin typeface="+mn-lt"/>
-                              <a:ea typeface="+mn-ea"/>
-                              <a:cs typeface="+mn-cs"/>
+                            <a:rPr lang="en-US" sz="1200" b="1" dirty="0">
+                              <a:solidFill>
+                                <a:srgbClr val="7F0055"/>
+                              </a:solidFill>
+                              <a:latin typeface="Consolas" panose="020B0609020204030204" pitchFamily="49" charset="0"/>
+                            </a:rPr>
+                            <a:t>in </a:t>
+                          </a:r>
+                          <a:r>
+                            <a:rPr lang="en-US" sz="1200" b="1" dirty="0">
+                              <a:solidFill>
+                                <a:srgbClr val="000000"/>
+                              </a:solidFill>
+                              <a:latin typeface="Consolas" panose="020B0609020204030204" pitchFamily="49" charset="0"/>
+                            </a:rPr>
+                            <a:t>TRAVEL_PLACES, day </a:t>
+                          </a:r>
+                          <a:r>
+                            <a:rPr lang="en-US" sz="1200" b="1" dirty="0">
+                              <a:solidFill>
+                                <a:srgbClr val="7F0055"/>
+                              </a:solidFill>
+                              <a:latin typeface="Consolas" panose="020B0609020204030204" pitchFamily="49" charset="0"/>
+                            </a:rPr>
+                            <a:t>in </a:t>
+                          </a:r>
+                          <a:r>
+                            <a:rPr lang="en-US" sz="1200" b="1" dirty="0">
+                              <a:solidFill>
+                                <a:srgbClr val="000000"/>
+                              </a:solidFill>
+                              <a:latin typeface="Consolas" panose="020B0609020204030204" pitchFamily="49" charset="0"/>
+                            </a:rPr>
+                            <a:t>DAYS}:</a:t>
+                          </a:r>
+                        </a:p>
+                        <a:p>
+                          <a:pPr algn="l"/>
+                          <a:r>
+                            <a:rPr lang="en-US" sz="1200" b="1" dirty="0">
+                              <a:solidFill>
+                                <a:srgbClr val="7F0055"/>
+                              </a:solidFill>
+                              <a:latin typeface="Consolas" panose="020B0609020204030204" pitchFamily="49" charset="0"/>
+                            </a:rPr>
+                            <a:t>sum </a:t>
+                          </a:r>
+                          <a:r>
+                            <a:rPr lang="en-US" sz="1200" b="1" dirty="0">
+                              <a:solidFill>
+                                <a:srgbClr val="000000"/>
+                              </a:solidFill>
+                              <a:latin typeface="Consolas" panose="020B0609020204030204" pitchFamily="49" charset="0"/>
+                            </a:rPr>
+                            <a:t>{</a:t>
+                          </a:r>
+                          <a:r>
+                            <a:rPr lang="en-US" sz="1200" b="1" dirty="0" err="1">
+                              <a:solidFill>
+                                <a:srgbClr val="000000"/>
+                              </a:solidFill>
+                              <a:latin typeface="Consolas" panose="020B0609020204030204" pitchFamily="49" charset="0"/>
                             </a:rPr>
                             <a:t>dst</a:t>
                           </a:r>
                           <a:r>
-                            <a:rPr lang="en-US" sz="1600" b="1" kern="1200" dirty="0">
-                              <a:solidFill>
-                                <a:schemeClr val="dk1"/>
-                              </a:solidFill>
-                              <a:latin typeface="+mn-lt"/>
-                              <a:ea typeface="+mn-ea"/>
-                              <a:cs typeface="+mn-cs"/>
-                            </a:rPr>
-                            <a:t> in ALL_PLACES} travel[place, </a:t>
-                          </a:r>
-                          <a:r>
-                            <a:rPr lang="en-US" sz="1600" b="1" kern="1200" dirty="0" err="1">
-                              <a:solidFill>
-                                <a:schemeClr val="dk1"/>
-                              </a:solidFill>
-                              <a:latin typeface="+mn-lt"/>
-                              <a:ea typeface="+mn-ea"/>
-                              <a:cs typeface="+mn-cs"/>
+                            <a:rPr lang="en-US" sz="1200" b="1" dirty="0">
+                              <a:solidFill>
+                                <a:srgbClr val="000000"/>
+                              </a:solidFill>
+                              <a:latin typeface="Consolas" panose="020B0609020204030204" pitchFamily="49" charset="0"/>
+                            </a:rPr>
+                            <a:t> </a:t>
+                          </a:r>
+                          <a:r>
+                            <a:rPr lang="en-US" sz="1200" b="1" dirty="0">
+                              <a:solidFill>
+                                <a:srgbClr val="7F0055"/>
+                              </a:solidFill>
+                              <a:latin typeface="Consolas" panose="020B0609020204030204" pitchFamily="49" charset="0"/>
+                            </a:rPr>
+                            <a:t>in </a:t>
+                          </a:r>
+                          <a:r>
+                            <a:rPr lang="en-US" sz="1200" b="1" dirty="0">
+                              <a:solidFill>
+                                <a:srgbClr val="000000"/>
+                              </a:solidFill>
+                              <a:latin typeface="Consolas" panose="020B0609020204030204" pitchFamily="49" charset="0"/>
+                            </a:rPr>
+                            <a:t>ALL_PLACES} travel[place, </a:t>
+                          </a:r>
+                          <a:r>
+                            <a:rPr lang="en-US" sz="1200" b="1" dirty="0" err="1">
+                              <a:solidFill>
+                                <a:srgbClr val="000000"/>
+                              </a:solidFill>
+                              <a:latin typeface="Consolas" panose="020B0609020204030204" pitchFamily="49" charset="0"/>
                             </a:rPr>
                             <a:t>dst</a:t>
                           </a:r>
                           <a:r>
-                            <a:rPr lang="en-US" sz="1600" b="1" kern="1200" dirty="0">
-                              <a:solidFill>
-                                <a:schemeClr val="dk1"/>
-                              </a:solidFill>
-                              <a:latin typeface="+mn-lt"/>
-                              <a:ea typeface="+mn-ea"/>
-                              <a:cs typeface="+mn-cs"/>
-                            </a:rPr>
-                            <a:t>, day] = sum {</a:t>
-                          </a:r>
-                          <a:r>
-                            <a:rPr lang="en-US" sz="1600" b="1" kern="1200" dirty="0" err="1">
-                              <a:solidFill>
-                                <a:schemeClr val="dk1"/>
-                              </a:solidFill>
-                              <a:latin typeface="+mn-lt"/>
-                              <a:ea typeface="+mn-ea"/>
-                              <a:cs typeface="+mn-cs"/>
+                            <a:rPr lang="en-US" sz="1200" b="1" dirty="0">
+                              <a:solidFill>
+                                <a:srgbClr val="000000"/>
+                              </a:solidFill>
+                              <a:latin typeface="Consolas" panose="020B0609020204030204" pitchFamily="49" charset="0"/>
+                            </a:rPr>
+                            <a:t>, day] = </a:t>
+                          </a:r>
+                          <a:r>
+                            <a:rPr lang="en-US" sz="1200" b="1" dirty="0">
+                              <a:solidFill>
+                                <a:srgbClr val="7F0055"/>
+                              </a:solidFill>
+                              <a:latin typeface="Consolas" panose="020B0609020204030204" pitchFamily="49" charset="0"/>
+                            </a:rPr>
+                            <a:t>sum </a:t>
+                          </a:r>
+                          <a:r>
+                            <a:rPr lang="en-US" sz="1200" b="1" dirty="0">
+                              <a:solidFill>
+                                <a:srgbClr val="000000"/>
+                              </a:solidFill>
+                              <a:latin typeface="Consolas" panose="020B0609020204030204" pitchFamily="49" charset="0"/>
+                            </a:rPr>
+                            <a:t>{</a:t>
+                          </a:r>
+                          <a:r>
+                            <a:rPr lang="en-US" sz="1200" b="1" dirty="0" err="1">
+                              <a:solidFill>
+                                <a:srgbClr val="000000"/>
+                              </a:solidFill>
+                              <a:latin typeface="Consolas" panose="020B0609020204030204" pitchFamily="49" charset="0"/>
                             </a:rPr>
                             <a:t>src</a:t>
                           </a:r>
                           <a:r>
-                            <a:rPr lang="en-US" sz="1600" b="1" kern="1200" dirty="0">
-                              <a:solidFill>
-                                <a:schemeClr val="dk1"/>
-                              </a:solidFill>
-                              <a:latin typeface="+mn-lt"/>
-                              <a:ea typeface="+mn-ea"/>
-                              <a:cs typeface="+mn-cs"/>
-                            </a:rPr>
-                            <a:t> in ALL_PLACES} travel[</a:t>
-                          </a:r>
-                          <a:r>
-                            <a:rPr lang="en-US" sz="1600" b="1" kern="1200" dirty="0" err="1">
-                              <a:solidFill>
-                                <a:schemeClr val="dk1"/>
-                              </a:solidFill>
-                              <a:latin typeface="+mn-lt"/>
-                              <a:ea typeface="+mn-ea"/>
-                              <a:cs typeface="+mn-cs"/>
+                            <a:rPr lang="en-US" sz="1200" b="1" dirty="0">
+                              <a:solidFill>
+                                <a:srgbClr val="000000"/>
+                              </a:solidFill>
+                              <a:latin typeface="Consolas" panose="020B0609020204030204" pitchFamily="49" charset="0"/>
+                            </a:rPr>
+                            <a:t> </a:t>
+                          </a:r>
+                          <a:r>
+                            <a:rPr lang="en-US" sz="1200" b="1" dirty="0">
+                              <a:solidFill>
+                                <a:srgbClr val="7F0055"/>
+                              </a:solidFill>
+                              <a:latin typeface="Consolas" panose="020B0609020204030204" pitchFamily="49" charset="0"/>
+                            </a:rPr>
+                            <a:t>in </a:t>
+                          </a:r>
+                          <a:r>
+                            <a:rPr lang="en-US" sz="1200" b="1" dirty="0">
+                              <a:solidFill>
+                                <a:srgbClr val="000000"/>
+                              </a:solidFill>
+                              <a:latin typeface="Consolas" panose="020B0609020204030204" pitchFamily="49" charset="0"/>
+                            </a:rPr>
+                            <a:t>ALL_PLACES} travel[</a:t>
+                          </a:r>
+                          <a:r>
+                            <a:rPr lang="en-US" sz="1200" b="1" dirty="0" err="1">
+                              <a:solidFill>
+                                <a:srgbClr val="000000"/>
+                              </a:solidFill>
+                              <a:latin typeface="Consolas" panose="020B0609020204030204" pitchFamily="49" charset="0"/>
                             </a:rPr>
                             <a:t>src</a:t>
                           </a:r>
                           <a:r>
-                            <a:rPr lang="en-US" sz="1600" b="1" kern="1200" dirty="0">
-                              <a:solidFill>
-                                <a:schemeClr val="dk1"/>
-                              </a:solidFill>
-                              <a:latin typeface="+mn-lt"/>
-                              <a:ea typeface="+mn-ea"/>
-                              <a:cs typeface="+mn-cs"/>
+                            <a:rPr lang="en-US" sz="1200" b="1" dirty="0">
+                              <a:solidFill>
+                                <a:srgbClr val="000000"/>
+                              </a:solidFill>
+                              <a:latin typeface="Consolas" panose="020B0609020204030204" pitchFamily="49" charset="0"/>
                             </a:rPr>
                             <a:t>, place, day];</a:t>
                           </a:r>
                         </a:p>
                         <a:p>
-                          <a:endParaRPr lang="en-US" sz="1600" b="1" kern="1200" dirty="0">
+                          <a:endParaRPr lang="en-US" sz="1200" b="1" kern="1200" dirty="0">
                             <a:solidFill>
                               <a:schemeClr val="dk1"/>
                             </a:solidFill>
@@ -6791,7 +7263,7 @@
                         </a:p>
                         <a:p>
                           <a:r>
-                            <a:rPr lang="en-US" sz="1600" kern="1200" dirty="0">
+                            <a:rPr lang="en-US" sz="1200" kern="1200" dirty="0">
                               <a:solidFill>
                                 <a:schemeClr val="dk1"/>
                               </a:solidFill>
@@ -6801,7 +7273,7 @@
                             </a:rPr>
                             <a:t> </a:t>
                           </a:r>
-                          <a:endParaRPr lang="en-IN" sz="1600" dirty="0"/>
+                          <a:endParaRPr lang="en-IN" sz="1200" dirty="0"/>
                         </a:p>
                       </a:txBody>
                       <a:tcPr anchor="ctr"/>
@@ -7511,141 +7983,145 @@
                         <a:bodyPr/>
                         <a:lstStyle/>
                         <a:p>
-                          <a:r>
-                            <a:rPr lang="en-US" sz="1600" kern="1200" dirty="0" err="1">
-                              <a:solidFill>
-                                <a:schemeClr val="dk1"/>
-                              </a:solidFill>
-                              <a:latin typeface="+mn-lt"/>
-                              <a:ea typeface="+mn-ea"/>
-                              <a:cs typeface="+mn-cs"/>
+                          <a:pPr algn="l"/>
+                          <a:r>
+                            <a:rPr lang="en-US" sz="1200" b="1" dirty="0" err="1">
+                              <a:solidFill>
+                                <a:srgbClr val="7F0055"/>
+                              </a:solidFill>
+                              <a:latin typeface="Consolas" panose="020B0609020204030204" pitchFamily="49" charset="0"/>
                             </a:rPr>
                             <a:t>s.t.</a:t>
                           </a:r>
                           <a:r>
-                            <a:rPr lang="en-US" sz="1600" kern="1200" dirty="0">
-                              <a:solidFill>
-                                <a:schemeClr val="dk1"/>
-                              </a:solidFill>
-                              <a:latin typeface="+mn-lt"/>
-                              <a:ea typeface="+mn-ea"/>
-                              <a:cs typeface="+mn-cs"/>
+                            <a:rPr lang="en-US" sz="1200" b="1" dirty="0">
+                              <a:solidFill>
+                                <a:srgbClr val="7F0055"/>
+                              </a:solidFill>
+                              <a:latin typeface="Consolas" panose="020B0609020204030204" pitchFamily="49" charset="0"/>
                             </a:rPr>
                             <a:t> </a:t>
                           </a:r>
                           <a:r>
-                            <a:rPr lang="en-US" sz="1600" kern="1200" dirty="0" err="1">
-                              <a:solidFill>
-                                <a:schemeClr val="dk1"/>
-                              </a:solidFill>
-                              <a:latin typeface="+mn-lt"/>
-                              <a:ea typeface="+mn-ea"/>
-                              <a:cs typeface="+mn-cs"/>
+                            <a:rPr lang="en-US" sz="1200" b="1" dirty="0" err="1">
+                              <a:solidFill>
+                                <a:srgbClr val="000000"/>
+                              </a:solidFill>
+                              <a:latin typeface="Consolas" panose="020B0609020204030204" pitchFamily="49" charset="0"/>
                             </a:rPr>
                             <a:t>NoInvalidPaths</a:t>
                           </a:r>
                           <a:r>
-                            <a:rPr lang="en-US" sz="1600" kern="1200" dirty="0">
-                              <a:solidFill>
-                                <a:schemeClr val="dk1"/>
-                              </a:solidFill>
-                              <a:latin typeface="+mn-lt"/>
-                              <a:ea typeface="+mn-ea"/>
-                              <a:cs typeface="+mn-cs"/>
+                            <a:rPr lang="en-US" sz="1200" b="1" dirty="0">
+                              <a:solidFill>
+                                <a:srgbClr val="000000"/>
+                              </a:solidFill>
+                              <a:latin typeface="Consolas" panose="020B0609020204030204" pitchFamily="49" charset="0"/>
                             </a:rPr>
                             <a:t> { (</a:t>
                           </a:r>
                           <a:r>
-                            <a:rPr lang="en-US" sz="1600" kern="1200" dirty="0" err="1">
-                              <a:solidFill>
-                                <a:schemeClr val="dk1"/>
-                              </a:solidFill>
-                              <a:latin typeface="+mn-lt"/>
-                              <a:ea typeface="+mn-ea"/>
-                              <a:cs typeface="+mn-cs"/>
+                            <a:rPr lang="en-US" sz="1200" b="1" dirty="0" err="1">
+                              <a:solidFill>
+                                <a:srgbClr val="000000"/>
+                              </a:solidFill>
+                              <a:latin typeface="Consolas" panose="020B0609020204030204" pitchFamily="49" charset="0"/>
                             </a:rPr>
                             <a:t>src,dst</a:t>
                           </a:r>
                           <a:r>
-                            <a:rPr lang="en-US" sz="1600" kern="1200" dirty="0">
-                              <a:solidFill>
-                                <a:schemeClr val="dk1"/>
-                              </a:solidFill>
-                              <a:latin typeface="+mn-lt"/>
-                              <a:ea typeface="+mn-ea"/>
-                              <a:cs typeface="+mn-cs"/>
+                            <a:rPr lang="en-US" sz="1200" b="1" dirty="0">
+                              <a:solidFill>
+                                <a:srgbClr val="000000"/>
+                              </a:solidFill>
+                              <a:latin typeface="Consolas" panose="020B0609020204030204" pitchFamily="49" charset="0"/>
                             </a:rPr>
                             <a:t>) </a:t>
                           </a:r>
                           <a:r>
-                            <a:rPr lang="en-US" sz="1600" b="1" kern="1200" dirty="0">
-                              <a:solidFill>
-                                <a:schemeClr val="dk1"/>
-                              </a:solidFill>
-                              <a:latin typeface="+mn-lt"/>
-                              <a:ea typeface="+mn-ea"/>
-                              <a:cs typeface="+mn-cs"/>
-                            </a:rPr>
-                            <a:t>in INVALID_PATHS, day in DAYS } :</a:t>
-                          </a:r>
-                        </a:p>
-                        <a:p>
-                          <a:r>
-                            <a:rPr lang="en-IN" sz="1600" kern="1200" dirty="0">
-                              <a:solidFill>
-                                <a:schemeClr val="dk1"/>
-                              </a:solidFill>
-                              <a:latin typeface="+mn-lt"/>
-                              <a:ea typeface="+mn-ea"/>
-                              <a:cs typeface="+mn-cs"/>
+                            <a:rPr lang="en-US" sz="1200" b="1" dirty="0">
+                              <a:solidFill>
+                                <a:srgbClr val="7F0055"/>
+                              </a:solidFill>
+                              <a:latin typeface="Consolas" panose="020B0609020204030204" pitchFamily="49" charset="0"/>
+                            </a:rPr>
+                            <a:t>in </a:t>
+                          </a:r>
+                          <a:r>
+                            <a:rPr lang="en-US" sz="1200" b="1" dirty="0">
+                              <a:solidFill>
+                                <a:srgbClr val="000000"/>
+                              </a:solidFill>
+                              <a:latin typeface="Consolas" panose="020B0609020204030204" pitchFamily="49" charset="0"/>
+                            </a:rPr>
+                            <a:t>INVALID_PATHS, day </a:t>
+                          </a:r>
+                          <a:r>
+                            <a:rPr lang="en-US" sz="1200" b="1" dirty="0">
+                              <a:solidFill>
+                                <a:srgbClr val="7F0055"/>
+                              </a:solidFill>
+                              <a:latin typeface="Consolas" panose="020B0609020204030204" pitchFamily="49" charset="0"/>
+                            </a:rPr>
+                            <a:t>in </a:t>
+                          </a:r>
+                          <a:r>
+                            <a:rPr lang="en-US" sz="1200" b="1" dirty="0">
+                              <a:solidFill>
+                                <a:srgbClr val="000000"/>
+                              </a:solidFill>
+                              <a:latin typeface="Consolas" panose="020B0609020204030204" pitchFamily="49" charset="0"/>
+                            </a:rPr>
+                            <a:t>DAYS } :</a:t>
+                          </a:r>
+                        </a:p>
+                        <a:p>
+                          <a:pPr algn="l"/>
+                          <a:r>
+                            <a:rPr lang="en-US" sz="1200" dirty="0">
+                              <a:solidFill>
+                                <a:srgbClr val="000000"/>
+                              </a:solidFill>
+                              <a:latin typeface="Consolas" panose="020B0609020204030204" pitchFamily="49" charset="0"/>
                             </a:rPr>
                             <a:t>travel[</a:t>
                           </a:r>
                           <a:r>
-                            <a:rPr lang="en-IN" sz="1600" kern="1200" dirty="0" err="1">
-                              <a:solidFill>
-                                <a:schemeClr val="dk1"/>
-                              </a:solidFill>
-                              <a:latin typeface="+mn-lt"/>
-                              <a:ea typeface="+mn-ea"/>
-                              <a:cs typeface="+mn-cs"/>
+                            <a:rPr lang="en-US" sz="1200" dirty="0" err="1">
+                              <a:solidFill>
+                                <a:srgbClr val="000000"/>
+                              </a:solidFill>
+                              <a:latin typeface="Consolas" panose="020B0609020204030204" pitchFamily="49" charset="0"/>
                             </a:rPr>
                             <a:t>src</a:t>
                           </a:r>
                           <a:r>
-                            <a:rPr lang="en-IN" sz="1600" kern="1200" dirty="0">
-                              <a:solidFill>
-                                <a:schemeClr val="dk1"/>
-                              </a:solidFill>
-                              <a:latin typeface="+mn-lt"/>
-                              <a:ea typeface="+mn-ea"/>
-                              <a:cs typeface="+mn-cs"/>
+                            <a:rPr lang="en-US" sz="1200" dirty="0">
+                              <a:solidFill>
+                                <a:srgbClr val="000000"/>
+                              </a:solidFill>
+                              <a:latin typeface="Consolas" panose="020B0609020204030204" pitchFamily="49" charset="0"/>
                             </a:rPr>
                             <a:t>, </a:t>
                           </a:r>
                           <a:r>
-                            <a:rPr lang="en-IN" sz="1600" kern="1200" dirty="0" err="1">
-                              <a:solidFill>
-                                <a:schemeClr val="dk1"/>
-                              </a:solidFill>
-                              <a:latin typeface="+mn-lt"/>
-                              <a:ea typeface="+mn-ea"/>
-                              <a:cs typeface="+mn-cs"/>
+                            <a:rPr lang="en-US" sz="1200" dirty="0" err="1">
+                              <a:solidFill>
+                                <a:srgbClr val="000000"/>
+                              </a:solidFill>
+                              <a:latin typeface="Consolas" panose="020B0609020204030204" pitchFamily="49" charset="0"/>
                             </a:rPr>
                             <a:t>dst</a:t>
                           </a:r>
                           <a:r>
-                            <a:rPr lang="en-IN" sz="1600" kern="1200" dirty="0">
-                              <a:solidFill>
-                                <a:schemeClr val="dk1"/>
-                              </a:solidFill>
-                              <a:latin typeface="+mn-lt"/>
-                              <a:ea typeface="+mn-ea"/>
-                              <a:cs typeface="+mn-cs"/>
+                            <a:rPr lang="en-US" sz="1200" dirty="0">
+                              <a:solidFill>
+                                <a:srgbClr val="000000"/>
+                              </a:solidFill>
+                              <a:latin typeface="Consolas" panose="020B0609020204030204" pitchFamily="49" charset="0"/>
                             </a:rPr>
                             <a:t>, day] = 0;</a:t>
                           </a:r>
-                          <a:endParaRPr lang="en-IN" sz="1600" dirty="0"/>
                         </a:p>
                         <a:p>
                           <a:endParaRPr lang="en-IN" sz="1600" dirty="0"/>
@@ -7759,8 +8235,8 @@
                                     </m:ctrlPr>
                                   </m:dPr>
                                   <m:e>
-                                    <m:d>
-                                      <m:dPr>
+                                    <m:eqArr>
+                                      <m:eqArrPr>
                                         <m:ctrlPr>
                                           <a:rPr lang="en-IN" sz="1600" i="1" kern="1200">
                                             <a:solidFill>
@@ -7772,8 +8248,37 @@
                                             <a:cs typeface="+mn-cs"/>
                                           </a:rPr>
                                         </m:ctrlPr>
-                                      </m:dPr>
+                                      </m:eqArrPr>
                                       <m:e>
+                                        <m:d>
+                                          <m:dPr>
+                                            <m:ctrlPr>
+                                              <a:rPr lang="en-IN" sz="1600" i="1" kern="1200">
+                                                <a:solidFill>
+                                                  <a:schemeClr val="dk1"/>
+                                                </a:solidFill>
+                                                <a:effectLst/>
+                                                <a:latin typeface="Cambria Math" panose="02040503050406030204" pitchFamily="18" charset="0"/>
+                                                <a:ea typeface="+mn-ea"/>
+                                                <a:cs typeface="+mn-cs"/>
+                                              </a:rPr>
+                                            </m:ctrlPr>
+                                          </m:dPr>
+                                          <m:e>
+                                            <m:r>
+                                              <a:rPr lang="en-US" sz="1600" i="1" kern="1200">
+                                                <a:solidFill>
+                                                  <a:schemeClr val="dk1"/>
+                                                </a:solidFill>
+                                                <a:effectLst/>
+                                                <a:latin typeface="Cambria Math" panose="02040503050406030204" pitchFamily="18" charset="0"/>
+                                                <a:ea typeface="+mn-ea"/>
+                                                <a:cs typeface="+mn-cs"/>
+                                              </a:rPr>
+                                              <m:t>1,0</m:t>
+                                            </m:r>
+                                          </m:e>
+                                        </m:d>
                                         <m:r>
                                           <a:rPr lang="en-US" sz="1600" i="1" kern="1200">
                                             <a:solidFill>
@@ -7784,37 +8289,37 @@
                                             <a:ea typeface="+mn-ea"/>
                                             <a:cs typeface="+mn-cs"/>
                                           </a:rPr>
-                                          <m:t>1,0</m:t>
+                                          <m:t>, </m:t>
                                         </m:r>
-                                      </m:e>
-                                    </m:d>
-                                    <m:r>
-                                      <a:rPr lang="en-US" sz="1600" i="1" kern="1200">
-                                        <a:solidFill>
-                                          <a:schemeClr val="dk1"/>
-                                        </a:solidFill>
-                                        <a:effectLst/>
-                                        <a:latin typeface="Cambria Math" panose="02040503050406030204" pitchFamily="18" charset="0"/>
-                                        <a:ea typeface="+mn-ea"/>
-                                        <a:cs typeface="+mn-cs"/>
-                                      </a:rPr>
-                                      <m:t>, </m:t>
-                                    </m:r>
-                                    <m:d>
-                                      <m:dPr>
-                                        <m:ctrlPr>
-                                          <a:rPr lang="en-IN" sz="1600" i="1" kern="1200">
-                                            <a:solidFill>
-                                              <a:schemeClr val="dk1"/>
-                                            </a:solidFill>
-                                            <a:effectLst/>
-                                            <a:latin typeface="Cambria Math" panose="02040503050406030204" pitchFamily="18" charset="0"/>
-                                            <a:ea typeface="+mn-ea"/>
-                                            <a:cs typeface="+mn-cs"/>
-                                          </a:rPr>
-                                        </m:ctrlPr>
-                                      </m:dPr>
-                                      <m:e>
+                                        <m:d>
+                                          <m:dPr>
+                                            <m:ctrlPr>
+                                              <a:rPr lang="en-IN" sz="1600" i="1" kern="1200">
+                                                <a:solidFill>
+                                                  <a:schemeClr val="dk1"/>
+                                                </a:solidFill>
+                                                <a:effectLst/>
+                                                <a:latin typeface="Cambria Math" panose="02040503050406030204" pitchFamily="18" charset="0"/>
+                                                <a:ea typeface="+mn-ea"/>
+                                                <a:cs typeface="+mn-cs"/>
+                                              </a:rPr>
+                                            </m:ctrlPr>
+                                          </m:dPr>
+                                          <m:e>
+                                            <m:r>
+                                              <a:rPr lang="en-US" sz="1600" i="1" kern="1200">
+                                                <a:solidFill>
+                                                  <a:schemeClr val="dk1"/>
+                                                </a:solidFill>
+                                                <a:effectLst/>
+                                                <a:latin typeface="Cambria Math" panose="02040503050406030204" pitchFamily="18" charset="0"/>
+                                                <a:ea typeface="+mn-ea"/>
+                                                <a:cs typeface="+mn-cs"/>
+                                              </a:rPr>
+                                              <m:t>2,0</m:t>
+                                            </m:r>
+                                          </m:e>
+                                        </m:d>
                                         <m:r>
                                           <a:rPr lang="en-US" sz="1600" i="1" kern="1200">
                                             <a:solidFill>
@@ -7825,37 +8330,49 @@
                                             <a:ea typeface="+mn-ea"/>
                                             <a:cs typeface="+mn-cs"/>
                                           </a:rPr>
-                                          <m:t>2,0</m:t>
+                                          <m:t>…</m:t>
                                         </m:r>
-                                      </m:e>
-                                    </m:d>
-                                    <m:r>
-                                      <a:rPr lang="en-US" sz="1600" i="1" kern="1200">
-                                        <a:solidFill>
-                                          <a:schemeClr val="dk1"/>
-                                        </a:solidFill>
-                                        <a:effectLst/>
-                                        <a:latin typeface="Cambria Math" panose="02040503050406030204" pitchFamily="18" charset="0"/>
-                                        <a:ea typeface="+mn-ea"/>
-                                        <a:cs typeface="+mn-cs"/>
-                                      </a:rPr>
-                                      <m:t>…</m:t>
-                                    </m:r>
-                                    <m:d>
-                                      <m:dPr>
-                                        <m:ctrlPr>
-                                          <a:rPr lang="en-IN" sz="1600" i="1" kern="1200">
-                                            <a:solidFill>
-                                              <a:schemeClr val="dk1"/>
-                                            </a:solidFill>
-                                            <a:effectLst/>
-                                            <a:latin typeface="Cambria Math" panose="02040503050406030204" pitchFamily="18" charset="0"/>
-                                            <a:ea typeface="+mn-ea"/>
-                                            <a:cs typeface="+mn-cs"/>
-                                          </a:rPr>
-                                        </m:ctrlPr>
-                                      </m:dPr>
-                                      <m:e>
+                                        <m:d>
+                                          <m:dPr>
+                                            <m:ctrlPr>
+                                              <a:rPr lang="en-IN" sz="1600" i="1" kern="1200">
+                                                <a:solidFill>
+                                                  <a:schemeClr val="dk1"/>
+                                                </a:solidFill>
+                                                <a:effectLst/>
+                                                <a:latin typeface="Cambria Math" panose="02040503050406030204" pitchFamily="18" charset="0"/>
+                                                <a:ea typeface="+mn-ea"/>
+                                                <a:cs typeface="+mn-cs"/>
+                                              </a:rPr>
+                                            </m:ctrlPr>
+                                          </m:dPr>
+                                          <m:e>
+                                            <m:r>
+                                              <a:rPr lang="en-US" sz="1600" i="1" kern="1200">
+                                                <a:solidFill>
+                                                  <a:schemeClr val="dk1"/>
+                                                </a:solidFill>
+                                                <a:effectLst/>
+                                                <a:latin typeface="Cambria Math" panose="02040503050406030204" pitchFamily="18" charset="0"/>
+                                                <a:ea typeface="+mn-ea"/>
+                                                <a:cs typeface="+mn-cs"/>
+                                              </a:rPr>
+                                              <m:t>𝑁</m:t>
+                                            </m:r>
+                                            <m:r>
+                                              <a:rPr lang="en-US" sz="1600" i="1" kern="1200">
+                                                <a:solidFill>
+                                                  <a:schemeClr val="dk1"/>
+                                                </a:solidFill>
+                                                <a:effectLst/>
+                                                <a:latin typeface="Cambria Math" panose="02040503050406030204" pitchFamily="18" charset="0"/>
+                                                <a:ea typeface="+mn-ea"/>
+                                                <a:cs typeface="+mn-cs"/>
+                                              </a:rPr>
+                                              <m:t>, 0</m:t>
+                                            </m:r>
+                                          </m:e>
+                                        </m:d>
                                         <m:r>
                                           <a:rPr lang="en-US" sz="1600" i="1" kern="1200">
                                             <a:solidFill>
@@ -7866,8 +8383,49 @@
                                             <a:ea typeface="+mn-ea"/>
                                             <a:cs typeface="+mn-cs"/>
                                           </a:rPr>
-                                          <m:t>𝑁</m:t>
+                                          <m:t>,</m:t>
                                         </m:r>
+                                        <m:d>
+                                          <m:dPr>
+                                            <m:ctrlPr>
+                                              <a:rPr lang="en-IN" sz="1600" i="1" kern="1200">
+                                                <a:solidFill>
+                                                  <a:schemeClr val="dk1"/>
+                                                </a:solidFill>
+                                                <a:effectLst/>
+                                                <a:latin typeface="Cambria Math" panose="02040503050406030204" pitchFamily="18" charset="0"/>
+                                                <a:ea typeface="+mn-ea"/>
+                                                <a:cs typeface="+mn-cs"/>
+                                              </a:rPr>
+                                            </m:ctrlPr>
+                                          </m:dPr>
+                                          <m:e>
+                                            <m:r>
+                                              <a:rPr lang="en-US" sz="1600" i="1" kern="1200">
+                                                <a:solidFill>
+                                                  <a:schemeClr val="dk1"/>
+                                                </a:solidFill>
+                                                <a:effectLst/>
+                                                <a:latin typeface="Cambria Math" panose="02040503050406030204" pitchFamily="18" charset="0"/>
+                                                <a:ea typeface="+mn-ea"/>
+                                                <a:cs typeface="+mn-cs"/>
+                                              </a:rPr>
+                                              <m:t>𝑁</m:t>
+                                            </m:r>
+                                            <m:r>
+                                              <a:rPr lang="en-US" sz="1600" i="1" kern="1200">
+                                                <a:solidFill>
+                                                  <a:schemeClr val="dk1"/>
+                                                </a:solidFill>
+                                                <a:effectLst/>
+                                                <a:latin typeface="Cambria Math" panose="02040503050406030204" pitchFamily="18" charset="0"/>
+                                                <a:ea typeface="+mn-ea"/>
+                                                <a:cs typeface="+mn-cs"/>
+                                              </a:rPr>
+                                              <m:t>+1, 0</m:t>
+                                            </m:r>
+                                          </m:e>
+                                        </m:d>
                                         <m:r>
                                           <a:rPr lang="en-US" sz="1600" i="1" kern="1200">
                                             <a:solidFill>
@@ -7878,37 +8436,51 @@
                                             <a:ea typeface="+mn-ea"/>
                                             <a:cs typeface="+mn-cs"/>
                                           </a:rPr>
-                                          <m:t>, 0</m:t>
+                                          <m:t>,</m:t>
                                         </m:r>
                                       </m:e>
-                                    </m:d>
-                                    <m:r>
-                                      <a:rPr lang="en-US" sz="1600" i="1" kern="1200">
-                                        <a:solidFill>
-                                          <a:schemeClr val="dk1"/>
-                                        </a:solidFill>
-                                        <a:effectLst/>
-                                        <a:latin typeface="Cambria Math" panose="02040503050406030204" pitchFamily="18" charset="0"/>
-                                        <a:ea typeface="+mn-ea"/>
-                                        <a:cs typeface="+mn-cs"/>
-                                      </a:rPr>
-                                      <m:t>,</m:t>
-                                    </m:r>
-                                    <m:d>
-                                      <m:dPr>
-                                        <m:ctrlPr>
-                                          <a:rPr lang="en-IN" sz="1600" i="1" kern="1200">
-                                            <a:solidFill>
-                                              <a:schemeClr val="dk1"/>
-                                            </a:solidFill>
-                                            <a:effectLst/>
-                                            <a:latin typeface="Cambria Math" panose="02040503050406030204" pitchFamily="18" charset="0"/>
-                                            <a:ea typeface="+mn-ea"/>
-                                            <a:cs typeface="+mn-cs"/>
-                                          </a:rPr>
-                                        </m:ctrlPr>
-                                      </m:dPr>
                                       <m:e>
+                                        <m:d>
+                                          <m:dPr>
+                                            <m:ctrlPr>
+                                              <a:rPr lang="en-IN" sz="1600" i="1" kern="1200">
+                                                <a:solidFill>
+                                                  <a:schemeClr val="dk1"/>
+                                                </a:solidFill>
+                                                <a:effectLst/>
+                                                <a:latin typeface="Cambria Math" panose="02040503050406030204" pitchFamily="18" charset="0"/>
+                                                <a:ea typeface="+mn-ea"/>
+                                                <a:cs typeface="+mn-cs"/>
+                                              </a:rPr>
+                                            </m:ctrlPr>
+                                          </m:dPr>
+                                          <m:e>
+                                            <m:r>
+                                              <a:rPr lang="en-US" sz="1600" i="1" kern="1200">
+                                                <a:solidFill>
+                                                  <a:schemeClr val="dk1"/>
+                                                </a:solidFill>
+                                                <a:effectLst/>
+                                                <a:latin typeface="Cambria Math" panose="02040503050406030204" pitchFamily="18" charset="0"/>
+                                                <a:ea typeface="+mn-ea"/>
+                                                <a:cs typeface="+mn-cs"/>
+                                              </a:rPr>
+                                              <m:t>𝑁</m:t>
+                                            </m:r>
+                                            <m:r>
+                                              <a:rPr lang="en-US" sz="1600" i="1" kern="1200">
+                                                <a:solidFill>
+                                                  <a:schemeClr val="dk1"/>
+                                                </a:solidFill>
+                                                <a:effectLst/>
+                                                <a:latin typeface="Cambria Math" panose="02040503050406030204" pitchFamily="18" charset="0"/>
+                                                <a:ea typeface="+mn-ea"/>
+                                                <a:cs typeface="+mn-cs"/>
+                                              </a:rPr>
+                                              <m:t>+1, 1</m:t>
+                                            </m:r>
+                                          </m:e>
+                                        </m:d>
                                         <m:r>
                                           <a:rPr lang="en-US" sz="1600" i="1" kern="1200">
                                             <a:solidFill>
@@ -7919,140 +8491,63 @@
                                             <a:ea typeface="+mn-ea"/>
                                             <a:cs typeface="+mn-cs"/>
                                           </a:rPr>
-                                          <m:t>𝑁</m:t>
+                                          <m:t>,…</m:t>
                                         </m:r>
-                                        <m:r>
-                                          <a:rPr lang="en-US" sz="1600" i="1" kern="1200">
-                                            <a:solidFill>
-                                              <a:schemeClr val="dk1"/>
-                                            </a:solidFill>
-                                            <a:effectLst/>
-                                            <a:latin typeface="Cambria Math" panose="02040503050406030204" pitchFamily="18" charset="0"/>
-                                            <a:ea typeface="+mn-ea"/>
-                                            <a:cs typeface="+mn-cs"/>
-                                          </a:rPr>
-                                          <m:t>+1, 0</m:t>
-                                        </m:r>
+                                        <m:d>
+                                          <m:dPr>
+                                            <m:ctrlPr>
+                                              <a:rPr lang="en-IN" sz="1600" i="1" kern="1200">
+                                                <a:solidFill>
+                                                  <a:schemeClr val="dk1"/>
+                                                </a:solidFill>
+                                                <a:effectLst/>
+                                                <a:latin typeface="Cambria Math" panose="02040503050406030204" pitchFamily="18" charset="0"/>
+                                                <a:ea typeface="+mn-ea"/>
+                                                <a:cs typeface="+mn-cs"/>
+                                              </a:rPr>
+                                            </m:ctrlPr>
+                                          </m:dPr>
+                                          <m:e>
+                                            <m:r>
+                                              <a:rPr lang="en-US" sz="1600" i="1" kern="1200">
+                                                <a:solidFill>
+                                                  <a:schemeClr val="dk1"/>
+                                                </a:solidFill>
+                                                <a:effectLst/>
+                                                <a:latin typeface="Cambria Math" panose="02040503050406030204" pitchFamily="18" charset="0"/>
+                                                <a:ea typeface="+mn-ea"/>
+                                                <a:cs typeface="+mn-cs"/>
+                                              </a:rPr>
+                                              <m:t>𝑁</m:t>
+                                            </m:r>
+                                            <m:r>
+                                              <a:rPr lang="en-US" sz="1600" i="1" kern="1200">
+                                                <a:solidFill>
+                                                  <a:schemeClr val="dk1"/>
+                                                </a:solidFill>
+                                                <a:effectLst/>
+                                                <a:latin typeface="Cambria Math" panose="02040503050406030204" pitchFamily="18" charset="0"/>
+                                                <a:ea typeface="+mn-ea"/>
+                                                <a:cs typeface="+mn-cs"/>
+                                              </a:rPr>
+                                              <m:t>+1,</m:t>
+                                            </m:r>
+                                            <m:r>
+                                              <a:rPr lang="en-US" sz="1600" i="1" kern="1200">
+                                                <a:solidFill>
+                                                  <a:schemeClr val="dk1"/>
+                                                </a:solidFill>
+                                                <a:effectLst/>
+                                                <a:latin typeface="Cambria Math" panose="02040503050406030204" pitchFamily="18" charset="0"/>
+                                                <a:ea typeface="+mn-ea"/>
+                                                <a:cs typeface="+mn-cs"/>
+                                              </a:rPr>
+                                              <m:t>𝑁</m:t>
+                                            </m:r>
+                                          </m:e>
+                                        </m:d>
                                       </m:e>
-                                    </m:d>
-                                    <m:r>
-                                      <a:rPr lang="en-US" sz="1600" i="1" kern="1200">
-                                        <a:solidFill>
-                                          <a:schemeClr val="dk1"/>
-                                        </a:solidFill>
-                                        <a:effectLst/>
-                                        <a:latin typeface="Cambria Math" panose="02040503050406030204" pitchFamily="18" charset="0"/>
-                                        <a:ea typeface="+mn-ea"/>
-                                        <a:cs typeface="+mn-cs"/>
-                                      </a:rPr>
-                                      <m:t>,</m:t>
-                                    </m:r>
-                                    <m:d>
-                                      <m:dPr>
-                                        <m:ctrlPr>
-                                          <a:rPr lang="en-IN" sz="1600" i="1" kern="1200">
-                                            <a:solidFill>
-                                              <a:schemeClr val="dk1"/>
-                                            </a:solidFill>
-                                            <a:effectLst/>
-                                            <a:latin typeface="Cambria Math" panose="02040503050406030204" pitchFamily="18" charset="0"/>
-                                            <a:ea typeface="+mn-ea"/>
-                                            <a:cs typeface="+mn-cs"/>
-                                          </a:rPr>
-                                        </m:ctrlPr>
-                                      </m:dPr>
-                                      <m:e>
-                                        <m:r>
-                                          <a:rPr lang="en-US" sz="1600" i="1" kern="1200">
-                                            <a:solidFill>
-                                              <a:schemeClr val="dk1"/>
-                                            </a:solidFill>
-                                            <a:effectLst/>
-                                            <a:latin typeface="Cambria Math" panose="02040503050406030204" pitchFamily="18" charset="0"/>
-                                            <a:ea typeface="+mn-ea"/>
-                                            <a:cs typeface="+mn-cs"/>
-                                          </a:rPr>
-                                          <m:t>𝑁</m:t>
-                                        </m:r>
-                                        <m:r>
-                                          <a:rPr lang="en-US" sz="1600" i="1" kern="1200">
-                                            <a:solidFill>
-                                              <a:schemeClr val="dk1"/>
-                                            </a:solidFill>
-                                            <a:effectLst/>
-                                            <a:latin typeface="Cambria Math" panose="02040503050406030204" pitchFamily="18" charset="0"/>
-                                            <a:ea typeface="+mn-ea"/>
-                                            <a:cs typeface="+mn-cs"/>
-                                          </a:rPr>
-                                          <m:t>+1, 1</m:t>
-                                        </m:r>
-                                      </m:e>
-                                    </m:d>
-                                    <m:r>
-                                      <a:rPr lang="en-US" sz="1600" i="1" kern="1200">
-                                        <a:solidFill>
-                                          <a:schemeClr val="dk1"/>
-                                        </a:solidFill>
-                                        <a:effectLst/>
-                                        <a:latin typeface="Cambria Math" panose="02040503050406030204" pitchFamily="18" charset="0"/>
-                                        <a:ea typeface="+mn-ea"/>
-                                        <a:cs typeface="+mn-cs"/>
-                                      </a:rPr>
-                                      <m:t>,…</m:t>
-                                    </m:r>
-                                    <m:d>
-                                      <m:dPr>
-                                        <m:ctrlPr>
-                                          <a:rPr lang="en-IN" sz="1600" i="1" kern="1200">
-                                            <a:solidFill>
-                                              <a:schemeClr val="dk1"/>
-                                            </a:solidFill>
-                                            <a:effectLst/>
-                                            <a:latin typeface="Cambria Math" panose="02040503050406030204" pitchFamily="18" charset="0"/>
-                                            <a:ea typeface="+mn-ea"/>
-                                            <a:cs typeface="+mn-cs"/>
-                                          </a:rPr>
-                                        </m:ctrlPr>
-                                      </m:dPr>
-                                      <m:e>
-                                        <m:r>
-                                          <a:rPr lang="en-US" sz="1600" i="1" kern="1200">
-                                            <a:solidFill>
-                                              <a:schemeClr val="dk1"/>
-                                            </a:solidFill>
-                                            <a:effectLst/>
-                                            <a:latin typeface="Cambria Math" panose="02040503050406030204" pitchFamily="18" charset="0"/>
-                                            <a:ea typeface="+mn-ea"/>
-                                            <a:cs typeface="+mn-cs"/>
-                                          </a:rPr>
-                                          <m:t>𝑁</m:t>
-                                        </m:r>
-                                        <m:r>
-                                          <a:rPr lang="en-US" sz="1600" i="1" kern="1200">
-                                            <a:solidFill>
-                                              <a:schemeClr val="dk1"/>
-                                            </a:solidFill>
-                                            <a:effectLst/>
-                                            <a:latin typeface="Cambria Math" panose="02040503050406030204" pitchFamily="18" charset="0"/>
-                                            <a:ea typeface="+mn-ea"/>
-                                            <a:cs typeface="+mn-cs"/>
-                                          </a:rPr>
-                                          <m:t>+1,</m:t>
-                                        </m:r>
-                                        <m:r>
-                                          <a:rPr lang="en-US" sz="1600" i="1" kern="1200">
-                                            <a:solidFill>
-                                              <a:schemeClr val="dk1"/>
-                                            </a:solidFill>
-                                            <a:effectLst/>
-                                            <a:latin typeface="Cambria Math" panose="02040503050406030204" pitchFamily="18" charset="0"/>
-                                            <a:ea typeface="+mn-ea"/>
-                                            <a:cs typeface="+mn-cs"/>
-                                          </a:rPr>
-                                          <m:t>𝑁</m:t>
-                                        </m:r>
-                                      </m:e>
-                                    </m:d>
+                                    </m:eqArr>
                                   </m:e>
                                 </m:d>
                                 <m:r>
@@ -8076,6 +8571,18 @@
                             </a:solidFill>
                             <a:effectLst/>
                             <a:latin typeface="+mn-lt"/>
+                            <a:ea typeface="+mn-ea"/>
+                            <a:cs typeface="+mn-cs"/>
+                          </a:endParaRPr>
+                        </a:p>
+                        <a:p>
+                          <a:pPr/>
+                          <a:endParaRPr lang="en-US" sz="1600" i="1" kern="1200" dirty="0">
+                            <a:solidFill>
+                              <a:schemeClr val="dk1"/>
+                            </a:solidFill>
+                            <a:effectLst/>
+                            <a:latin typeface="Cambria Math" panose="02040503050406030204" pitchFamily="18" charset="0"/>
                             <a:ea typeface="+mn-ea"/>
                             <a:cs typeface="+mn-cs"/>
                           </a:endParaRPr>
@@ -8395,7 +8902,6 @@
                           </a:endParaRPr>
                         </a:p>
                         <a:p>
-                          <a:pPr/>
                           <a:endParaRPr lang="en-IN" sz="1600" kern="1200" dirty="0">
                             <a:solidFill>
                               <a:schemeClr val="dk1"/>
@@ -8431,7 +8937,7 @@
                 <p:ph idx="1"/>
                 <p:extLst>
                   <p:ext uri="{D42A27DB-BD31-4B8C-83A1-F6EECF244321}">
-                    <p14:modId xmlns:p14="http://schemas.microsoft.com/office/powerpoint/2010/main" val="3504503041"/>
+                    <p14:modId xmlns:p14="http://schemas.microsoft.com/office/powerpoint/2010/main" val="3278258053"/>
                   </p:ext>
                 </p:extLst>
               </p:nvPr>
@@ -8544,8 +9050,9 @@
                         <a:bodyPr/>
                         <a:lstStyle/>
                         <a:p>
-                          <a:r>
-                            <a:rPr lang="en-US" sz="1600" kern="1200" dirty="0">
+                          <a:pPr algn="l"/>
+                          <a:r>
+                            <a:rPr lang="en-US" sz="1200" kern="1200" dirty="0">
                               <a:solidFill>
                                 <a:schemeClr val="dk1"/>
                               </a:solidFill>
@@ -8556,164 +9063,227 @@
                             <a:t> </a:t>
                           </a:r>
                           <a:r>
-                            <a:rPr lang="en-US" sz="1600" kern="1200" dirty="0" err="1">
-                              <a:solidFill>
-                                <a:schemeClr val="dk1"/>
-                              </a:solidFill>
-                              <a:latin typeface="+mn-lt"/>
-                              <a:ea typeface="+mn-ea"/>
-                              <a:cs typeface="+mn-cs"/>
+                            <a:rPr lang="en-US" sz="1200" b="1" dirty="0" err="1">
+                              <a:solidFill>
+                                <a:srgbClr val="7F0055"/>
+                              </a:solidFill>
+                              <a:latin typeface="Consolas" panose="020B0609020204030204" pitchFamily="49" charset="0"/>
                             </a:rPr>
                             <a:t>s.t.</a:t>
                           </a:r>
                           <a:r>
-                            <a:rPr lang="en-US" sz="1600" kern="1200" dirty="0">
-                              <a:solidFill>
-                                <a:schemeClr val="dk1"/>
-                              </a:solidFill>
-                              <a:latin typeface="+mn-lt"/>
-                              <a:ea typeface="+mn-ea"/>
-                              <a:cs typeface="+mn-cs"/>
+                            <a:rPr lang="en-US" sz="1200" b="1" dirty="0">
+                              <a:solidFill>
+                                <a:srgbClr val="7F0055"/>
+                              </a:solidFill>
+                              <a:latin typeface="Consolas" panose="020B0609020204030204" pitchFamily="49" charset="0"/>
                             </a:rPr>
                             <a:t> </a:t>
                           </a:r>
                           <a:r>
-                            <a:rPr lang="en-US" sz="1600" kern="1200" dirty="0" err="1">
-                              <a:solidFill>
-                                <a:schemeClr val="dk1"/>
-                              </a:solidFill>
-                              <a:latin typeface="+mn-lt"/>
-                              <a:ea typeface="+mn-ea"/>
-                              <a:cs typeface="+mn-cs"/>
+                            <a:rPr lang="en-US" sz="1200" b="1" dirty="0" err="1">
+                              <a:solidFill>
+                                <a:srgbClr val="000000"/>
+                              </a:solidFill>
+                              <a:latin typeface="Consolas" panose="020B0609020204030204" pitchFamily="49" charset="0"/>
                             </a:rPr>
                             <a:t>InDegreeOutDegreeMatch</a:t>
                           </a:r>
                           <a:r>
-                            <a:rPr lang="en-US" sz="1600" kern="1200" dirty="0">
-                              <a:solidFill>
-                                <a:schemeClr val="dk1"/>
-                              </a:solidFill>
-                              <a:latin typeface="+mn-lt"/>
-                              <a:ea typeface="+mn-ea"/>
-                              <a:cs typeface="+mn-cs"/>
+                            <a:rPr lang="en-US" sz="1200" b="1" dirty="0">
+                              <a:solidFill>
+                                <a:srgbClr val="000000"/>
+                              </a:solidFill>
+                              <a:latin typeface="Consolas" panose="020B0609020204030204" pitchFamily="49" charset="0"/>
                             </a:rPr>
                             <a:t> {place </a:t>
                           </a:r>
                           <a:r>
-                            <a:rPr lang="en-US" sz="1600" b="1" kern="1200" dirty="0">
-                              <a:solidFill>
-                                <a:schemeClr val="dk1"/>
-                              </a:solidFill>
-                              <a:latin typeface="+mn-lt"/>
-                              <a:ea typeface="+mn-ea"/>
-                              <a:cs typeface="+mn-cs"/>
-                            </a:rPr>
-                            <a:t>in TRAVEL_PLACES, day in DAYS}:</a:t>
-                          </a:r>
-                        </a:p>
-                        <a:p>
-                          <a:r>
-                            <a:rPr lang="en-US" sz="1600" b="1" kern="1200" dirty="0">
-                              <a:solidFill>
-                                <a:schemeClr val="dk1"/>
-                              </a:solidFill>
-                              <a:latin typeface="+mn-lt"/>
-                              <a:ea typeface="+mn-ea"/>
-                              <a:cs typeface="+mn-cs"/>
-                            </a:rPr>
-                            <a:t>sum {</a:t>
-                          </a:r>
-                          <a:r>
-                            <a:rPr lang="en-US" sz="1600" b="1" kern="1200" dirty="0" err="1">
-                              <a:solidFill>
-                                <a:schemeClr val="dk1"/>
-                              </a:solidFill>
-                              <a:latin typeface="+mn-lt"/>
-                              <a:ea typeface="+mn-ea"/>
-                              <a:cs typeface="+mn-cs"/>
+                            <a:rPr lang="en-US" sz="1200" b="1" dirty="0">
+                              <a:solidFill>
+                                <a:srgbClr val="7F0055"/>
+                              </a:solidFill>
+                              <a:latin typeface="Consolas" panose="020B0609020204030204" pitchFamily="49" charset="0"/>
+                            </a:rPr>
+                            <a:t>in </a:t>
+                          </a:r>
+                          <a:r>
+                            <a:rPr lang="en-US" sz="1200" b="1" dirty="0">
+                              <a:solidFill>
+                                <a:srgbClr val="000000"/>
+                              </a:solidFill>
+                              <a:latin typeface="Consolas" panose="020B0609020204030204" pitchFamily="49" charset="0"/>
+                            </a:rPr>
+                            <a:t>TRAVEL_PLACES, day </a:t>
+                          </a:r>
+                          <a:r>
+                            <a:rPr lang="en-US" sz="1200" b="1" dirty="0">
+                              <a:solidFill>
+                                <a:srgbClr val="7F0055"/>
+                              </a:solidFill>
+                              <a:latin typeface="Consolas" panose="020B0609020204030204" pitchFamily="49" charset="0"/>
+                            </a:rPr>
+                            <a:t>in </a:t>
+                          </a:r>
+                          <a:r>
+                            <a:rPr lang="en-US" sz="1200" b="1" dirty="0">
+                              <a:solidFill>
+                                <a:srgbClr val="000000"/>
+                              </a:solidFill>
+                              <a:latin typeface="Consolas" panose="020B0609020204030204" pitchFamily="49" charset="0"/>
+                            </a:rPr>
+                            <a:t>DAYS}:</a:t>
+                          </a:r>
+                        </a:p>
+                        <a:p>
+                          <a:pPr algn="l"/>
+                          <a:r>
+                            <a:rPr lang="en-US" sz="1200" b="1" dirty="0">
+                              <a:solidFill>
+                                <a:srgbClr val="7F0055"/>
+                              </a:solidFill>
+                              <a:latin typeface="Consolas" panose="020B0609020204030204" pitchFamily="49" charset="0"/>
+                            </a:rPr>
+                            <a:t>sum </a:t>
+                          </a:r>
+                          <a:r>
+                            <a:rPr lang="en-US" sz="1200" b="1" dirty="0">
+                              <a:solidFill>
+                                <a:srgbClr val="000000"/>
+                              </a:solidFill>
+                              <a:latin typeface="Consolas" panose="020B0609020204030204" pitchFamily="49" charset="0"/>
+                            </a:rPr>
+                            <a:t>{</a:t>
+                          </a:r>
+                          <a:r>
+                            <a:rPr lang="en-US" sz="1200" b="1" dirty="0" err="1">
+                              <a:solidFill>
+                                <a:srgbClr val="000000"/>
+                              </a:solidFill>
+                              <a:latin typeface="Consolas" panose="020B0609020204030204" pitchFamily="49" charset="0"/>
                             </a:rPr>
                             <a:t>dst</a:t>
                           </a:r>
                           <a:r>
-                            <a:rPr lang="en-US" sz="1600" b="1" kern="1200" dirty="0">
-                              <a:solidFill>
-                                <a:schemeClr val="dk1"/>
-                              </a:solidFill>
-                              <a:latin typeface="+mn-lt"/>
-                              <a:ea typeface="+mn-ea"/>
-                              <a:cs typeface="+mn-cs"/>
-                            </a:rPr>
-                            <a:t> in ALL_PLACES} travel[place, </a:t>
-                          </a:r>
-                          <a:r>
-                            <a:rPr lang="en-US" sz="1600" b="1" kern="1200" dirty="0" err="1">
-                              <a:solidFill>
-                                <a:schemeClr val="dk1"/>
-                              </a:solidFill>
-                              <a:latin typeface="+mn-lt"/>
-                              <a:ea typeface="+mn-ea"/>
-                              <a:cs typeface="+mn-cs"/>
+                            <a:rPr lang="en-US" sz="1200" b="1" dirty="0">
+                              <a:solidFill>
+                                <a:srgbClr val="000000"/>
+                              </a:solidFill>
+                              <a:latin typeface="Consolas" panose="020B0609020204030204" pitchFamily="49" charset="0"/>
+                            </a:rPr>
+                            <a:t> </a:t>
+                          </a:r>
+                          <a:r>
+                            <a:rPr lang="en-US" sz="1200" b="1" dirty="0">
+                              <a:solidFill>
+                                <a:srgbClr val="7F0055"/>
+                              </a:solidFill>
+                              <a:latin typeface="Consolas" panose="020B0609020204030204" pitchFamily="49" charset="0"/>
+                            </a:rPr>
+                            <a:t>in </a:t>
+                          </a:r>
+                          <a:r>
+                            <a:rPr lang="en-US" sz="1200" b="1" dirty="0">
+                              <a:solidFill>
+                                <a:srgbClr val="000000"/>
+                              </a:solidFill>
+                              <a:latin typeface="Consolas" panose="020B0609020204030204" pitchFamily="49" charset="0"/>
+                            </a:rPr>
+                            <a:t>ALL_PLACES} travel[place, </a:t>
+                          </a:r>
+                          <a:r>
+                            <a:rPr lang="en-US" sz="1200" b="1" dirty="0" err="1">
+                              <a:solidFill>
+                                <a:srgbClr val="000000"/>
+                              </a:solidFill>
+                              <a:latin typeface="Consolas" panose="020B0609020204030204" pitchFamily="49" charset="0"/>
                             </a:rPr>
                             <a:t>dst</a:t>
                           </a:r>
                           <a:r>
-                            <a:rPr lang="en-US" sz="1600" b="1" kern="1200" dirty="0">
-                              <a:solidFill>
-                                <a:schemeClr val="dk1"/>
-                              </a:solidFill>
-                              <a:latin typeface="+mn-lt"/>
-                              <a:ea typeface="+mn-ea"/>
-                              <a:cs typeface="+mn-cs"/>
-                            </a:rPr>
-                            <a:t>, day] = sum {</a:t>
-                          </a:r>
-                          <a:r>
-                            <a:rPr lang="en-US" sz="1600" b="1" kern="1200" dirty="0" err="1">
-                              <a:solidFill>
-                                <a:schemeClr val="dk1"/>
-                              </a:solidFill>
-                              <a:latin typeface="+mn-lt"/>
-                              <a:ea typeface="+mn-ea"/>
-                              <a:cs typeface="+mn-cs"/>
+                            <a:rPr lang="en-US" sz="1200" b="1" dirty="0">
+                              <a:solidFill>
+                                <a:srgbClr val="000000"/>
+                              </a:solidFill>
+                              <a:latin typeface="Consolas" panose="020B0609020204030204" pitchFamily="49" charset="0"/>
+                            </a:rPr>
+                            <a:t>, day] = </a:t>
+                          </a:r>
+                          <a:r>
+                            <a:rPr lang="en-US" sz="1200" b="1" dirty="0">
+                              <a:solidFill>
+                                <a:srgbClr val="7F0055"/>
+                              </a:solidFill>
+                              <a:latin typeface="Consolas" panose="020B0609020204030204" pitchFamily="49" charset="0"/>
+                            </a:rPr>
+                            <a:t>sum </a:t>
+                          </a:r>
+                          <a:r>
+                            <a:rPr lang="en-US" sz="1200" b="1" dirty="0">
+                              <a:solidFill>
+                                <a:srgbClr val="000000"/>
+                              </a:solidFill>
+                              <a:latin typeface="Consolas" panose="020B0609020204030204" pitchFamily="49" charset="0"/>
+                            </a:rPr>
+                            <a:t>{</a:t>
+                          </a:r>
+                          <a:r>
+                            <a:rPr lang="en-US" sz="1200" b="1" dirty="0" err="1">
+                              <a:solidFill>
+                                <a:srgbClr val="000000"/>
+                              </a:solidFill>
+                              <a:latin typeface="Consolas" panose="020B0609020204030204" pitchFamily="49" charset="0"/>
                             </a:rPr>
                             <a:t>src</a:t>
                           </a:r>
                           <a:r>
-                            <a:rPr lang="en-US" sz="1600" b="1" kern="1200" dirty="0">
-                              <a:solidFill>
-                                <a:schemeClr val="dk1"/>
-                              </a:solidFill>
-                              <a:latin typeface="+mn-lt"/>
-                              <a:ea typeface="+mn-ea"/>
-                              <a:cs typeface="+mn-cs"/>
-                            </a:rPr>
-                            <a:t> in ALL_PLACES} travel[</a:t>
-                          </a:r>
-                          <a:r>
-                            <a:rPr lang="en-US" sz="1600" b="1" kern="1200" dirty="0" err="1">
-                              <a:solidFill>
-                                <a:schemeClr val="dk1"/>
-                              </a:solidFill>
-                              <a:latin typeface="+mn-lt"/>
-                              <a:ea typeface="+mn-ea"/>
-                              <a:cs typeface="+mn-cs"/>
+                            <a:rPr lang="en-US" sz="1200" b="1" dirty="0">
+                              <a:solidFill>
+                                <a:srgbClr val="000000"/>
+                              </a:solidFill>
+                              <a:latin typeface="Consolas" panose="020B0609020204030204" pitchFamily="49" charset="0"/>
+                            </a:rPr>
+                            <a:t> </a:t>
+                          </a:r>
+                          <a:r>
+                            <a:rPr lang="en-US" sz="1200" b="1" dirty="0">
+                              <a:solidFill>
+                                <a:srgbClr val="7F0055"/>
+                              </a:solidFill>
+                              <a:latin typeface="Consolas" panose="020B0609020204030204" pitchFamily="49" charset="0"/>
+                            </a:rPr>
+                            <a:t>in </a:t>
+                          </a:r>
+                          <a:r>
+                            <a:rPr lang="en-US" sz="1200" b="1" dirty="0">
+                              <a:solidFill>
+                                <a:srgbClr val="000000"/>
+                              </a:solidFill>
+                              <a:latin typeface="Consolas" panose="020B0609020204030204" pitchFamily="49" charset="0"/>
+                            </a:rPr>
+                            <a:t>ALL_PLACES} travel[</a:t>
+                          </a:r>
+                          <a:r>
+                            <a:rPr lang="en-US" sz="1200" b="1" dirty="0" err="1">
+                              <a:solidFill>
+                                <a:srgbClr val="000000"/>
+                              </a:solidFill>
+                              <a:latin typeface="Consolas" panose="020B0609020204030204" pitchFamily="49" charset="0"/>
                             </a:rPr>
                             <a:t>src</a:t>
                           </a:r>
                           <a:r>
-                            <a:rPr lang="en-US" sz="1600" b="1" kern="1200" dirty="0">
-                              <a:solidFill>
-                                <a:schemeClr val="dk1"/>
-                              </a:solidFill>
-                              <a:latin typeface="+mn-lt"/>
-                              <a:ea typeface="+mn-ea"/>
-                              <a:cs typeface="+mn-cs"/>
+                            <a:rPr lang="en-US" sz="1200" b="1" dirty="0">
+                              <a:solidFill>
+                                <a:srgbClr val="000000"/>
+                              </a:solidFill>
+                              <a:latin typeface="Consolas" panose="020B0609020204030204" pitchFamily="49" charset="0"/>
                             </a:rPr>
                             <a:t>, place, day];</a:t>
                           </a:r>
                         </a:p>
                         <a:p>
-                          <a:endParaRPr lang="en-US" sz="1600" b="1" kern="1200" dirty="0">
+                          <a:endParaRPr lang="en-US" sz="1200" b="1" kern="1200" dirty="0">
                             <a:solidFill>
                               <a:schemeClr val="dk1"/>
                             </a:solidFill>
@@ -8724,7 +9294,7 @@
                         </a:p>
                         <a:p>
                           <a:r>
-                            <a:rPr lang="en-US" sz="1600" kern="1200" dirty="0">
+                            <a:rPr lang="en-US" sz="1200" kern="1200" dirty="0">
                               <a:solidFill>
                                 <a:schemeClr val="dk1"/>
                               </a:solidFill>
@@ -8734,7 +9304,7 @@
                             </a:rPr>
                             <a:t> </a:t>
                           </a:r>
-                          <a:endParaRPr lang="en-IN" sz="1600" dirty="0"/>
+                          <a:endParaRPr lang="en-IN" sz="1200" dirty="0"/>
                         </a:p>
                       </a:txBody>
                       <a:tcPr anchor="ctr"/>
@@ -8781,141 +9351,145 @@
                         <a:bodyPr/>
                         <a:lstStyle/>
                         <a:p>
-                          <a:r>
-                            <a:rPr lang="en-US" sz="1600" kern="1200" dirty="0" err="1">
-                              <a:solidFill>
-                                <a:schemeClr val="dk1"/>
-                              </a:solidFill>
-                              <a:latin typeface="+mn-lt"/>
-                              <a:ea typeface="+mn-ea"/>
-                              <a:cs typeface="+mn-cs"/>
+                          <a:pPr algn="l"/>
+                          <a:r>
+                            <a:rPr lang="en-US" sz="1200" b="1" dirty="0" err="1">
+                              <a:solidFill>
+                                <a:srgbClr val="7F0055"/>
+                              </a:solidFill>
+                              <a:latin typeface="Consolas" panose="020B0609020204030204" pitchFamily="49" charset="0"/>
                             </a:rPr>
                             <a:t>s.t.</a:t>
                           </a:r>
                           <a:r>
-                            <a:rPr lang="en-US" sz="1600" kern="1200" dirty="0">
-                              <a:solidFill>
-                                <a:schemeClr val="dk1"/>
-                              </a:solidFill>
-                              <a:latin typeface="+mn-lt"/>
-                              <a:ea typeface="+mn-ea"/>
-                              <a:cs typeface="+mn-cs"/>
+                            <a:rPr lang="en-US" sz="1200" b="1" dirty="0">
+                              <a:solidFill>
+                                <a:srgbClr val="7F0055"/>
+                              </a:solidFill>
+                              <a:latin typeface="Consolas" panose="020B0609020204030204" pitchFamily="49" charset="0"/>
                             </a:rPr>
                             <a:t> </a:t>
                           </a:r>
                           <a:r>
-                            <a:rPr lang="en-US" sz="1600" kern="1200" dirty="0" err="1">
-                              <a:solidFill>
-                                <a:schemeClr val="dk1"/>
-                              </a:solidFill>
-                              <a:latin typeface="+mn-lt"/>
-                              <a:ea typeface="+mn-ea"/>
-                              <a:cs typeface="+mn-cs"/>
+                            <a:rPr lang="en-US" sz="1200" b="1" dirty="0" err="1">
+                              <a:solidFill>
+                                <a:srgbClr val="000000"/>
+                              </a:solidFill>
+                              <a:latin typeface="Consolas" panose="020B0609020204030204" pitchFamily="49" charset="0"/>
                             </a:rPr>
                             <a:t>NoInvalidPaths</a:t>
                           </a:r>
                           <a:r>
-                            <a:rPr lang="en-US" sz="1600" kern="1200" dirty="0">
-                              <a:solidFill>
-                                <a:schemeClr val="dk1"/>
-                              </a:solidFill>
-                              <a:latin typeface="+mn-lt"/>
-                              <a:ea typeface="+mn-ea"/>
-                              <a:cs typeface="+mn-cs"/>
+                            <a:rPr lang="en-US" sz="1200" b="1" dirty="0">
+                              <a:solidFill>
+                                <a:srgbClr val="000000"/>
+                              </a:solidFill>
+                              <a:latin typeface="Consolas" panose="020B0609020204030204" pitchFamily="49" charset="0"/>
                             </a:rPr>
                             <a:t> { (</a:t>
                           </a:r>
                           <a:r>
-                            <a:rPr lang="en-US" sz="1600" kern="1200" dirty="0" err="1">
-                              <a:solidFill>
-                                <a:schemeClr val="dk1"/>
-                              </a:solidFill>
-                              <a:latin typeface="+mn-lt"/>
-                              <a:ea typeface="+mn-ea"/>
-                              <a:cs typeface="+mn-cs"/>
+                            <a:rPr lang="en-US" sz="1200" b="1" dirty="0" err="1">
+                              <a:solidFill>
+                                <a:srgbClr val="000000"/>
+                              </a:solidFill>
+                              <a:latin typeface="Consolas" panose="020B0609020204030204" pitchFamily="49" charset="0"/>
                             </a:rPr>
                             <a:t>src,dst</a:t>
                           </a:r>
                           <a:r>
-                            <a:rPr lang="en-US" sz="1600" kern="1200" dirty="0">
-                              <a:solidFill>
-                                <a:schemeClr val="dk1"/>
-                              </a:solidFill>
-                              <a:latin typeface="+mn-lt"/>
-                              <a:ea typeface="+mn-ea"/>
-                              <a:cs typeface="+mn-cs"/>
+                            <a:rPr lang="en-US" sz="1200" b="1" dirty="0">
+                              <a:solidFill>
+                                <a:srgbClr val="000000"/>
+                              </a:solidFill>
+                              <a:latin typeface="Consolas" panose="020B0609020204030204" pitchFamily="49" charset="0"/>
                             </a:rPr>
                             <a:t>) </a:t>
                           </a:r>
                           <a:r>
-                            <a:rPr lang="en-US" sz="1600" b="1" kern="1200" dirty="0">
-                              <a:solidFill>
-                                <a:schemeClr val="dk1"/>
-                              </a:solidFill>
-                              <a:latin typeface="+mn-lt"/>
-                              <a:ea typeface="+mn-ea"/>
-                              <a:cs typeface="+mn-cs"/>
-                            </a:rPr>
-                            <a:t>in INVALID_PATHS, day in DAYS } :</a:t>
-                          </a:r>
-                        </a:p>
-                        <a:p>
-                          <a:r>
-                            <a:rPr lang="en-IN" sz="1600" kern="1200" dirty="0">
-                              <a:solidFill>
-                                <a:schemeClr val="dk1"/>
-                              </a:solidFill>
-                              <a:latin typeface="+mn-lt"/>
-                              <a:ea typeface="+mn-ea"/>
-                              <a:cs typeface="+mn-cs"/>
+                            <a:rPr lang="en-US" sz="1200" b="1" dirty="0">
+                              <a:solidFill>
+                                <a:srgbClr val="7F0055"/>
+                              </a:solidFill>
+                              <a:latin typeface="Consolas" panose="020B0609020204030204" pitchFamily="49" charset="0"/>
+                            </a:rPr>
+                            <a:t>in </a:t>
+                          </a:r>
+                          <a:r>
+                            <a:rPr lang="en-US" sz="1200" b="1" dirty="0">
+                              <a:solidFill>
+                                <a:srgbClr val="000000"/>
+                              </a:solidFill>
+                              <a:latin typeface="Consolas" panose="020B0609020204030204" pitchFamily="49" charset="0"/>
+                            </a:rPr>
+                            <a:t>INVALID_PATHS, day </a:t>
+                          </a:r>
+                          <a:r>
+                            <a:rPr lang="en-US" sz="1200" b="1" dirty="0">
+                              <a:solidFill>
+                                <a:srgbClr val="7F0055"/>
+                              </a:solidFill>
+                              <a:latin typeface="Consolas" panose="020B0609020204030204" pitchFamily="49" charset="0"/>
+                            </a:rPr>
+                            <a:t>in </a:t>
+                          </a:r>
+                          <a:r>
+                            <a:rPr lang="en-US" sz="1200" b="1" dirty="0">
+                              <a:solidFill>
+                                <a:srgbClr val="000000"/>
+                              </a:solidFill>
+                              <a:latin typeface="Consolas" panose="020B0609020204030204" pitchFamily="49" charset="0"/>
+                            </a:rPr>
+                            <a:t>DAYS } :</a:t>
+                          </a:r>
+                        </a:p>
+                        <a:p>
+                          <a:pPr algn="l"/>
+                          <a:r>
+                            <a:rPr lang="en-US" sz="1200" dirty="0">
+                              <a:solidFill>
+                                <a:srgbClr val="000000"/>
+                              </a:solidFill>
+                              <a:latin typeface="Consolas" panose="020B0609020204030204" pitchFamily="49" charset="0"/>
                             </a:rPr>
                             <a:t>travel[</a:t>
                           </a:r>
                           <a:r>
-                            <a:rPr lang="en-IN" sz="1600" kern="1200" dirty="0" err="1">
-                              <a:solidFill>
-                                <a:schemeClr val="dk1"/>
-                              </a:solidFill>
-                              <a:latin typeface="+mn-lt"/>
-                              <a:ea typeface="+mn-ea"/>
-                              <a:cs typeface="+mn-cs"/>
+                            <a:rPr lang="en-US" sz="1200" dirty="0" err="1">
+                              <a:solidFill>
+                                <a:srgbClr val="000000"/>
+                              </a:solidFill>
+                              <a:latin typeface="Consolas" panose="020B0609020204030204" pitchFamily="49" charset="0"/>
                             </a:rPr>
                             <a:t>src</a:t>
                           </a:r>
                           <a:r>
-                            <a:rPr lang="en-IN" sz="1600" kern="1200" dirty="0">
-                              <a:solidFill>
-                                <a:schemeClr val="dk1"/>
-                              </a:solidFill>
-                              <a:latin typeface="+mn-lt"/>
-                              <a:ea typeface="+mn-ea"/>
-                              <a:cs typeface="+mn-cs"/>
+                            <a:rPr lang="en-US" sz="1200" dirty="0">
+                              <a:solidFill>
+                                <a:srgbClr val="000000"/>
+                              </a:solidFill>
+                              <a:latin typeface="Consolas" panose="020B0609020204030204" pitchFamily="49" charset="0"/>
                             </a:rPr>
                             <a:t>, </a:t>
                           </a:r>
                           <a:r>
-                            <a:rPr lang="en-IN" sz="1600" kern="1200" dirty="0" err="1">
-                              <a:solidFill>
-                                <a:schemeClr val="dk1"/>
-                              </a:solidFill>
-                              <a:latin typeface="+mn-lt"/>
-                              <a:ea typeface="+mn-ea"/>
-                              <a:cs typeface="+mn-cs"/>
+                            <a:rPr lang="en-US" sz="1200" dirty="0" err="1">
+                              <a:solidFill>
+                                <a:srgbClr val="000000"/>
+                              </a:solidFill>
+                              <a:latin typeface="Consolas" panose="020B0609020204030204" pitchFamily="49" charset="0"/>
                             </a:rPr>
                             <a:t>dst</a:t>
                           </a:r>
                           <a:r>
-                            <a:rPr lang="en-IN" sz="1600" kern="1200" dirty="0">
-                              <a:solidFill>
-                                <a:schemeClr val="dk1"/>
-                              </a:solidFill>
-                              <a:latin typeface="+mn-lt"/>
-                              <a:ea typeface="+mn-ea"/>
-                              <a:cs typeface="+mn-cs"/>
+                            <a:rPr lang="en-US" sz="1200" dirty="0">
+                              <a:solidFill>
+                                <a:srgbClr val="000000"/>
+                              </a:solidFill>
+                              <a:latin typeface="Consolas" panose="020B0609020204030204" pitchFamily="49" charset="0"/>
                             </a:rPr>
                             <a:t>, day] = 0;</a:t>
                           </a:r>
-                          <a:endParaRPr lang="en-IN" sz="1600" dirty="0"/>
                         </a:p>
                         <a:p>
                           <a:endParaRPr lang="en-IN" sz="1600" dirty="0"/>
@@ -8952,6 +9526,34 @@
           </p:graphicFrame>
         </mc:Fallback>
       </mc:AlternateContent>
+      <p:sp>
+        <p:nvSpPr>
+          <p:cNvPr id="5" name="Title 4">
+            <a:extLst>
+              <a:ext uri="{FF2B5EF4-FFF2-40B4-BE49-F238E27FC236}">
+                <a16:creationId xmlns:a16="http://schemas.microsoft.com/office/drawing/2014/main" id="{E5B92D4E-D7CF-4D9E-BAA3-AC428252E5CE}"/>
+              </a:ext>
+            </a:extLst>
+          </p:cNvPr>
+          <p:cNvSpPr>
+            <a:spLocks noGrp="1"/>
+          </p:cNvSpPr>
+          <p:nvPr>
+            <p:ph type="title"/>
+          </p:nvPr>
+        </p:nvSpPr>
+        <p:spPr/>
+        <p:txBody>
+          <a:bodyPr/>
+          <a:lstStyle/>
+          <a:p>
+            <a:r>
+              <a:rPr lang="en-US" dirty="0"/>
+              <a:t>Travel Constraints</a:t>
+            </a:r>
+          </a:p>
+        </p:txBody>
+      </p:sp>
     </p:spTree>
     <p:extLst>
       <p:ext uri="{BB962C8B-B14F-4D97-AF65-F5344CB8AC3E}">
@@ -8993,7 +9595,7 @@
               <p:nvPr>
                 <p:extLst>
                   <p:ext uri="{D42A27DB-BD31-4B8C-83A1-F6EECF244321}">
-                    <p14:modId xmlns:p14="http://schemas.microsoft.com/office/powerpoint/2010/main" val="2184535285"/>
+                    <p14:modId xmlns:p14="http://schemas.microsoft.com/office/powerpoint/2010/main" val="1640353853"/>
                   </p:ext>
                 </p:extLst>
               </p:nvPr>
@@ -9106,8 +9708,180 @@
                         <a:bodyPr/>
                         <a:lstStyle/>
                         <a:p>
-                          <a:r>
-                            <a:rPr lang="en-US" sz="1600" b="1" kern="1200" dirty="0" err="1">
+                          <a:pPr algn="l"/>
+                          <a:r>
+                            <a:rPr lang="en-US" sz="1200" b="1" dirty="0" err="1">
+                              <a:solidFill>
+                                <a:srgbClr val="7F0055"/>
+                              </a:solidFill>
+                              <a:latin typeface="Consolas" panose="020B0609020204030204" pitchFamily="49" charset="0"/>
+                            </a:rPr>
+                            <a:t>s.t.</a:t>
+                          </a:r>
+                          <a:r>
+                            <a:rPr lang="en-US" sz="1200" b="1" dirty="0">
+                              <a:solidFill>
+                                <a:srgbClr val="7F0055"/>
+                              </a:solidFill>
+                              <a:latin typeface="Consolas" panose="020B0609020204030204" pitchFamily="49" charset="0"/>
+                            </a:rPr>
+                            <a:t> </a:t>
+                          </a:r>
+                          <a:r>
+                            <a:rPr lang="en-US" sz="1200" b="1" dirty="0" err="1">
+                              <a:solidFill>
+                                <a:srgbClr val="000000"/>
+                              </a:solidFill>
+                              <a:latin typeface="Consolas" panose="020B0609020204030204" pitchFamily="49" charset="0"/>
+                            </a:rPr>
+                            <a:t>PlaceSingularity</a:t>
+                          </a:r>
+                          <a:r>
+                            <a:rPr lang="en-US" sz="1200" b="1" dirty="0">
+                              <a:solidFill>
+                                <a:srgbClr val="000000"/>
+                              </a:solidFill>
+                              <a:latin typeface="Consolas" panose="020B0609020204030204" pitchFamily="49" charset="0"/>
+                            </a:rPr>
+                            <a:t> {</a:t>
+                          </a:r>
+                          <a:r>
+                            <a:rPr lang="en-US" sz="1200" b="1" dirty="0" err="1">
+                              <a:solidFill>
+                                <a:srgbClr val="000000"/>
+                              </a:solidFill>
+                              <a:latin typeface="Consolas" panose="020B0609020204030204" pitchFamily="49" charset="0"/>
+                            </a:rPr>
+                            <a:t>src</a:t>
+                          </a:r>
+                          <a:r>
+                            <a:rPr lang="en-US" sz="1200" b="1" dirty="0">
+                              <a:solidFill>
+                                <a:srgbClr val="000000"/>
+                              </a:solidFill>
+                              <a:latin typeface="Consolas" panose="020B0609020204030204" pitchFamily="49" charset="0"/>
+                            </a:rPr>
+                            <a:t> </a:t>
+                          </a:r>
+                          <a:r>
+                            <a:rPr lang="en-US" sz="1200" b="1" dirty="0">
+                              <a:solidFill>
+                                <a:srgbClr val="7F0055"/>
+                              </a:solidFill>
+                              <a:latin typeface="Consolas" panose="020B0609020204030204" pitchFamily="49" charset="0"/>
+                            </a:rPr>
+                            <a:t>in </a:t>
+                          </a:r>
+                          <a:r>
+                            <a:rPr lang="en-US" sz="1200" b="1" dirty="0">
+                              <a:solidFill>
+                                <a:srgbClr val="000000"/>
+                              </a:solidFill>
+                              <a:latin typeface="Consolas" panose="020B0609020204030204" pitchFamily="49" charset="0"/>
+                            </a:rPr>
+                            <a:t>TRAVEL_PLACES}:</a:t>
+                          </a:r>
+                        </a:p>
+                        <a:p>
+                          <a:pPr algn="l"/>
+                          <a:r>
+                            <a:rPr lang="en-US" sz="1200" dirty="0">
+                              <a:latin typeface="Consolas" panose="020B0609020204030204" pitchFamily="49" charset="0"/>
+                            </a:rPr>
+                            <a:t>  </a:t>
+                          </a:r>
+                          <a:r>
+                            <a:rPr lang="en-US" sz="1200" b="1" dirty="0">
+                              <a:solidFill>
+                                <a:srgbClr val="7F0055"/>
+                              </a:solidFill>
+                              <a:latin typeface="Consolas" panose="020B0609020204030204" pitchFamily="49" charset="0"/>
+                            </a:rPr>
+                            <a:t>sum </a:t>
+                          </a:r>
+                          <a:r>
+                            <a:rPr lang="en-US" sz="1200" b="1" dirty="0">
+                              <a:solidFill>
+                                <a:srgbClr val="000000"/>
+                              </a:solidFill>
+                              <a:latin typeface="Consolas" panose="020B0609020204030204" pitchFamily="49" charset="0"/>
+                            </a:rPr>
+                            <a:t>{</a:t>
+                          </a:r>
+                          <a:r>
+                            <a:rPr lang="en-US" sz="1200" b="1" dirty="0" err="1">
+                              <a:solidFill>
+                                <a:srgbClr val="000000"/>
+                              </a:solidFill>
+                              <a:latin typeface="Consolas" panose="020B0609020204030204" pitchFamily="49" charset="0"/>
+                            </a:rPr>
+                            <a:t>dst</a:t>
+                          </a:r>
+                          <a:r>
+                            <a:rPr lang="en-US" sz="1200" b="1" dirty="0">
+                              <a:solidFill>
+                                <a:srgbClr val="000000"/>
+                              </a:solidFill>
+                              <a:latin typeface="Consolas" panose="020B0609020204030204" pitchFamily="49" charset="0"/>
+                            </a:rPr>
+                            <a:t> </a:t>
+                          </a:r>
+                          <a:r>
+                            <a:rPr lang="en-US" sz="1200" b="1" dirty="0">
+                              <a:solidFill>
+                                <a:srgbClr val="7F0055"/>
+                              </a:solidFill>
+                              <a:latin typeface="Consolas" panose="020B0609020204030204" pitchFamily="49" charset="0"/>
+                            </a:rPr>
+                            <a:t>in </a:t>
+                          </a:r>
+                          <a:r>
+                            <a:rPr lang="en-US" sz="1200" b="1" dirty="0">
+                              <a:solidFill>
+                                <a:srgbClr val="000000"/>
+                              </a:solidFill>
+                              <a:latin typeface="Consolas" panose="020B0609020204030204" pitchFamily="49" charset="0"/>
+                            </a:rPr>
+                            <a:t>ALL_PLACES, day </a:t>
+                          </a:r>
+                          <a:r>
+                            <a:rPr lang="en-US" sz="1200" b="1" dirty="0">
+                              <a:solidFill>
+                                <a:srgbClr val="7F0055"/>
+                              </a:solidFill>
+                              <a:latin typeface="Consolas" panose="020B0609020204030204" pitchFamily="49" charset="0"/>
+                            </a:rPr>
+                            <a:t>in </a:t>
+                          </a:r>
+                          <a:r>
+                            <a:rPr lang="en-US" sz="1200" b="1" dirty="0">
+                              <a:solidFill>
+                                <a:srgbClr val="000000"/>
+                              </a:solidFill>
+                              <a:latin typeface="Consolas" panose="020B0609020204030204" pitchFamily="49" charset="0"/>
+                            </a:rPr>
+                            <a:t>DAYS} travel[</a:t>
+                          </a:r>
+                          <a:r>
+                            <a:rPr lang="en-US" sz="1200" b="1" dirty="0" err="1">
+                              <a:solidFill>
+                                <a:srgbClr val="000000"/>
+                              </a:solidFill>
+                              <a:latin typeface="Consolas" panose="020B0609020204030204" pitchFamily="49" charset="0"/>
+                            </a:rPr>
+                            <a:t>src,dst</a:t>
+                          </a:r>
+                          <a:r>
+                            <a:rPr lang="en-US" sz="1200" b="1" dirty="0">
+                              <a:solidFill>
+                                <a:srgbClr val="000000"/>
+                              </a:solidFill>
+                              <a:latin typeface="Consolas" panose="020B0609020204030204" pitchFamily="49" charset="0"/>
+                            </a:rPr>
+                            <a:t>, day] &lt;= 1 ;</a:t>
+                          </a:r>
+                          <a:r>
+                            <a:rPr lang="en-IN" sz="1200" kern="1200" dirty="0">
                               <a:solidFill>
                                 <a:schemeClr val="dk1"/>
                               </a:solidFill>
@@ -9115,145 +9889,9 @@
                               <a:ea typeface="+mn-ea"/>
                               <a:cs typeface="+mn-cs"/>
                             </a:rPr>
-                            <a:t>s.t.</a:t>
-                          </a:r>
-                          <a:r>
-                            <a:rPr lang="en-US" sz="1600" b="1" kern="1200" dirty="0">
-                              <a:solidFill>
-                                <a:schemeClr val="dk1"/>
-                              </a:solidFill>
-                              <a:latin typeface="+mn-lt"/>
-                              <a:ea typeface="+mn-ea"/>
-                              <a:cs typeface="+mn-cs"/>
-                            </a:rPr>
                             <a:t> </a:t>
                           </a:r>
-                          <a:r>
-                            <a:rPr lang="en-US" sz="1600" b="1" kern="1200" dirty="0" err="1">
-                              <a:solidFill>
-                                <a:schemeClr val="dk1"/>
-                              </a:solidFill>
-                              <a:latin typeface="+mn-lt"/>
-                              <a:ea typeface="+mn-ea"/>
-                              <a:cs typeface="+mn-cs"/>
-                            </a:rPr>
-                            <a:t>PlaceSingularity</a:t>
-                          </a:r>
-                          <a:r>
-                            <a:rPr lang="en-US" sz="1600" b="1" kern="1200" dirty="0">
-                              <a:solidFill>
-                                <a:schemeClr val="dk1"/>
-                              </a:solidFill>
-                              <a:latin typeface="+mn-lt"/>
-                              <a:ea typeface="+mn-ea"/>
-                              <a:cs typeface="+mn-cs"/>
-                            </a:rPr>
-                            <a:t> {</a:t>
-                          </a:r>
-                          <a:r>
-                            <a:rPr lang="en-US" sz="1600" b="1" kern="1200" dirty="0" err="1">
-                              <a:solidFill>
-                                <a:schemeClr val="dk1"/>
-                              </a:solidFill>
-                              <a:latin typeface="+mn-lt"/>
-                              <a:ea typeface="+mn-ea"/>
-                              <a:cs typeface="+mn-cs"/>
-                            </a:rPr>
-                            <a:t>src</a:t>
-                          </a:r>
-                          <a:r>
-                            <a:rPr lang="en-US" sz="1600" b="1" kern="1200" dirty="0">
-                              <a:solidFill>
-                                <a:schemeClr val="dk1"/>
-                              </a:solidFill>
-                              <a:latin typeface="+mn-lt"/>
-                              <a:ea typeface="+mn-ea"/>
-                              <a:cs typeface="+mn-cs"/>
-                            </a:rPr>
-                            <a:t> in TRAVEL_PLACES}:</a:t>
-                          </a:r>
-                        </a:p>
-                        <a:p>
-                          <a:r>
-                            <a:rPr lang="en-US" sz="1600" kern="1200" dirty="0">
-                              <a:solidFill>
-                                <a:schemeClr val="dk1"/>
-                              </a:solidFill>
-                              <a:latin typeface="+mn-lt"/>
-                              <a:ea typeface="+mn-ea"/>
-                              <a:cs typeface="+mn-cs"/>
-                            </a:rPr>
-                            <a:t>  </a:t>
-                          </a:r>
-                          <a:r>
-                            <a:rPr lang="en-US" sz="1600" b="1" kern="1200" dirty="0">
-                              <a:solidFill>
-                                <a:schemeClr val="dk1"/>
-                              </a:solidFill>
-                              <a:latin typeface="+mn-lt"/>
-                              <a:ea typeface="+mn-ea"/>
-                              <a:cs typeface="+mn-cs"/>
-                            </a:rPr>
-                            <a:t>sum {</a:t>
-                          </a:r>
-                          <a:r>
-                            <a:rPr lang="en-US" sz="1600" b="1" kern="1200" dirty="0" err="1">
-                              <a:solidFill>
-                                <a:schemeClr val="dk1"/>
-                              </a:solidFill>
-                              <a:latin typeface="+mn-lt"/>
-                              <a:ea typeface="+mn-ea"/>
-                              <a:cs typeface="+mn-cs"/>
-                            </a:rPr>
-                            <a:t>dst</a:t>
-                          </a:r>
-                          <a:r>
-                            <a:rPr lang="en-US" sz="1600" b="1" kern="1200" dirty="0">
-                              <a:solidFill>
-                                <a:schemeClr val="dk1"/>
-                              </a:solidFill>
-                              <a:latin typeface="+mn-lt"/>
-                              <a:ea typeface="+mn-ea"/>
-                              <a:cs typeface="+mn-cs"/>
-                            </a:rPr>
-                            <a:t> in ALL_PLACES, day in DAYS} travel[</a:t>
-                          </a:r>
-                          <a:r>
-                            <a:rPr lang="en-US" sz="1600" b="1" kern="1200" dirty="0" err="1">
-                              <a:solidFill>
-                                <a:schemeClr val="dk1"/>
-                              </a:solidFill>
-                              <a:latin typeface="+mn-lt"/>
-                              <a:ea typeface="+mn-ea"/>
-                              <a:cs typeface="+mn-cs"/>
-                            </a:rPr>
-                            <a:t>src,dst</a:t>
-                          </a:r>
-                          <a:r>
-                            <a:rPr lang="en-US" sz="1600" b="1" kern="1200" dirty="0">
-                              <a:solidFill>
-                                <a:schemeClr val="dk1"/>
-                              </a:solidFill>
-                              <a:latin typeface="+mn-lt"/>
-                              <a:ea typeface="+mn-ea"/>
-                              <a:cs typeface="+mn-cs"/>
-                            </a:rPr>
-                            <a:t>, day] &lt;= 1 ;</a:t>
-                          </a:r>
-                        </a:p>
-                        <a:p>
-                          <a:r>
-                            <a:rPr lang="en-IN" sz="1600" kern="1200" dirty="0">
-                              <a:solidFill>
-                                <a:schemeClr val="dk1"/>
-                              </a:solidFill>
-                              <a:latin typeface="+mn-lt"/>
-                              <a:ea typeface="+mn-ea"/>
-                              <a:cs typeface="+mn-cs"/>
-                            </a:rPr>
-                            <a:t> </a:t>
-                          </a:r>
-                          <a:endParaRPr lang="en-IN" sz="1600" dirty="0"/>
+                          <a:endParaRPr lang="en-IN" sz="1200" dirty="0"/>
                         </a:p>
                       </a:txBody>
                       <a:tcPr anchor="ctr"/>
@@ -9705,110 +10343,349 @@
                         <a:bodyPr/>
                         <a:lstStyle/>
                         <a:p>
-                          <a:r>
-                            <a:rPr lang="en-US" sz="1600" b="1" kern="1200" dirty="0" err="1">
-                              <a:solidFill>
-                                <a:schemeClr val="dk1"/>
-                              </a:solidFill>
-                              <a:latin typeface="+mn-lt"/>
-                              <a:ea typeface="+mn-ea"/>
-                              <a:cs typeface="+mn-cs"/>
+                          <a:pPr algn="l"/>
+                          <a:r>
+                            <a:rPr lang="en-US" sz="1200" b="1" dirty="0" err="1">
+                              <a:solidFill>
+                                <a:srgbClr val="7F0055"/>
+                              </a:solidFill>
+                              <a:latin typeface="Consolas" panose="020B0609020204030204" pitchFamily="49" charset="0"/>
                             </a:rPr>
                             <a:t>s.t.</a:t>
                           </a:r>
                           <a:r>
-                            <a:rPr lang="en-US" sz="1600" b="1" kern="1200" dirty="0">
-                              <a:solidFill>
-                                <a:schemeClr val="dk1"/>
-                              </a:solidFill>
-                              <a:latin typeface="+mn-lt"/>
-                              <a:ea typeface="+mn-ea"/>
-                              <a:cs typeface="+mn-cs"/>
+                            <a:rPr lang="en-US" sz="1200" b="1" dirty="0">
+                              <a:solidFill>
+                                <a:srgbClr val="7F0055"/>
+                              </a:solidFill>
+                              <a:latin typeface="Consolas" panose="020B0609020204030204" pitchFamily="49" charset="0"/>
                             </a:rPr>
                             <a:t> </a:t>
                           </a:r>
                           <a:r>
-                            <a:rPr lang="en-US" sz="1600" b="1" kern="1200" dirty="0" err="1">
-                              <a:solidFill>
-                                <a:schemeClr val="dk1"/>
-                              </a:solidFill>
-                              <a:latin typeface="+mn-lt"/>
-                              <a:ea typeface="+mn-ea"/>
-                              <a:cs typeface="+mn-cs"/>
+                            <a:rPr lang="en-US" sz="1200" b="1" dirty="0" err="1">
+                              <a:solidFill>
+                                <a:srgbClr val="000000"/>
+                              </a:solidFill>
+                              <a:latin typeface="Consolas" panose="020B0609020204030204" pitchFamily="49" charset="0"/>
                             </a:rPr>
                             <a:t>StartAtHomebase</a:t>
                           </a:r>
                           <a:r>
-                            <a:rPr lang="en-US" sz="1600" b="1" kern="1200" dirty="0">
-                              <a:solidFill>
-                                <a:schemeClr val="dk1"/>
-                              </a:solidFill>
-                              <a:latin typeface="+mn-lt"/>
-                              <a:ea typeface="+mn-ea"/>
-                              <a:cs typeface="+mn-cs"/>
+                            <a:rPr lang="en-US" sz="1200" b="1" dirty="0">
+                              <a:solidFill>
+                                <a:srgbClr val="000000"/>
+                              </a:solidFill>
+                              <a:latin typeface="Consolas" panose="020B0609020204030204" pitchFamily="49" charset="0"/>
                             </a:rPr>
                             <a:t> {</a:t>
                           </a:r>
                           <a:r>
-                            <a:rPr lang="en-US" sz="1600" b="1" kern="1200" dirty="0" err="1">
-                              <a:solidFill>
-                                <a:schemeClr val="dk1"/>
-                              </a:solidFill>
-                              <a:latin typeface="+mn-lt"/>
-                              <a:ea typeface="+mn-ea"/>
-                              <a:cs typeface="+mn-cs"/>
+                            <a:rPr lang="en-US" sz="1200" b="1" dirty="0" err="1">
+                              <a:solidFill>
+                                <a:srgbClr val="000000"/>
+                              </a:solidFill>
+                              <a:latin typeface="Consolas" panose="020B0609020204030204" pitchFamily="49" charset="0"/>
                             </a:rPr>
                             <a:t>hb</a:t>
                           </a:r>
                           <a:r>
-                            <a:rPr lang="en-US" sz="1600" b="1" kern="1200" dirty="0">
-                              <a:solidFill>
-                                <a:schemeClr val="dk1"/>
-                              </a:solidFill>
-                              <a:latin typeface="+mn-lt"/>
-                              <a:ea typeface="+mn-ea"/>
-                              <a:cs typeface="+mn-cs"/>
-                            </a:rPr>
-                            <a:t> in HOMEBASE_START, day in DAYS}:</a:t>
-                          </a:r>
-                        </a:p>
-                        <a:p>
-                          <a:r>
-                            <a:rPr lang="en-US" sz="1600" b="1" kern="1200" dirty="0">
-                              <a:solidFill>
-                                <a:schemeClr val="dk1"/>
-                              </a:solidFill>
-                              <a:latin typeface="+mn-lt"/>
-                              <a:ea typeface="+mn-ea"/>
-                              <a:cs typeface="+mn-cs"/>
-                            </a:rPr>
-                            <a:t>sum {place in TRAVEL_PLACES union HOMEBASE_END} travel[</a:t>
-                          </a:r>
-                          <a:r>
-                            <a:rPr lang="en-US" sz="1600" b="1" kern="1200" dirty="0" err="1">
-                              <a:solidFill>
-                                <a:schemeClr val="dk1"/>
-                              </a:solidFill>
-                              <a:latin typeface="+mn-lt"/>
-                              <a:ea typeface="+mn-ea"/>
-                              <a:cs typeface="+mn-cs"/>
+                            <a:rPr lang="en-US" sz="1200" b="1" dirty="0">
+                              <a:solidFill>
+                                <a:srgbClr val="000000"/>
+                              </a:solidFill>
+                              <a:latin typeface="Consolas" panose="020B0609020204030204" pitchFamily="49" charset="0"/>
+                            </a:rPr>
+                            <a:t> </a:t>
+                          </a:r>
+                          <a:r>
+                            <a:rPr lang="en-US" sz="1200" b="1" dirty="0">
+                              <a:solidFill>
+                                <a:srgbClr val="7F0055"/>
+                              </a:solidFill>
+                              <a:latin typeface="Consolas" panose="020B0609020204030204" pitchFamily="49" charset="0"/>
+                            </a:rPr>
+                            <a:t>in </a:t>
+                          </a:r>
+                          <a:r>
+                            <a:rPr lang="en-US" sz="1200" b="1" dirty="0">
+                              <a:solidFill>
+                                <a:srgbClr val="000000"/>
+                              </a:solidFill>
+                              <a:latin typeface="Consolas" panose="020B0609020204030204" pitchFamily="49" charset="0"/>
+                            </a:rPr>
+                            <a:t>HOMEBASE_START, day </a:t>
+                          </a:r>
+                          <a:r>
+                            <a:rPr lang="en-US" sz="1200" b="1" dirty="0">
+                              <a:solidFill>
+                                <a:srgbClr val="7F0055"/>
+                              </a:solidFill>
+                              <a:latin typeface="Consolas" panose="020B0609020204030204" pitchFamily="49" charset="0"/>
+                            </a:rPr>
+                            <a:t>in </a:t>
+                          </a:r>
+                          <a:r>
+                            <a:rPr lang="en-US" sz="1200" b="1" dirty="0">
+                              <a:solidFill>
+                                <a:srgbClr val="000000"/>
+                              </a:solidFill>
+                              <a:latin typeface="Consolas" panose="020B0609020204030204" pitchFamily="49" charset="0"/>
+                            </a:rPr>
+                            <a:t>DAYS}:</a:t>
+                          </a:r>
+                        </a:p>
+                        <a:p>
+                          <a:pPr algn="l"/>
+                          <a:r>
+                            <a:rPr lang="en-US" sz="1200" b="1" dirty="0">
+                              <a:solidFill>
+                                <a:srgbClr val="7F0055"/>
+                              </a:solidFill>
+                              <a:latin typeface="Consolas" panose="020B0609020204030204" pitchFamily="49" charset="0"/>
+                            </a:rPr>
+                            <a:t>sum </a:t>
+                          </a:r>
+                          <a:r>
+                            <a:rPr lang="en-US" sz="1200" b="1" dirty="0">
+                              <a:solidFill>
+                                <a:srgbClr val="000000"/>
+                              </a:solidFill>
+                              <a:latin typeface="Consolas" panose="020B0609020204030204" pitchFamily="49" charset="0"/>
+                            </a:rPr>
+                            <a:t>{place </a:t>
+                          </a:r>
+                          <a:r>
+                            <a:rPr lang="en-US" sz="1200" b="1" dirty="0">
+                              <a:solidFill>
+                                <a:srgbClr val="7F0055"/>
+                              </a:solidFill>
+                              <a:latin typeface="Consolas" panose="020B0609020204030204" pitchFamily="49" charset="0"/>
+                            </a:rPr>
+                            <a:t>in </a:t>
+                          </a:r>
+                          <a:r>
+                            <a:rPr lang="en-US" sz="1200" b="1" dirty="0">
+                              <a:solidFill>
+                                <a:srgbClr val="000000"/>
+                              </a:solidFill>
+                              <a:latin typeface="Consolas" panose="020B0609020204030204" pitchFamily="49" charset="0"/>
+                            </a:rPr>
+                            <a:t>TRAVEL_PLACES </a:t>
+                          </a:r>
+                          <a:r>
+                            <a:rPr lang="en-US" sz="1200" b="1" dirty="0">
+                              <a:solidFill>
+                                <a:srgbClr val="7F0055"/>
+                              </a:solidFill>
+                              <a:latin typeface="Consolas" panose="020B0609020204030204" pitchFamily="49" charset="0"/>
+                            </a:rPr>
+                            <a:t>union </a:t>
+                          </a:r>
+                          <a:r>
+                            <a:rPr lang="en-US" sz="1200" b="1" dirty="0">
+                              <a:solidFill>
+                                <a:srgbClr val="000000"/>
+                              </a:solidFill>
+                              <a:latin typeface="Consolas" panose="020B0609020204030204" pitchFamily="49" charset="0"/>
+                            </a:rPr>
+                            <a:t>HOMEBASE_END} travel[</a:t>
+                          </a:r>
+                          <a:r>
+                            <a:rPr lang="en-US" sz="1200" b="1" dirty="0" err="1">
+                              <a:solidFill>
+                                <a:srgbClr val="000000"/>
+                              </a:solidFill>
+                              <a:latin typeface="Consolas" panose="020B0609020204030204" pitchFamily="49" charset="0"/>
                             </a:rPr>
                             <a:t>hb</a:t>
                           </a:r>
                           <a:r>
-                            <a:rPr lang="en-US" sz="1600" b="1" kern="1200" dirty="0">
-                              <a:solidFill>
-                                <a:schemeClr val="dk1"/>
-                              </a:solidFill>
-                              <a:latin typeface="+mn-lt"/>
-                              <a:ea typeface="+mn-ea"/>
-                              <a:cs typeface="+mn-cs"/>
+                            <a:rPr lang="en-US" sz="1200" b="1" dirty="0">
+                              <a:solidFill>
+                                <a:srgbClr val="000000"/>
+                              </a:solidFill>
+                              <a:latin typeface="Consolas" panose="020B0609020204030204" pitchFamily="49" charset="0"/>
                             </a:rPr>
                             <a:t>, place, day] = 1;</a:t>
                           </a:r>
                         </a:p>
                         <a:p>
-                          <a:endParaRPr lang="en-IN" sz="1600" kern="1200" dirty="0">
+                          <a:pPr algn="l"/>
+                          <a:endParaRPr lang="en-US" sz="1200" dirty="0">
+                            <a:latin typeface="Consolas" panose="020B0609020204030204" pitchFamily="49" charset="0"/>
+                          </a:endParaRPr>
+                        </a:p>
+                        <a:p>
+                          <a:pPr algn="l"/>
+                          <a:r>
+                            <a:rPr lang="en-US" sz="1200" b="1" dirty="0" err="1">
+                              <a:solidFill>
+                                <a:srgbClr val="7F0055"/>
+                              </a:solidFill>
+                              <a:latin typeface="Consolas" panose="020B0609020204030204" pitchFamily="49" charset="0"/>
+                            </a:rPr>
+                            <a:t>s.t.</a:t>
+                          </a:r>
+                          <a:r>
+                            <a:rPr lang="en-US" sz="1200" b="1" dirty="0">
+                              <a:solidFill>
+                                <a:srgbClr val="7F0055"/>
+                              </a:solidFill>
+                              <a:latin typeface="Consolas" panose="020B0609020204030204" pitchFamily="49" charset="0"/>
+                            </a:rPr>
+                            <a:t> </a:t>
+                          </a:r>
+                          <a:r>
+                            <a:rPr lang="en-US" sz="1200" b="1" dirty="0" err="1">
+                              <a:solidFill>
+                                <a:srgbClr val="000000"/>
+                              </a:solidFill>
+                              <a:latin typeface="Consolas" panose="020B0609020204030204" pitchFamily="49" charset="0"/>
+                            </a:rPr>
+                            <a:t>EndAtHomebase</a:t>
+                          </a:r>
+                          <a:r>
+                            <a:rPr lang="en-US" sz="1200" b="1" dirty="0">
+                              <a:solidFill>
+                                <a:srgbClr val="000000"/>
+                              </a:solidFill>
+                              <a:latin typeface="Consolas" panose="020B0609020204030204" pitchFamily="49" charset="0"/>
+                            </a:rPr>
+                            <a:t> {</a:t>
+                          </a:r>
+                          <a:r>
+                            <a:rPr lang="en-US" sz="1200" b="1" dirty="0" err="1">
+                              <a:solidFill>
+                                <a:srgbClr val="000000"/>
+                              </a:solidFill>
+                              <a:latin typeface="Consolas" panose="020B0609020204030204" pitchFamily="49" charset="0"/>
+                            </a:rPr>
+                            <a:t>hb</a:t>
+                          </a:r>
+                          <a:r>
+                            <a:rPr lang="en-US" sz="1200" b="1" dirty="0">
+                              <a:solidFill>
+                                <a:srgbClr val="000000"/>
+                              </a:solidFill>
+                              <a:latin typeface="Consolas" panose="020B0609020204030204" pitchFamily="49" charset="0"/>
+                            </a:rPr>
+                            <a:t> </a:t>
+                          </a:r>
+                          <a:r>
+                            <a:rPr lang="en-US" sz="1200" b="1" dirty="0">
+                              <a:solidFill>
+                                <a:srgbClr val="7F0055"/>
+                              </a:solidFill>
+                              <a:latin typeface="Consolas" panose="020B0609020204030204" pitchFamily="49" charset="0"/>
+                            </a:rPr>
+                            <a:t>in </a:t>
+                          </a:r>
+                          <a:r>
+                            <a:rPr lang="en-US" sz="1200" b="1" dirty="0">
+                              <a:solidFill>
+                                <a:srgbClr val="000000"/>
+                              </a:solidFill>
+                              <a:latin typeface="Consolas" panose="020B0609020204030204" pitchFamily="49" charset="0"/>
+                            </a:rPr>
+                            <a:t>HOMEBASE_END, day </a:t>
+                          </a:r>
+                          <a:r>
+                            <a:rPr lang="en-US" sz="1200" b="1" dirty="0">
+                              <a:solidFill>
+                                <a:srgbClr val="7F0055"/>
+                              </a:solidFill>
+                              <a:latin typeface="Consolas" panose="020B0609020204030204" pitchFamily="49" charset="0"/>
+                            </a:rPr>
+                            <a:t>in </a:t>
+                          </a:r>
+                          <a:r>
+                            <a:rPr lang="en-US" sz="1200" b="1" dirty="0">
+                              <a:solidFill>
+                                <a:srgbClr val="000000"/>
+                              </a:solidFill>
+                              <a:latin typeface="Consolas" panose="020B0609020204030204" pitchFamily="49" charset="0"/>
+                            </a:rPr>
+                            <a:t>DAYS}:</a:t>
+                          </a:r>
+                        </a:p>
+                        <a:p>
+                          <a:pPr algn="l"/>
+                          <a:r>
+                            <a:rPr lang="en-US" sz="1200" b="1" dirty="0">
+                              <a:solidFill>
+                                <a:srgbClr val="7F0055"/>
+                              </a:solidFill>
+                              <a:latin typeface="Consolas" panose="020B0609020204030204" pitchFamily="49" charset="0"/>
+                            </a:rPr>
+                            <a:t>sum </a:t>
+                          </a:r>
+                          <a:r>
+                            <a:rPr lang="en-US" sz="1200" b="1" dirty="0">
+                              <a:solidFill>
+                                <a:srgbClr val="000000"/>
+                              </a:solidFill>
+                              <a:latin typeface="Consolas" panose="020B0609020204030204" pitchFamily="49" charset="0"/>
+                            </a:rPr>
+                            <a:t>{place </a:t>
+                          </a:r>
+                          <a:r>
+                            <a:rPr lang="en-US" sz="1200" b="1" dirty="0">
+                              <a:solidFill>
+                                <a:srgbClr val="7F0055"/>
+                              </a:solidFill>
+                              <a:latin typeface="Consolas" panose="020B0609020204030204" pitchFamily="49" charset="0"/>
+                            </a:rPr>
+                            <a:t>in </a:t>
+                          </a:r>
+                          <a:r>
+                            <a:rPr lang="en-US" sz="1200" b="1" dirty="0">
+                              <a:solidFill>
+                                <a:srgbClr val="000000"/>
+                              </a:solidFill>
+                              <a:latin typeface="Consolas" panose="020B0609020204030204" pitchFamily="49" charset="0"/>
+                            </a:rPr>
+                            <a:t>TRAVEL_PLACES </a:t>
+                          </a:r>
+                          <a:r>
+                            <a:rPr lang="en-US" sz="1200" b="1" dirty="0">
+                              <a:solidFill>
+                                <a:srgbClr val="7F0055"/>
+                              </a:solidFill>
+                              <a:latin typeface="Consolas" panose="020B0609020204030204" pitchFamily="49" charset="0"/>
+                            </a:rPr>
+                            <a:t>union </a:t>
+                          </a:r>
+                          <a:r>
+                            <a:rPr lang="en-US" sz="1200" b="1" dirty="0">
+                              <a:solidFill>
+                                <a:srgbClr val="000000"/>
+                              </a:solidFill>
+                              <a:latin typeface="Consolas" panose="020B0609020204030204" pitchFamily="49" charset="0"/>
+                            </a:rPr>
+                            <a:t>HOMEBASE_START} travel[place, </a:t>
+                          </a:r>
+                          <a:r>
+                            <a:rPr lang="en-US" sz="1200" b="1" dirty="0" err="1">
+                              <a:solidFill>
+                                <a:srgbClr val="000000"/>
+                              </a:solidFill>
+                              <a:latin typeface="Consolas" panose="020B0609020204030204" pitchFamily="49" charset="0"/>
+                            </a:rPr>
+                            <a:t>hb</a:t>
+                          </a:r>
+                          <a:r>
+                            <a:rPr lang="en-US" sz="1200" b="1" dirty="0">
+                              <a:solidFill>
+                                <a:srgbClr val="000000"/>
+                              </a:solidFill>
+                              <a:latin typeface="Consolas" panose="020B0609020204030204" pitchFamily="49" charset="0"/>
+                            </a:rPr>
+                            <a:t>, day] = 1;</a:t>
+                          </a:r>
+                        </a:p>
+                        <a:p>
+                          <a:endParaRPr lang="en-US" sz="1600" b="1" kern="1200" dirty="0">
                             <a:solidFill>
                               <a:schemeClr val="dk1"/>
                             </a:solidFill>
@@ -9816,109 +10693,6 @@
                             <a:ea typeface="+mn-ea"/>
                             <a:cs typeface="+mn-cs"/>
                           </a:endParaRPr>
-                        </a:p>
-                        <a:p>
-                          <a:r>
-                            <a:rPr lang="en-US" sz="1600" b="1" kern="1200" dirty="0" err="1">
-                              <a:solidFill>
-                                <a:schemeClr val="dk1"/>
-                              </a:solidFill>
-                              <a:latin typeface="+mn-lt"/>
-                              <a:ea typeface="+mn-ea"/>
-                              <a:cs typeface="+mn-cs"/>
-                            </a:rPr>
-                            <a:t>s.t.</a:t>
-                          </a:r>
-                          <a:r>
-                            <a:rPr lang="en-US" sz="1600" b="1" kern="1200" dirty="0">
-                              <a:solidFill>
-                                <a:schemeClr val="dk1"/>
-                              </a:solidFill>
-                              <a:latin typeface="+mn-lt"/>
-                              <a:ea typeface="+mn-ea"/>
-                              <a:cs typeface="+mn-cs"/>
-                            </a:rPr>
-                            <a:t> </a:t>
-                          </a:r>
-                          <a:r>
-                            <a:rPr lang="en-US" sz="1600" b="1" kern="1200" dirty="0" err="1">
-                              <a:solidFill>
-                                <a:schemeClr val="dk1"/>
-                              </a:solidFill>
-                              <a:latin typeface="+mn-lt"/>
-                              <a:ea typeface="+mn-ea"/>
-                              <a:cs typeface="+mn-cs"/>
-                            </a:rPr>
-                            <a:t>EndAtHomebase</a:t>
-                          </a:r>
-                          <a:r>
-                            <a:rPr lang="en-US" sz="1600" b="1" kern="1200" dirty="0">
-                              <a:solidFill>
-                                <a:schemeClr val="dk1"/>
-                              </a:solidFill>
-                              <a:latin typeface="+mn-lt"/>
-                              <a:ea typeface="+mn-ea"/>
-                              <a:cs typeface="+mn-cs"/>
-                            </a:rPr>
-                            <a:t> {</a:t>
-                          </a:r>
-                          <a:r>
-                            <a:rPr lang="en-US" sz="1600" b="1" kern="1200" dirty="0" err="1">
-                              <a:solidFill>
-                                <a:schemeClr val="dk1"/>
-                              </a:solidFill>
-                              <a:latin typeface="+mn-lt"/>
-                              <a:ea typeface="+mn-ea"/>
-                              <a:cs typeface="+mn-cs"/>
-                            </a:rPr>
-                            <a:t>hb</a:t>
-                          </a:r>
-                          <a:r>
-                            <a:rPr lang="en-US" sz="1600" b="1" kern="1200" dirty="0">
-                              <a:solidFill>
-                                <a:schemeClr val="dk1"/>
-                              </a:solidFill>
-                              <a:latin typeface="+mn-lt"/>
-                              <a:ea typeface="+mn-ea"/>
-                              <a:cs typeface="+mn-cs"/>
-                            </a:rPr>
-                            <a:t> in HOMEBASE_END, day in DAYS}:</a:t>
-                          </a:r>
-                        </a:p>
-                        <a:p>
-                          <a:r>
-                            <a:rPr lang="en-US" sz="1600" b="1" kern="1200" dirty="0">
-                              <a:solidFill>
-                                <a:schemeClr val="dk1"/>
-                              </a:solidFill>
-                              <a:latin typeface="+mn-lt"/>
-                              <a:ea typeface="+mn-ea"/>
-                              <a:cs typeface="+mn-cs"/>
-                            </a:rPr>
-                            <a:t>sum {place in TRAVEL_PLACES union HOMEBASE_START} travel[place, </a:t>
-                          </a:r>
-                          <a:r>
-                            <a:rPr lang="en-US" sz="1600" b="1" kern="1200" dirty="0" err="1">
-                              <a:solidFill>
-                                <a:schemeClr val="dk1"/>
-                              </a:solidFill>
-                              <a:latin typeface="+mn-lt"/>
-                              <a:ea typeface="+mn-ea"/>
-                              <a:cs typeface="+mn-cs"/>
-                            </a:rPr>
-                            <a:t>hb</a:t>
-                          </a:r>
-                          <a:r>
-                            <a:rPr lang="en-US" sz="1600" b="1" kern="1200" dirty="0">
-                              <a:solidFill>
-                                <a:schemeClr val="dk1"/>
-                              </a:solidFill>
-                              <a:latin typeface="+mn-lt"/>
-                              <a:ea typeface="+mn-ea"/>
-                              <a:cs typeface="+mn-cs"/>
-                            </a:rPr>
-                            <a:t>, day] = 1;</a:t>
-                          </a:r>
                         </a:p>
                       </a:txBody>
                       <a:tcPr anchor="ctr"/>
@@ -10524,7 +11298,7 @@
               <p:nvPr>
                 <p:extLst>
                   <p:ext uri="{D42A27DB-BD31-4B8C-83A1-F6EECF244321}">
-                    <p14:modId xmlns:p14="http://schemas.microsoft.com/office/powerpoint/2010/main" val="2184535285"/>
+                    <p14:modId xmlns:p14="http://schemas.microsoft.com/office/powerpoint/2010/main" val="1640353853"/>
                   </p:ext>
                 </p:extLst>
               </p:nvPr>
@@ -10637,8 +11411,180 @@
                         <a:bodyPr/>
                         <a:lstStyle/>
                         <a:p>
-                          <a:r>
-                            <a:rPr lang="en-US" sz="1600" b="1" kern="1200" dirty="0" err="1">
+                          <a:pPr algn="l"/>
+                          <a:r>
+                            <a:rPr lang="en-US" sz="1200" b="1" dirty="0" err="1">
+                              <a:solidFill>
+                                <a:srgbClr val="7F0055"/>
+                              </a:solidFill>
+                              <a:latin typeface="Consolas" panose="020B0609020204030204" pitchFamily="49" charset="0"/>
+                            </a:rPr>
+                            <a:t>s.t.</a:t>
+                          </a:r>
+                          <a:r>
+                            <a:rPr lang="en-US" sz="1200" b="1" dirty="0">
+                              <a:solidFill>
+                                <a:srgbClr val="7F0055"/>
+                              </a:solidFill>
+                              <a:latin typeface="Consolas" panose="020B0609020204030204" pitchFamily="49" charset="0"/>
+                            </a:rPr>
+                            <a:t> </a:t>
+                          </a:r>
+                          <a:r>
+                            <a:rPr lang="en-US" sz="1200" b="1" dirty="0" err="1">
+                              <a:solidFill>
+                                <a:srgbClr val="000000"/>
+                              </a:solidFill>
+                              <a:latin typeface="Consolas" panose="020B0609020204030204" pitchFamily="49" charset="0"/>
+                            </a:rPr>
+                            <a:t>PlaceSingularity</a:t>
+                          </a:r>
+                          <a:r>
+                            <a:rPr lang="en-US" sz="1200" b="1" dirty="0">
+                              <a:solidFill>
+                                <a:srgbClr val="000000"/>
+                              </a:solidFill>
+                              <a:latin typeface="Consolas" panose="020B0609020204030204" pitchFamily="49" charset="0"/>
+                            </a:rPr>
+                            <a:t> {</a:t>
+                          </a:r>
+                          <a:r>
+                            <a:rPr lang="en-US" sz="1200" b="1" dirty="0" err="1">
+                              <a:solidFill>
+                                <a:srgbClr val="000000"/>
+                              </a:solidFill>
+                              <a:latin typeface="Consolas" panose="020B0609020204030204" pitchFamily="49" charset="0"/>
+                            </a:rPr>
+                            <a:t>src</a:t>
+                          </a:r>
+                          <a:r>
+                            <a:rPr lang="en-US" sz="1200" b="1" dirty="0">
+                              <a:solidFill>
+                                <a:srgbClr val="000000"/>
+                              </a:solidFill>
+                              <a:latin typeface="Consolas" panose="020B0609020204030204" pitchFamily="49" charset="0"/>
+                            </a:rPr>
+                            <a:t> </a:t>
+                          </a:r>
+                          <a:r>
+                            <a:rPr lang="en-US" sz="1200" b="1" dirty="0">
+                              <a:solidFill>
+                                <a:srgbClr val="7F0055"/>
+                              </a:solidFill>
+                              <a:latin typeface="Consolas" panose="020B0609020204030204" pitchFamily="49" charset="0"/>
+                            </a:rPr>
+                            <a:t>in </a:t>
+                          </a:r>
+                          <a:r>
+                            <a:rPr lang="en-US" sz="1200" b="1" dirty="0">
+                              <a:solidFill>
+                                <a:srgbClr val="000000"/>
+                              </a:solidFill>
+                              <a:latin typeface="Consolas" panose="020B0609020204030204" pitchFamily="49" charset="0"/>
+                            </a:rPr>
+                            <a:t>TRAVEL_PLACES}:</a:t>
+                          </a:r>
+                        </a:p>
+                        <a:p>
+                          <a:pPr algn="l"/>
+                          <a:r>
+                            <a:rPr lang="en-US" sz="1200" dirty="0">
+                              <a:latin typeface="Consolas" panose="020B0609020204030204" pitchFamily="49" charset="0"/>
+                            </a:rPr>
+                            <a:t>  </a:t>
+                          </a:r>
+                          <a:r>
+                            <a:rPr lang="en-US" sz="1200" b="1" dirty="0">
+                              <a:solidFill>
+                                <a:srgbClr val="7F0055"/>
+                              </a:solidFill>
+                              <a:latin typeface="Consolas" panose="020B0609020204030204" pitchFamily="49" charset="0"/>
+                            </a:rPr>
+                            <a:t>sum </a:t>
+                          </a:r>
+                          <a:r>
+                            <a:rPr lang="en-US" sz="1200" b="1" dirty="0">
+                              <a:solidFill>
+                                <a:srgbClr val="000000"/>
+                              </a:solidFill>
+                              <a:latin typeface="Consolas" panose="020B0609020204030204" pitchFamily="49" charset="0"/>
+                            </a:rPr>
+                            <a:t>{</a:t>
+                          </a:r>
+                          <a:r>
+                            <a:rPr lang="en-US" sz="1200" b="1" dirty="0" err="1">
+                              <a:solidFill>
+                                <a:srgbClr val="000000"/>
+                              </a:solidFill>
+                              <a:latin typeface="Consolas" panose="020B0609020204030204" pitchFamily="49" charset="0"/>
+                            </a:rPr>
+                            <a:t>dst</a:t>
+                          </a:r>
+                          <a:r>
+                            <a:rPr lang="en-US" sz="1200" b="1" dirty="0">
+                              <a:solidFill>
+                                <a:srgbClr val="000000"/>
+                              </a:solidFill>
+                              <a:latin typeface="Consolas" panose="020B0609020204030204" pitchFamily="49" charset="0"/>
+                            </a:rPr>
+                            <a:t> </a:t>
+                          </a:r>
+                          <a:r>
+                            <a:rPr lang="en-US" sz="1200" b="1" dirty="0">
+                              <a:solidFill>
+                                <a:srgbClr val="7F0055"/>
+                              </a:solidFill>
+                              <a:latin typeface="Consolas" panose="020B0609020204030204" pitchFamily="49" charset="0"/>
+                            </a:rPr>
+                            <a:t>in </a:t>
+                          </a:r>
+                          <a:r>
+                            <a:rPr lang="en-US" sz="1200" b="1" dirty="0">
+                              <a:solidFill>
+                                <a:srgbClr val="000000"/>
+                              </a:solidFill>
+                              <a:latin typeface="Consolas" panose="020B0609020204030204" pitchFamily="49" charset="0"/>
+                            </a:rPr>
+                            <a:t>ALL_PLACES, day </a:t>
+                          </a:r>
+                          <a:r>
+                            <a:rPr lang="en-US" sz="1200" b="1" dirty="0">
+                              <a:solidFill>
+                                <a:srgbClr val="7F0055"/>
+                              </a:solidFill>
+                              <a:latin typeface="Consolas" panose="020B0609020204030204" pitchFamily="49" charset="0"/>
+                            </a:rPr>
+                            <a:t>in </a:t>
+                          </a:r>
+                          <a:r>
+                            <a:rPr lang="en-US" sz="1200" b="1" dirty="0">
+                              <a:solidFill>
+                                <a:srgbClr val="000000"/>
+                              </a:solidFill>
+                              <a:latin typeface="Consolas" panose="020B0609020204030204" pitchFamily="49" charset="0"/>
+                            </a:rPr>
+                            <a:t>DAYS} travel[</a:t>
+                          </a:r>
+                          <a:r>
+                            <a:rPr lang="en-US" sz="1200" b="1" dirty="0" err="1">
+                              <a:solidFill>
+                                <a:srgbClr val="000000"/>
+                              </a:solidFill>
+                              <a:latin typeface="Consolas" panose="020B0609020204030204" pitchFamily="49" charset="0"/>
+                            </a:rPr>
+                            <a:t>src,dst</a:t>
+                          </a:r>
+                          <a:r>
+                            <a:rPr lang="en-US" sz="1200" b="1" dirty="0">
+                              <a:solidFill>
+                                <a:srgbClr val="000000"/>
+                              </a:solidFill>
+                              <a:latin typeface="Consolas" panose="020B0609020204030204" pitchFamily="49" charset="0"/>
+                            </a:rPr>
+                            <a:t>, day] &lt;= 1 ;</a:t>
+                          </a:r>
+                          <a:r>
+                            <a:rPr lang="en-IN" sz="1200" kern="1200" dirty="0">
                               <a:solidFill>
                                 <a:schemeClr val="dk1"/>
                               </a:solidFill>
@@ -10646,145 +11592,9 @@
                               <a:ea typeface="+mn-ea"/>
                               <a:cs typeface="+mn-cs"/>
                             </a:rPr>
-                            <a:t>s.t.</a:t>
-                          </a:r>
-                          <a:r>
-                            <a:rPr lang="en-US" sz="1600" b="1" kern="1200" dirty="0">
-                              <a:solidFill>
-                                <a:schemeClr val="dk1"/>
-                              </a:solidFill>
-                              <a:latin typeface="+mn-lt"/>
-                              <a:ea typeface="+mn-ea"/>
-                              <a:cs typeface="+mn-cs"/>
-                            </a:rPr>
                             <a:t> </a:t>
                           </a:r>
-                          <a:r>
-                            <a:rPr lang="en-US" sz="1600" b="1" kern="1200" dirty="0" err="1">
-                              <a:solidFill>
-                                <a:schemeClr val="dk1"/>
-                              </a:solidFill>
-                              <a:latin typeface="+mn-lt"/>
-                              <a:ea typeface="+mn-ea"/>
-                              <a:cs typeface="+mn-cs"/>
-                            </a:rPr>
-                            <a:t>PlaceSingularity</a:t>
-                          </a:r>
-                          <a:r>
-                            <a:rPr lang="en-US" sz="1600" b="1" kern="1200" dirty="0">
-                              <a:solidFill>
-                                <a:schemeClr val="dk1"/>
-                              </a:solidFill>
-                              <a:latin typeface="+mn-lt"/>
-                              <a:ea typeface="+mn-ea"/>
-                              <a:cs typeface="+mn-cs"/>
-                            </a:rPr>
-                            <a:t> {</a:t>
-                          </a:r>
-                          <a:r>
-                            <a:rPr lang="en-US" sz="1600" b="1" kern="1200" dirty="0" err="1">
-                              <a:solidFill>
-                                <a:schemeClr val="dk1"/>
-                              </a:solidFill>
-                              <a:latin typeface="+mn-lt"/>
-                              <a:ea typeface="+mn-ea"/>
-                              <a:cs typeface="+mn-cs"/>
-                            </a:rPr>
-                            <a:t>src</a:t>
-                          </a:r>
-                          <a:r>
-                            <a:rPr lang="en-US" sz="1600" b="1" kern="1200" dirty="0">
-                              <a:solidFill>
-                                <a:schemeClr val="dk1"/>
-                              </a:solidFill>
-                              <a:latin typeface="+mn-lt"/>
-                              <a:ea typeface="+mn-ea"/>
-                              <a:cs typeface="+mn-cs"/>
-                            </a:rPr>
-                            <a:t> in TRAVEL_PLACES}:</a:t>
-                          </a:r>
-                        </a:p>
-                        <a:p>
-                          <a:r>
-                            <a:rPr lang="en-US" sz="1600" kern="1200" dirty="0">
-                              <a:solidFill>
-                                <a:schemeClr val="dk1"/>
-                              </a:solidFill>
-                              <a:latin typeface="+mn-lt"/>
-                              <a:ea typeface="+mn-ea"/>
-                              <a:cs typeface="+mn-cs"/>
-                            </a:rPr>
-                            <a:t>  </a:t>
-                          </a:r>
-                          <a:r>
-                            <a:rPr lang="en-US" sz="1600" b="1" kern="1200" dirty="0">
-                              <a:solidFill>
-                                <a:schemeClr val="dk1"/>
-                              </a:solidFill>
-                              <a:latin typeface="+mn-lt"/>
-                              <a:ea typeface="+mn-ea"/>
-                              <a:cs typeface="+mn-cs"/>
-                            </a:rPr>
-                            <a:t>sum {</a:t>
-                          </a:r>
-                          <a:r>
-                            <a:rPr lang="en-US" sz="1600" b="1" kern="1200" dirty="0" err="1">
-                              <a:solidFill>
-                                <a:schemeClr val="dk1"/>
-                              </a:solidFill>
-                              <a:latin typeface="+mn-lt"/>
-                              <a:ea typeface="+mn-ea"/>
-                              <a:cs typeface="+mn-cs"/>
-                            </a:rPr>
-                            <a:t>dst</a:t>
-                          </a:r>
-                          <a:r>
-                            <a:rPr lang="en-US" sz="1600" b="1" kern="1200" dirty="0">
-                              <a:solidFill>
-                                <a:schemeClr val="dk1"/>
-                              </a:solidFill>
-                              <a:latin typeface="+mn-lt"/>
-                              <a:ea typeface="+mn-ea"/>
-                              <a:cs typeface="+mn-cs"/>
-                            </a:rPr>
-                            <a:t> in ALL_PLACES, day in DAYS} travel[</a:t>
-                          </a:r>
-                          <a:r>
-                            <a:rPr lang="en-US" sz="1600" b="1" kern="1200" dirty="0" err="1">
-                              <a:solidFill>
-                                <a:schemeClr val="dk1"/>
-                              </a:solidFill>
-                              <a:latin typeface="+mn-lt"/>
-                              <a:ea typeface="+mn-ea"/>
-                              <a:cs typeface="+mn-cs"/>
-                            </a:rPr>
-                            <a:t>src,dst</a:t>
-                          </a:r>
-                          <a:r>
-                            <a:rPr lang="en-US" sz="1600" b="1" kern="1200" dirty="0">
-                              <a:solidFill>
-                                <a:schemeClr val="dk1"/>
-                              </a:solidFill>
-                              <a:latin typeface="+mn-lt"/>
-                              <a:ea typeface="+mn-ea"/>
-                              <a:cs typeface="+mn-cs"/>
-                            </a:rPr>
-                            <a:t>, day] &lt;= 1 ;</a:t>
-                          </a:r>
-                        </a:p>
-                        <a:p>
-                          <a:r>
-                            <a:rPr lang="en-IN" sz="1600" kern="1200" dirty="0">
-                              <a:solidFill>
-                                <a:schemeClr val="dk1"/>
-                              </a:solidFill>
-                              <a:latin typeface="+mn-lt"/>
-                              <a:ea typeface="+mn-ea"/>
-                              <a:cs typeface="+mn-cs"/>
-                            </a:rPr>
-                            <a:t> </a:t>
-                          </a:r>
-                          <a:endParaRPr lang="en-IN" sz="1600" dirty="0"/>
+                          <a:endParaRPr lang="en-IN" sz="1200" dirty="0"/>
                         </a:p>
                       </a:txBody>
                       <a:tcPr anchor="ctr"/>
@@ -10839,110 +11649,349 @@
                         <a:bodyPr/>
                         <a:lstStyle/>
                         <a:p>
-                          <a:r>
-                            <a:rPr lang="en-US" sz="1600" b="1" kern="1200" dirty="0" err="1">
-                              <a:solidFill>
-                                <a:schemeClr val="dk1"/>
-                              </a:solidFill>
-                              <a:latin typeface="+mn-lt"/>
-                              <a:ea typeface="+mn-ea"/>
-                              <a:cs typeface="+mn-cs"/>
+                          <a:pPr algn="l"/>
+                          <a:r>
+                            <a:rPr lang="en-US" sz="1200" b="1" dirty="0" err="1">
+                              <a:solidFill>
+                                <a:srgbClr val="7F0055"/>
+                              </a:solidFill>
+                              <a:latin typeface="Consolas" panose="020B0609020204030204" pitchFamily="49" charset="0"/>
                             </a:rPr>
                             <a:t>s.t.</a:t>
                           </a:r>
                           <a:r>
-                            <a:rPr lang="en-US" sz="1600" b="1" kern="1200" dirty="0">
-                              <a:solidFill>
-                                <a:schemeClr val="dk1"/>
-                              </a:solidFill>
-                              <a:latin typeface="+mn-lt"/>
-                              <a:ea typeface="+mn-ea"/>
-                              <a:cs typeface="+mn-cs"/>
+                            <a:rPr lang="en-US" sz="1200" b="1" dirty="0">
+                              <a:solidFill>
+                                <a:srgbClr val="7F0055"/>
+                              </a:solidFill>
+                              <a:latin typeface="Consolas" panose="020B0609020204030204" pitchFamily="49" charset="0"/>
                             </a:rPr>
                             <a:t> </a:t>
                           </a:r>
                           <a:r>
-                            <a:rPr lang="en-US" sz="1600" b="1" kern="1200" dirty="0" err="1">
-                              <a:solidFill>
-                                <a:schemeClr val="dk1"/>
-                              </a:solidFill>
-                              <a:latin typeface="+mn-lt"/>
-                              <a:ea typeface="+mn-ea"/>
-                              <a:cs typeface="+mn-cs"/>
+                            <a:rPr lang="en-US" sz="1200" b="1" dirty="0" err="1">
+                              <a:solidFill>
+                                <a:srgbClr val="000000"/>
+                              </a:solidFill>
+                              <a:latin typeface="Consolas" panose="020B0609020204030204" pitchFamily="49" charset="0"/>
                             </a:rPr>
                             <a:t>StartAtHomebase</a:t>
                           </a:r>
                           <a:r>
-                            <a:rPr lang="en-US" sz="1600" b="1" kern="1200" dirty="0">
-                              <a:solidFill>
-                                <a:schemeClr val="dk1"/>
-                              </a:solidFill>
-                              <a:latin typeface="+mn-lt"/>
-                              <a:ea typeface="+mn-ea"/>
-                              <a:cs typeface="+mn-cs"/>
+                            <a:rPr lang="en-US" sz="1200" b="1" dirty="0">
+                              <a:solidFill>
+                                <a:srgbClr val="000000"/>
+                              </a:solidFill>
+                              <a:latin typeface="Consolas" panose="020B0609020204030204" pitchFamily="49" charset="0"/>
                             </a:rPr>
                             <a:t> {</a:t>
                           </a:r>
                           <a:r>
-                            <a:rPr lang="en-US" sz="1600" b="1" kern="1200" dirty="0" err="1">
-                              <a:solidFill>
-                                <a:schemeClr val="dk1"/>
-                              </a:solidFill>
-                              <a:latin typeface="+mn-lt"/>
-                              <a:ea typeface="+mn-ea"/>
-                              <a:cs typeface="+mn-cs"/>
+                            <a:rPr lang="en-US" sz="1200" b="1" dirty="0" err="1">
+                              <a:solidFill>
+                                <a:srgbClr val="000000"/>
+                              </a:solidFill>
+                              <a:latin typeface="Consolas" panose="020B0609020204030204" pitchFamily="49" charset="0"/>
                             </a:rPr>
                             <a:t>hb</a:t>
                           </a:r>
                           <a:r>
-                            <a:rPr lang="en-US" sz="1600" b="1" kern="1200" dirty="0">
-                              <a:solidFill>
-                                <a:schemeClr val="dk1"/>
-                              </a:solidFill>
-                              <a:latin typeface="+mn-lt"/>
-                              <a:ea typeface="+mn-ea"/>
-                              <a:cs typeface="+mn-cs"/>
-                            </a:rPr>
-                            <a:t> in HOMEBASE_START, day in DAYS}:</a:t>
-                          </a:r>
-                        </a:p>
-                        <a:p>
-                          <a:r>
-                            <a:rPr lang="en-US" sz="1600" b="1" kern="1200" dirty="0">
-                              <a:solidFill>
-                                <a:schemeClr val="dk1"/>
-                              </a:solidFill>
-                              <a:latin typeface="+mn-lt"/>
-                              <a:ea typeface="+mn-ea"/>
-                              <a:cs typeface="+mn-cs"/>
-                            </a:rPr>
-                            <a:t>sum {place in TRAVEL_PLACES union HOMEBASE_END} travel[</a:t>
-                          </a:r>
-                          <a:r>
-                            <a:rPr lang="en-US" sz="1600" b="1" kern="1200" dirty="0" err="1">
-                              <a:solidFill>
-                                <a:schemeClr val="dk1"/>
-                              </a:solidFill>
-                              <a:latin typeface="+mn-lt"/>
-                              <a:ea typeface="+mn-ea"/>
-                              <a:cs typeface="+mn-cs"/>
+                            <a:rPr lang="en-US" sz="1200" b="1" dirty="0">
+                              <a:solidFill>
+                                <a:srgbClr val="000000"/>
+                              </a:solidFill>
+                              <a:latin typeface="Consolas" panose="020B0609020204030204" pitchFamily="49" charset="0"/>
+                            </a:rPr>
+                            <a:t> </a:t>
+                          </a:r>
+                          <a:r>
+                            <a:rPr lang="en-US" sz="1200" b="1" dirty="0">
+                              <a:solidFill>
+                                <a:srgbClr val="7F0055"/>
+                              </a:solidFill>
+                              <a:latin typeface="Consolas" panose="020B0609020204030204" pitchFamily="49" charset="0"/>
+                            </a:rPr>
+                            <a:t>in </a:t>
+                          </a:r>
+                          <a:r>
+                            <a:rPr lang="en-US" sz="1200" b="1" dirty="0">
+                              <a:solidFill>
+                                <a:srgbClr val="000000"/>
+                              </a:solidFill>
+                              <a:latin typeface="Consolas" panose="020B0609020204030204" pitchFamily="49" charset="0"/>
+                            </a:rPr>
+                            <a:t>HOMEBASE_START, day </a:t>
+                          </a:r>
+                          <a:r>
+                            <a:rPr lang="en-US" sz="1200" b="1" dirty="0">
+                              <a:solidFill>
+                                <a:srgbClr val="7F0055"/>
+                              </a:solidFill>
+                              <a:latin typeface="Consolas" panose="020B0609020204030204" pitchFamily="49" charset="0"/>
+                            </a:rPr>
+                            <a:t>in </a:t>
+                          </a:r>
+                          <a:r>
+                            <a:rPr lang="en-US" sz="1200" b="1" dirty="0">
+                              <a:solidFill>
+                                <a:srgbClr val="000000"/>
+                              </a:solidFill>
+                              <a:latin typeface="Consolas" panose="020B0609020204030204" pitchFamily="49" charset="0"/>
+                            </a:rPr>
+                            <a:t>DAYS}:</a:t>
+                          </a:r>
+                        </a:p>
+                        <a:p>
+                          <a:pPr algn="l"/>
+                          <a:r>
+                            <a:rPr lang="en-US" sz="1200" b="1" dirty="0">
+                              <a:solidFill>
+                                <a:srgbClr val="7F0055"/>
+                              </a:solidFill>
+                              <a:latin typeface="Consolas" panose="020B0609020204030204" pitchFamily="49" charset="0"/>
+                            </a:rPr>
+                            <a:t>sum </a:t>
+                          </a:r>
+                          <a:r>
+                            <a:rPr lang="en-US" sz="1200" b="1" dirty="0">
+                              <a:solidFill>
+                                <a:srgbClr val="000000"/>
+                              </a:solidFill>
+                              <a:latin typeface="Consolas" panose="020B0609020204030204" pitchFamily="49" charset="0"/>
+                            </a:rPr>
+                            <a:t>{place </a:t>
+                          </a:r>
+                          <a:r>
+                            <a:rPr lang="en-US" sz="1200" b="1" dirty="0">
+                              <a:solidFill>
+                                <a:srgbClr val="7F0055"/>
+                              </a:solidFill>
+                              <a:latin typeface="Consolas" panose="020B0609020204030204" pitchFamily="49" charset="0"/>
+                            </a:rPr>
+                            <a:t>in </a:t>
+                          </a:r>
+                          <a:r>
+                            <a:rPr lang="en-US" sz="1200" b="1" dirty="0">
+                              <a:solidFill>
+                                <a:srgbClr val="000000"/>
+                              </a:solidFill>
+                              <a:latin typeface="Consolas" panose="020B0609020204030204" pitchFamily="49" charset="0"/>
+                            </a:rPr>
+                            <a:t>TRAVEL_PLACES </a:t>
+                          </a:r>
+                          <a:r>
+                            <a:rPr lang="en-US" sz="1200" b="1" dirty="0">
+                              <a:solidFill>
+                                <a:srgbClr val="7F0055"/>
+                              </a:solidFill>
+                              <a:latin typeface="Consolas" panose="020B0609020204030204" pitchFamily="49" charset="0"/>
+                            </a:rPr>
+                            <a:t>union </a:t>
+                          </a:r>
+                          <a:r>
+                            <a:rPr lang="en-US" sz="1200" b="1" dirty="0">
+                              <a:solidFill>
+                                <a:srgbClr val="000000"/>
+                              </a:solidFill>
+                              <a:latin typeface="Consolas" panose="020B0609020204030204" pitchFamily="49" charset="0"/>
+                            </a:rPr>
+                            <a:t>HOMEBASE_END} travel[</a:t>
+                          </a:r>
+                          <a:r>
+                            <a:rPr lang="en-US" sz="1200" b="1" dirty="0" err="1">
+                              <a:solidFill>
+                                <a:srgbClr val="000000"/>
+                              </a:solidFill>
+                              <a:latin typeface="Consolas" panose="020B0609020204030204" pitchFamily="49" charset="0"/>
                             </a:rPr>
                             <a:t>hb</a:t>
                           </a:r>
                           <a:r>
-                            <a:rPr lang="en-US" sz="1600" b="1" kern="1200" dirty="0">
-                              <a:solidFill>
-                                <a:schemeClr val="dk1"/>
-                              </a:solidFill>
-                              <a:latin typeface="+mn-lt"/>
-                              <a:ea typeface="+mn-ea"/>
-                              <a:cs typeface="+mn-cs"/>
+                            <a:rPr lang="en-US" sz="1200" b="1" dirty="0">
+                              <a:solidFill>
+                                <a:srgbClr val="000000"/>
+                              </a:solidFill>
+                              <a:latin typeface="Consolas" panose="020B0609020204030204" pitchFamily="49" charset="0"/>
                             </a:rPr>
                             <a:t>, place, day] = 1;</a:t>
                           </a:r>
                         </a:p>
                         <a:p>
-                          <a:endParaRPr lang="en-IN" sz="1600" kern="1200" dirty="0">
+                          <a:pPr algn="l"/>
+                          <a:endParaRPr lang="en-US" sz="1200" dirty="0">
+                            <a:latin typeface="Consolas" panose="020B0609020204030204" pitchFamily="49" charset="0"/>
+                          </a:endParaRPr>
+                        </a:p>
+                        <a:p>
+                          <a:pPr algn="l"/>
+                          <a:r>
+                            <a:rPr lang="en-US" sz="1200" b="1" dirty="0" err="1">
+                              <a:solidFill>
+                                <a:srgbClr val="7F0055"/>
+                              </a:solidFill>
+                              <a:latin typeface="Consolas" panose="020B0609020204030204" pitchFamily="49" charset="0"/>
+                            </a:rPr>
+                            <a:t>s.t.</a:t>
+                          </a:r>
+                          <a:r>
+                            <a:rPr lang="en-US" sz="1200" b="1" dirty="0">
+                              <a:solidFill>
+                                <a:srgbClr val="7F0055"/>
+                              </a:solidFill>
+                              <a:latin typeface="Consolas" panose="020B0609020204030204" pitchFamily="49" charset="0"/>
+                            </a:rPr>
+                            <a:t> </a:t>
+                          </a:r>
+                          <a:r>
+                            <a:rPr lang="en-US" sz="1200" b="1" dirty="0" err="1">
+                              <a:solidFill>
+                                <a:srgbClr val="000000"/>
+                              </a:solidFill>
+                              <a:latin typeface="Consolas" panose="020B0609020204030204" pitchFamily="49" charset="0"/>
+                            </a:rPr>
+                            <a:t>EndAtHomebase</a:t>
+                          </a:r>
+                          <a:r>
+                            <a:rPr lang="en-US" sz="1200" b="1" dirty="0">
+                              <a:solidFill>
+                                <a:srgbClr val="000000"/>
+                              </a:solidFill>
+                              <a:latin typeface="Consolas" panose="020B0609020204030204" pitchFamily="49" charset="0"/>
+                            </a:rPr>
+                            <a:t> {</a:t>
+                          </a:r>
+                          <a:r>
+                            <a:rPr lang="en-US" sz="1200" b="1" dirty="0" err="1">
+                              <a:solidFill>
+                                <a:srgbClr val="000000"/>
+                              </a:solidFill>
+                              <a:latin typeface="Consolas" panose="020B0609020204030204" pitchFamily="49" charset="0"/>
+                            </a:rPr>
+                            <a:t>hb</a:t>
+                          </a:r>
+                          <a:r>
+                            <a:rPr lang="en-US" sz="1200" b="1" dirty="0">
+                              <a:solidFill>
+                                <a:srgbClr val="000000"/>
+                              </a:solidFill>
+                              <a:latin typeface="Consolas" panose="020B0609020204030204" pitchFamily="49" charset="0"/>
+                            </a:rPr>
+                            <a:t> </a:t>
+                          </a:r>
+                          <a:r>
+                            <a:rPr lang="en-US" sz="1200" b="1" dirty="0">
+                              <a:solidFill>
+                                <a:srgbClr val="7F0055"/>
+                              </a:solidFill>
+                              <a:latin typeface="Consolas" panose="020B0609020204030204" pitchFamily="49" charset="0"/>
+                            </a:rPr>
+                            <a:t>in </a:t>
+                          </a:r>
+                          <a:r>
+                            <a:rPr lang="en-US" sz="1200" b="1" dirty="0">
+                              <a:solidFill>
+                                <a:srgbClr val="000000"/>
+                              </a:solidFill>
+                              <a:latin typeface="Consolas" panose="020B0609020204030204" pitchFamily="49" charset="0"/>
+                            </a:rPr>
+                            <a:t>HOMEBASE_END, day </a:t>
+                          </a:r>
+                          <a:r>
+                            <a:rPr lang="en-US" sz="1200" b="1" dirty="0">
+                              <a:solidFill>
+                                <a:srgbClr val="7F0055"/>
+                              </a:solidFill>
+                              <a:latin typeface="Consolas" panose="020B0609020204030204" pitchFamily="49" charset="0"/>
+                            </a:rPr>
+                            <a:t>in </a:t>
+                          </a:r>
+                          <a:r>
+                            <a:rPr lang="en-US" sz="1200" b="1" dirty="0">
+                              <a:solidFill>
+                                <a:srgbClr val="000000"/>
+                              </a:solidFill>
+                              <a:latin typeface="Consolas" panose="020B0609020204030204" pitchFamily="49" charset="0"/>
+                            </a:rPr>
+                            <a:t>DAYS}:</a:t>
+                          </a:r>
+                        </a:p>
+                        <a:p>
+                          <a:pPr algn="l"/>
+                          <a:r>
+                            <a:rPr lang="en-US" sz="1200" b="1" dirty="0">
+                              <a:solidFill>
+                                <a:srgbClr val="7F0055"/>
+                              </a:solidFill>
+                              <a:latin typeface="Consolas" panose="020B0609020204030204" pitchFamily="49" charset="0"/>
+                            </a:rPr>
+                            <a:t>sum </a:t>
+                          </a:r>
+                          <a:r>
+                            <a:rPr lang="en-US" sz="1200" b="1" dirty="0">
+                              <a:solidFill>
+                                <a:srgbClr val="000000"/>
+                              </a:solidFill>
+                              <a:latin typeface="Consolas" panose="020B0609020204030204" pitchFamily="49" charset="0"/>
+                            </a:rPr>
+                            <a:t>{place </a:t>
+                          </a:r>
+                          <a:r>
+                            <a:rPr lang="en-US" sz="1200" b="1" dirty="0">
+                              <a:solidFill>
+                                <a:srgbClr val="7F0055"/>
+                              </a:solidFill>
+                              <a:latin typeface="Consolas" panose="020B0609020204030204" pitchFamily="49" charset="0"/>
+                            </a:rPr>
+                            <a:t>in </a:t>
+                          </a:r>
+                          <a:r>
+                            <a:rPr lang="en-US" sz="1200" b="1" dirty="0">
+                              <a:solidFill>
+                                <a:srgbClr val="000000"/>
+                              </a:solidFill>
+                              <a:latin typeface="Consolas" panose="020B0609020204030204" pitchFamily="49" charset="0"/>
+                            </a:rPr>
+                            <a:t>TRAVEL_PLACES </a:t>
+                          </a:r>
+                          <a:r>
+                            <a:rPr lang="en-US" sz="1200" b="1" dirty="0">
+                              <a:solidFill>
+                                <a:srgbClr val="7F0055"/>
+                              </a:solidFill>
+                              <a:latin typeface="Consolas" panose="020B0609020204030204" pitchFamily="49" charset="0"/>
+                            </a:rPr>
+                            <a:t>union </a:t>
+                          </a:r>
+                          <a:r>
+                            <a:rPr lang="en-US" sz="1200" b="1" dirty="0">
+                              <a:solidFill>
+                                <a:srgbClr val="000000"/>
+                              </a:solidFill>
+                              <a:latin typeface="Consolas" panose="020B0609020204030204" pitchFamily="49" charset="0"/>
+                            </a:rPr>
+                            <a:t>HOMEBASE_START} travel[place, </a:t>
+                          </a:r>
+                          <a:r>
+                            <a:rPr lang="en-US" sz="1200" b="1" dirty="0" err="1">
+                              <a:solidFill>
+                                <a:srgbClr val="000000"/>
+                              </a:solidFill>
+                              <a:latin typeface="Consolas" panose="020B0609020204030204" pitchFamily="49" charset="0"/>
+                            </a:rPr>
+                            <a:t>hb</a:t>
+                          </a:r>
+                          <a:r>
+                            <a:rPr lang="en-US" sz="1200" b="1" dirty="0">
+                              <a:solidFill>
+                                <a:srgbClr val="000000"/>
+                              </a:solidFill>
+                              <a:latin typeface="Consolas" panose="020B0609020204030204" pitchFamily="49" charset="0"/>
+                            </a:rPr>
+                            <a:t>, day] = 1;</a:t>
+                          </a:r>
+                        </a:p>
+                        <a:p>
+                          <a:endParaRPr lang="en-US" sz="1600" b="1" kern="1200" dirty="0">
                             <a:solidFill>
                               <a:schemeClr val="dk1"/>
                             </a:solidFill>
@@ -10950,109 +11999,6 @@
                             <a:ea typeface="+mn-ea"/>
                             <a:cs typeface="+mn-cs"/>
                           </a:endParaRPr>
-                        </a:p>
-                        <a:p>
-                          <a:r>
-                            <a:rPr lang="en-US" sz="1600" b="1" kern="1200" dirty="0" err="1">
-                              <a:solidFill>
-                                <a:schemeClr val="dk1"/>
-                              </a:solidFill>
-                              <a:latin typeface="+mn-lt"/>
-                              <a:ea typeface="+mn-ea"/>
-                              <a:cs typeface="+mn-cs"/>
-                            </a:rPr>
-                            <a:t>s.t.</a:t>
-                          </a:r>
-                          <a:r>
-                            <a:rPr lang="en-US" sz="1600" b="1" kern="1200" dirty="0">
-                              <a:solidFill>
-                                <a:schemeClr val="dk1"/>
-                              </a:solidFill>
-                              <a:latin typeface="+mn-lt"/>
-                              <a:ea typeface="+mn-ea"/>
-                              <a:cs typeface="+mn-cs"/>
-                            </a:rPr>
-                            <a:t> </a:t>
-                          </a:r>
-                          <a:r>
-                            <a:rPr lang="en-US" sz="1600" b="1" kern="1200" dirty="0" err="1">
-                              <a:solidFill>
-                                <a:schemeClr val="dk1"/>
-                              </a:solidFill>
-                              <a:latin typeface="+mn-lt"/>
-                              <a:ea typeface="+mn-ea"/>
-                              <a:cs typeface="+mn-cs"/>
-                            </a:rPr>
-                            <a:t>EndAtHomebase</a:t>
-                          </a:r>
-                          <a:r>
-                            <a:rPr lang="en-US" sz="1600" b="1" kern="1200" dirty="0">
-                              <a:solidFill>
-                                <a:schemeClr val="dk1"/>
-                              </a:solidFill>
-                              <a:latin typeface="+mn-lt"/>
-                              <a:ea typeface="+mn-ea"/>
-                              <a:cs typeface="+mn-cs"/>
-                            </a:rPr>
-                            <a:t> {</a:t>
-                          </a:r>
-                          <a:r>
-                            <a:rPr lang="en-US" sz="1600" b="1" kern="1200" dirty="0" err="1">
-                              <a:solidFill>
-                                <a:schemeClr val="dk1"/>
-                              </a:solidFill>
-                              <a:latin typeface="+mn-lt"/>
-                              <a:ea typeface="+mn-ea"/>
-                              <a:cs typeface="+mn-cs"/>
-                            </a:rPr>
-                            <a:t>hb</a:t>
-                          </a:r>
-                          <a:r>
-                            <a:rPr lang="en-US" sz="1600" b="1" kern="1200" dirty="0">
-                              <a:solidFill>
-                                <a:schemeClr val="dk1"/>
-                              </a:solidFill>
-                              <a:latin typeface="+mn-lt"/>
-                              <a:ea typeface="+mn-ea"/>
-                              <a:cs typeface="+mn-cs"/>
-                            </a:rPr>
-                            <a:t> in HOMEBASE_END, day in DAYS}:</a:t>
-                          </a:r>
-                        </a:p>
-                        <a:p>
-                          <a:r>
-                            <a:rPr lang="en-US" sz="1600" b="1" kern="1200" dirty="0">
-                              <a:solidFill>
-                                <a:schemeClr val="dk1"/>
-                              </a:solidFill>
-                              <a:latin typeface="+mn-lt"/>
-                              <a:ea typeface="+mn-ea"/>
-                              <a:cs typeface="+mn-cs"/>
-                            </a:rPr>
-                            <a:t>sum {place in TRAVEL_PLACES union HOMEBASE_START} travel[place, </a:t>
-                          </a:r>
-                          <a:r>
-                            <a:rPr lang="en-US" sz="1600" b="1" kern="1200" dirty="0" err="1">
-                              <a:solidFill>
-                                <a:schemeClr val="dk1"/>
-                              </a:solidFill>
-                              <a:latin typeface="+mn-lt"/>
-                              <a:ea typeface="+mn-ea"/>
-                              <a:cs typeface="+mn-cs"/>
-                            </a:rPr>
-                            <a:t>hb</a:t>
-                          </a:r>
-                          <a:r>
-                            <a:rPr lang="en-US" sz="1600" b="1" kern="1200" dirty="0">
-                              <a:solidFill>
-                                <a:schemeClr val="dk1"/>
-                              </a:solidFill>
-                              <a:latin typeface="+mn-lt"/>
-                              <a:ea typeface="+mn-ea"/>
-                              <a:cs typeface="+mn-cs"/>
-                            </a:rPr>
-                            <a:t>, day] = 1;</a:t>
-                          </a:r>
                         </a:p>
                       </a:txBody>
                       <a:tcPr anchor="ctr"/>
@@ -11086,6 +12032,83 @@
           </p:graphicFrame>
         </mc:Fallback>
       </mc:AlternateContent>
+      <p:sp>
+        <p:nvSpPr>
+          <p:cNvPr id="3" name="Title 1">
+            <a:extLst>
+              <a:ext uri="{FF2B5EF4-FFF2-40B4-BE49-F238E27FC236}">
+                <a16:creationId xmlns:a16="http://schemas.microsoft.com/office/drawing/2014/main" id="{7F7533FA-62A5-43E0-B5C0-01A231CD8277}"/>
+              </a:ext>
+            </a:extLst>
+          </p:cNvPr>
+          <p:cNvSpPr txBox="1">
+            <a:spLocks/>
+          </p:cNvSpPr>
+          <p:nvPr/>
+        </p:nvSpPr>
+        <p:spPr>
+          <a:xfrm>
+            <a:off x="838200" y="365125"/>
+            <a:ext cx="10515600" cy="1325563"/>
+          </a:xfrm>
+          <a:prstGeom prst="rect">
+            <a:avLst/>
+          </a:prstGeom>
+        </p:spPr>
+        <p:txBody>
+          <a:bodyPr/>
+          <a:lstStyle>
+            <a:lvl1pPr algn="l" defTabSz="914400" rtl="0" eaLnBrk="1" latinLnBrk="0" hangingPunct="1">
+              <a:lnSpc>
+                <a:spcPct val="90000"/>
+              </a:lnSpc>
+              <a:spcBef>
+                <a:spcPct val="0"/>
+              </a:spcBef>
+              <a:buNone/>
+              <a:defRPr sz="4400" kern="1200">
+                <a:solidFill>
+                  <a:schemeClr val="tx1"/>
+                </a:solidFill>
+                <a:latin typeface="+mj-lt"/>
+                <a:ea typeface="+mj-ea"/>
+                <a:cs typeface="+mj-cs"/>
+              </a:defRPr>
+            </a:lvl1pPr>
+          </a:lstStyle>
+          <a:p>
+            <a:endParaRPr lang="en-IN" dirty="0"/>
+          </a:p>
+        </p:txBody>
+      </p:sp>
+      <p:sp>
+        <p:nvSpPr>
+          <p:cNvPr id="5" name="Title 4">
+            <a:extLst>
+              <a:ext uri="{FF2B5EF4-FFF2-40B4-BE49-F238E27FC236}">
+                <a16:creationId xmlns:a16="http://schemas.microsoft.com/office/drawing/2014/main" id="{35B2FB4D-91D4-49DB-9FCE-DB1B150D7C98}"/>
+              </a:ext>
+            </a:extLst>
+          </p:cNvPr>
+          <p:cNvSpPr>
+            <a:spLocks noGrp="1"/>
+          </p:cNvSpPr>
+          <p:nvPr>
+            <p:ph type="title"/>
+          </p:nvPr>
+        </p:nvSpPr>
+        <p:spPr/>
+        <p:txBody>
+          <a:bodyPr/>
+          <a:lstStyle/>
+          <a:p>
+            <a:r>
+              <a:rPr lang="en-US" dirty="0"/>
+              <a:t>Travel Constraints</a:t>
+            </a:r>
+          </a:p>
+        </p:txBody>
+      </p:sp>
     </p:spTree>
     <p:extLst>
       <p:ext uri="{BB962C8B-B14F-4D97-AF65-F5344CB8AC3E}">
@@ -11133,7 +12156,7 @@
           <a:p>
             <a:r>
               <a:rPr lang="en-IN" dirty="0"/>
-              <a:t>TIME CONSTRAINTS</a:t>
+              <a:t>Time Constraints</a:t>
             </a:r>
           </a:p>
         </p:txBody>
@@ -11150,7 +12173,7 @@
                 <p:ph idx="1"/>
                 <p:extLst>
                   <p:ext uri="{D42A27DB-BD31-4B8C-83A1-F6EECF244321}">
-                    <p14:modId xmlns:p14="http://schemas.microsoft.com/office/powerpoint/2010/main" val="3564049629"/>
+                    <p14:modId xmlns:p14="http://schemas.microsoft.com/office/powerpoint/2010/main" val="188333179"/>
                   </p:ext>
                 </p:extLst>
               </p:nvPr>
@@ -11263,293 +12286,319 @@
                         <a:bodyPr/>
                         <a:lstStyle/>
                         <a:p>
-                          <a:r>
-                            <a:rPr lang="en-US" sz="1800" b="1" kern="1200" dirty="0" err="1">
-                              <a:solidFill>
-                                <a:schemeClr val="dk1"/>
-                              </a:solidFill>
-                              <a:latin typeface="+mn-lt"/>
-                              <a:ea typeface="+mn-ea"/>
-                              <a:cs typeface="+mn-cs"/>
+                          <a:pPr algn="l"/>
+                          <a:r>
+                            <a:rPr lang="en-US" sz="1200" b="1" dirty="0" err="1">
+                              <a:solidFill>
+                                <a:srgbClr val="7F0055"/>
+                              </a:solidFill>
+                              <a:latin typeface="Consolas" panose="020B0609020204030204" pitchFamily="49" charset="0"/>
                             </a:rPr>
                             <a:t>s.t.</a:t>
                           </a:r>
                           <a:r>
-                            <a:rPr lang="en-US" sz="1800" b="1" kern="1200" dirty="0">
-                              <a:solidFill>
-                                <a:schemeClr val="dk1"/>
-                              </a:solidFill>
-                              <a:latin typeface="+mn-lt"/>
-                              <a:ea typeface="+mn-ea"/>
-                              <a:cs typeface="+mn-cs"/>
+                            <a:rPr lang="en-US" sz="1200" b="1" dirty="0">
+                              <a:solidFill>
+                                <a:srgbClr val="7F0055"/>
+                              </a:solidFill>
+                              <a:latin typeface="Consolas" panose="020B0609020204030204" pitchFamily="49" charset="0"/>
                             </a:rPr>
                             <a:t> </a:t>
                           </a:r>
                           <a:r>
-                            <a:rPr lang="en-US" sz="1800" b="1" kern="1200" dirty="0" err="1">
-                              <a:solidFill>
-                                <a:schemeClr val="dk1"/>
-                              </a:solidFill>
-                              <a:latin typeface="+mn-lt"/>
-                              <a:ea typeface="+mn-ea"/>
-                              <a:cs typeface="+mn-cs"/>
+                            <a:rPr lang="en-US" sz="1200" b="1" dirty="0" err="1">
+                              <a:solidFill>
+                                <a:srgbClr val="000000"/>
+                              </a:solidFill>
+                              <a:latin typeface="Consolas" panose="020B0609020204030204" pitchFamily="49" charset="0"/>
                             </a:rPr>
                             <a:t>TimeSpent</a:t>
                           </a:r>
                           <a:r>
-                            <a:rPr lang="en-US" sz="1800" b="1" kern="1200" dirty="0">
-                              <a:solidFill>
-                                <a:schemeClr val="dk1"/>
-                              </a:solidFill>
-                              <a:latin typeface="+mn-lt"/>
-                              <a:ea typeface="+mn-ea"/>
-                              <a:cs typeface="+mn-cs"/>
-                            </a:rPr>
-                            <a:t> {day in DAYS} :</a:t>
-                          </a:r>
-                        </a:p>
-                        <a:p>
-                          <a:r>
-                            <a:rPr lang="en-US" sz="1800" b="1" kern="1200" dirty="0">
-                              <a:solidFill>
-                                <a:schemeClr val="dk1"/>
-                              </a:solidFill>
-                              <a:latin typeface="+mn-lt"/>
-                              <a:ea typeface="+mn-ea"/>
-                              <a:cs typeface="+mn-cs"/>
-                            </a:rPr>
-                            <a:t>sum {</a:t>
-                          </a:r>
-                          <a:r>
-                            <a:rPr lang="en-US" sz="1800" b="1" kern="1200" dirty="0" err="1">
-                              <a:solidFill>
-                                <a:schemeClr val="dk1"/>
-                              </a:solidFill>
-                              <a:latin typeface="+mn-lt"/>
-                              <a:ea typeface="+mn-ea"/>
-                              <a:cs typeface="+mn-cs"/>
+                            <a:rPr lang="en-US" sz="1200" b="1" dirty="0">
+                              <a:solidFill>
+                                <a:srgbClr val="000000"/>
+                              </a:solidFill>
+                              <a:latin typeface="Consolas" panose="020B0609020204030204" pitchFamily="49" charset="0"/>
+                            </a:rPr>
+                            <a:t> {day </a:t>
+                          </a:r>
+                          <a:r>
+                            <a:rPr lang="en-US" sz="1200" b="1" dirty="0">
+                              <a:solidFill>
+                                <a:srgbClr val="7F0055"/>
+                              </a:solidFill>
+                              <a:latin typeface="Consolas" panose="020B0609020204030204" pitchFamily="49" charset="0"/>
+                            </a:rPr>
+                            <a:t>in </a:t>
+                          </a:r>
+                          <a:r>
+                            <a:rPr lang="en-US" sz="1200" b="1" dirty="0">
+                              <a:solidFill>
+                                <a:srgbClr val="000000"/>
+                              </a:solidFill>
+                              <a:latin typeface="Consolas" panose="020B0609020204030204" pitchFamily="49" charset="0"/>
+                            </a:rPr>
+                            <a:t>DAYS} :</a:t>
+                          </a:r>
+                        </a:p>
+                        <a:p>
+                          <a:pPr algn="l"/>
+                          <a:r>
+                            <a:rPr lang="en-US" sz="1200" b="1" dirty="0">
+                              <a:solidFill>
+                                <a:srgbClr val="7F0055"/>
+                              </a:solidFill>
+                              <a:latin typeface="Consolas" panose="020B0609020204030204" pitchFamily="49" charset="0"/>
+                            </a:rPr>
+                            <a:t>sum </a:t>
+                          </a:r>
+                          <a:r>
+                            <a:rPr lang="en-US" sz="1200" b="1" dirty="0">
+                              <a:solidFill>
+                                <a:srgbClr val="000000"/>
+                              </a:solidFill>
+                              <a:latin typeface="Consolas" panose="020B0609020204030204" pitchFamily="49" charset="0"/>
+                            </a:rPr>
+                            <a:t>{</a:t>
+                          </a:r>
+                          <a:r>
+                            <a:rPr lang="en-US" sz="1200" b="1" dirty="0" err="1">
+                              <a:solidFill>
+                                <a:srgbClr val="000000"/>
+                              </a:solidFill>
+                              <a:latin typeface="Consolas" panose="020B0609020204030204" pitchFamily="49" charset="0"/>
                             </a:rPr>
                             <a:t>src</a:t>
                           </a:r>
                           <a:r>
-                            <a:rPr lang="en-US" sz="1800" b="1" kern="1200" dirty="0">
-                              <a:solidFill>
-                                <a:schemeClr val="dk1"/>
-                              </a:solidFill>
-                              <a:latin typeface="+mn-lt"/>
-                              <a:ea typeface="+mn-ea"/>
-                              <a:cs typeface="+mn-cs"/>
-                            </a:rPr>
-                            <a:t> in ALL_PLACES, </a:t>
-                          </a:r>
-                          <a:r>
-                            <a:rPr lang="en-US" sz="1800" b="1" kern="1200" dirty="0" err="1">
-                              <a:solidFill>
-                                <a:schemeClr val="dk1"/>
-                              </a:solidFill>
-                              <a:latin typeface="+mn-lt"/>
-                              <a:ea typeface="+mn-ea"/>
-                              <a:cs typeface="+mn-cs"/>
+                            <a:rPr lang="en-US" sz="1200" b="1" dirty="0">
+                              <a:solidFill>
+                                <a:srgbClr val="000000"/>
+                              </a:solidFill>
+                              <a:latin typeface="Consolas" panose="020B0609020204030204" pitchFamily="49" charset="0"/>
+                            </a:rPr>
+                            <a:t> </a:t>
+                          </a:r>
+                          <a:r>
+                            <a:rPr lang="en-US" sz="1200" b="1" dirty="0">
+                              <a:solidFill>
+                                <a:srgbClr val="7F0055"/>
+                              </a:solidFill>
+                              <a:latin typeface="Consolas" panose="020B0609020204030204" pitchFamily="49" charset="0"/>
+                            </a:rPr>
+                            <a:t>in </a:t>
+                          </a:r>
+                          <a:r>
+                            <a:rPr lang="en-US" sz="1200" b="1" dirty="0">
+                              <a:solidFill>
+                                <a:srgbClr val="000000"/>
+                              </a:solidFill>
+                              <a:latin typeface="Consolas" panose="020B0609020204030204" pitchFamily="49" charset="0"/>
+                            </a:rPr>
+                            <a:t>ALL_PLACES, </a:t>
+                          </a:r>
+                          <a:r>
+                            <a:rPr lang="en-US" sz="1200" b="1" dirty="0" err="1">
+                              <a:solidFill>
+                                <a:srgbClr val="000000"/>
+                              </a:solidFill>
+                              <a:latin typeface="Consolas" panose="020B0609020204030204" pitchFamily="49" charset="0"/>
                             </a:rPr>
                             <a:t>dst</a:t>
                           </a:r>
                           <a:r>
-                            <a:rPr lang="en-US" sz="1800" b="1" kern="1200" dirty="0">
-                              <a:solidFill>
-                                <a:schemeClr val="dk1"/>
-                              </a:solidFill>
-                              <a:latin typeface="+mn-lt"/>
-                              <a:ea typeface="+mn-ea"/>
-                              <a:cs typeface="+mn-cs"/>
-                            </a:rPr>
-                            <a:t> in ALL_PLACES} </a:t>
-                          </a:r>
-                        </a:p>
-                        <a:p>
-                          <a:r>
-                            <a:rPr lang="en-IN" sz="1800" kern="1200" dirty="0">
-                              <a:solidFill>
-                                <a:schemeClr val="dk1"/>
-                              </a:solidFill>
-                              <a:latin typeface="+mn-lt"/>
-                              <a:ea typeface="+mn-ea"/>
-                              <a:cs typeface="+mn-cs"/>
+                            <a:rPr lang="en-US" sz="1200" b="1" dirty="0">
+                              <a:solidFill>
+                                <a:srgbClr val="000000"/>
+                              </a:solidFill>
+                              <a:latin typeface="Consolas" panose="020B0609020204030204" pitchFamily="49" charset="0"/>
+                            </a:rPr>
+                            <a:t> </a:t>
+                          </a:r>
+                          <a:r>
+                            <a:rPr lang="en-US" sz="1200" b="1" dirty="0">
+                              <a:solidFill>
+                                <a:srgbClr val="7F0055"/>
+                              </a:solidFill>
+                              <a:latin typeface="Consolas" panose="020B0609020204030204" pitchFamily="49" charset="0"/>
+                            </a:rPr>
+                            <a:t>in </a:t>
+                          </a:r>
+                          <a:r>
+                            <a:rPr lang="en-US" sz="1200" b="1" dirty="0">
+                              <a:solidFill>
+                                <a:srgbClr val="000000"/>
+                              </a:solidFill>
+                              <a:latin typeface="Consolas" panose="020B0609020204030204" pitchFamily="49" charset="0"/>
+                            </a:rPr>
+                            <a:t>ALL_PLACES} </a:t>
+                          </a:r>
+                        </a:p>
+                        <a:p>
+                          <a:pPr algn="l"/>
+                          <a:r>
+                            <a:rPr lang="en-US" sz="1200" dirty="0">
+                              <a:solidFill>
+                                <a:srgbClr val="000000"/>
+                              </a:solidFill>
+                              <a:latin typeface="Consolas" panose="020B0609020204030204" pitchFamily="49" charset="0"/>
                             </a:rPr>
                             <a:t>travel[</a:t>
                           </a:r>
                           <a:r>
-                            <a:rPr lang="en-IN" sz="1800" kern="1200" dirty="0" err="1">
-                              <a:solidFill>
-                                <a:schemeClr val="dk1"/>
-                              </a:solidFill>
-                              <a:latin typeface="+mn-lt"/>
-                              <a:ea typeface="+mn-ea"/>
-                              <a:cs typeface="+mn-cs"/>
+                            <a:rPr lang="en-US" sz="1200" dirty="0" err="1">
+                              <a:solidFill>
+                                <a:srgbClr val="000000"/>
+                              </a:solidFill>
+                              <a:latin typeface="Consolas" panose="020B0609020204030204" pitchFamily="49" charset="0"/>
                             </a:rPr>
                             <a:t>src</a:t>
                           </a:r>
                           <a:r>
-                            <a:rPr lang="en-IN" sz="1800" kern="1200" dirty="0">
-                              <a:solidFill>
-                                <a:schemeClr val="dk1"/>
-                              </a:solidFill>
-                              <a:latin typeface="+mn-lt"/>
-                              <a:ea typeface="+mn-ea"/>
-                              <a:cs typeface="+mn-cs"/>
+                            <a:rPr lang="en-US" sz="1200" dirty="0">
+                              <a:solidFill>
+                                <a:srgbClr val="000000"/>
+                              </a:solidFill>
+                              <a:latin typeface="Consolas" panose="020B0609020204030204" pitchFamily="49" charset="0"/>
                             </a:rPr>
                             <a:t>, </a:t>
                           </a:r>
                           <a:r>
-                            <a:rPr lang="en-IN" sz="1800" kern="1200" dirty="0" err="1">
-                              <a:solidFill>
-                                <a:schemeClr val="dk1"/>
-                              </a:solidFill>
-                              <a:latin typeface="+mn-lt"/>
-                              <a:ea typeface="+mn-ea"/>
-                              <a:cs typeface="+mn-cs"/>
+                            <a:rPr lang="en-US" sz="1200" dirty="0" err="1">
+                              <a:solidFill>
+                                <a:srgbClr val="000000"/>
+                              </a:solidFill>
+                              <a:latin typeface="Consolas" panose="020B0609020204030204" pitchFamily="49" charset="0"/>
                             </a:rPr>
                             <a:t>dst</a:t>
                           </a:r>
                           <a:r>
-                            <a:rPr lang="en-IN" sz="1800" kern="1200" dirty="0">
-                              <a:solidFill>
-                                <a:schemeClr val="dk1"/>
-                              </a:solidFill>
-                              <a:latin typeface="+mn-lt"/>
-                              <a:ea typeface="+mn-ea"/>
-                              <a:cs typeface="+mn-cs"/>
-                            </a:rPr>
-                            <a:t>, day] * (Duration[</a:t>
-                          </a:r>
-                          <a:r>
-                            <a:rPr lang="en-IN" sz="1800" kern="1200" dirty="0" err="1">
-                              <a:solidFill>
-                                <a:schemeClr val="dk1"/>
-                              </a:solidFill>
-                              <a:latin typeface="+mn-lt"/>
-                              <a:ea typeface="+mn-ea"/>
-                              <a:cs typeface="+mn-cs"/>
+                            <a:rPr lang="en-US" sz="1200" dirty="0">
+                              <a:solidFill>
+                                <a:srgbClr val="000000"/>
+                              </a:solidFill>
+                              <a:latin typeface="Consolas" panose="020B0609020204030204" pitchFamily="49" charset="0"/>
+                            </a:rPr>
+                            <a:t>, day] * </a:t>
+                          </a:r>
+                        </a:p>
+                        <a:p>
+                          <a:pPr algn="l"/>
+                          <a:r>
+                            <a:rPr lang="en-US" sz="1200" dirty="0">
+                              <a:solidFill>
+                                <a:srgbClr val="000000"/>
+                              </a:solidFill>
+                              <a:latin typeface="Consolas" panose="020B0609020204030204" pitchFamily="49" charset="0"/>
+                            </a:rPr>
+                            <a:t>(Duration[</a:t>
+                          </a:r>
+                          <a:r>
+                            <a:rPr lang="en-US" sz="1200" dirty="0" err="1">
+                              <a:solidFill>
+                                <a:srgbClr val="000000"/>
+                              </a:solidFill>
+                              <a:latin typeface="Consolas" panose="020B0609020204030204" pitchFamily="49" charset="0"/>
                             </a:rPr>
                             <a:t>src</a:t>
                           </a:r>
                           <a:r>
-                            <a:rPr lang="en-IN" sz="1800" kern="1200" dirty="0">
-                              <a:solidFill>
-                                <a:schemeClr val="dk1"/>
-                              </a:solidFill>
-                              <a:latin typeface="+mn-lt"/>
-                              <a:ea typeface="+mn-ea"/>
-                              <a:cs typeface="+mn-cs"/>
+                            <a:rPr lang="en-US" sz="1200" dirty="0">
+                              <a:solidFill>
+                                <a:srgbClr val="000000"/>
+                              </a:solidFill>
+                              <a:latin typeface="Consolas" panose="020B0609020204030204" pitchFamily="49" charset="0"/>
                             </a:rPr>
                             <a:t>] + Distance[</a:t>
                           </a:r>
                           <a:r>
-                            <a:rPr lang="en-IN" sz="1800" kern="1200" dirty="0" err="1">
-                              <a:solidFill>
-                                <a:schemeClr val="dk1"/>
-                              </a:solidFill>
-                              <a:latin typeface="+mn-lt"/>
-                              <a:ea typeface="+mn-ea"/>
-                              <a:cs typeface="+mn-cs"/>
+                            <a:rPr lang="en-US" sz="1200" dirty="0" err="1">
+                              <a:solidFill>
+                                <a:srgbClr val="000000"/>
+                              </a:solidFill>
+                              <a:latin typeface="Consolas" panose="020B0609020204030204" pitchFamily="49" charset="0"/>
                             </a:rPr>
                             <a:t>src</a:t>
                           </a:r>
                           <a:r>
-                            <a:rPr lang="en-IN" sz="1800" kern="1200" dirty="0">
-                              <a:solidFill>
-                                <a:schemeClr val="dk1"/>
-                              </a:solidFill>
-                              <a:latin typeface="+mn-lt"/>
-                              <a:ea typeface="+mn-ea"/>
-                              <a:cs typeface="+mn-cs"/>
+                            <a:rPr lang="en-US" sz="1200" dirty="0">
+                              <a:solidFill>
+                                <a:srgbClr val="000000"/>
+                              </a:solidFill>
+                              <a:latin typeface="Consolas" panose="020B0609020204030204" pitchFamily="49" charset="0"/>
                             </a:rPr>
                             <a:t>, </a:t>
                           </a:r>
                           <a:r>
-                            <a:rPr lang="en-IN" sz="1800" kern="1200" dirty="0" err="1">
-                              <a:solidFill>
-                                <a:schemeClr val="dk1"/>
-                              </a:solidFill>
-                              <a:latin typeface="+mn-lt"/>
-                              <a:ea typeface="+mn-ea"/>
-                              <a:cs typeface="+mn-cs"/>
+                            <a:rPr lang="en-US" sz="1200" dirty="0" err="1">
+                              <a:solidFill>
+                                <a:srgbClr val="000000"/>
+                              </a:solidFill>
+                              <a:latin typeface="Consolas" panose="020B0609020204030204" pitchFamily="49" charset="0"/>
                             </a:rPr>
                             <a:t>dst</a:t>
                           </a:r>
                           <a:r>
-                            <a:rPr lang="en-IN" sz="1800" kern="1200" dirty="0">
-                              <a:solidFill>
-                                <a:schemeClr val="dk1"/>
-                              </a:solidFill>
-                              <a:latin typeface="+mn-lt"/>
-                              <a:ea typeface="+mn-ea"/>
-                              <a:cs typeface="+mn-cs"/>
+                            <a:rPr lang="en-US" sz="1200" dirty="0">
+                              <a:solidFill>
+                                <a:srgbClr val="000000"/>
+                              </a:solidFill>
+                              <a:latin typeface="Consolas" panose="020B0609020204030204" pitchFamily="49" charset="0"/>
                             </a:rPr>
                             <a:t>]*</a:t>
                           </a:r>
                           <a:r>
-                            <a:rPr lang="en-IN" sz="1800" kern="1200" dirty="0" err="1">
-                              <a:solidFill>
-                                <a:schemeClr val="dk1"/>
-                              </a:solidFill>
-                              <a:latin typeface="+mn-lt"/>
-                              <a:ea typeface="+mn-ea"/>
-                              <a:cs typeface="+mn-cs"/>
+                            <a:rPr lang="en-US" sz="1200" dirty="0" err="1">
+                              <a:solidFill>
+                                <a:srgbClr val="000000"/>
+                              </a:solidFill>
+                              <a:latin typeface="Consolas" panose="020B0609020204030204" pitchFamily="49" charset="0"/>
                             </a:rPr>
                             <a:t>timeFactor</a:t>
                           </a:r>
                           <a:r>
-                            <a:rPr lang="en-IN" sz="1800" kern="1200" dirty="0">
-                              <a:solidFill>
-                                <a:schemeClr val="dk1"/>
-                              </a:solidFill>
-                              <a:latin typeface="+mn-lt"/>
-                              <a:ea typeface="+mn-ea"/>
-                              <a:cs typeface="+mn-cs"/>
+                            <a:rPr lang="en-US" sz="1200" dirty="0">
+                              <a:solidFill>
+                                <a:srgbClr val="000000"/>
+                              </a:solidFill>
+                              <a:latin typeface="Consolas" panose="020B0609020204030204" pitchFamily="49" charset="0"/>
                             </a:rPr>
                             <a:t>/</a:t>
                           </a:r>
                           <a:r>
-                            <a:rPr lang="en-IN" sz="1800" kern="1200" dirty="0" err="1">
-                              <a:solidFill>
-                                <a:schemeClr val="dk1"/>
-                              </a:solidFill>
-                              <a:latin typeface="+mn-lt"/>
-                              <a:ea typeface="+mn-ea"/>
-                              <a:cs typeface="+mn-cs"/>
+                            <a:rPr lang="en-US" sz="1200" dirty="0" err="1">
+                              <a:solidFill>
+                                <a:srgbClr val="000000"/>
+                              </a:solidFill>
+                              <a:latin typeface="Consolas" panose="020B0609020204030204" pitchFamily="49" charset="0"/>
                             </a:rPr>
                             <a:t>minMPH</a:t>
                           </a:r>
                           <a:r>
-                            <a:rPr lang="en-IN" sz="1800" kern="1200" dirty="0">
-                              <a:solidFill>
-                                <a:schemeClr val="dk1"/>
-                              </a:solidFill>
-                              <a:latin typeface="+mn-lt"/>
-                              <a:ea typeface="+mn-ea"/>
-                              <a:cs typeface="+mn-cs"/>
+                            <a:rPr lang="en-US" sz="1200" dirty="0">
+                              <a:solidFill>
+                                <a:srgbClr val="000000"/>
+                              </a:solidFill>
+                              <a:latin typeface="Consolas" panose="020B0609020204030204" pitchFamily="49" charset="0"/>
                             </a:rPr>
                             <a:t> ) &lt;= </a:t>
                           </a:r>
                           <a:r>
-                            <a:rPr lang="en-IN" sz="1800" kern="1200" dirty="0" err="1">
-                              <a:solidFill>
-                                <a:schemeClr val="dk1"/>
-                              </a:solidFill>
-                              <a:latin typeface="+mn-lt"/>
-                              <a:ea typeface="+mn-ea"/>
-                              <a:cs typeface="+mn-cs"/>
+                            <a:rPr lang="en-US" sz="1200" dirty="0" err="1">
+                              <a:solidFill>
+                                <a:srgbClr val="000000"/>
+                              </a:solidFill>
+                              <a:latin typeface="Consolas" panose="020B0609020204030204" pitchFamily="49" charset="0"/>
                             </a:rPr>
                             <a:t>hoursInADay</a:t>
                           </a:r>
                           <a:r>
-                            <a:rPr lang="en-IN" sz="1800" kern="1200" dirty="0">
-                              <a:solidFill>
-                                <a:schemeClr val="dk1"/>
-                              </a:solidFill>
-                              <a:latin typeface="+mn-lt"/>
-                              <a:ea typeface="+mn-ea"/>
-                              <a:cs typeface="+mn-cs"/>
+                            <a:rPr lang="en-US" sz="1200" dirty="0">
+                              <a:solidFill>
+                                <a:srgbClr val="000000"/>
+                              </a:solidFill>
+                              <a:latin typeface="Consolas" panose="020B0609020204030204" pitchFamily="49" charset="0"/>
                             </a:rPr>
                             <a:t>;</a:t>
                           </a:r>
@@ -12374,375 +13423,402 @@
                         <a:bodyPr/>
                         <a:lstStyle/>
                         <a:p>
-                          <a:r>
-                            <a:rPr lang="en-US" sz="1800" b="1" kern="1200" dirty="0" err="1">
-                              <a:solidFill>
-                                <a:schemeClr val="dk1"/>
-                              </a:solidFill>
-                              <a:latin typeface="+mn-lt"/>
-                              <a:ea typeface="+mn-ea"/>
-                              <a:cs typeface="+mn-cs"/>
+                          <a:pPr algn="l"/>
+                          <a:r>
+                            <a:rPr lang="en-US" sz="1200" b="1" dirty="0" err="1">
+                              <a:solidFill>
+                                <a:srgbClr val="7F0055"/>
+                              </a:solidFill>
+                              <a:latin typeface="Consolas" panose="020B0609020204030204" pitchFamily="49" charset="0"/>
                             </a:rPr>
                             <a:t>s.t.</a:t>
                           </a:r>
                           <a:r>
-                            <a:rPr lang="en-US" sz="1800" b="1" kern="1200" dirty="0">
-                              <a:solidFill>
-                                <a:schemeClr val="dk1"/>
-                              </a:solidFill>
-                              <a:latin typeface="+mn-lt"/>
-                              <a:ea typeface="+mn-ea"/>
-                              <a:cs typeface="+mn-cs"/>
+                            <a:rPr lang="en-US" sz="1200" b="1" dirty="0">
+                              <a:solidFill>
+                                <a:srgbClr val="7F0055"/>
+                              </a:solidFill>
+                              <a:latin typeface="Consolas" panose="020B0609020204030204" pitchFamily="49" charset="0"/>
                             </a:rPr>
                             <a:t> </a:t>
                           </a:r>
                           <a:r>
-                            <a:rPr lang="en-US" sz="1800" b="1" kern="1200" dirty="0" err="1">
-                              <a:solidFill>
-                                <a:schemeClr val="dk1"/>
-                              </a:solidFill>
-                              <a:latin typeface="+mn-lt"/>
-                              <a:ea typeface="+mn-ea"/>
-                              <a:cs typeface="+mn-cs"/>
+                            <a:rPr lang="en-US" sz="1200" b="1" dirty="0" err="1">
+                              <a:solidFill>
+                                <a:srgbClr val="000000"/>
+                              </a:solidFill>
+                              <a:latin typeface="Consolas" panose="020B0609020204030204" pitchFamily="49" charset="0"/>
                             </a:rPr>
                             <a:t>Timevalue_dest</a:t>
                           </a:r>
                           <a:r>
-                            <a:rPr lang="en-US" sz="1800" b="1" kern="1200" dirty="0">
-                              <a:solidFill>
-                                <a:schemeClr val="dk1"/>
-                              </a:solidFill>
-                              <a:latin typeface="+mn-lt"/>
-                              <a:ea typeface="+mn-ea"/>
-                              <a:cs typeface="+mn-cs"/>
+                            <a:rPr lang="en-US" sz="1200" b="1" dirty="0">
+                              <a:solidFill>
+                                <a:srgbClr val="000000"/>
+                              </a:solidFill>
+                              <a:latin typeface="Consolas" panose="020B0609020204030204" pitchFamily="49" charset="0"/>
                             </a:rPr>
                             <a:t> {</a:t>
                           </a:r>
                           <a:r>
-                            <a:rPr lang="en-US" sz="1800" b="1" kern="1200" dirty="0" err="1">
-                              <a:solidFill>
-                                <a:schemeClr val="dk1"/>
-                              </a:solidFill>
-                              <a:latin typeface="+mn-lt"/>
-                              <a:ea typeface="+mn-ea"/>
-                              <a:cs typeface="+mn-cs"/>
+                            <a:rPr lang="en-US" sz="1200" b="1" dirty="0" err="1">
+                              <a:solidFill>
+                                <a:srgbClr val="000000"/>
+                              </a:solidFill>
+                              <a:latin typeface="Consolas" panose="020B0609020204030204" pitchFamily="49" charset="0"/>
                             </a:rPr>
                             <a:t>dst</a:t>
                           </a:r>
                           <a:r>
-                            <a:rPr lang="en-US" sz="1800" b="1" kern="1200" dirty="0">
-                              <a:solidFill>
-                                <a:schemeClr val="dk1"/>
-                              </a:solidFill>
-                              <a:latin typeface="+mn-lt"/>
-                              <a:ea typeface="+mn-ea"/>
-                              <a:cs typeface="+mn-cs"/>
-                            </a:rPr>
-                            <a:t> in TRAVEL_PLACES union HOMEBASE_END, day in DAYS}:</a:t>
-                          </a:r>
-                        </a:p>
-                        <a:p>
-                          <a:r>
-                            <a:rPr lang="en-US" sz="1800" kern="1200" dirty="0" err="1">
-                              <a:solidFill>
-                                <a:schemeClr val="dk1"/>
-                              </a:solidFill>
-                              <a:latin typeface="+mn-lt"/>
-                              <a:ea typeface="+mn-ea"/>
-                              <a:cs typeface="+mn-cs"/>
+                            <a:rPr lang="en-US" sz="1200" b="1" dirty="0">
+                              <a:solidFill>
+                                <a:srgbClr val="000000"/>
+                              </a:solidFill>
+                              <a:latin typeface="Consolas" panose="020B0609020204030204" pitchFamily="49" charset="0"/>
+                            </a:rPr>
+                            <a:t> </a:t>
+                          </a:r>
+                          <a:r>
+                            <a:rPr lang="en-US" sz="1200" b="1" dirty="0">
+                              <a:solidFill>
+                                <a:srgbClr val="7F0055"/>
+                              </a:solidFill>
+                              <a:latin typeface="Consolas" panose="020B0609020204030204" pitchFamily="49" charset="0"/>
+                            </a:rPr>
+                            <a:t>in </a:t>
+                          </a:r>
+                          <a:r>
+                            <a:rPr lang="en-US" sz="1200" b="1" dirty="0">
+                              <a:solidFill>
+                                <a:srgbClr val="000000"/>
+                              </a:solidFill>
+                              <a:latin typeface="Consolas" panose="020B0609020204030204" pitchFamily="49" charset="0"/>
+                            </a:rPr>
+                            <a:t>TRAVEL_PLACES </a:t>
+                          </a:r>
+                          <a:r>
+                            <a:rPr lang="en-US" sz="1200" b="1" dirty="0">
+                              <a:solidFill>
+                                <a:srgbClr val="7F0055"/>
+                              </a:solidFill>
+                              <a:latin typeface="Consolas" panose="020B0609020204030204" pitchFamily="49" charset="0"/>
+                            </a:rPr>
+                            <a:t>union </a:t>
+                          </a:r>
+                          <a:r>
+                            <a:rPr lang="en-US" sz="1200" b="1" dirty="0">
+                              <a:solidFill>
+                                <a:srgbClr val="000000"/>
+                              </a:solidFill>
+                              <a:latin typeface="Consolas" panose="020B0609020204030204" pitchFamily="49" charset="0"/>
+                            </a:rPr>
+                            <a:t>HOMEBASE_END, day </a:t>
+                          </a:r>
+                          <a:r>
+                            <a:rPr lang="en-US" sz="1200" b="1" dirty="0">
+                              <a:solidFill>
+                                <a:srgbClr val="7F0055"/>
+                              </a:solidFill>
+                              <a:latin typeface="Consolas" panose="020B0609020204030204" pitchFamily="49" charset="0"/>
+                            </a:rPr>
+                            <a:t>in </a:t>
+                          </a:r>
+                          <a:r>
+                            <a:rPr lang="en-US" sz="1200" b="1" dirty="0">
+                              <a:solidFill>
+                                <a:srgbClr val="000000"/>
+                              </a:solidFill>
+                              <a:latin typeface="Consolas" panose="020B0609020204030204" pitchFamily="49" charset="0"/>
+                            </a:rPr>
+                            <a:t>DAYS}:</a:t>
+                          </a:r>
+                        </a:p>
+                        <a:p>
+                          <a:pPr algn="l"/>
+                          <a:r>
+                            <a:rPr lang="en-US" sz="1200" dirty="0" err="1">
+                              <a:solidFill>
+                                <a:srgbClr val="000000"/>
+                              </a:solidFill>
+                              <a:latin typeface="Consolas" panose="020B0609020204030204" pitchFamily="49" charset="0"/>
                             </a:rPr>
                             <a:t>Timevalue</a:t>
                           </a:r>
                           <a:r>
-                            <a:rPr lang="en-US" sz="1800" kern="1200" dirty="0">
-                              <a:solidFill>
-                                <a:schemeClr val="dk1"/>
-                              </a:solidFill>
-                              <a:latin typeface="+mn-lt"/>
-                              <a:ea typeface="+mn-ea"/>
-                              <a:cs typeface="+mn-cs"/>
+                            <a:rPr lang="en-US" sz="1200" dirty="0">
+                              <a:solidFill>
+                                <a:srgbClr val="000000"/>
+                              </a:solidFill>
+                              <a:latin typeface="Consolas" panose="020B0609020204030204" pitchFamily="49" charset="0"/>
                             </a:rPr>
                             <a:t>[</a:t>
                           </a:r>
                           <a:r>
-                            <a:rPr lang="en-US" sz="1800" kern="1200" dirty="0" err="1">
-                              <a:solidFill>
-                                <a:schemeClr val="dk1"/>
-                              </a:solidFill>
-                              <a:latin typeface="+mn-lt"/>
-                              <a:ea typeface="+mn-ea"/>
-                              <a:cs typeface="+mn-cs"/>
+                            <a:rPr lang="en-US" sz="1200" dirty="0" err="1">
+                              <a:solidFill>
+                                <a:srgbClr val="000000"/>
+                              </a:solidFill>
+                              <a:latin typeface="Consolas" panose="020B0609020204030204" pitchFamily="49" charset="0"/>
                             </a:rPr>
                             <a:t>dst</a:t>
                           </a:r>
                           <a:r>
-                            <a:rPr lang="en-US" sz="1800" kern="1200" dirty="0">
-                              <a:solidFill>
-                                <a:schemeClr val="dk1"/>
-                              </a:solidFill>
-                              <a:latin typeface="+mn-lt"/>
-                              <a:ea typeface="+mn-ea"/>
-                              <a:cs typeface="+mn-cs"/>
+                            <a:rPr lang="en-US" sz="1200" dirty="0">
+                              <a:solidFill>
+                                <a:srgbClr val="000000"/>
+                              </a:solidFill>
+                              <a:latin typeface="Consolas" panose="020B0609020204030204" pitchFamily="49" charset="0"/>
                             </a:rPr>
                             <a:t>, day] &gt;= </a:t>
                           </a:r>
                           <a:r>
-                            <a:rPr lang="en-US" sz="1800" b="1" kern="1200" dirty="0">
-                              <a:solidFill>
-                                <a:schemeClr val="dk1"/>
-                              </a:solidFill>
-                              <a:latin typeface="+mn-lt"/>
-                              <a:ea typeface="+mn-ea"/>
-                              <a:cs typeface="+mn-cs"/>
-                            </a:rPr>
-                            <a:t>sum {</a:t>
-                          </a:r>
-                          <a:r>
-                            <a:rPr lang="en-US" sz="1800" b="1" kern="1200" dirty="0" err="1">
-                              <a:solidFill>
-                                <a:schemeClr val="dk1"/>
-                              </a:solidFill>
-                              <a:latin typeface="+mn-lt"/>
-                              <a:ea typeface="+mn-ea"/>
-                              <a:cs typeface="+mn-cs"/>
+                            <a:rPr lang="en-US" sz="1200" b="1" dirty="0">
+                              <a:solidFill>
+                                <a:srgbClr val="7F0055"/>
+                              </a:solidFill>
+                              <a:latin typeface="Consolas" panose="020B0609020204030204" pitchFamily="49" charset="0"/>
+                            </a:rPr>
+                            <a:t>sum </a:t>
+                          </a:r>
+                          <a:r>
+                            <a:rPr lang="en-US" sz="1200" b="1" dirty="0">
+                              <a:solidFill>
+                                <a:srgbClr val="000000"/>
+                              </a:solidFill>
+                              <a:latin typeface="Consolas" panose="020B0609020204030204" pitchFamily="49" charset="0"/>
+                            </a:rPr>
+                            <a:t>{</a:t>
+                          </a:r>
+                          <a:r>
+                            <a:rPr lang="en-US" sz="1200" b="1" dirty="0" err="1">
+                              <a:solidFill>
+                                <a:srgbClr val="000000"/>
+                              </a:solidFill>
+                              <a:latin typeface="Consolas" panose="020B0609020204030204" pitchFamily="49" charset="0"/>
                             </a:rPr>
                             <a:t>src</a:t>
                           </a:r>
                           <a:r>
-                            <a:rPr lang="en-US" sz="1800" b="1" kern="1200" dirty="0">
-                              <a:solidFill>
-                                <a:schemeClr val="dk1"/>
-                              </a:solidFill>
-                              <a:latin typeface="+mn-lt"/>
-                              <a:ea typeface="+mn-ea"/>
-                              <a:cs typeface="+mn-cs"/>
-                            </a:rPr>
-                            <a:t> in ALL_PLACES} (</a:t>
-                          </a:r>
-                        </a:p>
-                        <a:p>
-                          <a:r>
-                            <a:rPr lang="en-IN" sz="1800" kern="1200" dirty="0">
-                              <a:solidFill>
-                                <a:schemeClr val="dk1"/>
-                              </a:solidFill>
-                              <a:latin typeface="+mn-lt"/>
-                              <a:ea typeface="+mn-ea"/>
-                              <a:cs typeface="+mn-cs"/>
+                            <a:rPr lang="en-US" sz="1200" b="1" dirty="0">
+                              <a:solidFill>
+                                <a:srgbClr val="000000"/>
+                              </a:solidFill>
+                              <a:latin typeface="Consolas" panose="020B0609020204030204" pitchFamily="49" charset="0"/>
+                            </a:rPr>
+                            <a:t> </a:t>
+                          </a:r>
+                          <a:r>
+                            <a:rPr lang="en-US" sz="1200" b="1" dirty="0">
+                              <a:solidFill>
+                                <a:srgbClr val="7F0055"/>
+                              </a:solidFill>
+                              <a:latin typeface="Consolas" panose="020B0609020204030204" pitchFamily="49" charset="0"/>
+                            </a:rPr>
+                            <a:t>in </a:t>
+                          </a:r>
+                          <a:r>
+                            <a:rPr lang="en-US" sz="1200" b="1" dirty="0">
+                              <a:solidFill>
+                                <a:srgbClr val="000000"/>
+                              </a:solidFill>
+                              <a:latin typeface="Consolas" panose="020B0609020204030204" pitchFamily="49" charset="0"/>
+                            </a:rPr>
+                            <a:t>ALL_PLACES} (</a:t>
+                          </a:r>
+                        </a:p>
+                        <a:p>
+                          <a:pPr algn="l"/>
+                          <a:r>
+                            <a:rPr lang="en-US" sz="1200" dirty="0">
+                              <a:solidFill>
+                                <a:srgbClr val="000000"/>
+                              </a:solidFill>
+                              <a:latin typeface="Consolas" panose="020B0609020204030204" pitchFamily="49" charset="0"/>
                             </a:rPr>
                             <a:t>( </a:t>
                           </a:r>
                           <a:r>
-                            <a:rPr lang="en-IN" sz="1800" kern="1200" dirty="0" err="1">
-                              <a:solidFill>
-                                <a:schemeClr val="dk1"/>
-                              </a:solidFill>
-                              <a:latin typeface="+mn-lt"/>
-                              <a:ea typeface="+mn-ea"/>
-                              <a:cs typeface="+mn-cs"/>
+                            <a:rPr lang="en-US" sz="1200" dirty="0" err="1">
+                              <a:solidFill>
+                                <a:srgbClr val="000000"/>
+                              </a:solidFill>
+                              <a:latin typeface="Consolas" panose="020B0609020204030204" pitchFamily="49" charset="0"/>
                             </a:rPr>
                             <a:t>Timevalue</a:t>
                           </a:r>
                           <a:r>
-                            <a:rPr lang="en-IN" sz="1800" kern="1200" dirty="0">
-                              <a:solidFill>
-                                <a:schemeClr val="dk1"/>
-                              </a:solidFill>
-                              <a:latin typeface="+mn-lt"/>
-                              <a:ea typeface="+mn-ea"/>
-                              <a:cs typeface="+mn-cs"/>
+                            <a:rPr lang="en-US" sz="1200" dirty="0">
+                              <a:solidFill>
+                                <a:srgbClr val="000000"/>
+                              </a:solidFill>
+                              <a:latin typeface="Consolas" panose="020B0609020204030204" pitchFamily="49" charset="0"/>
                             </a:rPr>
                             <a:t>[</a:t>
                           </a:r>
                           <a:r>
-                            <a:rPr lang="en-IN" sz="1800" kern="1200" dirty="0" err="1">
-                              <a:solidFill>
-                                <a:schemeClr val="dk1"/>
-                              </a:solidFill>
-                              <a:latin typeface="+mn-lt"/>
-                              <a:ea typeface="+mn-ea"/>
-                              <a:cs typeface="+mn-cs"/>
+                            <a:rPr lang="en-US" sz="1200" dirty="0" err="1">
+                              <a:solidFill>
+                                <a:srgbClr val="000000"/>
+                              </a:solidFill>
+                              <a:latin typeface="Consolas" panose="020B0609020204030204" pitchFamily="49" charset="0"/>
                             </a:rPr>
                             <a:t>src</a:t>
                           </a:r>
                           <a:r>
-                            <a:rPr lang="en-IN" sz="1800" kern="1200" dirty="0">
-                              <a:solidFill>
-                                <a:schemeClr val="dk1"/>
-                              </a:solidFill>
-                              <a:latin typeface="+mn-lt"/>
-                              <a:ea typeface="+mn-ea"/>
-                              <a:cs typeface="+mn-cs"/>
+                            <a:rPr lang="en-US" sz="1200" dirty="0">
+                              <a:solidFill>
+                                <a:srgbClr val="000000"/>
+                              </a:solidFill>
+                              <a:latin typeface="Consolas" panose="020B0609020204030204" pitchFamily="49" charset="0"/>
                             </a:rPr>
                             <a:t>, day] + Duration[</a:t>
                           </a:r>
                           <a:r>
-                            <a:rPr lang="en-IN" sz="1800" kern="1200" dirty="0" err="1">
-                              <a:solidFill>
-                                <a:schemeClr val="dk1"/>
-                              </a:solidFill>
-                              <a:latin typeface="+mn-lt"/>
-                              <a:ea typeface="+mn-ea"/>
-                              <a:cs typeface="+mn-cs"/>
+                            <a:rPr lang="en-US" sz="1200" dirty="0" err="1">
+                              <a:solidFill>
+                                <a:srgbClr val="000000"/>
+                              </a:solidFill>
+                              <a:latin typeface="Consolas" panose="020B0609020204030204" pitchFamily="49" charset="0"/>
                             </a:rPr>
                             <a:t>src</a:t>
                           </a:r>
                           <a:r>
-                            <a:rPr lang="en-IN" sz="1800" kern="1200" dirty="0">
-                              <a:solidFill>
-                                <a:schemeClr val="dk1"/>
-                              </a:solidFill>
-                              <a:latin typeface="+mn-lt"/>
-                              <a:ea typeface="+mn-ea"/>
-                              <a:cs typeface="+mn-cs"/>
+                            <a:rPr lang="en-US" sz="1200" dirty="0">
+                              <a:solidFill>
+                                <a:srgbClr val="000000"/>
+                              </a:solidFill>
+                              <a:latin typeface="Consolas" panose="020B0609020204030204" pitchFamily="49" charset="0"/>
                             </a:rPr>
                             <a:t>] +  </a:t>
                           </a:r>
                         </a:p>
                         <a:p>
-                          <a:r>
-                            <a:rPr lang="en-IN" sz="1800" kern="1200" dirty="0">
-                              <a:solidFill>
-                                <a:schemeClr val="dk1"/>
-                              </a:solidFill>
-                              <a:latin typeface="+mn-lt"/>
-                              <a:ea typeface="+mn-ea"/>
-                              <a:cs typeface="+mn-cs"/>
+                          <a:pPr algn="l"/>
+                          <a:r>
+                            <a:rPr lang="en-US" sz="1200" dirty="0">
+                              <a:solidFill>
+                                <a:srgbClr val="000000"/>
+                              </a:solidFill>
+                              <a:latin typeface="Consolas" panose="020B0609020204030204" pitchFamily="49" charset="0"/>
                             </a:rPr>
                             <a:t>Distance[</a:t>
                           </a:r>
                           <a:r>
-                            <a:rPr lang="en-IN" sz="1800" kern="1200" dirty="0" err="1">
-                              <a:solidFill>
-                                <a:schemeClr val="dk1"/>
-                              </a:solidFill>
-                              <a:latin typeface="+mn-lt"/>
-                              <a:ea typeface="+mn-ea"/>
-                              <a:cs typeface="+mn-cs"/>
+                            <a:rPr lang="en-US" sz="1200" dirty="0" err="1">
+                              <a:solidFill>
+                                <a:srgbClr val="000000"/>
+                              </a:solidFill>
+                              <a:latin typeface="Consolas" panose="020B0609020204030204" pitchFamily="49" charset="0"/>
                             </a:rPr>
                             <a:t>src</a:t>
                           </a:r>
                           <a:r>
-                            <a:rPr lang="en-IN" sz="1800" kern="1200" dirty="0">
-                              <a:solidFill>
-                                <a:schemeClr val="dk1"/>
-                              </a:solidFill>
-                              <a:latin typeface="+mn-lt"/>
-                              <a:ea typeface="+mn-ea"/>
-                              <a:cs typeface="+mn-cs"/>
+                            <a:rPr lang="en-US" sz="1200" dirty="0">
+                              <a:solidFill>
+                                <a:srgbClr val="000000"/>
+                              </a:solidFill>
+                              <a:latin typeface="Consolas" panose="020B0609020204030204" pitchFamily="49" charset="0"/>
                             </a:rPr>
                             <a:t>, </a:t>
                           </a:r>
                           <a:r>
-                            <a:rPr lang="en-IN" sz="1800" kern="1200" dirty="0" err="1">
-                              <a:solidFill>
-                                <a:schemeClr val="dk1"/>
-                              </a:solidFill>
-                              <a:latin typeface="+mn-lt"/>
-                              <a:ea typeface="+mn-ea"/>
-                              <a:cs typeface="+mn-cs"/>
+                            <a:rPr lang="en-US" sz="1200" dirty="0" err="1">
+                              <a:solidFill>
+                                <a:srgbClr val="000000"/>
+                              </a:solidFill>
+                              <a:latin typeface="Consolas" panose="020B0609020204030204" pitchFamily="49" charset="0"/>
                             </a:rPr>
                             <a:t>dst</a:t>
                           </a:r>
                           <a:r>
-                            <a:rPr lang="en-IN" sz="1800" kern="1200" dirty="0">
-                              <a:solidFill>
-                                <a:schemeClr val="dk1"/>
-                              </a:solidFill>
-                              <a:latin typeface="+mn-lt"/>
-                              <a:ea typeface="+mn-ea"/>
-                              <a:cs typeface="+mn-cs"/>
+                            <a:rPr lang="en-US" sz="1200" dirty="0">
+                              <a:solidFill>
+                                <a:srgbClr val="000000"/>
+                              </a:solidFill>
+                              <a:latin typeface="Consolas" panose="020B0609020204030204" pitchFamily="49" charset="0"/>
                             </a:rPr>
                             <a:t>]*</a:t>
                           </a:r>
                           <a:r>
-                            <a:rPr lang="en-IN" sz="1800" kern="1200" dirty="0" err="1">
-                              <a:solidFill>
-                                <a:schemeClr val="dk1"/>
-                              </a:solidFill>
-                              <a:latin typeface="+mn-lt"/>
-                              <a:ea typeface="+mn-ea"/>
-                              <a:cs typeface="+mn-cs"/>
+                            <a:rPr lang="en-US" sz="1200" dirty="0" err="1">
+                              <a:solidFill>
+                                <a:srgbClr val="000000"/>
+                              </a:solidFill>
+                              <a:latin typeface="Consolas" panose="020B0609020204030204" pitchFamily="49" charset="0"/>
                             </a:rPr>
                             <a:t>timeFactor</a:t>
                           </a:r>
                           <a:r>
-                            <a:rPr lang="en-IN" sz="1800" kern="1200" dirty="0">
-                              <a:solidFill>
-                                <a:schemeClr val="dk1"/>
-                              </a:solidFill>
-                              <a:latin typeface="+mn-lt"/>
-                              <a:ea typeface="+mn-ea"/>
-                              <a:cs typeface="+mn-cs"/>
+                            <a:rPr lang="en-US" sz="1200" dirty="0">
+                              <a:solidFill>
+                                <a:srgbClr val="000000"/>
+                              </a:solidFill>
+                              <a:latin typeface="Consolas" panose="020B0609020204030204" pitchFamily="49" charset="0"/>
                             </a:rPr>
                             <a:t>/</a:t>
                           </a:r>
                           <a:r>
-                            <a:rPr lang="en-IN" sz="1800" kern="1200" dirty="0" err="1">
-                              <a:solidFill>
-                                <a:schemeClr val="dk1"/>
-                              </a:solidFill>
-                              <a:latin typeface="+mn-lt"/>
-                              <a:ea typeface="+mn-ea"/>
-                              <a:cs typeface="+mn-cs"/>
+                            <a:rPr lang="en-US" sz="1200" dirty="0" err="1">
+                              <a:solidFill>
+                                <a:srgbClr val="000000"/>
+                              </a:solidFill>
+                              <a:latin typeface="Consolas" panose="020B0609020204030204" pitchFamily="49" charset="0"/>
                             </a:rPr>
                             <a:t>minMPH</a:t>
                           </a:r>
                           <a:r>
-                            <a:rPr lang="en-IN" sz="1800" kern="1200" dirty="0">
-                              <a:solidFill>
-                                <a:schemeClr val="dk1"/>
-                              </a:solidFill>
-                              <a:latin typeface="+mn-lt"/>
-                              <a:ea typeface="+mn-ea"/>
-                              <a:cs typeface="+mn-cs"/>
+                            <a:rPr lang="en-US" sz="1200" dirty="0">
+                              <a:solidFill>
+                                <a:srgbClr val="000000"/>
+                              </a:solidFill>
+                              <a:latin typeface="Consolas" panose="020B0609020204030204" pitchFamily="49" charset="0"/>
                             </a:rPr>
                             <a:t>)*travel[</a:t>
                           </a:r>
                           <a:r>
-                            <a:rPr lang="en-IN" sz="1800" kern="1200" dirty="0" err="1">
-                              <a:solidFill>
-                                <a:schemeClr val="dk1"/>
-                              </a:solidFill>
-                              <a:latin typeface="+mn-lt"/>
-                              <a:ea typeface="+mn-ea"/>
-                              <a:cs typeface="+mn-cs"/>
+                            <a:rPr lang="en-US" sz="1200" dirty="0" err="1">
+                              <a:solidFill>
+                                <a:srgbClr val="000000"/>
+                              </a:solidFill>
+                              <a:latin typeface="Consolas" panose="020B0609020204030204" pitchFamily="49" charset="0"/>
                             </a:rPr>
                             <a:t>src</a:t>
                           </a:r>
                           <a:r>
-                            <a:rPr lang="en-IN" sz="1800" kern="1200" dirty="0">
-                              <a:solidFill>
-                                <a:schemeClr val="dk1"/>
-                              </a:solidFill>
-                              <a:latin typeface="+mn-lt"/>
-                              <a:ea typeface="+mn-ea"/>
-                              <a:cs typeface="+mn-cs"/>
+                            <a:rPr lang="en-US" sz="1200" dirty="0">
+                              <a:solidFill>
+                                <a:srgbClr val="000000"/>
+                              </a:solidFill>
+                              <a:latin typeface="Consolas" panose="020B0609020204030204" pitchFamily="49" charset="0"/>
                             </a:rPr>
                             <a:t>, </a:t>
                           </a:r>
                           <a:r>
-                            <a:rPr lang="en-IN" sz="1800" kern="1200" dirty="0" err="1">
-                              <a:solidFill>
-                                <a:schemeClr val="dk1"/>
-                              </a:solidFill>
-                              <a:latin typeface="+mn-lt"/>
-                              <a:ea typeface="+mn-ea"/>
-                              <a:cs typeface="+mn-cs"/>
+                            <a:rPr lang="en-US" sz="1200" dirty="0" err="1">
+                              <a:solidFill>
+                                <a:srgbClr val="000000"/>
+                              </a:solidFill>
+                              <a:latin typeface="Consolas" panose="020B0609020204030204" pitchFamily="49" charset="0"/>
                             </a:rPr>
                             <a:t>dst</a:t>
                           </a:r>
                           <a:r>
-                            <a:rPr lang="en-IN" sz="1800" kern="1200" dirty="0">
-                              <a:solidFill>
-                                <a:schemeClr val="dk1"/>
-                              </a:solidFill>
-                              <a:latin typeface="+mn-lt"/>
-                              <a:ea typeface="+mn-ea"/>
-                              <a:cs typeface="+mn-cs"/>
+                            <a:rPr lang="en-US" sz="1200" dirty="0">
+                              <a:solidFill>
+                                <a:srgbClr val="000000"/>
+                              </a:solidFill>
+                              <a:latin typeface="Consolas" panose="020B0609020204030204" pitchFamily="49" charset="0"/>
                             </a:rPr>
                             <a:t>, day]);</a:t>
                           </a:r>
+                          <a:endParaRPr lang="en-IN" sz="1200" kern="1200" dirty="0">
+                            <a:solidFill>
+                              <a:schemeClr val="dk1"/>
+                            </a:solidFill>
+                            <a:latin typeface="+mn-lt"/>
+                            <a:ea typeface="+mn-ea"/>
+                            <a:cs typeface="+mn-cs"/>
+                          </a:endParaRPr>
                         </a:p>
                       </a:txBody>
                       <a:tcPr anchor="ctr"/>
@@ -13056,6 +14132,18 @@
                         </a:p>
                         <a:p>
                           <a:pPr/>
+                          <a:endParaRPr lang="en-IN" sz="1800" kern="1200" dirty="0">
+                            <a:solidFill>
+                              <a:schemeClr val="dk1"/>
+                            </a:solidFill>
+                            <a:effectLst/>
+                            <a:latin typeface="+mn-lt"/>
+                            <a:ea typeface="+mn-ea"/>
+                            <a:cs typeface="+mn-cs"/>
+                          </a:endParaRPr>
+                        </a:p>
+                        <a:p>
+                          <a:pPr/>
                           <a14:m>
                             <m:oMathPara xmlns:m="http://schemas.openxmlformats.org/officeDocument/2006/math">
                               <m:oMathParaPr>
@@ -13065,7 +14153,7 @@
                                 <m:sSub>
                                   <m:sSubPr>
                                     <m:ctrlPr>
-                                      <a:rPr lang="en-IN" sz="1600" i="1" kern="1200">
+                                      <a:rPr lang="en-IN" sz="2400" i="1" kern="1200">
                                         <a:solidFill>
                                           <a:schemeClr val="dk1"/>
                                         </a:solidFill>
@@ -13078,7 +14166,7 @@
                                   </m:sSubPr>
                                   <m:e>
                                     <m:r>
-                                      <a:rPr lang="en-US" sz="1600" i="1" kern="1200">
+                                      <a:rPr lang="en-US" sz="2400" i="1" kern="1200">
                                         <a:solidFill>
                                           <a:schemeClr val="dk1"/>
                                         </a:solidFill>
@@ -13092,7 +14180,7 @@
                                   </m:e>
                                   <m:sub>
                                     <m:r>
-                                      <a:rPr lang="en-US" sz="1600" i="1" kern="1200">
+                                      <a:rPr lang="en-US" sz="2400" i="1" kern="1200">
                                         <a:solidFill>
                                           <a:schemeClr val="dk1"/>
                                         </a:solidFill>
@@ -13104,7 +14192,7 @@
                                       <m:t>𝑒</m:t>
                                     </m:r>
                                     <m:r>
-                                      <a:rPr lang="en-US" sz="1600" i="1" kern="1200">
+                                      <a:rPr lang="en-US" sz="2400" i="1" kern="1200">
                                         <a:solidFill>
                                           <a:schemeClr val="dk1"/>
                                         </a:solidFill>
@@ -13116,7 +14204,7 @@
                                       <m:t>,</m:t>
                                     </m:r>
                                     <m:r>
-                                      <a:rPr lang="en-US" sz="1600" i="1" kern="1200">
+                                      <a:rPr lang="en-US" sz="2400" i="1" kern="1200">
                                         <a:solidFill>
                                           <a:schemeClr val="dk1"/>
                                         </a:solidFill>
@@ -13130,7 +14218,7 @@
                                   </m:sub>
                                 </m:sSub>
                                 <m:r>
-                                  <a:rPr lang="en-US" sz="1600" i="1" kern="1200">
+                                  <a:rPr lang="en-US" sz="2400" i="1" kern="1200">
                                     <a:solidFill>
                                       <a:schemeClr val="dk1"/>
                                     </a:solidFill>
@@ -13141,6 +14229,27 @@
                                   </a:rPr>
                                   <m:t>≥ </m:t>
                                 </m:r>
+                              </m:oMath>
+                            </m:oMathPara>
+                          </a14:m>
+                          <a:endParaRPr lang="en-US" sz="2400" i="1" kern="1200" dirty="0">
+                            <a:solidFill>
+                              <a:schemeClr val="dk1"/>
+                            </a:solidFill>
+                            <a:effectLst/>
+                            <a:latin typeface="Cambria Math" panose="02040503050406030204" pitchFamily="18" charset="0"/>
+                            <a:ea typeface="+mn-ea"/>
+                            <a:cs typeface="+mn-cs"/>
+                          </a:endParaRPr>
+                        </a:p>
+                        <a:p>
+                          <a:pPr/>
+                          <a14:m>
+                            <m:oMathPara xmlns:m="http://schemas.openxmlformats.org/officeDocument/2006/math">
+                              <m:oMathParaPr>
+                                <m:jc m:val="centerGroup"/>
+                              </m:oMathParaPr>
+                              <m:oMath xmlns:m="http://schemas.openxmlformats.org/officeDocument/2006/math">
                                 <m:nary>
                                   <m:naryPr>
                                     <m:chr m:val="∑"/>
@@ -13724,7 +14833,7 @@
                 <p:ph idx="1"/>
                 <p:extLst>
                   <p:ext uri="{D42A27DB-BD31-4B8C-83A1-F6EECF244321}">
-                    <p14:modId xmlns:p14="http://schemas.microsoft.com/office/powerpoint/2010/main" val="3564049629"/>
+                    <p14:modId xmlns:p14="http://schemas.microsoft.com/office/powerpoint/2010/main" val="188333179"/>
                   </p:ext>
                 </p:extLst>
               </p:nvPr>
@@ -13837,293 +14946,319 @@
                         <a:bodyPr/>
                         <a:lstStyle/>
                         <a:p>
-                          <a:r>
-                            <a:rPr lang="en-US" sz="1800" b="1" kern="1200" dirty="0" err="1">
-                              <a:solidFill>
-                                <a:schemeClr val="dk1"/>
-                              </a:solidFill>
-                              <a:latin typeface="+mn-lt"/>
-                              <a:ea typeface="+mn-ea"/>
-                              <a:cs typeface="+mn-cs"/>
+                          <a:pPr algn="l"/>
+                          <a:r>
+                            <a:rPr lang="en-US" sz="1200" b="1" dirty="0" err="1">
+                              <a:solidFill>
+                                <a:srgbClr val="7F0055"/>
+                              </a:solidFill>
+                              <a:latin typeface="Consolas" panose="020B0609020204030204" pitchFamily="49" charset="0"/>
                             </a:rPr>
                             <a:t>s.t.</a:t>
                           </a:r>
                           <a:r>
-                            <a:rPr lang="en-US" sz="1800" b="1" kern="1200" dirty="0">
-                              <a:solidFill>
-                                <a:schemeClr val="dk1"/>
-                              </a:solidFill>
-                              <a:latin typeface="+mn-lt"/>
-                              <a:ea typeface="+mn-ea"/>
-                              <a:cs typeface="+mn-cs"/>
+                            <a:rPr lang="en-US" sz="1200" b="1" dirty="0">
+                              <a:solidFill>
+                                <a:srgbClr val="7F0055"/>
+                              </a:solidFill>
+                              <a:latin typeface="Consolas" panose="020B0609020204030204" pitchFamily="49" charset="0"/>
                             </a:rPr>
                             <a:t> </a:t>
                           </a:r>
                           <a:r>
-                            <a:rPr lang="en-US" sz="1800" b="1" kern="1200" dirty="0" err="1">
-                              <a:solidFill>
-                                <a:schemeClr val="dk1"/>
-                              </a:solidFill>
-                              <a:latin typeface="+mn-lt"/>
-                              <a:ea typeface="+mn-ea"/>
-                              <a:cs typeface="+mn-cs"/>
+                            <a:rPr lang="en-US" sz="1200" b="1" dirty="0" err="1">
+                              <a:solidFill>
+                                <a:srgbClr val="000000"/>
+                              </a:solidFill>
+                              <a:latin typeface="Consolas" panose="020B0609020204030204" pitchFamily="49" charset="0"/>
                             </a:rPr>
                             <a:t>TimeSpent</a:t>
                           </a:r>
                           <a:r>
-                            <a:rPr lang="en-US" sz="1800" b="1" kern="1200" dirty="0">
-                              <a:solidFill>
-                                <a:schemeClr val="dk1"/>
-                              </a:solidFill>
-                              <a:latin typeface="+mn-lt"/>
-                              <a:ea typeface="+mn-ea"/>
-                              <a:cs typeface="+mn-cs"/>
-                            </a:rPr>
-                            <a:t> {day in DAYS} :</a:t>
-                          </a:r>
-                        </a:p>
-                        <a:p>
-                          <a:r>
-                            <a:rPr lang="en-US" sz="1800" b="1" kern="1200" dirty="0">
-                              <a:solidFill>
-                                <a:schemeClr val="dk1"/>
-                              </a:solidFill>
-                              <a:latin typeface="+mn-lt"/>
-                              <a:ea typeface="+mn-ea"/>
-                              <a:cs typeface="+mn-cs"/>
-                            </a:rPr>
-                            <a:t>sum {</a:t>
-                          </a:r>
-                          <a:r>
-                            <a:rPr lang="en-US" sz="1800" b="1" kern="1200" dirty="0" err="1">
-                              <a:solidFill>
-                                <a:schemeClr val="dk1"/>
-                              </a:solidFill>
-                              <a:latin typeface="+mn-lt"/>
-                              <a:ea typeface="+mn-ea"/>
-                              <a:cs typeface="+mn-cs"/>
+                            <a:rPr lang="en-US" sz="1200" b="1" dirty="0">
+                              <a:solidFill>
+                                <a:srgbClr val="000000"/>
+                              </a:solidFill>
+                              <a:latin typeface="Consolas" panose="020B0609020204030204" pitchFamily="49" charset="0"/>
+                            </a:rPr>
+                            <a:t> {day </a:t>
+                          </a:r>
+                          <a:r>
+                            <a:rPr lang="en-US" sz="1200" b="1" dirty="0">
+                              <a:solidFill>
+                                <a:srgbClr val="7F0055"/>
+                              </a:solidFill>
+                              <a:latin typeface="Consolas" panose="020B0609020204030204" pitchFamily="49" charset="0"/>
+                            </a:rPr>
+                            <a:t>in </a:t>
+                          </a:r>
+                          <a:r>
+                            <a:rPr lang="en-US" sz="1200" b="1" dirty="0">
+                              <a:solidFill>
+                                <a:srgbClr val="000000"/>
+                              </a:solidFill>
+                              <a:latin typeface="Consolas" panose="020B0609020204030204" pitchFamily="49" charset="0"/>
+                            </a:rPr>
+                            <a:t>DAYS} :</a:t>
+                          </a:r>
+                        </a:p>
+                        <a:p>
+                          <a:pPr algn="l"/>
+                          <a:r>
+                            <a:rPr lang="en-US" sz="1200" b="1" dirty="0">
+                              <a:solidFill>
+                                <a:srgbClr val="7F0055"/>
+                              </a:solidFill>
+                              <a:latin typeface="Consolas" panose="020B0609020204030204" pitchFamily="49" charset="0"/>
+                            </a:rPr>
+                            <a:t>sum </a:t>
+                          </a:r>
+                          <a:r>
+                            <a:rPr lang="en-US" sz="1200" b="1" dirty="0">
+                              <a:solidFill>
+                                <a:srgbClr val="000000"/>
+                              </a:solidFill>
+                              <a:latin typeface="Consolas" panose="020B0609020204030204" pitchFamily="49" charset="0"/>
+                            </a:rPr>
+                            <a:t>{</a:t>
+                          </a:r>
+                          <a:r>
+                            <a:rPr lang="en-US" sz="1200" b="1" dirty="0" err="1">
+                              <a:solidFill>
+                                <a:srgbClr val="000000"/>
+                              </a:solidFill>
+                              <a:latin typeface="Consolas" panose="020B0609020204030204" pitchFamily="49" charset="0"/>
                             </a:rPr>
                             <a:t>src</a:t>
                           </a:r>
                           <a:r>
-                            <a:rPr lang="en-US" sz="1800" b="1" kern="1200" dirty="0">
-                              <a:solidFill>
-                                <a:schemeClr val="dk1"/>
-                              </a:solidFill>
-                              <a:latin typeface="+mn-lt"/>
-                              <a:ea typeface="+mn-ea"/>
-                              <a:cs typeface="+mn-cs"/>
-                            </a:rPr>
-                            <a:t> in ALL_PLACES, </a:t>
-                          </a:r>
-                          <a:r>
-                            <a:rPr lang="en-US" sz="1800" b="1" kern="1200" dirty="0" err="1">
-                              <a:solidFill>
-                                <a:schemeClr val="dk1"/>
-                              </a:solidFill>
-                              <a:latin typeface="+mn-lt"/>
-                              <a:ea typeface="+mn-ea"/>
-                              <a:cs typeface="+mn-cs"/>
+                            <a:rPr lang="en-US" sz="1200" b="1" dirty="0">
+                              <a:solidFill>
+                                <a:srgbClr val="000000"/>
+                              </a:solidFill>
+                              <a:latin typeface="Consolas" panose="020B0609020204030204" pitchFamily="49" charset="0"/>
+                            </a:rPr>
+                            <a:t> </a:t>
+                          </a:r>
+                          <a:r>
+                            <a:rPr lang="en-US" sz="1200" b="1" dirty="0">
+                              <a:solidFill>
+                                <a:srgbClr val="7F0055"/>
+                              </a:solidFill>
+                              <a:latin typeface="Consolas" panose="020B0609020204030204" pitchFamily="49" charset="0"/>
+                            </a:rPr>
+                            <a:t>in </a:t>
+                          </a:r>
+                          <a:r>
+                            <a:rPr lang="en-US" sz="1200" b="1" dirty="0">
+                              <a:solidFill>
+                                <a:srgbClr val="000000"/>
+                              </a:solidFill>
+                              <a:latin typeface="Consolas" panose="020B0609020204030204" pitchFamily="49" charset="0"/>
+                            </a:rPr>
+                            <a:t>ALL_PLACES, </a:t>
+                          </a:r>
+                          <a:r>
+                            <a:rPr lang="en-US" sz="1200" b="1" dirty="0" err="1">
+                              <a:solidFill>
+                                <a:srgbClr val="000000"/>
+                              </a:solidFill>
+                              <a:latin typeface="Consolas" panose="020B0609020204030204" pitchFamily="49" charset="0"/>
                             </a:rPr>
                             <a:t>dst</a:t>
                           </a:r>
                           <a:r>
-                            <a:rPr lang="en-US" sz="1800" b="1" kern="1200" dirty="0">
-                              <a:solidFill>
-                                <a:schemeClr val="dk1"/>
-                              </a:solidFill>
-                              <a:latin typeface="+mn-lt"/>
-                              <a:ea typeface="+mn-ea"/>
-                              <a:cs typeface="+mn-cs"/>
-                            </a:rPr>
-                            <a:t> in ALL_PLACES} </a:t>
-                          </a:r>
-                        </a:p>
-                        <a:p>
-                          <a:r>
-                            <a:rPr lang="en-IN" sz="1800" kern="1200" dirty="0">
-                              <a:solidFill>
-                                <a:schemeClr val="dk1"/>
-                              </a:solidFill>
-                              <a:latin typeface="+mn-lt"/>
-                              <a:ea typeface="+mn-ea"/>
-                              <a:cs typeface="+mn-cs"/>
+                            <a:rPr lang="en-US" sz="1200" b="1" dirty="0">
+                              <a:solidFill>
+                                <a:srgbClr val="000000"/>
+                              </a:solidFill>
+                              <a:latin typeface="Consolas" panose="020B0609020204030204" pitchFamily="49" charset="0"/>
+                            </a:rPr>
+                            <a:t> </a:t>
+                          </a:r>
+                          <a:r>
+                            <a:rPr lang="en-US" sz="1200" b="1" dirty="0">
+                              <a:solidFill>
+                                <a:srgbClr val="7F0055"/>
+                              </a:solidFill>
+                              <a:latin typeface="Consolas" panose="020B0609020204030204" pitchFamily="49" charset="0"/>
+                            </a:rPr>
+                            <a:t>in </a:t>
+                          </a:r>
+                          <a:r>
+                            <a:rPr lang="en-US" sz="1200" b="1" dirty="0">
+                              <a:solidFill>
+                                <a:srgbClr val="000000"/>
+                              </a:solidFill>
+                              <a:latin typeface="Consolas" panose="020B0609020204030204" pitchFamily="49" charset="0"/>
+                            </a:rPr>
+                            <a:t>ALL_PLACES} </a:t>
+                          </a:r>
+                        </a:p>
+                        <a:p>
+                          <a:pPr algn="l"/>
+                          <a:r>
+                            <a:rPr lang="en-US" sz="1200" dirty="0">
+                              <a:solidFill>
+                                <a:srgbClr val="000000"/>
+                              </a:solidFill>
+                              <a:latin typeface="Consolas" panose="020B0609020204030204" pitchFamily="49" charset="0"/>
                             </a:rPr>
                             <a:t>travel[</a:t>
                           </a:r>
                           <a:r>
-                            <a:rPr lang="en-IN" sz="1800" kern="1200" dirty="0" err="1">
-                              <a:solidFill>
-                                <a:schemeClr val="dk1"/>
-                              </a:solidFill>
-                              <a:latin typeface="+mn-lt"/>
-                              <a:ea typeface="+mn-ea"/>
-                              <a:cs typeface="+mn-cs"/>
+                            <a:rPr lang="en-US" sz="1200" dirty="0" err="1">
+                              <a:solidFill>
+                                <a:srgbClr val="000000"/>
+                              </a:solidFill>
+                              <a:latin typeface="Consolas" panose="020B0609020204030204" pitchFamily="49" charset="0"/>
                             </a:rPr>
                             <a:t>src</a:t>
                           </a:r>
                           <a:r>
-                            <a:rPr lang="en-IN" sz="1800" kern="1200" dirty="0">
-                              <a:solidFill>
-                                <a:schemeClr val="dk1"/>
-                              </a:solidFill>
-                              <a:latin typeface="+mn-lt"/>
-                              <a:ea typeface="+mn-ea"/>
-                              <a:cs typeface="+mn-cs"/>
+                            <a:rPr lang="en-US" sz="1200" dirty="0">
+                              <a:solidFill>
+                                <a:srgbClr val="000000"/>
+                              </a:solidFill>
+                              <a:latin typeface="Consolas" panose="020B0609020204030204" pitchFamily="49" charset="0"/>
                             </a:rPr>
                             <a:t>, </a:t>
                           </a:r>
                           <a:r>
-                            <a:rPr lang="en-IN" sz="1800" kern="1200" dirty="0" err="1">
-                              <a:solidFill>
-                                <a:schemeClr val="dk1"/>
-                              </a:solidFill>
-                              <a:latin typeface="+mn-lt"/>
-                              <a:ea typeface="+mn-ea"/>
-                              <a:cs typeface="+mn-cs"/>
+                            <a:rPr lang="en-US" sz="1200" dirty="0" err="1">
+                              <a:solidFill>
+                                <a:srgbClr val="000000"/>
+                              </a:solidFill>
+                              <a:latin typeface="Consolas" panose="020B0609020204030204" pitchFamily="49" charset="0"/>
                             </a:rPr>
                             <a:t>dst</a:t>
                           </a:r>
                           <a:r>
-                            <a:rPr lang="en-IN" sz="1800" kern="1200" dirty="0">
-                              <a:solidFill>
-                                <a:schemeClr val="dk1"/>
-                              </a:solidFill>
-                              <a:latin typeface="+mn-lt"/>
-                              <a:ea typeface="+mn-ea"/>
-                              <a:cs typeface="+mn-cs"/>
-                            </a:rPr>
-                            <a:t>, day] * (Duration[</a:t>
-                          </a:r>
-                          <a:r>
-                            <a:rPr lang="en-IN" sz="1800" kern="1200" dirty="0" err="1">
-                              <a:solidFill>
-                                <a:schemeClr val="dk1"/>
-                              </a:solidFill>
-                              <a:latin typeface="+mn-lt"/>
-                              <a:ea typeface="+mn-ea"/>
-                              <a:cs typeface="+mn-cs"/>
+                            <a:rPr lang="en-US" sz="1200" dirty="0">
+                              <a:solidFill>
+                                <a:srgbClr val="000000"/>
+                              </a:solidFill>
+                              <a:latin typeface="Consolas" panose="020B0609020204030204" pitchFamily="49" charset="0"/>
+                            </a:rPr>
+                            <a:t>, day] * </a:t>
+                          </a:r>
+                        </a:p>
+                        <a:p>
+                          <a:pPr algn="l"/>
+                          <a:r>
+                            <a:rPr lang="en-US" sz="1200" dirty="0">
+                              <a:solidFill>
+                                <a:srgbClr val="000000"/>
+                              </a:solidFill>
+                              <a:latin typeface="Consolas" panose="020B0609020204030204" pitchFamily="49" charset="0"/>
+                            </a:rPr>
+                            <a:t>(Duration[</a:t>
+                          </a:r>
+                          <a:r>
+                            <a:rPr lang="en-US" sz="1200" dirty="0" err="1">
+                              <a:solidFill>
+                                <a:srgbClr val="000000"/>
+                              </a:solidFill>
+                              <a:latin typeface="Consolas" panose="020B0609020204030204" pitchFamily="49" charset="0"/>
                             </a:rPr>
                             <a:t>src</a:t>
                           </a:r>
                           <a:r>
-                            <a:rPr lang="en-IN" sz="1800" kern="1200" dirty="0">
-                              <a:solidFill>
-                                <a:schemeClr val="dk1"/>
-                              </a:solidFill>
-                              <a:latin typeface="+mn-lt"/>
-                              <a:ea typeface="+mn-ea"/>
-                              <a:cs typeface="+mn-cs"/>
+                            <a:rPr lang="en-US" sz="1200" dirty="0">
+                              <a:solidFill>
+                                <a:srgbClr val="000000"/>
+                              </a:solidFill>
+                              <a:latin typeface="Consolas" panose="020B0609020204030204" pitchFamily="49" charset="0"/>
                             </a:rPr>
                             <a:t>] + Distance[</a:t>
                           </a:r>
                           <a:r>
-                            <a:rPr lang="en-IN" sz="1800" kern="1200" dirty="0" err="1">
-                              <a:solidFill>
-                                <a:schemeClr val="dk1"/>
-                              </a:solidFill>
-                              <a:latin typeface="+mn-lt"/>
-                              <a:ea typeface="+mn-ea"/>
-                              <a:cs typeface="+mn-cs"/>
+                            <a:rPr lang="en-US" sz="1200" dirty="0" err="1">
+                              <a:solidFill>
+                                <a:srgbClr val="000000"/>
+                              </a:solidFill>
+                              <a:latin typeface="Consolas" panose="020B0609020204030204" pitchFamily="49" charset="0"/>
                             </a:rPr>
                             <a:t>src</a:t>
                           </a:r>
                           <a:r>
-                            <a:rPr lang="en-IN" sz="1800" kern="1200" dirty="0">
-                              <a:solidFill>
-                                <a:schemeClr val="dk1"/>
-                              </a:solidFill>
-                              <a:latin typeface="+mn-lt"/>
-                              <a:ea typeface="+mn-ea"/>
-                              <a:cs typeface="+mn-cs"/>
+                            <a:rPr lang="en-US" sz="1200" dirty="0">
+                              <a:solidFill>
+                                <a:srgbClr val="000000"/>
+                              </a:solidFill>
+                              <a:latin typeface="Consolas" panose="020B0609020204030204" pitchFamily="49" charset="0"/>
                             </a:rPr>
                             <a:t>, </a:t>
                           </a:r>
                           <a:r>
-                            <a:rPr lang="en-IN" sz="1800" kern="1200" dirty="0" err="1">
-                              <a:solidFill>
-                                <a:schemeClr val="dk1"/>
-                              </a:solidFill>
-                              <a:latin typeface="+mn-lt"/>
-                              <a:ea typeface="+mn-ea"/>
-                              <a:cs typeface="+mn-cs"/>
+                            <a:rPr lang="en-US" sz="1200" dirty="0" err="1">
+                              <a:solidFill>
+                                <a:srgbClr val="000000"/>
+                              </a:solidFill>
+                              <a:latin typeface="Consolas" panose="020B0609020204030204" pitchFamily="49" charset="0"/>
                             </a:rPr>
                             <a:t>dst</a:t>
                           </a:r>
                           <a:r>
-                            <a:rPr lang="en-IN" sz="1800" kern="1200" dirty="0">
-                              <a:solidFill>
-                                <a:schemeClr val="dk1"/>
-                              </a:solidFill>
-                              <a:latin typeface="+mn-lt"/>
-                              <a:ea typeface="+mn-ea"/>
-                              <a:cs typeface="+mn-cs"/>
+                            <a:rPr lang="en-US" sz="1200" dirty="0">
+                              <a:solidFill>
+                                <a:srgbClr val="000000"/>
+                              </a:solidFill>
+                              <a:latin typeface="Consolas" panose="020B0609020204030204" pitchFamily="49" charset="0"/>
                             </a:rPr>
                             <a:t>]*</a:t>
                           </a:r>
                           <a:r>
-                            <a:rPr lang="en-IN" sz="1800" kern="1200" dirty="0" err="1">
-                              <a:solidFill>
-                                <a:schemeClr val="dk1"/>
-                              </a:solidFill>
-                              <a:latin typeface="+mn-lt"/>
-                              <a:ea typeface="+mn-ea"/>
-                              <a:cs typeface="+mn-cs"/>
+                            <a:rPr lang="en-US" sz="1200" dirty="0" err="1">
+                              <a:solidFill>
+                                <a:srgbClr val="000000"/>
+                              </a:solidFill>
+                              <a:latin typeface="Consolas" panose="020B0609020204030204" pitchFamily="49" charset="0"/>
                             </a:rPr>
                             <a:t>timeFactor</a:t>
                           </a:r>
                           <a:r>
-                            <a:rPr lang="en-IN" sz="1800" kern="1200" dirty="0">
-                              <a:solidFill>
-                                <a:schemeClr val="dk1"/>
-                              </a:solidFill>
-                              <a:latin typeface="+mn-lt"/>
-                              <a:ea typeface="+mn-ea"/>
-                              <a:cs typeface="+mn-cs"/>
+                            <a:rPr lang="en-US" sz="1200" dirty="0">
+                              <a:solidFill>
+                                <a:srgbClr val="000000"/>
+                              </a:solidFill>
+                              <a:latin typeface="Consolas" panose="020B0609020204030204" pitchFamily="49" charset="0"/>
                             </a:rPr>
                             <a:t>/</a:t>
                           </a:r>
                           <a:r>
-                            <a:rPr lang="en-IN" sz="1800" kern="1200" dirty="0" err="1">
-                              <a:solidFill>
-                                <a:schemeClr val="dk1"/>
-                              </a:solidFill>
-                              <a:latin typeface="+mn-lt"/>
-                              <a:ea typeface="+mn-ea"/>
-                              <a:cs typeface="+mn-cs"/>
+                            <a:rPr lang="en-US" sz="1200" dirty="0" err="1">
+                              <a:solidFill>
+                                <a:srgbClr val="000000"/>
+                              </a:solidFill>
+                              <a:latin typeface="Consolas" panose="020B0609020204030204" pitchFamily="49" charset="0"/>
                             </a:rPr>
                             <a:t>minMPH</a:t>
                           </a:r>
                           <a:r>
-                            <a:rPr lang="en-IN" sz="1800" kern="1200" dirty="0">
-                              <a:solidFill>
-                                <a:schemeClr val="dk1"/>
-                              </a:solidFill>
-                              <a:latin typeface="+mn-lt"/>
-                              <a:ea typeface="+mn-ea"/>
-                              <a:cs typeface="+mn-cs"/>
+                            <a:rPr lang="en-US" sz="1200" dirty="0">
+                              <a:solidFill>
+                                <a:srgbClr val="000000"/>
+                              </a:solidFill>
+                              <a:latin typeface="Consolas" panose="020B0609020204030204" pitchFamily="49" charset="0"/>
                             </a:rPr>
                             <a:t> ) &lt;= </a:t>
                           </a:r>
                           <a:r>
-                            <a:rPr lang="en-IN" sz="1800" kern="1200" dirty="0" err="1">
-                              <a:solidFill>
-                                <a:schemeClr val="dk1"/>
-                              </a:solidFill>
-                              <a:latin typeface="+mn-lt"/>
-                              <a:ea typeface="+mn-ea"/>
-                              <a:cs typeface="+mn-cs"/>
+                            <a:rPr lang="en-US" sz="1200" dirty="0" err="1">
+                              <a:solidFill>
+                                <a:srgbClr val="000000"/>
+                              </a:solidFill>
+                              <a:latin typeface="Consolas" panose="020B0609020204030204" pitchFamily="49" charset="0"/>
                             </a:rPr>
                             <a:t>hoursInADay</a:t>
                           </a:r>
                           <a:r>
-                            <a:rPr lang="en-IN" sz="1800" kern="1200" dirty="0">
-                              <a:solidFill>
-                                <a:schemeClr val="dk1"/>
-                              </a:solidFill>
-                              <a:latin typeface="+mn-lt"/>
-                              <a:ea typeface="+mn-ea"/>
-                              <a:cs typeface="+mn-cs"/>
+                            <a:rPr lang="en-US" sz="1200" dirty="0">
+                              <a:solidFill>
+                                <a:srgbClr val="000000"/>
+                              </a:solidFill>
+                              <a:latin typeface="Consolas" panose="020B0609020204030204" pitchFamily="49" charset="0"/>
                             </a:rPr>
                             <a:t>;</a:t>
                           </a:r>
@@ -14143,7 +15278,7 @@
                         <a:blipFill>
                           <a:blip r:embed="rId2"/>
                           <a:stretch>
-                            <a:fillRect l="-174178" t="-21724" r="-626" b="-135517"/>
+                            <a:fillRect l="-174178" t="-21724" r="-626" b="-132069"/>
                           </a:stretch>
                         </a:blipFill>
                       </a:tcPr>
@@ -14173,375 +15308,402 @@
                         <a:bodyPr/>
                         <a:lstStyle/>
                         <a:p>
-                          <a:r>
-                            <a:rPr lang="en-US" sz="1800" b="1" kern="1200" dirty="0" err="1">
-                              <a:solidFill>
-                                <a:schemeClr val="dk1"/>
-                              </a:solidFill>
-                              <a:latin typeface="+mn-lt"/>
-                              <a:ea typeface="+mn-ea"/>
-                              <a:cs typeface="+mn-cs"/>
+                          <a:pPr algn="l"/>
+                          <a:r>
+                            <a:rPr lang="en-US" sz="1200" b="1" dirty="0" err="1">
+                              <a:solidFill>
+                                <a:srgbClr val="7F0055"/>
+                              </a:solidFill>
+                              <a:latin typeface="Consolas" panose="020B0609020204030204" pitchFamily="49" charset="0"/>
                             </a:rPr>
                             <a:t>s.t.</a:t>
                           </a:r>
                           <a:r>
-                            <a:rPr lang="en-US" sz="1800" b="1" kern="1200" dirty="0">
-                              <a:solidFill>
-                                <a:schemeClr val="dk1"/>
-                              </a:solidFill>
-                              <a:latin typeface="+mn-lt"/>
-                              <a:ea typeface="+mn-ea"/>
-                              <a:cs typeface="+mn-cs"/>
+                            <a:rPr lang="en-US" sz="1200" b="1" dirty="0">
+                              <a:solidFill>
+                                <a:srgbClr val="7F0055"/>
+                              </a:solidFill>
+                              <a:latin typeface="Consolas" panose="020B0609020204030204" pitchFamily="49" charset="0"/>
                             </a:rPr>
                             <a:t> </a:t>
                           </a:r>
                           <a:r>
-                            <a:rPr lang="en-US" sz="1800" b="1" kern="1200" dirty="0" err="1">
-                              <a:solidFill>
-                                <a:schemeClr val="dk1"/>
-                              </a:solidFill>
-                              <a:latin typeface="+mn-lt"/>
-                              <a:ea typeface="+mn-ea"/>
-                              <a:cs typeface="+mn-cs"/>
+                            <a:rPr lang="en-US" sz="1200" b="1" dirty="0" err="1">
+                              <a:solidFill>
+                                <a:srgbClr val="000000"/>
+                              </a:solidFill>
+                              <a:latin typeface="Consolas" panose="020B0609020204030204" pitchFamily="49" charset="0"/>
                             </a:rPr>
                             <a:t>Timevalue_dest</a:t>
                           </a:r>
                           <a:r>
-                            <a:rPr lang="en-US" sz="1800" b="1" kern="1200" dirty="0">
-                              <a:solidFill>
-                                <a:schemeClr val="dk1"/>
-                              </a:solidFill>
-                              <a:latin typeface="+mn-lt"/>
-                              <a:ea typeface="+mn-ea"/>
-                              <a:cs typeface="+mn-cs"/>
+                            <a:rPr lang="en-US" sz="1200" b="1" dirty="0">
+                              <a:solidFill>
+                                <a:srgbClr val="000000"/>
+                              </a:solidFill>
+                              <a:latin typeface="Consolas" panose="020B0609020204030204" pitchFamily="49" charset="0"/>
                             </a:rPr>
                             <a:t> {</a:t>
                           </a:r>
                           <a:r>
-                            <a:rPr lang="en-US" sz="1800" b="1" kern="1200" dirty="0" err="1">
-                              <a:solidFill>
-                                <a:schemeClr val="dk1"/>
-                              </a:solidFill>
-                              <a:latin typeface="+mn-lt"/>
-                              <a:ea typeface="+mn-ea"/>
-                              <a:cs typeface="+mn-cs"/>
+                            <a:rPr lang="en-US" sz="1200" b="1" dirty="0" err="1">
+                              <a:solidFill>
+                                <a:srgbClr val="000000"/>
+                              </a:solidFill>
+                              <a:latin typeface="Consolas" panose="020B0609020204030204" pitchFamily="49" charset="0"/>
                             </a:rPr>
                             <a:t>dst</a:t>
                           </a:r>
                           <a:r>
-                            <a:rPr lang="en-US" sz="1800" b="1" kern="1200" dirty="0">
-                              <a:solidFill>
-                                <a:schemeClr val="dk1"/>
-                              </a:solidFill>
-                              <a:latin typeface="+mn-lt"/>
-                              <a:ea typeface="+mn-ea"/>
-                              <a:cs typeface="+mn-cs"/>
-                            </a:rPr>
-                            <a:t> in TRAVEL_PLACES union HOMEBASE_END, day in DAYS}:</a:t>
-                          </a:r>
-                        </a:p>
-                        <a:p>
-                          <a:r>
-                            <a:rPr lang="en-US" sz="1800" kern="1200" dirty="0" err="1">
-                              <a:solidFill>
-                                <a:schemeClr val="dk1"/>
-                              </a:solidFill>
-                              <a:latin typeface="+mn-lt"/>
-                              <a:ea typeface="+mn-ea"/>
-                              <a:cs typeface="+mn-cs"/>
+                            <a:rPr lang="en-US" sz="1200" b="1" dirty="0">
+                              <a:solidFill>
+                                <a:srgbClr val="000000"/>
+                              </a:solidFill>
+                              <a:latin typeface="Consolas" panose="020B0609020204030204" pitchFamily="49" charset="0"/>
+                            </a:rPr>
+                            <a:t> </a:t>
+                          </a:r>
+                          <a:r>
+                            <a:rPr lang="en-US" sz="1200" b="1" dirty="0">
+                              <a:solidFill>
+                                <a:srgbClr val="7F0055"/>
+                              </a:solidFill>
+                              <a:latin typeface="Consolas" panose="020B0609020204030204" pitchFamily="49" charset="0"/>
+                            </a:rPr>
+                            <a:t>in </a:t>
+                          </a:r>
+                          <a:r>
+                            <a:rPr lang="en-US" sz="1200" b="1" dirty="0">
+                              <a:solidFill>
+                                <a:srgbClr val="000000"/>
+                              </a:solidFill>
+                              <a:latin typeface="Consolas" panose="020B0609020204030204" pitchFamily="49" charset="0"/>
+                            </a:rPr>
+                            <a:t>TRAVEL_PLACES </a:t>
+                          </a:r>
+                          <a:r>
+                            <a:rPr lang="en-US" sz="1200" b="1" dirty="0">
+                              <a:solidFill>
+                                <a:srgbClr val="7F0055"/>
+                              </a:solidFill>
+                              <a:latin typeface="Consolas" panose="020B0609020204030204" pitchFamily="49" charset="0"/>
+                            </a:rPr>
+                            <a:t>union </a:t>
+                          </a:r>
+                          <a:r>
+                            <a:rPr lang="en-US" sz="1200" b="1" dirty="0">
+                              <a:solidFill>
+                                <a:srgbClr val="000000"/>
+                              </a:solidFill>
+                              <a:latin typeface="Consolas" panose="020B0609020204030204" pitchFamily="49" charset="0"/>
+                            </a:rPr>
+                            <a:t>HOMEBASE_END, day </a:t>
+                          </a:r>
+                          <a:r>
+                            <a:rPr lang="en-US" sz="1200" b="1" dirty="0">
+                              <a:solidFill>
+                                <a:srgbClr val="7F0055"/>
+                              </a:solidFill>
+                              <a:latin typeface="Consolas" panose="020B0609020204030204" pitchFamily="49" charset="0"/>
+                            </a:rPr>
+                            <a:t>in </a:t>
+                          </a:r>
+                          <a:r>
+                            <a:rPr lang="en-US" sz="1200" b="1" dirty="0">
+                              <a:solidFill>
+                                <a:srgbClr val="000000"/>
+                              </a:solidFill>
+                              <a:latin typeface="Consolas" panose="020B0609020204030204" pitchFamily="49" charset="0"/>
+                            </a:rPr>
+                            <a:t>DAYS}:</a:t>
+                          </a:r>
+                        </a:p>
+                        <a:p>
+                          <a:pPr algn="l"/>
+                          <a:r>
+                            <a:rPr lang="en-US" sz="1200" dirty="0" err="1">
+                              <a:solidFill>
+                                <a:srgbClr val="000000"/>
+                              </a:solidFill>
+                              <a:latin typeface="Consolas" panose="020B0609020204030204" pitchFamily="49" charset="0"/>
                             </a:rPr>
                             <a:t>Timevalue</a:t>
                           </a:r>
                           <a:r>
-                            <a:rPr lang="en-US" sz="1800" kern="1200" dirty="0">
-                              <a:solidFill>
-                                <a:schemeClr val="dk1"/>
-                              </a:solidFill>
-                              <a:latin typeface="+mn-lt"/>
-                              <a:ea typeface="+mn-ea"/>
-                              <a:cs typeface="+mn-cs"/>
+                            <a:rPr lang="en-US" sz="1200" dirty="0">
+                              <a:solidFill>
+                                <a:srgbClr val="000000"/>
+                              </a:solidFill>
+                              <a:latin typeface="Consolas" panose="020B0609020204030204" pitchFamily="49" charset="0"/>
                             </a:rPr>
                             <a:t>[</a:t>
                           </a:r>
                           <a:r>
-                            <a:rPr lang="en-US" sz="1800" kern="1200" dirty="0" err="1">
-                              <a:solidFill>
-                                <a:schemeClr val="dk1"/>
-                              </a:solidFill>
-                              <a:latin typeface="+mn-lt"/>
-                              <a:ea typeface="+mn-ea"/>
-                              <a:cs typeface="+mn-cs"/>
+                            <a:rPr lang="en-US" sz="1200" dirty="0" err="1">
+                              <a:solidFill>
+                                <a:srgbClr val="000000"/>
+                              </a:solidFill>
+                              <a:latin typeface="Consolas" panose="020B0609020204030204" pitchFamily="49" charset="0"/>
                             </a:rPr>
                             <a:t>dst</a:t>
                           </a:r>
                           <a:r>
-                            <a:rPr lang="en-US" sz="1800" kern="1200" dirty="0">
-                              <a:solidFill>
-                                <a:schemeClr val="dk1"/>
-                              </a:solidFill>
-                              <a:latin typeface="+mn-lt"/>
-                              <a:ea typeface="+mn-ea"/>
-                              <a:cs typeface="+mn-cs"/>
+                            <a:rPr lang="en-US" sz="1200" dirty="0">
+                              <a:solidFill>
+                                <a:srgbClr val="000000"/>
+                              </a:solidFill>
+                              <a:latin typeface="Consolas" panose="020B0609020204030204" pitchFamily="49" charset="0"/>
                             </a:rPr>
                             <a:t>, day] &gt;= </a:t>
                           </a:r>
                           <a:r>
-                            <a:rPr lang="en-US" sz="1800" b="1" kern="1200" dirty="0">
-                              <a:solidFill>
-                                <a:schemeClr val="dk1"/>
-                              </a:solidFill>
-                              <a:latin typeface="+mn-lt"/>
-                              <a:ea typeface="+mn-ea"/>
-                              <a:cs typeface="+mn-cs"/>
-                            </a:rPr>
-                            <a:t>sum {</a:t>
-                          </a:r>
-                          <a:r>
-                            <a:rPr lang="en-US" sz="1800" b="1" kern="1200" dirty="0" err="1">
-                              <a:solidFill>
-                                <a:schemeClr val="dk1"/>
-                              </a:solidFill>
-                              <a:latin typeface="+mn-lt"/>
-                              <a:ea typeface="+mn-ea"/>
-                              <a:cs typeface="+mn-cs"/>
+                            <a:rPr lang="en-US" sz="1200" b="1" dirty="0">
+                              <a:solidFill>
+                                <a:srgbClr val="7F0055"/>
+                              </a:solidFill>
+                              <a:latin typeface="Consolas" panose="020B0609020204030204" pitchFamily="49" charset="0"/>
+                            </a:rPr>
+                            <a:t>sum </a:t>
+                          </a:r>
+                          <a:r>
+                            <a:rPr lang="en-US" sz="1200" b="1" dirty="0">
+                              <a:solidFill>
+                                <a:srgbClr val="000000"/>
+                              </a:solidFill>
+                              <a:latin typeface="Consolas" panose="020B0609020204030204" pitchFamily="49" charset="0"/>
+                            </a:rPr>
+                            <a:t>{</a:t>
+                          </a:r>
+                          <a:r>
+                            <a:rPr lang="en-US" sz="1200" b="1" dirty="0" err="1">
+                              <a:solidFill>
+                                <a:srgbClr val="000000"/>
+                              </a:solidFill>
+                              <a:latin typeface="Consolas" panose="020B0609020204030204" pitchFamily="49" charset="0"/>
                             </a:rPr>
                             <a:t>src</a:t>
                           </a:r>
                           <a:r>
-                            <a:rPr lang="en-US" sz="1800" b="1" kern="1200" dirty="0">
-                              <a:solidFill>
-                                <a:schemeClr val="dk1"/>
-                              </a:solidFill>
-                              <a:latin typeface="+mn-lt"/>
-                              <a:ea typeface="+mn-ea"/>
-                              <a:cs typeface="+mn-cs"/>
-                            </a:rPr>
-                            <a:t> in ALL_PLACES} (</a:t>
-                          </a:r>
-                        </a:p>
-                        <a:p>
-                          <a:r>
-                            <a:rPr lang="en-IN" sz="1800" kern="1200" dirty="0">
-                              <a:solidFill>
-                                <a:schemeClr val="dk1"/>
-                              </a:solidFill>
-                              <a:latin typeface="+mn-lt"/>
-                              <a:ea typeface="+mn-ea"/>
-                              <a:cs typeface="+mn-cs"/>
+                            <a:rPr lang="en-US" sz="1200" b="1" dirty="0">
+                              <a:solidFill>
+                                <a:srgbClr val="000000"/>
+                              </a:solidFill>
+                              <a:latin typeface="Consolas" panose="020B0609020204030204" pitchFamily="49" charset="0"/>
+                            </a:rPr>
+                            <a:t> </a:t>
+                          </a:r>
+                          <a:r>
+                            <a:rPr lang="en-US" sz="1200" b="1" dirty="0">
+                              <a:solidFill>
+                                <a:srgbClr val="7F0055"/>
+                              </a:solidFill>
+                              <a:latin typeface="Consolas" panose="020B0609020204030204" pitchFamily="49" charset="0"/>
+                            </a:rPr>
+                            <a:t>in </a:t>
+                          </a:r>
+                          <a:r>
+                            <a:rPr lang="en-US" sz="1200" b="1" dirty="0">
+                              <a:solidFill>
+                                <a:srgbClr val="000000"/>
+                              </a:solidFill>
+                              <a:latin typeface="Consolas" panose="020B0609020204030204" pitchFamily="49" charset="0"/>
+                            </a:rPr>
+                            <a:t>ALL_PLACES} (</a:t>
+                          </a:r>
+                        </a:p>
+                        <a:p>
+                          <a:pPr algn="l"/>
+                          <a:r>
+                            <a:rPr lang="en-US" sz="1200" dirty="0">
+                              <a:solidFill>
+                                <a:srgbClr val="000000"/>
+                              </a:solidFill>
+                              <a:latin typeface="Consolas" panose="020B0609020204030204" pitchFamily="49" charset="0"/>
                             </a:rPr>
                             <a:t>( </a:t>
                           </a:r>
                           <a:r>
-                            <a:rPr lang="en-IN" sz="1800" kern="1200" dirty="0" err="1">
-                              <a:solidFill>
-                                <a:schemeClr val="dk1"/>
-                              </a:solidFill>
-                              <a:latin typeface="+mn-lt"/>
-                              <a:ea typeface="+mn-ea"/>
-                              <a:cs typeface="+mn-cs"/>
+                            <a:rPr lang="en-US" sz="1200" dirty="0" err="1">
+                              <a:solidFill>
+                                <a:srgbClr val="000000"/>
+                              </a:solidFill>
+                              <a:latin typeface="Consolas" panose="020B0609020204030204" pitchFamily="49" charset="0"/>
                             </a:rPr>
                             <a:t>Timevalue</a:t>
                           </a:r>
                           <a:r>
-                            <a:rPr lang="en-IN" sz="1800" kern="1200" dirty="0">
-                              <a:solidFill>
-                                <a:schemeClr val="dk1"/>
-                              </a:solidFill>
-                              <a:latin typeface="+mn-lt"/>
-                              <a:ea typeface="+mn-ea"/>
-                              <a:cs typeface="+mn-cs"/>
+                            <a:rPr lang="en-US" sz="1200" dirty="0">
+                              <a:solidFill>
+                                <a:srgbClr val="000000"/>
+                              </a:solidFill>
+                              <a:latin typeface="Consolas" panose="020B0609020204030204" pitchFamily="49" charset="0"/>
                             </a:rPr>
                             <a:t>[</a:t>
                           </a:r>
                           <a:r>
-                            <a:rPr lang="en-IN" sz="1800" kern="1200" dirty="0" err="1">
-                              <a:solidFill>
-                                <a:schemeClr val="dk1"/>
-                              </a:solidFill>
-                              <a:latin typeface="+mn-lt"/>
-                              <a:ea typeface="+mn-ea"/>
-                              <a:cs typeface="+mn-cs"/>
+                            <a:rPr lang="en-US" sz="1200" dirty="0" err="1">
+                              <a:solidFill>
+                                <a:srgbClr val="000000"/>
+                              </a:solidFill>
+                              <a:latin typeface="Consolas" panose="020B0609020204030204" pitchFamily="49" charset="0"/>
                             </a:rPr>
                             <a:t>src</a:t>
                           </a:r>
                           <a:r>
-                            <a:rPr lang="en-IN" sz="1800" kern="1200" dirty="0">
-                              <a:solidFill>
-                                <a:schemeClr val="dk1"/>
-                              </a:solidFill>
-                              <a:latin typeface="+mn-lt"/>
-                              <a:ea typeface="+mn-ea"/>
-                              <a:cs typeface="+mn-cs"/>
+                            <a:rPr lang="en-US" sz="1200" dirty="0">
+                              <a:solidFill>
+                                <a:srgbClr val="000000"/>
+                              </a:solidFill>
+                              <a:latin typeface="Consolas" panose="020B0609020204030204" pitchFamily="49" charset="0"/>
                             </a:rPr>
                             <a:t>, day] + Duration[</a:t>
                           </a:r>
                           <a:r>
-                            <a:rPr lang="en-IN" sz="1800" kern="1200" dirty="0" err="1">
-                              <a:solidFill>
-                                <a:schemeClr val="dk1"/>
-                              </a:solidFill>
-                              <a:latin typeface="+mn-lt"/>
-                              <a:ea typeface="+mn-ea"/>
-                              <a:cs typeface="+mn-cs"/>
+                            <a:rPr lang="en-US" sz="1200" dirty="0" err="1">
+                              <a:solidFill>
+                                <a:srgbClr val="000000"/>
+                              </a:solidFill>
+                              <a:latin typeface="Consolas" panose="020B0609020204030204" pitchFamily="49" charset="0"/>
                             </a:rPr>
                             <a:t>src</a:t>
                           </a:r>
                           <a:r>
-                            <a:rPr lang="en-IN" sz="1800" kern="1200" dirty="0">
-                              <a:solidFill>
-                                <a:schemeClr val="dk1"/>
-                              </a:solidFill>
-                              <a:latin typeface="+mn-lt"/>
-                              <a:ea typeface="+mn-ea"/>
-                              <a:cs typeface="+mn-cs"/>
+                            <a:rPr lang="en-US" sz="1200" dirty="0">
+                              <a:solidFill>
+                                <a:srgbClr val="000000"/>
+                              </a:solidFill>
+                              <a:latin typeface="Consolas" panose="020B0609020204030204" pitchFamily="49" charset="0"/>
                             </a:rPr>
                             <a:t>] +  </a:t>
                           </a:r>
                         </a:p>
                         <a:p>
-                          <a:r>
-                            <a:rPr lang="en-IN" sz="1800" kern="1200" dirty="0">
-                              <a:solidFill>
-                                <a:schemeClr val="dk1"/>
-                              </a:solidFill>
-                              <a:latin typeface="+mn-lt"/>
-                              <a:ea typeface="+mn-ea"/>
-                              <a:cs typeface="+mn-cs"/>
+                          <a:pPr algn="l"/>
+                          <a:r>
+                            <a:rPr lang="en-US" sz="1200" dirty="0">
+                              <a:solidFill>
+                                <a:srgbClr val="000000"/>
+                              </a:solidFill>
+                              <a:latin typeface="Consolas" panose="020B0609020204030204" pitchFamily="49" charset="0"/>
                             </a:rPr>
                             <a:t>Distance[</a:t>
                           </a:r>
                           <a:r>
-                            <a:rPr lang="en-IN" sz="1800" kern="1200" dirty="0" err="1">
-                              <a:solidFill>
-                                <a:schemeClr val="dk1"/>
-                              </a:solidFill>
-                              <a:latin typeface="+mn-lt"/>
-                              <a:ea typeface="+mn-ea"/>
-                              <a:cs typeface="+mn-cs"/>
+                            <a:rPr lang="en-US" sz="1200" dirty="0" err="1">
+                              <a:solidFill>
+                                <a:srgbClr val="000000"/>
+                              </a:solidFill>
+                              <a:latin typeface="Consolas" panose="020B0609020204030204" pitchFamily="49" charset="0"/>
                             </a:rPr>
                             <a:t>src</a:t>
                           </a:r>
                           <a:r>
-                            <a:rPr lang="en-IN" sz="1800" kern="1200" dirty="0">
-                              <a:solidFill>
-                                <a:schemeClr val="dk1"/>
-                              </a:solidFill>
-                              <a:latin typeface="+mn-lt"/>
-                              <a:ea typeface="+mn-ea"/>
-                              <a:cs typeface="+mn-cs"/>
+                            <a:rPr lang="en-US" sz="1200" dirty="0">
+                              <a:solidFill>
+                                <a:srgbClr val="000000"/>
+                              </a:solidFill>
+                              <a:latin typeface="Consolas" panose="020B0609020204030204" pitchFamily="49" charset="0"/>
                             </a:rPr>
                             <a:t>, </a:t>
                           </a:r>
                           <a:r>
-                            <a:rPr lang="en-IN" sz="1800" kern="1200" dirty="0" err="1">
-                              <a:solidFill>
-                                <a:schemeClr val="dk1"/>
-                              </a:solidFill>
-                              <a:latin typeface="+mn-lt"/>
-                              <a:ea typeface="+mn-ea"/>
-                              <a:cs typeface="+mn-cs"/>
+                            <a:rPr lang="en-US" sz="1200" dirty="0" err="1">
+                              <a:solidFill>
+                                <a:srgbClr val="000000"/>
+                              </a:solidFill>
+                              <a:latin typeface="Consolas" panose="020B0609020204030204" pitchFamily="49" charset="0"/>
                             </a:rPr>
                             <a:t>dst</a:t>
                           </a:r>
                           <a:r>
-                            <a:rPr lang="en-IN" sz="1800" kern="1200" dirty="0">
-                              <a:solidFill>
-                                <a:schemeClr val="dk1"/>
-                              </a:solidFill>
-                              <a:latin typeface="+mn-lt"/>
-                              <a:ea typeface="+mn-ea"/>
-                              <a:cs typeface="+mn-cs"/>
+                            <a:rPr lang="en-US" sz="1200" dirty="0">
+                              <a:solidFill>
+                                <a:srgbClr val="000000"/>
+                              </a:solidFill>
+                              <a:latin typeface="Consolas" panose="020B0609020204030204" pitchFamily="49" charset="0"/>
                             </a:rPr>
                             <a:t>]*</a:t>
                           </a:r>
                           <a:r>
-                            <a:rPr lang="en-IN" sz="1800" kern="1200" dirty="0" err="1">
-                              <a:solidFill>
-                                <a:schemeClr val="dk1"/>
-                              </a:solidFill>
-                              <a:latin typeface="+mn-lt"/>
-                              <a:ea typeface="+mn-ea"/>
-                              <a:cs typeface="+mn-cs"/>
+                            <a:rPr lang="en-US" sz="1200" dirty="0" err="1">
+                              <a:solidFill>
+                                <a:srgbClr val="000000"/>
+                              </a:solidFill>
+                              <a:latin typeface="Consolas" panose="020B0609020204030204" pitchFamily="49" charset="0"/>
                             </a:rPr>
                             <a:t>timeFactor</a:t>
                           </a:r>
                           <a:r>
-                            <a:rPr lang="en-IN" sz="1800" kern="1200" dirty="0">
-                              <a:solidFill>
-                                <a:schemeClr val="dk1"/>
-                              </a:solidFill>
-                              <a:latin typeface="+mn-lt"/>
-                              <a:ea typeface="+mn-ea"/>
-                              <a:cs typeface="+mn-cs"/>
+                            <a:rPr lang="en-US" sz="1200" dirty="0">
+                              <a:solidFill>
+                                <a:srgbClr val="000000"/>
+                              </a:solidFill>
+                              <a:latin typeface="Consolas" panose="020B0609020204030204" pitchFamily="49" charset="0"/>
                             </a:rPr>
                             <a:t>/</a:t>
                           </a:r>
                           <a:r>
-                            <a:rPr lang="en-IN" sz="1800" kern="1200" dirty="0" err="1">
-                              <a:solidFill>
-                                <a:schemeClr val="dk1"/>
-                              </a:solidFill>
-                              <a:latin typeface="+mn-lt"/>
-                              <a:ea typeface="+mn-ea"/>
-                              <a:cs typeface="+mn-cs"/>
+                            <a:rPr lang="en-US" sz="1200" dirty="0" err="1">
+                              <a:solidFill>
+                                <a:srgbClr val="000000"/>
+                              </a:solidFill>
+                              <a:latin typeface="Consolas" panose="020B0609020204030204" pitchFamily="49" charset="0"/>
                             </a:rPr>
                             <a:t>minMPH</a:t>
                           </a:r>
                           <a:r>
-                            <a:rPr lang="en-IN" sz="1800" kern="1200" dirty="0">
-                              <a:solidFill>
-                                <a:schemeClr val="dk1"/>
-                              </a:solidFill>
-                              <a:latin typeface="+mn-lt"/>
-                              <a:ea typeface="+mn-ea"/>
-                              <a:cs typeface="+mn-cs"/>
+                            <a:rPr lang="en-US" sz="1200" dirty="0">
+                              <a:solidFill>
+                                <a:srgbClr val="000000"/>
+                              </a:solidFill>
+                              <a:latin typeface="Consolas" panose="020B0609020204030204" pitchFamily="49" charset="0"/>
                             </a:rPr>
                             <a:t>)*travel[</a:t>
                           </a:r>
                           <a:r>
-                            <a:rPr lang="en-IN" sz="1800" kern="1200" dirty="0" err="1">
-                              <a:solidFill>
-                                <a:schemeClr val="dk1"/>
-                              </a:solidFill>
-                              <a:latin typeface="+mn-lt"/>
-                              <a:ea typeface="+mn-ea"/>
-                              <a:cs typeface="+mn-cs"/>
+                            <a:rPr lang="en-US" sz="1200" dirty="0" err="1">
+                              <a:solidFill>
+                                <a:srgbClr val="000000"/>
+                              </a:solidFill>
+                              <a:latin typeface="Consolas" panose="020B0609020204030204" pitchFamily="49" charset="0"/>
                             </a:rPr>
                             <a:t>src</a:t>
                           </a:r>
                           <a:r>
-                            <a:rPr lang="en-IN" sz="1800" kern="1200" dirty="0">
-                              <a:solidFill>
-                                <a:schemeClr val="dk1"/>
-                              </a:solidFill>
-                              <a:latin typeface="+mn-lt"/>
-                              <a:ea typeface="+mn-ea"/>
-                              <a:cs typeface="+mn-cs"/>
+                            <a:rPr lang="en-US" sz="1200" dirty="0">
+                              <a:solidFill>
+                                <a:srgbClr val="000000"/>
+                              </a:solidFill>
+                              <a:latin typeface="Consolas" panose="020B0609020204030204" pitchFamily="49" charset="0"/>
                             </a:rPr>
                             <a:t>, </a:t>
                           </a:r>
                           <a:r>
-                            <a:rPr lang="en-IN" sz="1800" kern="1200" dirty="0" err="1">
-                              <a:solidFill>
-                                <a:schemeClr val="dk1"/>
-                              </a:solidFill>
-                              <a:latin typeface="+mn-lt"/>
-                              <a:ea typeface="+mn-ea"/>
-                              <a:cs typeface="+mn-cs"/>
+                            <a:rPr lang="en-US" sz="1200" dirty="0" err="1">
+                              <a:solidFill>
+                                <a:srgbClr val="000000"/>
+                              </a:solidFill>
+                              <a:latin typeface="Consolas" panose="020B0609020204030204" pitchFamily="49" charset="0"/>
                             </a:rPr>
                             <a:t>dst</a:t>
                           </a:r>
                           <a:r>
-                            <a:rPr lang="en-IN" sz="1800" kern="1200" dirty="0">
-                              <a:solidFill>
-                                <a:schemeClr val="dk1"/>
-                              </a:solidFill>
-                              <a:latin typeface="+mn-lt"/>
-                              <a:ea typeface="+mn-ea"/>
-                              <a:cs typeface="+mn-cs"/>
+                            <a:rPr lang="en-US" sz="1200" dirty="0">
+                              <a:solidFill>
+                                <a:srgbClr val="000000"/>
+                              </a:solidFill>
+                              <a:latin typeface="Consolas" panose="020B0609020204030204" pitchFamily="49" charset="0"/>
                             </a:rPr>
                             <a:t>, day]);</a:t>
                           </a:r>
+                          <a:endParaRPr lang="en-IN" sz="1200" kern="1200" dirty="0">
+                            <a:solidFill>
+                              <a:schemeClr val="dk1"/>
+                            </a:solidFill>
+                            <a:latin typeface="+mn-lt"/>
+                            <a:ea typeface="+mn-ea"/>
+                            <a:cs typeface="+mn-cs"/>
+                          </a:endParaRPr>
                         </a:p>
                       </a:txBody>
                       <a:tcPr anchor="ctr"/>
@@ -14558,7 +15720,7 @@
                         <a:blipFill>
                           <a:blip r:embed="rId2"/>
                           <a:stretch>
-                            <a:fillRect l="-174178" t="-92651" r="-626" b="-3150"/>
+                            <a:fillRect l="-174178" t="-92651" r="-626" b="-525"/>
                           </a:stretch>
                         </a:blipFill>
                       </a:tcPr>
@@ -14622,7 +15784,7 @@
           <a:p>
             <a:r>
               <a:rPr lang="en-IN" dirty="0"/>
-              <a:t>FINDINGS</a:t>
+              <a:t>Results</a:t>
             </a:r>
           </a:p>
         </p:txBody>
@@ -14760,6 +15922,379 @@
       </p:grpSpPr>
       <p:sp>
         <p:nvSpPr>
+          <p:cNvPr id="2" name="Title 1">
+            <a:extLst>
+              <a:ext uri="{FF2B5EF4-FFF2-40B4-BE49-F238E27FC236}">
+                <a16:creationId xmlns:a16="http://schemas.microsoft.com/office/drawing/2014/main" id="{6442FB30-5BE5-4272-A32C-9E4F0889AF41}"/>
+              </a:ext>
+            </a:extLst>
+          </p:cNvPr>
+          <p:cNvSpPr>
+            <a:spLocks noGrp="1"/>
+          </p:cNvSpPr>
+          <p:nvPr>
+            <p:ph type="title"/>
+          </p:nvPr>
+        </p:nvSpPr>
+        <p:spPr>
+          <a:xfrm>
+            <a:off x="838200" y="365125"/>
+            <a:ext cx="3341914" cy="1325563"/>
+          </a:xfrm>
+        </p:spPr>
+        <p:txBody>
+          <a:bodyPr/>
+          <a:lstStyle/>
+          <a:p>
+            <a:r>
+              <a:rPr lang="en-US" dirty="0"/>
+              <a:t>Output Paths</a:t>
+            </a:r>
+          </a:p>
+        </p:txBody>
+      </p:sp>
+      <p:pic>
+        <p:nvPicPr>
+          <p:cNvPr id="4" name="Picture 3">
+            <a:extLst>
+              <a:ext uri="{FF2B5EF4-FFF2-40B4-BE49-F238E27FC236}">
+                <a16:creationId xmlns:a16="http://schemas.microsoft.com/office/drawing/2014/main" id="{B9A99CCD-A86E-4A98-9E31-D629C4B39D45}"/>
+              </a:ext>
+            </a:extLst>
+          </p:cNvPr>
+          <p:cNvPicPr>
+            <a:picLocks noChangeAspect="1"/>
+          </p:cNvPicPr>
+          <p:nvPr/>
+        </p:nvPicPr>
+        <p:blipFill rotWithShape="1">
+          <a:blip r:embed="rId2"/>
+          <a:srcRect l="15223" t="2154" r="7441" b="3650"/>
+          <a:stretch/>
+        </p:blipFill>
+        <p:spPr>
+          <a:xfrm>
+            <a:off x="4167053" y="71538"/>
+            <a:ext cx="7602583" cy="6800856"/>
+          </a:xfrm>
+          <a:prstGeom prst="rect">
+            <a:avLst/>
+          </a:prstGeom>
+        </p:spPr>
+      </p:pic>
+    </p:spTree>
+    <p:extLst>
+      <p:ext uri="{BB962C8B-B14F-4D97-AF65-F5344CB8AC3E}">
+        <p14:creationId xmlns:p14="http://schemas.microsoft.com/office/powerpoint/2010/main" val="580284435"/>
+      </p:ext>
+    </p:extLst>
+  </p:cSld>
+  <p:clrMapOvr>
+    <a:masterClrMapping/>
+  </p:clrMapOvr>
+</p:sld>
+</file>
+
+<file path=ppt/slides/slide17.xml><?xml version="1.0" encoding="utf-8"?>
+<p:sld xmlns:a="http://schemas.openxmlformats.org/drawingml/2006/main" xmlns:r="http://schemas.openxmlformats.org/officeDocument/2006/relationships" xmlns:p="http://schemas.openxmlformats.org/presentationml/2006/main">
+  <p:cSld>
+    <p:bg>
+      <p:bgPr>
+        <a:solidFill>
+          <a:schemeClr val="bg1"/>
+        </a:solidFill>
+        <a:effectLst/>
+      </p:bgPr>
+    </p:bg>
+    <p:spTree>
+      <p:nvGrpSpPr>
+        <p:cNvPr id="1" name=""/>
+        <p:cNvGrpSpPr/>
+        <p:nvPr/>
+      </p:nvGrpSpPr>
+      <p:grpSpPr>
+        <a:xfrm>
+          <a:off x="0" y="0"/>
+          <a:ext cx="0" cy="0"/>
+          <a:chOff x="0" y="0"/>
+          <a:chExt cx="0" cy="0"/>
+        </a:xfrm>
+      </p:grpSpPr>
+      <p:pic>
+        <p:nvPicPr>
+          <p:cNvPr id="15" name="Picture 14">
+            <a:extLst>
+              <a:ext uri="{FF2B5EF4-FFF2-40B4-BE49-F238E27FC236}">
+                <a16:creationId xmlns:a16="http://schemas.microsoft.com/office/drawing/2014/main" id="{4EE33944-EF52-4CD4-BEA5-8650E64E18F1}"/>
+              </a:ext>
+            </a:extLst>
+          </p:cNvPr>
+          <p:cNvPicPr>
+            <a:picLocks noChangeAspect="1"/>
+          </p:cNvPicPr>
+          <p:nvPr/>
+        </p:nvPicPr>
+        <p:blipFill>
+          <a:blip r:embed="rId2">
+            <a:extLst>
+              <a:ext uri="{28A0092B-C50C-407E-A947-70E740481C1C}">
+                <a14:useLocalDpi xmlns:a14="http://schemas.microsoft.com/office/drawing/2010/main" val="0"/>
+              </a:ext>
+            </a:extLst>
+          </a:blip>
+          <a:stretch>
+            <a:fillRect/>
+          </a:stretch>
+        </p:blipFill>
+        <p:spPr>
+          <a:xfrm>
+            <a:off x="685800" y="2264230"/>
+            <a:ext cx="5297279" cy="4069080"/>
+          </a:xfrm>
+          <a:prstGeom prst="rect">
+            <a:avLst/>
+          </a:prstGeom>
+        </p:spPr>
+      </p:pic>
+      <p:pic>
+        <p:nvPicPr>
+          <p:cNvPr id="17" name="Picture 16">
+            <a:extLst>
+              <a:ext uri="{FF2B5EF4-FFF2-40B4-BE49-F238E27FC236}">
+                <a16:creationId xmlns:a16="http://schemas.microsoft.com/office/drawing/2014/main" id="{81D7308A-AFC0-4A0B-9EF6-4F68FAC2A362}"/>
+              </a:ext>
+            </a:extLst>
+          </p:cNvPr>
+          <p:cNvPicPr>
+            <a:picLocks noChangeAspect="1"/>
+          </p:cNvPicPr>
+          <p:nvPr/>
+        </p:nvPicPr>
+        <p:blipFill>
+          <a:blip r:embed="rId3">
+            <a:extLst>
+              <a:ext uri="{28A0092B-C50C-407E-A947-70E740481C1C}">
+                <a14:useLocalDpi xmlns:a14="http://schemas.microsoft.com/office/drawing/2010/main" val="0"/>
+              </a:ext>
+            </a:extLst>
+          </a:blip>
+          <a:stretch>
+            <a:fillRect/>
+          </a:stretch>
+        </p:blipFill>
+        <p:spPr>
+          <a:xfrm>
+            <a:off x="6096000" y="2264230"/>
+            <a:ext cx="5297278" cy="4069080"/>
+          </a:xfrm>
+          <a:prstGeom prst="rect">
+            <a:avLst/>
+          </a:prstGeom>
+        </p:spPr>
+      </p:pic>
+      <p:sp>
+        <p:nvSpPr>
+          <p:cNvPr id="18" name="Title 1">
+            <a:extLst>
+              <a:ext uri="{FF2B5EF4-FFF2-40B4-BE49-F238E27FC236}">
+                <a16:creationId xmlns:a16="http://schemas.microsoft.com/office/drawing/2014/main" id="{42B6BD07-84C5-4857-9120-F4462478B2D7}"/>
+              </a:ext>
+            </a:extLst>
+          </p:cNvPr>
+          <p:cNvSpPr>
+            <a:spLocks noGrp="1"/>
+          </p:cNvSpPr>
+          <p:nvPr>
+            <p:ph type="title"/>
+          </p:nvPr>
+        </p:nvSpPr>
+        <p:spPr>
+          <a:xfrm>
+            <a:off x="838200" y="365125"/>
+            <a:ext cx="10515600" cy="1325563"/>
+          </a:xfrm>
+        </p:spPr>
+        <p:txBody>
+          <a:bodyPr/>
+          <a:lstStyle/>
+          <a:p>
+            <a:r>
+              <a:rPr lang="en-US" dirty="0"/>
+              <a:t>Output Paths per Day</a:t>
+            </a:r>
+          </a:p>
+        </p:txBody>
+      </p:sp>
+    </p:spTree>
+    <p:extLst>
+      <p:ext uri="{BB962C8B-B14F-4D97-AF65-F5344CB8AC3E}">
+        <p14:creationId xmlns:p14="http://schemas.microsoft.com/office/powerpoint/2010/main" val="3312920998"/>
+      </p:ext>
+    </p:extLst>
+  </p:cSld>
+  <p:clrMapOvr>
+    <a:masterClrMapping/>
+  </p:clrMapOvr>
+</p:sld>
+</file>
+
+<file path=ppt/slides/slide18.xml><?xml version="1.0" encoding="utf-8"?>
+<p:sld xmlns:a="http://schemas.openxmlformats.org/drawingml/2006/main" xmlns:r="http://schemas.openxmlformats.org/officeDocument/2006/relationships" xmlns:p="http://schemas.openxmlformats.org/presentationml/2006/main">
+  <p:cSld>
+    <p:spTree>
+      <p:nvGrpSpPr>
+        <p:cNvPr id="1" name=""/>
+        <p:cNvGrpSpPr/>
+        <p:nvPr/>
+      </p:nvGrpSpPr>
+      <p:grpSpPr>
+        <a:xfrm>
+          <a:off x="0" y="0"/>
+          <a:ext cx="0" cy="0"/>
+          <a:chOff x="0" y="0"/>
+          <a:chExt cx="0" cy="0"/>
+        </a:xfrm>
+      </p:grpSpPr>
+      <p:sp>
+        <p:nvSpPr>
+          <p:cNvPr id="2" name="Title 1">
+            <a:extLst>
+              <a:ext uri="{FF2B5EF4-FFF2-40B4-BE49-F238E27FC236}">
+                <a16:creationId xmlns:a16="http://schemas.microsoft.com/office/drawing/2014/main" id="{8888F705-5ABB-4BAC-B237-FCC58FCB6AAD}"/>
+              </a:ext>
+            </a:extLst>
+          </p:cNvPr>
+          <p:cNvSpPr>
+            <a:spLocks noGrp="1"/>
+          </p:cNvSpPr>
+          <p:nvPr>
+            <p:ph type="title"/>
+          </p:nvPr>
+        </p:nvSpPr>
+        <p:spPr/>
+        <p:txBody>
+          <a:bodyPr/>
+          <a:lstStyle/>
+          <a:p>
+            <a:r>
+              <a:rPr lang="en-US" dirty="0"/>
+              <a:t>Output Paths per Day (..</a:t>
+            </a:r>
+            <a:r>
+              <a:rPr lang="en-US" dirty="0" err="1"/>
+              <a:t>contd</a:t>
+            </a:r>
+            <a:r>
+              <a:rPr lang="en-US" dirty="0"/>
+              <a:t>)</a:t>
+            </a:r>
+          </a:p>
+        </p:txBody>
+      </p:sp>
+      <p:pic>
+        <p:nvPicPr>
+          <p:cNvPr id="8" name="Picture 7">
+            <a:extLst>
+              <a:ext uri="{FF2B5EF4-FFF2-40B4-BE49-F238E27FC236}">
+                <a16:creationId xmlns:a16="http://schemas.microsoft.com/office/drawing/2014/main" id="{F8ABFEA5-F801-490A-BC46-A435E3237394}"/>
+              </a:ext>
+            </a:extLst>
+          </p:cNvPr>
+          <p:cNvPicPr>
+            <a:picLocks noChangeAspect="1"/>
+          </p:cNvPicPr>
+          <p:nvPr/>
+        </p:nvPicPr>
+        <p:blipFill>
+          <a:blip r:embed="rId2">
+            <a:extLst>
+              <a:ext uri="{28A0092B-C50C-407E-A947-70E740481C1C}">
+                <a14:useLocalDpi xmlns:a14="http://schemas.microsoft.com/office/drawing/2010/main" val="0"/>
+              </a:ext>
+            </a:extLst>
+          </a:blip>
+          <a:stretch>
+            <a:fillRect/>
+          </a:stretch>
+        </p:blipFill>
+        <p:spPr>
+          <a:xfrm>
+            <a:off x="6035219" y="1964373"/>
+            <a:ext cx="5297279" cy="4069080"/>
+          </a:xfrm>
+          <a:prstGeom prst="rect">
+            <a:avLst/>
+          </a:prstGeom>
+        </p:spPr>
+      </p:pic>
+      <p:pic>
+        <p:nvPicPr>
+          <p:cNvPr id="12" name="Picture 11">
+            <a:extLst>
+              <a:ext uri="{FF2B5EF4-FFF2-40B4-BE49-F238E27FC236}">
+                <a16:creationId xmlns:a16="http://schemas.microsoft.com/office/drawing/2014/main" id="{5DF8B81A-B481-4DF6-A969-60C3CD13733F}"/>
+              </a:ext>
+            </a:extLst>
+          </p:cNvPr>
+          <p:cNvPicPr>
+            <a:picLocks noChangeAspect="1"/>
+          </p:cNvPicPr>
+          <p:nvPr/>
+        </p:nvPicPr>
+        <p:blipFill>
+          <a:blip r:embed="rId3">
+            <a:extLst>
+              <a:ext uri="{28A0092B-C50C-407E-A947-70E740481C1C}">
+                <a14:useLocalDpi xmlns:a14="http://schemas.microsoft.com/office/drawing/2010/main" val="0"/>
+              </a:ext>
+            </a:extLst>
+          </a:blip>
+          <a:stretch>
+            <a:fillRect/>
+          </a:stretch>
+        </p:blipFill>
+        <p:spPr>
+          <a:xfrm>
+            <a:off x="685800" y="1964372"/>
+            <a:ext cx="5297279" cy="4069080"/>
+          </a:xfrm>
+          <a:prstGeom prst="rect">
+            <a:avLst/>
+          </a:prstGeom>
+        </p:spPr>
+      </p:pic>
+    </p:spTree>
+    <p:extLst>
+      <p:ext uri="{BB962C8B-B14F-4D97-AF65-F5344CB8AC3E}">
+        <p14:creationId xmlns:p14="http://schemas.microsoft.com/office/powerpoint/2010/main" val="91628430"/>
+      </p:ext>
+    </p:extLst>
+  </p:cSld>
+  <p:clrMapOvr>
+    <a:masterClrMapping/>
+  </p:clrMapOvr>
+</p:sld>
+</file>
+
+<file path=ppt/slides/slide19.xml><?xml version="1.0" encoding="utf-8"?>
+<p:sld xmlns:a="http://schemas.openxmlformats.org/drawingml/2006/main" xmlns:r="http://schemas.openxmlformats.org/officeDocument/2006/relationships" xmlns:p="http://schemas.openxmlformats.org/presentationml/2006/main">
+  <p:cSld>
+    <p:spTree>
+      <p:nvGrpSpPr>
+        <p:cNvPr id="1" name=""/>
+        <p:cNvGrpSpPr/>
+        <p:nvPr/>
+      </p:nvGrpSpPr>
+      <p:grpSpPr>
+        <a:xfrm>
+          <a:off x="0" y="0"/>
+          <a:ext cx="0" cy="0"/>
+          <a:chOff x="0" y="0"/>
+          <a:chExt cx="0" cy="0"/>
+        </a:xfrm>
+      </p:grpSpPr>
+      <p:sp>
+        <p:nvSpPr>
           <p:cNvPr id="2" name="Title 1"/>
           <p:cNvSpPr>
             <a:spLocks noGrp="1"/>
@@ -14833,7 +16368,78 @@
 </p:sld>
 </file>
 
-<file path=ppt/slides/slide17.xml><?xml version="1.0" encoding="utf-8"?>
+<file path=ppt/slides/slide2.xml><?xml version="1.0" encoding="utf-8"?>
+<p:sld xmlns:a="http://schemas.openxmlformats.org/drawingml/2006/main" xmlns:r="http://schemas.openxmlformats.org/officeDocument/2006/relationships" xmlns:p="http://schemas.openxmlformats.org/presentationml/2006/main">
+  <p:cSld>
+    <p:spTree>
+      <p:nvGrpSpPr>
+        <p:cNvPr id="1" name=""/>
+        <p:cNvGrpSpPr/>
+        <p:nvPr/>
+      </p:nvGrpSpPr>
+      <p:grpSpPr>
+        <a:xfrm>
+          <a:off x="0" y="0"/>
+          <a:ext cx="0" cy="0"/>
+          <a:chOff x="0" y="0"/>
+          <a:chExt cx="0" cy="0"/>
+        </a:xfrm>
+      </p:grpSpPr>
+      <p:sp>
+        <p:nvSpPr>
+          <p:cNvPr id="2" name="Title 1"/>
+          <p:cNvSpPr>
+            <a:spLocks noGrp="1"/>
+          </p:cNvSpPr>
+          <p:nvPr>
+            <p:ph type="title"/>
+          </p:nvPr>
+        </p:nvSpPr>
+        <p:spPr/>
+        <p:txBody>
+          <a:bodyPr/>
+          <a:lstStyle/>
+          <a:p>
+            <a:r>
+              <a:rPr lang="en-IN" dirty="0"/>
+              <a:t>Motivations and Problem Statement</a:t>
+            </a:r>
+          </a:p>
+        </p:txBody>
+      </p:sp>
+      <p:sp>
+        <p:nvSpPr>
+          <p:cNvPr id="3" name="Content Placeholder 2"/>
+          <p:cNvSpPr>
+            <a:spLocks noGrp="1"/>
+          </p:cNvSpPr>
+          <p:nvPr>
+            <p:ph idx="1"/>
+          </p:nvPr>
+        </p:nvSpPr>
+        <p:spPr/>
+        <p:txBody>
+          <a:bodyPr/>
+          <a:lstStyle/>
+          <a:p>
+            <a:endParaRPr lang="en-IN" dirty="0"/>
+          </a:p>
+        </p:txBody>
+      </p:sp>
+    </p:spTree>
+    <p:extLst>
+      <p:ext uri="{BB962C8B-B14F-4D97-AF65-F5344CB8AC3E}">
+        <p14:creationId xmlns:p14="http://schemas.microsoft.com/office/powerpoint/2010/main" val="2839652936"/>
+      </p:ext>
+    </p:extLst>
+  </p:cSld>
+  <p:clrMapOvr>
+    <a:masterClrMapping/>
+  </p:clrMapOvr>
+</p:sld>
+</file>
+
+<file path=ppt/slides/slide20.xml><?xml version="1.0" encoding="utf-8"?>
 <p:sld xmlns:a="http://schemas.openxmlformats.org/drawingml/2006/main" xmlns:r="http://schemas.openxmlformats.org/officeDocument/2006/relationships" xmlns:p="http://schemas.openxmlformats.org/presentationml/2006/main">
   <p:cSld>
     <p:spTree>
@@ -14946,7 +16552,7 @@
 </p:sld>
 </file>
 
-<file path=ppt/slides/slide18.xml><?xml version="1.0" encoding="utf-8"?>
+<file path=ppt/slides/slide21.xml><?xml version="1.0" encoding="utf-8"?>
 <p:sld xmlns:a="http://schemas.openxmlformats.org/drawingml/2006/main" xmlns:r="http://schemas.openxmlformats.org/officeDocument/2006/relationships" xmlns:p="http://schemas.openxmlformats.org/presentationml/2006/main">
   <p:cSld>
     <p:spTree>
@@ -14980,7 +16586,7 @@
           <a:p>
             <a:r>
               <a:rPr lang="en-IN" dirty="0"/>
-              <a:t>SENSITIVITY ANALYSIS</a:t>
+              <a:t>Sensitivity Analysis</a:t>
             </a:r>
           </a:p>
         </p:txBody>
@@ -14997,10 +16603,42 @@
         </p:nvSpPr>
         <p:spPr/>
         <p:txBody>
-          <a:bodyPr/>
+          <a:bodyPr>
+            <a:normAutofit/>
+          </a:bodyPr>
           <a:lstStyle/>
           <a:p>
-            <a:endParaRPr lang="en-IN" dirty="0"/>
+            <a:r>
+              <a:rPr lang="en-IN" sz="2400" dirty="0"/>
+              <a:t>We carried out sensitivity analysis to find out the impact on objective function and dependent variables caused by change in independent variable values.</a:t>
+            </a:r>
+          </a:p>
+          <a:p>
+            <a:r>
+              <a:rPr lang="en-IN" sz="2400" dirty="0"/>
+              <a:t>The Sensitive Analysis were performed based on:</a:t>
+            </a:r>
+          </a:p>
+          <a:p>
+            <a:pPr lvl="1"/>
+            <a:r>
+              <a:rPr lang="en-IN" sz="2000" dirty="0"/>
+              <a:t>Change in budget available.</a:t>
+            </a:r>
+          </a:p>
+          <a:p>
+            <a:pPr lvl="1"/>
+            <a:r>
+              <a:rPr lang="en-IN" sz="2000" dirty="0"/>
+              <a:t>Change in travel hours of a day.</a:t>
+            </a:r>
+          </a:p>
+          <a:p>
+            <a:pPr lvl="1"/>
+            <a:r>
+              <a:rPr lang="en-IN" sz="2000" dirty="0"/>
+              <a:t>Change in number of days of travel.</a:t>
+            </a:r>
           </a:p>
         </p:txBody>
       </p:sp>
@@ -15017,7 +16655,7 @@
 </p:sld>
 </file>
 
-<file path=ppt/slides/slide19.xml><?xml version="1.0" encoding="utf-8"?>
+<file path=ppt/slides/slide22.xml><?xml version="1.0" encoding="utf-8"?>
 <p:sld xmlns:a="http://schemas.openxmlformats.org/drawingml/2006/main" xmlns:r="http://schemas.openxmlformats.org/officeDocument/2006/relationships" xmlns:p="http://schemas.openxmlformats.org/presentationml/2006/main">
   <p:cSld>
     <p:spTree>
@@ -15034,6 +16672,102 @@
           <a:chExt cx="0" cy="0"/>
         </a:xfrm>
       </p:grpSpPr>
+      <p:pic>
+        <p:nvPicPr>
+          <p:cNvPr id="4" name="Picture 3"/>
+          <p:cNvPicPr>
+            <a:picLocks noChangeAspect="1"/>
+          </p:cNvPicPr>
+          <p:nvPr/>
+        </p:nvPicPr>
+        <p:blipFill>
+          <a:blip r:embed="rId2">
+            <a:extLst>
+              <a:ext uri="{28A0092B-C50C-407E-A947-70E740481C1C}">
+                <a14:useLocalDpi xmlns:a14="http://schemas.microsoft.com/office/drawing/2010/main" val="0"/>
+              </a:ext>
+            </a:extLst>
+          </a:blip>
+          <a:stretch>
+            <a:fillRect/>
+          </a:stretch>
+        </p:blipFill>
+        <p:spPr>
+          <a:xfrm>
+            <a:off x="0" y="2095500"/>
+            <a:ext cx="5715000" cy="4762500"/>
+          </a:xfrm>
+          <a:prstGeom prst="rect">
+            <a:avLst/>
+          </a:prstGeom>
+        </p:spPr>
+      </p:pic>
+      <p:pic>
+        <p:nvPicPr>
+          <p:cNvPr id="5" name="Picture 4"/>
+          <p:cNvPicPr>
+            <a:picLocks noChangeAspect="1"/>
+          </p:cNvPicPr>
+          <p:nvPr/>
+        </p:nvPicPr>
+        <p:blipFill>
+          <a:blip r:embed="rId3">
+            <a:extLst>
+              <a:ext uri="{28A0092B-C50C-407E-A947-70E740481C1C}">
+                <a14:useLocalDpi xmlns:a14="http://schemas.microsoft.com/office/drawing/2010/main" val="0"/>
+              </a:ext>
+            </a:extLst>
+          </a:blip>
+          <a:stretch>
+            <a:fillRect/>
+          </a:stretch>
+        </p:blipFill>
+        <p:spPr>
+          <a:xfrm>
+            <a:off x="6413500" y="2095500"/>
+            <a:ext cx="5778500" cy="4762500"/>
+          </a:xfrm>
+          <a:prstGeom prst="rect">
+            <a:avLst/>
+          </a:prstGeom>
+        </p:spPr>
+      </p:pic>
+      <p:sp>
+        <p:nvSpPr>
+          <p:cNvPr id="2" name="Title 1">
+            <a:extLst>
+              <a:ext uri="{FF2B5EF4-FFF2-40B4-BE49-F238E27FC236}">
+                <a16:creationId xmlns:a16="http://schemas.microsoft.com/office/drawing/2014/main" id="{566A5C33-2ADD-4749-A87A-584460D327DE}"/>
+              </a:ext>
+            </a:extLst>
+          </p:cNvPr>
+          <p:cNvSpPr>
+            <a:spLocks noGrp="1"/>
+          </p:cNvSpPr>
+          <p:nvPr>
+            <p:ph type="title"/>
+          </p:nvPr>
+        </p:nvSpPr>
+        <p:spPr/>
+        <p:txBody>
+          <a:bodyPr/>
+          <a:lstStyle/>
+          <a:p>
+            <a:r>
+              <a:rPr lang="en-US" dirty="0"/>
+              <a:t>Sensitivity Analysis </a:t>
+            </a:r>
+            <a:r>
+              <a:rPr lang="en-US" dirty="0" err="1"/>
+              <a:t>w.r.t.</a:t>
+            </a:r>
+            <a:r>
+              <a:rPr lang="en-US" dirty="0"/>
+              <a:t> Budget Available</a:t>
+            </a:r>
+          </a:p>
+        </p:txBody>
+      </p:sp>
     </p:spTree>
     <p:extLst>
       <p:ext uri="{BB962C8B-B14F-4D97-AF65-F5344CB8AC3E}">
@@ -15047,7 +16781,370 @@
 </p:sld>
 </file>
 
-<file path=ppt/slides/slide2.xml><?xml version="1.0" encoding="utf-8"?>
+<file path=ppt/slides/slide23.xml><?xml version="1.0" encoding="utf-8"?>
+<p:sld xmlns:a="http://schemas.openxmlformats.org/drawingml/2006/main" xmlns:r="http://schemas.openxmlformats.org/officeDocument/2006/relationships" xmlns:p="http://schemas.openxmlformats.org/presentationml/2006/main">
+  <p:cSld>
+    <p:spTree>
+      <p:nvGrpSpPr>
+        <p:cNvPr id="1" name=""/>
+        <p:cNvGrpSpPr/>
+        <p:nvPr/>
+      </p:nvGrpSpPr>
+      <p:grpSpPr>
+        <a:xfrm>
+          <a:off x="0" y="0"/>
+          <a:ext cx="0" cy="0"/>
+          <a:chOff x="0" y="0"/>
+          <a:chExt cx="0" cy="0"/>
+        </a:xfrm>
+      </p:grpSpPr>
+      <p:pic>
+        <p:nvPicPr>
+          <p:cNvPr id="2" name="Picture 1"/>
+          <p:cNvPicPr>
+            <a:picLocks noChangeAspect="1"/>
+          </p:cNvPicPr>
+          <p:nvPr/>
+        </p:nvPicPr>
+        <p:blipFill>
+          <a:blip r:embed="rId2">
+            <a:extLst>
+              <a:ext uri="{28A0092B-C50C-407E-A947-70E740481C1C}">
+                <a14:useLocalDpi xmlns:a14="http://schemas.microsoft.com/office/drawing/2010/main" val="0"/>
+              </a:ext>
+            </a:extLst>
+          </a:blip>
+          <a:stretch>
+            <a:fillRect/>
+          </a:stretch>
+        </p:blipFill>
+        <p:spPr>
+          <a:xfrm>
+            <a:off x="3175000" y="1479550"/>
+            <a:ext cx="5715000" cy="4762500"/>
+          </a:xfrm>
+          <a:prstGeom prst="rect">
+            <a:avLst/>
+          </a:prstGeom>
+        </p:spPr>
+      </p:pic>
+      <p:sp>
+        <p:nvSpPr>
+          <p:cNvPr id="6" name="Title 1">
+            <a:extLst>
+              <a:ext uri="{FF2B5EF4-FFF2-40B4-BE49-F238E27FC236}">
+                <a16:creationId xmlns:a16="http://schemas.microsoft.com/office/drawing/2014/main" id="{D08223C3-405A-417E-A53B-124BEF95FB6C}"/>
+              </a:ext>
+            </a:extLst>
+          </p:cNvPr>
+          <p:cNvSpPr>
+            <a:spLocks noGrp="1"/>
+          </p:cNvSpPr>
+          <p:nvPr>
+            <p:ph type="title"/>
+          </p:nvPr>
+        </p:nvSpPr>
+        <p:spPr>
+          <a:xfrm>
+            <a:off x="838200" y="398733"/>
+            <a:ext cx="10515600" cy="1325563"/>
+          </a:xfrm>
+        </p:spPr>
+        <p:txBody>
+          <a:bodyPr/>
+          <a:lstStyle/>
+          <a:p>
+            <a:r>
+              <a:rPr lang="en-US" dirty="0"/>
+              <a:t>Sensitivity Analysis </a:t>
+            </a:r>
+            <a:r>
+              <a:rPr lang="en-US" dirty="0" err="1"/>
+              <a:t>w.r.t.</a:t>
+            </a:r>
+            <a:r>
+              <a:rPr lang="en-US" dirty="0"/>
+              <a:t> Budget Available</a:t>
+            </a:r>
+          </a:p>
+        </p:txBody>
+      </p:sp>
+    </p:spTree>
+    <p:extLst>
+      <p:ext uri="{BB962C8B-B14F-4D97-AF65-F5344CB8AC3E}">
+        <p14:creationId xmlns:p14="http://schemas.microsoft.com/office/powerpoint/2010/main" val="1108681901"/>
+      </p:ext>
+    </p:extLst>
+  </p:cSld>
+  <p:clrMapOvr>
+    <a:masterClrMapping/>
+  </p:clrMapOvr>
+</p:sld>
+</file>
+
+<file path=ppt/slides/slide24.xml><?xml version="1.0" encoding="utf-8"?>
+<p:sld xmlns:a="http://schemas.openxmlformats.org/drawingml/2006/main" xmlns:r="http://schemas.openxmlformats.org/officeDocument/2006/relationships" xmlns:p="http://schemas.openxmlformats.org/presentationml/2006/main">
+  <p:cSld>
+    <p:spTree>
+      <p:nvGrpSpPr>
+        <p:cNvPr id="1" name=""/>
+        <p:cNvGrpSpPr/>
+        <p:nvPr/>
+      </p:nvGrpSpPr>
+      <p:grpSpPr>
+        <a:xfrm>
+          <a:off x="0" y="0"/>
+          <a:ext cx="0" cy="0"/>
+          <a:chOff x="0" y="0"/>
+          <a:chExt cx="0" cy="0"/>
+        </a:xfrm>
+      </p:grpSpPr>
+      <p:pic>
+        <p:nvPicPr>
+          <p:cNvPr id="2" name="Picture 1"/>
+          <p:cNvPicPr>
+            <a:picLocks noChangeAspect="1"/>
+          </p:cNvPicPr>
+          <p:nvPr/>
+        </p:nvPicPr>
+        <p:blipFill>
+          <a:blip r:embed="rId2">
+            <a:extLst>
+              <a:ext uri="{28A0092B-C50C-407E-A947-70E740481C1C}">
+                <a14:useLocalDpi xmlns:a14="http://schemas.microsoft.com/office/drawing/2010/main" val="0"/>
+              </a:ext>
+            </a:extLst>
+          </a:blip>
+          <a:stretch>
+            <a:fillRect/>
+          </a:stretch>
+        </p:blipFill>
+        <p:spPr>
+          <a:xfrm>
+            <a:off x="139700" y="2095500"/>
+            <a:ext cx="5715000" cy="4762500"/>
+          </a:xfrm>
+          <a:prstGeom prst="rect">
+            <a:avLst/>
+          </a:prstGeom>
+        </p:spPr>
+      </p:pic>
+      <p:pic>
+        <p:nvPicPr>
+          <p:cNvPr id="3" name="Picture 2"/>
+          <p:cNvPicPr>
+            <a:picLocks noChangeAspect="1"/>
+          </p:cNvPicPr>
+          <p:nvPr/>
+        </p:nvPicPr>
+        <p:blipFill>
+          <a:blip r:embed="rId3">
+            <a:extLst>
+              <a:ext uri="{28A0092B-C50C-407E-A947-70E740481C1C}">
+                <a14:useLocalDpi xmlns:a14="http://schemas.microsoft.com/office/drawing/2010/main" val="0"/>
+              </a:ext>
+            </a:extLst>
+          </a:blip>
+          <a:stretch>
+            <a:fillRect/>
+          </a:stretch>
+        </p:blipFill>
+        <p:spPr>
+          <a:xfrm>
+            <a:off x="6477000" y="2095500"/>
+            <a:ext cx="5715000" cy="4762500"/>
+          </a:xfrm>
+          <a:prstGeom prst="rect">
+            <a:avLst/>
+          </a:prstGeom>
+        </p:spPr>
+      </p:pic>
+      <p:sp>
+        <p:nvSpPr>
+          <p:cNvPr id="7" name="Title 1">
+            <a:extLst>
+              <a:ext uri="{FF2B5EF4-FFF2-40B4-BE49-F238E27FC236}">
+                <a16:creationId xmlns:a16="http://schemas.microsoft.com/office/drawing/2014/main" id="{616F5442-C0E4-4228-901F-778677C7269B}"/>
+              </a:ext>
+            </a:extLst>
+          </p:cNvPr>
+          <p:cNvSpPr>
+            <a:spLocks noGrp="1"/>
+          </p:cNvSpPr>
+          <p:nvPr>
+            <p:ph type="title"/>
+          </p:nvPr>
+        </p:nvSpPr>
+        <p:spPr>
+          <a:xfrm>
+            <a:off x="838200" y="365125"/>
+            <a:ext cx="10515600" cy="1325563"/>
+          </a:xfrm>
+        </p:spPr>
+        <p:txBody>
+          <a:bodyPr/>
+          <a:lstStyle/>
+          <a:p>
+            <a:r>
+              <a:rPr lang="en-US" dirty="0"/>
+              <a:t>Sensitivity Analysis </a:t>
+            </a:r>
+            <a:r>
+              <a:rPr lang="en-US" dirty="0" err="1"/>
+              <a:t>w.r.t.</a:t>
+            </a:r>
+            <a:r>
+              <a:rPr lang="en-US" dirty="0"/>
+              <a:t> Days of Travel</a:t>
+            </a:r>
+          </a:p>
+        </p:txBody>
+      </p:sp>
+    </p:spTree>
+    <p:extLst>
+      <p:ext uri="{BB962C8B-B14F-4D97-AF65-F5344CB8AC3E}">
+        <p14:creationId xmlns:p14="http://schemas.microsoft.com/office/powerpoint/2010/main" val="474484147"/>
+      </p:ext>
+    </p:extLst>
+  </p:cSld>
+  <p:clrMapOvr>
+    <a:masterClrMapping/>
+  </p:clrMapOvr>
+</p:sld>
+</file>
+
+<file path=ppt/slides/slide25.xml><?xml version="1.0" encoding="utf-8"?>
+<p:sld xmlns:a="http://schemas.openxmlformats.org/drawingml/2006/main" xmlns:r="http://schemas.openxmlformats.org/officeDocument/2006/relationships" xmlns:p="http://schemas.openxmlformats.org/presentationml/2006/main">
+  <p:cSld>
+    <p:spTree>
+      <p:nvGrpSpPr>
+        <p:cNvPr id="1" name=""/>
+        <p:cNvGrpSpPr/>
+        <p:nvPr/>
+      </p:nvGrpSpPr>
+      <p:grpSpPr>
+        <a:xfrm>
+          <a:off x="0" y="0"/>
+          <a:ext cx="0" cy="0"/>
+          <a:chOff x="0" y="0"/>
+          <a:chExt cx="0" cy="0"/>
+        </a:xfrm>
+      </p:grpSpPr>
+      <p:pic>
+        <p:nvPicPr>
+          <p:cNvPr id="5" name="Picture 4"/>
+          <p:cNvPicPr>
+            <a:picLocks noChangeAspect="1"/>
+          </p:cNvPicPr>
+          <p:nvPr/>
+        </p:nvPicPr>
+        <p:blipFill>
+          <a:blip r:embed="rId2">
+            <a:extLst>
+              <a:ext uri="{28A0092B-C50C-407E-A947-70E740481C1C}">
+                <a14:useLocalDpi xmlns:a14="http://schemas.microsoft.com/office/drawing/2010/main" val="0"/>
+              </a:ext>
+            </a:extLst>
+          </a:blip>
+          <a:stretch>
+            <a:fillRect/>
+          </a:stretch>
+        </p:blipFill>
+        <p:spPr>
+          <a:xfrm>
+            <a:off x="0" y="2095500"/>
+            <a:ext cx="5715000" cy="4762500"/>
+          </a:xfrm>
+          <a:prstGeom prst="rect">
+            <a:avLst/>
+          </a:prstGeom>
+        </p:spPr>
+      </p:pic>
+      <p:pic>
+        <p:nvPicPr>
+          <p:cNvPr id="6" name="Picture 5"/>
+          <p:cNvPicPr>
+            <a:picLocks noChangeAspect="1"/>
+          </p:cNvPicPr>
+          <p:nvPr/>
+        </p:nvPicPr>
+        <p:blipFill>
+          <a:blip r:embed="rId3">
+            <a:extLst>
+              <a:ext uri="{28A0092B-C50C-407E-A947-70E740481C1C}">
+                <a14:useLocalDpi xmlns:a14="http://schemas.microsoft.com/office/drawing/2010/main" val="0"/>
+              </a:ext>
+            </a:extLst>
+          </a:blip>
+          <a:stretch>
+            <a:fillRect/>
+          </a:stretch>
+        </p:blipFill>
+        <p:spPr>
+          <a:xfrm>
+            <a:off x="6477000" y="2095500"/>
+            <a:ext cx="5715000" cy="4762500"/>
+          </a:xfrm>
+          <a:prstGeom prst="rect">
+            <a:avLst/>
+          </a:prstGeom>
+        </p:spPr>
+      </p:pic>
+      <p:sp>
+        <p:nvSpPr>
+          <p:cNvPr id="7" name="Title 1">
+            <a:extLst>
+              <a:ext uri="{FF2B5EF4-FFF2-40B4-BE49-F238E27FC236}">
+                <a16:creationId xmlns:a16="http://schemas.microsoft.com/office/drawing/2014/main" id="{B4DFA3E2-E99A-4620-B892-EF25E17A5CE0}"/>
+              </a:ext>
+            </a:extLst>
+          </p:cNvPr>
+          <p:cNvSpPr>
+            <a:spLocks noGrp="1"/>
+          </p:cNvSpPr>
+          <p:nvPr>
+            <p:ph type="title"/>
+          </p:nvPr>
+        </p:nvSpPr>
+        <p:spPr>
+          <a:xfrm>
+            <a:off x="838200" y="365125"/>
+            <a:ext cx="10515600" cy="1325563"/>
+          </a:xfrm>
+        </p:spPr>
+        <p:txBody>
+          <a:bodyPr/>
+          <a:lstStyle/>
+          <a:p>
+            <a:r>
+              <a:rPr lang="en-US" dirty="0"/>
+              <a:t>Sensitivity Analysis </a:t>
+            </a:r>
+            <a:r>
+              <a:rPr lang="en-US" dirty="0" err="1"/>
+              <a:t>w.r.t.</a:t>
+            </a:r>
+            <a:r>
+              <a:rPr lang="en-US" dirty="0"/>
+              <a:t> Travel hours in a day</a:t>
+            </a:r>
+          </a:p>
+        </p:txBody>
+      </p:sp>
+    </p:spTree>
+    <p:extLst>
+      <p:ext uri="{BB962C8B-B14F-4D97-AF65-F5344CB8AC3E}">
+        <p14:creationId xmlns:p14="http://schemas.microsoft.com/office/powerpoint/2010/main" val="915636483"/>
+      </p:ext>
+    </p:extLst>
+  </p:cSld>
+  <p:clrMapOvr>
+    <a:masterClrMapping/>
+  </p:clrMapOvr>
+</p:sld>
+</file>
+
+<file path=ppt/slides/slide26.xml><?xml version="1.0" encoding="utf-8"?>
 <p:sld xmlns:a="http://schemas.openxmlformats.org/drawingml/2006/main" xmlns:r="http://schemas.openxmlformats.org/officeDocument/2006/relationships" xmlns:p="http://schemas.openxmlformats.org/presentationml/2006/main">
   <p:cSld>
     <p:spTree>
@@ -15081,78 +17178,7 @@
           <a:p>
             <a:r>
               <a:rPr lang="en-IN" dirty="0"/>
-              <a:t>INTRODUCTION AND PROBLEM STATEMENT</a:t>
-            </a:r>
-          </a:p>
-        </p:txBody>
-      </p:sp>
-      <p:sp>
-        <p:nvSpPr>
-          <p:cNvPr id="3" name="Content Placeholder 2"/>
-          <p:cNvSpPr>
-            <a:spLocks noGrp="1"/>
-          </p:cNvSpPr>
-          <p:nvPr>
-            <p:ph idx="1"/>
-          </p:nvPr>
-        </p:nvSpPr>
-        <p:spPr/>
-        <p:txBody>
-          <a:bodyPr/>
-          <a:lstStyle/>
-          <a:p>
-            <a:endParaRPr lang="en-IN"/>
-          </a:p>
-        </p:txBody>
-      </p:sp>
-    </p:spTree>
-    <p:extLst>
-      <p:ext uri="{BB962C8B-B14F-4D97-AF65-F5344CB8AC3E}">
-        <p14:creationId xmlns:p14="http://schemas.microsoft.com/office/powerpoint/2010/main" val="2839652936"/>
-      </p:ext>
-    </p:extLst>
-  </p:cSld>
-  <p:clrMapOvr>
-    <a:masterClrMapping/>
-  </p:clrMapOvr>
-</p:sld>
-</file>
-
-<file path=ppt/slides/slide20.xml><?xml version="1.0" encoding="utf-8"?>
-<p:sld xmlns:a="http://schemas.openxmlformats.org/drawingml/2006/main" xmlns:r="http://schemas.openxmlformats.org/officeDocument/2006/relationships" xmlns:p="http://schemas.openxmlformats.org/presentationml/2006/main">
-  <p:cSld>
-    <p:spTree>
-      <p:nvGrpSpPr>
-        <p:cNvPr id="1" name=""/>
-        <p:cNvGrpSpPr/>
-        <p:nvPr/>
-      </p:nvGrpSpPr>
-      <p:grpSpPr>
-        <a:xfrm>
-          <a:off x="0" y="0"/>
-          <a:ext cx="0" cy="0"/>
-          <a:chOff x="0" y="0"/>
-          <a:chExt cx="0" cy="0"/>
-        </a:xfrm>
-      </p:grpSpPr>
-      <p:sp>
-        <p:nvSpPr>
-          <p:cNvPr id="2" name="Title 1"/>
-          <p:cNvSpPr>
-            <a:spLocks noGrp="1"/>
-          </p:cNvSpPr>
-          <p:nvPr>
-            <p:ph type="title"/>
-          </p:nvPr>
-        </p:nvSpPr>
-        <p:spPr/>
-        <p:txBody>
-          <a:bodyPr/>
-          <a:lstStyle/>
-          <a:p>
-            <a:r>
-              <a:rPr lang="en-IN" dirty="0"/>
-              <a:t>FUTURE SCOPE AND IMPROVEMENTS</a:t>
+              <a:t>Future scope and improvements</a:t>
             </a:r>
           </a:p>
         </p:txBody>
@@ -15186,12 +17212,6 @@
           <a:p>
             <a:r>
               <a:rPr lang="en-IN" dirty="0"/>
-              <a:t>Processing huge data.</a:t>
-            </a:r>
-          </a:p>
-          <a:p>
-            <a:r>
-              <a:rPr lang="en-IN" dirty="0"/>
               <a:t>Incorporating personal preferences</a:t>
             </a:r>
           </a:p>
@@ -15205,6 +17225,12 @@
             <a:r>
               <a:rPr lang="en-IN" dirty="0"/>
               <a:t>Optimization results provided at a more granular level, say, hour-level</a:t>
+            </a:r>
+          </a:p>
+          <a:p>
+            <a:r>
+              <a:rPr lang="en-IN" dirty="0"/>
+              <a:t>Adding weather information to influence decision</a:t>
             </a:r>
           </a:p>
         </p:txBody>
@@ -15256,7 +17282,7 @@
           <a:p>
             <a:r>
               <a:rPr lang="en-IN" dirty="0"/>
-              <a:t>METHODOLOGY</a:t>
+              <a:t>Methodology</a:t>
             </a:r>
           </a:p>
         </p:txBody>
@@ -15631,9 +17657,43 @@
           <a:chExt cx="0" cy="0"/>
         </a:xfrm>
       </p:grpSpPr>
+      <p:sp>
+        <p:nvSpPr>
+          <p:cNvPr id="2" name="Title 1">
+            <a:extLst>
+              <a:ext uri="{FF2B5EF4-FFF2-40B4-BE49-F238E27FC236}">
+                <a16:creationId xmlns:a16="http://schemas.microsoft.com/office/drawing/2014/main" id="{8365D278-49D6-4589-B676-88A34684CE50}"/>
+              </a:ext>
+            </a:extLst>
+          </p:cNvPr>
+          <p:cNvSpPr>
+            <a:spLocks noGrp="1"/>
+          </p:cNvSpPr>
+          <p:nvPr>
+            <p:ph type="title"/>
+          </p:nvPr>
+        </p:nvSpPr>
+        <p:spPr/>
+        <p:txBody>
+          <a:bodyPr/>
+          <a:lstStyle/>
+          <a:p>
+            <a:r>
+              <a:rPr lang="en-US" dirty="0"/>
+              <a:t>Sightseeing Locations</a:t>
+            </a:r>
+          </a:p>
+        </p:txBody>
+      </p:sp>
       <p:pic>
         <p:nvPicPr>
-          <p:cNvPr id="2" name="Picture 1"/>
+          <p:cNvPr id="8" name="Picture 7">
+            <a:extLst>
+              <a:ext uri="{FF2B5EF4-FFF2-40B4-BE49-F238E27FC236}">
+                <a16:creationId xmlns:a16="http://schemas.microsoft.com/office/drawing/2014/main" id="{AD5CD05B-9489-4BBC-AAA6-12B9B30602F2}"/>
+              </a:ext>
+            </a:extLst>
+          </p:cNvPr>
           <p:cNvPicPr>
             <a:picLocks noChangeAspect="1"/>
           </p:cNvPicPr>
@@ -15653,73 +17713,18 @@
         </p:blipFill>
         <p:spPr>
           <a:xfrm>
-            <a:off x="2184401" y="1490904"/>
-            <a:ext cx="8255000" cy="4605095"/>
+            <a:off x="1394085" y="1490904"/>
+            <a:ext cx="9045316" cy="5045977"/>
           </a:xfrm>
           <a:prstGeom prst="rect">
             <a:avLst/>
           </a:prstGeom>
         </p:spPr>
       </p:pic>
-      <p:sp>
-        <p:nvSpPr>
-          <p:cNvPr id="3" name="TextBox 2"/>
-          <p:cNvSpPr txBox="1"/>
-          <p:nvPr/>
-        </p:nvSpPr>
-        <p:spPr>
-          <a:xfrm>
-            <a:off x="2781300" y="330200"/>
-            <a:ext cx="6972300" cy="812800"/>
-          </a:xfrm>
-          <a:prstGeom prst="rect">
-            <a:avLst/>
-          </a:prstGeom>
-          <a:noFill/>
-        </p:spPr>
-        <p:txBody>
-          <a:bodyPr wrap="square" rtlCol="0">
-            <a:spAutoFit/>
-          </a:bodyPr>
-          <a:lstStyle/>
-          <a:p>
-            <a:endParaRPr lang="en-IN" dirty="0"/>
-          </a:p>
-        </p:txBody>
-      </p:sp>
-      <p:sp>
-        <p:nvSpPr>
-          <p:cNvPr id="4" name="TextBox 3"/>
-          <p:cNvSpPr txBox="1"/>
-          <p:nvPr/>
-        </p:nvSpPr>
-        <p:spPr>
-          <a:xfrm>
-            <a:off x="2184401" y="203200"/>
-            <a:ext cx="8255000" cy="769441"/>
-          </a:xfrm>
-          <a:prstGeom prst="rect">
-            <a:avLst/>
-          </a:prstGeom>
-          <a:noFill/>
-        </p:spPr>
-        <p:txBody>
-          <a:bodyPr wrap="square" rtlCol="0">
-            <a:spAutoFit/>
-          </a:bodyPr>
-          <a:lstStyle/>
-          <a:p>
-            <a:r>
-              <a:rPr lang="en-IN" sz="4400" dirty="0"/>
-              <a:t>SIGHTSEEING LOCATIONS</a:t>
-            </a:r>
-          </a:p>
-        </p:txBody>
-      </p:sp>
     </p:spTree>
     <p:extLst>
       <p:ext uri="{BB962C8B-B14F-4D97-AF65-F5344CB8AC3E}">
-        <p14:creationId xmlns:p14="http://schemas.microsoft.com/office/powerpoint/2010/main" val="2555164492"/>
+        <p14:creationId xmlns:p14="http://schemas.microsoft.com/office/powerpoint/2010/main" val="2566129497"/>
       </p:ext>
     </p:extLst>
   </p:cSld>
@@ -15773,8 +17778,8 @@
           </a:p>
         </p:txBody>
       </p:sp>
-      <mc:AlternateContent xmlns:mc="http://schemas.openxmlformats.org/markup-compatibility/2006">
-        <mc:Choice xmlns:a14="http://schemas.microsoft.com/office/drawing/2010/main" Requires="a14">
+      <mc:AlternateContent xmlns:mc="http://schemas.openxmlformats.org/markup-compatibility/2006" xmlns:a14="http://schemas.microsoft.com/office/drawing/2010/main">
+        <mc:Choice Requires="a14">
           <p:graphicFrame>
             <p:nvGraphicFramePr>
               <p:cNvPr id="4" name="Content Placeholder 3"/>
@@ -17044,7 +19049,7 @@
             </a:graphic>
           </p:graphicFrame>
         </mc:Choice>
-        <mc:Fallback>
+        <mc:Fallback xmlns="">
           <p:graphicFrame>
             <p:nvGraphicFramePr>
               <p:cNvPr id="4" name="Content Placeholder 3"/>
@@ -17929,8 +19934,8 @@
           <a:chExt cx="0" cy="0"/>
         </a:xfrm>
       </p:grpSpPr>
-      <mc:AlternateContent xmlns:mc="http://schemas.openxmlformats.org/markup-compatibility/2006">
-        <mc:Choice xmlns:a14="http://schemas.microsoft.com/office/drawing/2010/main" Requires="a14">
+      <mc:AlternateContent xmlns:mc="http://schemas.openxmlformats.org/markup-compatibility/2006" xmlns:a14="http://schemas.microsoft.com/office/drawing/2010/main">
+        <mc:Choice Requires="a14">
           <p:graphicFrame>
             <p:nvGraphicFramePr>
               <p:cNvPr id="7" name="Content Placeholder 6"/>
@@ -19696,7 +21701,7 @@
             </a:graphic>
           </p:graphicFrame>
         </mc:Choice>
-        <mc:Fallback>
+        <mc:Fallback xmlns="">
           <p:graphicFrame>
             <p:nvGraphicFramePr>
               <p:cNvPr id="7" name="Content Placeholder 6"/>
@@ -20715,7 +22720,7 @@
             </a:pPr>
             <a:r>
               <a:rPr lang="en-IN" dirty="0"/>
-              <a:t>The minimum number of places that can be visited.</a:t>
+              <a:t>The maximum number of places that can be visited.</a:t>
             </a:r>
           </a:p>
           <a:p>
